--- a/presentation/predicting_bank_telemarketing_sales.pptx
+++ b/presentation/predicting_bank_telemarketing_sales.pptx
@@ -7,6 +7,11 @@
   <p:sldIdLst>
     <p:sldId id="292" r:id="rId5"/>
     <p:sldId id="309" r:id="rId6"/>
+    <p:sldId id="310" r:id="rId7"/>
+    <p:sldId id="311" r:id="rId8"/>
+    <p:sldId id="312" r:id="rId9"/>
+    <p:sldId id="313" r:id="rId10"/>
+    <p:sldId id="314" r:id="rId11"/>
   </p:sldIdLst>
   <p:sldSz cx="12192000" cy="6858000"/>
   <p:notesSz cx="6858000" cy="9144000"/>
@@ -868,7 +873,7 @@
 <dgm:dataModel xmlns:dgm="http://schemas.openxmlformats.org/drawingml/2006/diagram" xmlns:a="http://schemas.openxmlformats.org/drawingml/2006/main">
   <dgm:ptLst>
     <dgm:pt modelId="{15509919-36B5-4162-8899-417A9F93473B}" type="doc">
-      <dgm:prSet loTypeId="urn:microsoft.com/office/officeart/2016/7/layout/LinearBlockProcessNumbered#1" loCatId="process" qsTypeId="urn:microsoft.com/office/officeart/2005/8/quickstyle/simple2" qsCatId="simple" csTypeId="urn:microsoft.com/office/officeart/2005/8/colors/accent0_3" csCatId="mainScheme" phldr="1"/>
+      <dgm:prSet loTypeId="urn:microsoft.com/office/officeart/2005/8/layout/pList1" loCatId="list" qsTypeId="urn:microsoft.com/office/officeart/2005/8/quickstyle/simple2" qsCatId="simple" csTypeId="urn:microsoft.com/office/officeart/2005/8/colors/accent0_3" csCatId="mainScheme" phldr="1"/>
       <dgm:spPr/>
       <dgm:t>
         <a:bodyPr/>
@@ -887,7 +892,7 @@
         <a:p>
           <a:r>
             <a:rPr lang="en-US" dirty="0"/>
-            <a:t>Lorem ipsum dolor sit amet, consectetuer adipiscing elit. </a:t>
+            <a:t>Telemarketing is hard on both salespeople and customers.</a:t>
           </a:r>
         </a:p>
       </dgm:t>
@@ -904,18 +909,8 @@
       </dgm:t>
     </dgm:pt>
     <dgm:pt modelId="{23210C7F-6847-491E-BE1F-A79529AF2B8B}" type="sibTrans" cxnId="{0A7DA706-17DD-412A-8BE0-4F6529274E66}">
-      <dgm:prSet phldrT="01"/>
+      <dgm:prSet phldrT="01" phldr="0"/>
       <dgm:spPr/>
-      <dgm:t>
-        <a:bodyPr/>
-        <a:lstStyle/>
-        <a:p>
-          <a:r>
-            <a:rPr lang="en-US" dirty="0"/>
-            <a:t>01</a:t>
-          </a:r>
-        </a:p>
-      </dgm:t>
     </dgm:pt>
     <dgm:pt modelId="{B2B879BD-3840-400C-92BD-B2C2383358D7}">
       <dgm:prSet/>
@@ -926,7 +921,23 @@
         <a:p>
           <a:r>
             <a:rPr lang="en-US" dirty="0"/>
-            <a:t>Nunc viverra imperdiet enim. Fusce est. Vivamus a tellus.</a:t>
+            <a:t>Connecting with the wrong customers results in </a:t>
+          </a:r>
+          <a:r>
+            <a:rPr lang="en-US" b="1" dirty="0"/>
+            <a:t>unpleasant conversations </a:t>
+          </a:r>
+          <a:r>
+            <a:rPr lang="en-US" dirty="0"/>
+            <a:t>and </a:t>
+          </a:r>
+          <a:r>
+            <a:rPr lang="en-US" b="0" dirty="0"/>
+            <a:t>desperate marketing tactics</a:t>
+          </a:r>
+          <a:r>
+            <a:rPr lang="en-US" dirty="0"/>
+            <a:t>.</a:t>
           </a:r>
         </a:p>
       </dgm:t>
@@ -943,18 +954,8 @@
       </dgm:t>
     </dgm:pt>
     <dgm:pt modelId="{FBAA44FF-54DE-45C8-9FAC-512C40277233}" type="sibTrans" cxnId="{42CDCACA-F394-4044-BBF6-522A0005ABCB}">
-      <dgm:prSet phldrT="02"/>
+      <dgm:prSet phldrT="02" phldr="0"/>
       <dgm:spPr/>
-      <dgm:t>
-        <a:bodyPr/>
-        <a:lstStyle/>
-        <a:p>
-          <a:r>
-            <a:rPr lang="en-US" dirty="0"/>
-            <a:t>02</a:t>
-          </a:r>
-        </a:p>
-      </dgm:t>
     </dgm:pt>
     <dgm:pt modelId="{CA9D674E-4FF1-45DC-82E4-0B2DB6A5363F}">
       <dgm:prSet/>
@@ -965,7 +966,7 @@
         <a:p>
           <a:r>
             <a:rPr lang="en-US" dirty="0"/>
-            <a:t>Pellentesque habitant morbi tristique senectus et netus.</a:t>
+            <a:t>Effectively connecting salespeople with high-potential customers reduces stress and increases profit.</a:t>
           </a:r>
         </a:p>
       </dgm:t>
@@ -982,117 +983,123 @@
       </dgm:t>
     </dgm:pt>
     <dgm:pt modelId="{196DA4DC-9DD2-4A39-8A3A-D367BFE5A8BA}" type="sibTrans" cxnId="{C5BD0B3A-2D82-4EC1-9975-05076C4418DA}">
-      <dgm:prSet phldrT="03"/>
+      <dgm:prSet phldrT="03" phldr="0"/>
       <dgm:spPr/>
-      <dgm:t>
-        <a:bodyPr/>
-        <a:lstStyle/>
-        <a:p>
-          <a:r>
-            <a:rPr lang="en-US" dirty="0"/>
-            <a:t>03</a:t>
-          </a:r>
-        </a:p>
-      </dgm:t>
     </dgm:pt>
-    <dgm:pt modelId="{09F899AB-70CA-46DA-8F8C-58514A9FEF67}" type="pres">
+    <dgm:pt modelId="{6B4793F0-D6DA-4702-9086-C6543362A7DD}" type="pres">
       <dgm:prSet presAssocID="{15509919-36B5-4162-8899-417A9F93473B}" presName="Name0" presStyleCnt="0">
         <dgm:presLayoutVars>
-          <dgm:animLvl val="lvl"/>
+          <dgm:dir/>
           <dgm:resizeHandles val="exact"/>
         </dgm:presLayoutVars>
       </dgm:prSet>
       <dgm:spPr/>
     </dgm:pt>
-    <dgm:pt modelId="{9E708B2C-9056-43B8-820C-8D4D2D591614}" type="pres">
-      <dgm:prSet presAssocID="{AAF9DEE3-8444-4CA1-8BC2-D834D3ED6C74}" presName="compositeNode" presStyleCnt="0">
+    <dgm:pt modelId="{CC13A3D6-0560-480B-8BD6-D0CD05091261}" type="pres">
+      <dgm:prSet presAssocID="{AAF9DEE3-8444-4CA1-8BC2-D834D3ED6C74}" presName="compNode" presStyleCnt="0"/>
+      <dgm:spPr/>
+    </dgm:pt>
+    <dgm:pt modelId="{4869E261-37EA-4CA0-82F5-AFA4E1A4AA7D}" type="pres">
+      <dgm:prSet presAssocID="{AAF9DEE3-8444-4CA1-8BC2-D834D3ED6C74}" presName="pictRect" presStyleLbl="node1" presStyleIdx="0" presStyleCnt="3"/>
+      <dgm:spPr>
+        <a:blipFill>
+          <a:blip xmlns:r="http://schemas.openxmlformats.org/officeDocument/2006/relationships" r:embed="rId1">
+            <a:extLst>
+              <a:ext uri="{28A0092B-C50C-407E-A947-70E740481C1C}">
+                <a14:useLocalDpi xmlns:a14="http://schemas.microsoft.com/office/drawing/2010/main" val="0"/>
+              </a:ext>
+              <a:ext uri="{96DAC541-7B7A-43D3-8B79-37D633B846F1}">
+                <asvg:svgBlip xmlns:asvg="http://schemas.microsoft.com/office/drawing/2016/SVG/main" r:embed="rId2"/>
+              </a:ext>
+            </a:extLst>
+          </a:blip>
+          <a:srcRect/>
+          <a:stretch>
+            <a:fillRect t="-23000" b="-23000"/>
+          </a:stretch>
+        </a:blipFill>
+      </dgm:spPr>
+      <dgm:extLst>
+        <a:ext uri="{E40237B7-FDA0-4F09-8148-C483321AD2D9}">
+          <dgm14:cNvPr xmlns:dgm14="http://schemas.microsoft.com/office/drawing/2010/diagram" id="0" name="" descr="Call center with solid fill"/>
+        </a:ext>
+      </dgm:extLst>
+    </dgm:pt>
+    <dgm:pt modelId="{832626C6-736B-4EB5-93B2-902E0EC3D04F}" type="pres">
+      <dgm:prSet presAssocID="{AAF9DEE3-8444-4CA1-8BC2-D834D3ED6C74}" presName="textRect" presStyleLbl="revTx" presStyleIdx="0" presStyleCnt="3">
         <dgm:presLayoutVars>
           <dgm:bulletEnabled val="1"/>
         </dgm:presLayoutVars>
       </dgm:prSet>
       <dgm:spPr/>
     </dgm:pt>
-    <dgm:pt modelId="{F4992080-7D4E-4F2B-B608-170DDBB6006A}" type="pres">
-      <dgm:prSet presAssocID="{AAF9DEE3-8444-4CA1-8BC2-D834D3ED6C74}" presName="bgRect" presStyleLbl="alignNode1" presStyleIdx="0" presStyleCnt="3"/>
+    <dgm:pt modelId="{6B0E2A75-699B-4F68-92DB-F6971692BB0E}" type="pres">
+      <dgm:prSet presAssocID="{23210C7F-6847-491E-BE1F-A79529AF2B8B}" presName="sibTrans" presStyleLbl="sibTrans2D1" presStyleIdx="0" presStyleCnt="0"/>
       <dgm:spPr/>
     </dgm:pt>
-    <dgm:pt modelId="{15536E38-36FE-4A51-B620-2715BFAD5475}" type="pres">
-      <dgm:prSet presAssocID="{23210C7F-6847-491E-BE1F-A79529AF2B8B}" presName="sibTransNodeRect" presStyleLbl="alignNode1" presStyleIdx="0" presStyleCnt="3">
-        <dgm:presLayoutVars>
-          <dgm:chMax val="0"/>
-          <dgm:bulletEnabled val="1"/>
-        </dgm:presLayoutVars>
-      </dgm:prSet>
+    <dgm:pt modelId="{CE5371A1-3648-4370-9699-E7A2BB970D27}" type="pres">
+      <dgm:prSet presAssocID="{B2B879BD-3840-400C-92BD-B2C2383358D7}" presName="compNode" presStyleCnt="0"/>
       <dgm:spPr/>
     </dgm:pt>
-    <dgm:pt modelId="{B158057C-23C1-45AE-9273-5935A8F6104B}" type="pres">
-      <dgm:prSet presAssocID="{AAF9DEE3-8444-4CA1-8BC2-D834D3ED6C74}" presName="nodeRect" presStyleLbl="alignNode1" presStyleIdx="0" presStyleCnt="3">
+    <dgm:pt modelId="{8721EB95-9A2A-40B2-B2CA-379DC40B9E61}" type="pres">
+      <dgm:prSet presAssocID="{B2B879BD-3840-400C-92BD-B2C2383358D7}" presName="pictRect" presStyleLbl="node1" presStyleIdx="1" presStyleCnt="3"/>
+      <dgm:spPr>
+        <a:blipFill>
+          <a:blip xmlns:r="http://schemas.openxmlformats.org/officeDocument/2006/relationships" r:embed="rId3">
+            <a:extLst>
+              <a:ext uri="{96DAC541-7B7A-43D3-8B79-37D633B846F1}">
+                <asvg:svgBlip xmlns:asvg="http://schemas.microsoft.com/office/drawing/2016/SVG/main" r:embed="rId4"/>
+              </a:ext>
+            </a:extLst>
+          </a:blip>
+          <a:srcRect/>
+          <a:stretch>
+            <a:fillRect t="-23000" b="-23000"/>
+          </a:stretch>
+        </a:blipFill>
+      </dgm:spPr>
+      <dgm:extLst>
+        <a:ext uri="{E40237B7-FDA0-4F09-8148-C483321AD2D9}">
+          <dgm14:cNvPr xmlns:dgm14="http://schemas.microsoft.com/office/drawing/2010/diagram" id="0" name="" descr="Volcano with solid fill"/>
+        </a:ext>
+      </dgm:extLst>
+    </dgm:pt>
+    <dgm:pt modelId="{8DD668D9-24EB-4A6A-B69E-A9F4D43B39E9}" type="pres">
+      <dgm:prSet presAssocID="{B2B879BD-3840-400C-92BD-B2C2383358D7}" presName="textRect" presStyleLbl="revTx" presStyleIdx="1" presStyleCnt="3" custScaleY="100745">
         <dgm:presLayoutVars>
           <dgm:bulletEnabled val="1"/>
         </dgm:presLayoutVars>
       </dgm:prSet>
       <dgm:spPr/>
     </dgm:pt>
-    <dgm:pt modelId="{5D52B8B6-958E-480C-9455-911A104C8C73}" type="pres">
-      <dgm:prSet presAssocID="{23210C7F-6847-491E-BE1F-A79529AF2B8B}" presName="sibTrans" presStyleCnt="0"/>
+    <dgm:pt modelId="{708D2EE1-65E2-4E02-9734-8AA44583C217}" type="pres">
+      <dgm:prSet presAssocID="{FBAA44FF-54DE-45C8-9FAC-512C40277233}" presName="sibTrans" presStyleLbl="sibTrans2D1" presStyleIdx="0" presStyleCnt="0"/>
       <dgm:spPr/>
     </dgm:pt>
-    <dgm:pt modelId="{070CFBFA-AE62-406D-B2E3-4A871FE3EC95}" type="pres">
-      <dgm:prSet presAssocID="{B2B879BD-3840-400C-92BD-B2C2383358D7}" presName="compositeNode" presStyleCnt="0">
-        <dgm:presLayoutVars>
-          <dgm:bulletEnabled val="1"/>
-        </dgm:presLayoutVars>
-      </dgm:prSet>
+    <dgm:pt modelId="{370BB318-59EB-4B74-8048-6D64E5C4DCAB}" type="pres">
+      <dgm:prSet presAssocID="{CA9D674E-4FF1-45DC-82E4-0B2DB6A5363F}" presName="compNode" presStyleCnt="0"/>
       <dgm:spPr/>
     </dgm:pt>
-    <dgm:pt modelId="{89A9B4CF-6439-46B1-B6A9-1D6CD5034774}" type="pres">
-      <dgm:prSet presAssocID="{B2B879BD-3840-400C-92BD-B2C2383358D7}" presName="bgRect" presStyleLbl="alignNode1" presStyleIdx="1" presStyleCnt="3"/>
-      <dgm:spPr/>
+    <dgm:pt modelId="{75B0ACBF-9F95-413D-915F-B7276B666F9F}" type="pres">
+      <dgm:prSet presAssocID="{CA9D674E-4FF1-45DC-82E4-0B2DB6A5363F}" presName="pictRect" presStyleLbl="node1" presStyleIdx="2" presStyleCnt="3"/>
+      <dgm:spPr>
+        <a:blipFill rotWithShape="1">
+          <a:blip xmlns:r="http://schemas.openxmlformats.org/officeDocument/2006/relationships" r:embed="rId5">
+            <a:extLst>
+              <a:ext uri="{96DAC541-7B7A-43D3-8B79-37D633B846F1}">
+                <asvg:svgBlip xmlns:asvg="http://schemas.microsoft.com/office/drawing/2016/SVG/main" r:embed="rId6"/>
+              </a:ext>
+            </a:extLst>
+          </a:blip>
+          <a:srcRect/>
+          <a:stretch>
+            <a:fillRect t="-23000" b="-23000"/>
+          </a:stretch>
+        </a:blipFill>
+      </dgm:spPr>
     </dgm:pt>
-    <dgm:pt modelId="{379B8CE4-8135-4F2C-A5A0-E55EBE328E9A}" type="pres">
-      <dgm:prSet presAssocID="{FBAA44FF-54DE-45C8-9FAC-512C40277233}" presName="sibTransNodeRect" presStyleLbl="alignNode1" presStyleIdx="1" presStyleCnt="3">
-        <dgm:presLayoutVars>
-          <dgm:chMax val="0"/>
-          <dgm:bulletEnabled val="1"/>
-        </dgm:presLayoutVars>
-      </dgm:prSet>
-      <dgm:spPr/>
-    </dgm:pt>
-    <dgm:pt modelId="{9F2B2B99-E41C-48B6-9241-186B3896CDB2}" type="pres">
-      <dgm:prSet presAssocID="{B2B879BD-3840-400C-92BD-B2C2383358D7}" presName="nodeRect" presStyleLbl="alignNode1" presStyleIdx="1" presStyleCnt="3">
-        <dgm:presLayoutVars>
-          <dgm:bulletEnabled val="1"/>
-        </dgm:presLayoutVars>
-      </dgm:prSet>
-      <dgm:spPr/>
-    </dgm:pt>
-    <dgm:pt modelId="{88CC7DDE-DA0F-42A6-8406-A11161BD6BA9}" type="pres">
-      <dgm:prSet presAssocID="{FBAA44FF-54DE-45C8-9FAC-512C40277233}" presName="sibTrans" presStyleCnt="0"/>
-      <dgm:spPr/>
-    </dgm:pt>
-    <dgm:pt modelId="{4C550E1C-ACB2-4A5D-BD4A-3D5D60E405E6}" type="pres">
-      <dgm:prSet presAssocID="{CA9D674E-4FF1-45DC-82E4-0B2DB6A5363F}" presName="compositeNode" presStyleCnt="0">
-        <dgm:presLayoutVars>
-          <dgm:bulletEnabled val="1"/>
-        </dgm:presLayoutVars>
-      </dgm:prSet>
-      <dgm:spPr/>
-    </dgm:pt>
-    <dgm:pt modelId="{0802B4A8-7224-4B0A-95B7-D17AEB2B2AFF}" type="pres">
-      <dgm:prSet presAssocID="{CA9D674E-4FF1-45DC-82E4-0B2DB6A5363F}" presName="bgRect" presStyleLbl="alignNode1" presStyleIdx="2" presStyleCnt="3"/>
-      <dgm:spPr/>
-    </dgm:pt>
-    <dgm:pt modelId="{68AC9669-DC11-473A-AA2E-579A44E78C37}" type="pres">
-      <dgm:prSet presAssocID="{196DA4DC-9DD2-4A39-8A3A-D367BFE5A8BA}" presName="sibTransNodeRect" presStyleLbl="alignNode1" presStyleIdx="2" presStyleCnt="3">
-        <dgm:presLayoutVars>
-          <dgm:chMax val="0"/>
-          <dgm:bulletEnabled val="1"/>
-        </dgm:presLayoutVars>
-      </dgm:prSet>
-      <dgm:spPr/>
-    </dgm:pt>
-    <dgm:pt modelId="{D085015A-41AF-4EFA-A104-4FD73B2362F0}" type="pres">
-      <dgm:prSet presAssocID="{CA9D674E-4FF1-45DC-82E4-0B2DB6A5363F}" presName="nodeRect" presStyleLbl="alignNode1" presStyleIdx="2" presStyleCnt="3">
+    <dgm:pt modelId="{EB83D935-443D-4219-AC3D-CC317A6376AE}" type="pres">
+      <dgm:prSet presAssocID="{CA9D674E-4FF1-45DC-82E4-0B2DB6A5363F}" presName="textRect" presStyleLbl="revTx" presStyleIdx="2" presStyleCnt="3">
         <dgm:presLayoutVars>
           <dgm:bulletEnabled val="1"/>
         </dgm:presLayoutVars>
@@ -1102,32 +1109,25 @@
   </dgm:ptLst>
   <dgm:cxnLst>
     <dgm:cxn modelId="{0A7DA706-17DD-412A-8BE0-4F6529274E66}" srcId="{15509919-36B5-4162-8899-417A9F93473B}" destId="{AAF9DEE3-8444-4CA1-8BC2-D834D3ED6C74}" srcOrd="0" destOrd="0" parTransId="{205BDF49-153E-4CE8-8402-E23704595764}" sibTransId="{23210C7F-6847-491E-BE1F-A79529AF2B8B}"/>
-    <dgm:cxn modelId="{109C0B15-B806-4127-A7EA-6F2FD85C2B5C}" type="presOf" srcId="{AAF9DEE3-8444-4CA1-8BC2-D834D3ED6C74}" destId="{B158057C-23C1-45AE-9273-5935A8F6104B}" srcOrd="1" destOrd="0" presId="urn:microsoft.com/office/officeart/2016/7/layout/LinearBlockProcessNumbered#1"/>
-    <dgm:cxn modelId="{284ED317-FBD3-4318-9DC1-43DD0A7A84DA}" type="presOf" srcId="{CA9D674E-4FF1-45DC-82E4-0B2DB6A5363F}" destId="{D085015A-41AF-4EFA-A104-4FD73B2362F0}" srcOrd="1" destOrd="0" presId="urn:microsoft.com/office/officeart/2016/7/layout/LinearBlockProcessNumbered#1"/>
-    <dgm:cxn modelId="{28938E20-006F-438A-BC3B-539C09A41AF8}" type="presOf" srcId="{23210C7F-6847-491E-BE1F-A79529AF2B8B}" destId="{15536E38-36FE-4A51-B620-2715BFAD5475}" srcOrd="0" destOrd="0" presId="urn:microsoft.com/office/officeart/2016/7/layout/LinearBlockProcessNumbered#1"/>
-    <dgm:cxn modelId="{9519B82E-A537-470B-AA27-A5E33C934F3E}" type="presOf" srcId="{196DA4DC-9DD2-4A39-8A3A-D367BFE5A8BA}" destId="{68AC9669-DC11-473A-AA2E-579A44E78C37}" srcOrd="0" destOrd="0" presId="urn:microsoft.com/office/officeart/2016/7/layout/LinearBlockProcessNumbered#1"/>
-    <dgm:cxn modelId="{E774C62E-62A2-478F-B2D4-49AC51F9A4FC}" type="presOf" srcId="{FBAA44FF-54DE-45C8-9FAC-512C40277233}" destId="{379B8CE4-8135-4F2C-A5A0-E55EBE328E9A}" srcOrd="0" destOrd="0" presId="urn:microsoft.com/office/officeart/2016/7/layout/LinearBlockProcessNumbered#1"/>
+    <dgm:cxn modelId="{8731A836-0FCD-4E46-8D49-148C5B570CC6}" type="presOf" srcId="{CA9D674E-4FF1-45DC-82E4-0B2DB6A5363F}" destId="{EB83D935-443D-4219-AC3D-CC317A6376AE}" srcOrd="0" destOrd="0" presId="urn:microsoft.com/office/officeart/2005/8/layout/pList1"/>
     <dgm:cxn modelId="{C5BD0B3A-2D82-4EC1-9975-05076C4418DA}" srcId="{15509919-36B5-4162-8899-417A9F93473B}" destId="{CA9D674E-4FF1-45DC-82E4-0B2DB6A5363F}" srcOrd="2" destOrd="0" parTransId="{F1F10F9B-925A-4787-9D00-91106497A02E}" sibTransId="{196DA4DC-9DD2-4A39-8A3A-D367BFE5A8BA}"/>
-    <dgm:cxn modelId="{6E5EF465-680F-4962-87CA-2B44BA61BBF3}" type="presOf" srcId="{AAF9DEE3-8444-4CA1-8BC2-D834D3ED6C74}" destId="{F4992080-7D4E-4F2B-B608-170DDBB6006A}" srcOrd="0" destOrd="0" presId="urn:microsoft.com/office/officeart/2016/7/layout/LinearBlockProcessNumbered#1"/>
-    <dgm:cxn modelId="{BE05FF76-48E4-476C-9495-A13A63321F9B}" type="presOf" srcId="{B2B879BD-3840-400C-92BD-B2C2383358D7}" destId="{89A9B4CF-6439-46B1-B6A9-1D6CD5034774}" srcOrd="0" destOrd="0" presId="urn:microsoft.com/office/officeart/2016/7/layout/LinearBlockProcessNumbered#1"/>
-    <dgm:cxn modelId="{AEC6D081-73F8-41AD-9101-B43295B68E14}" type="presOf" srcId="{CA9D674E-4FF1-45DC-82E4-0B2DB6A5363F}" destId="{0802B4A8-7224-4B0A-95B7-D17AEB2B2AFF}" srcOrd="0" destOrd="0" presId="urn:microsoft.com/office/officeart/2016/7/layout/LinearBlockProcessNumbered#1"/>
-    <dgm:cxn modelId="{840BB0C7-181A-4BA4-9324-C35937B4BA77}" type="presOf" srcId="{15509919-36B5-4162-8899-417A9F93473B}" destId="{09F899AB-70CA-46DA-8F8C-58514A9FEF67}" srcOrd="0" destOrd="0" presId="urn:microsoft.com/office/officeart/2016/7/layout/LinearBlockProcessNumbered#1"/>
+    <dgm:cxn modelId="{1A6CF36F-4B3F-4B51-82F7-BF1E99B2C4E1}" type="presOf" srcId="{FBAA44FF-54DE-45C8-9FAC-512C40277233}" destId="{708D2EE1-65E2-4E02-9734-8AA44583C217}" srcOrd="0" destOrd="0" presId="urn:microsoft.com/office/officeart/2005/8/layout/pList1"/>
+    <dgm:cxn modelId="{714B437B-CDA3-44C6-81EF-EC112ED6CCE1}" type="presOf" srcId="{AAF9DEE3-8444-4CA1-8BC2-D834D3ED6C74}" destId="{832626C6-736B-4EB5-93B2-902E0EC3D04F}" srcOrd="0" destOrd="0" presId="urn:microsoft.com/office/officeart/2005/8/layout/pList1"/>
+    <dgm:cxn modelId="{329341B9-643C-428A-A991-DBBB8EE9DD2D}" type="presOf" srcId="{23210C7F-6847-491E-BE1F-A79529AF2B8B}" destId="{6B0E2A75-699B-4F68-92DB-F6971692BB0E}" srcOrd="0" destOrd="0" presId="urn:microsoft.com/office/officeart/2005/8/layout/pList1"/>
+    <dgm:cxn modelId="{980BA2BE-4AA3-4ECE-B96B-7BEC62BFAEB8}" type="presOf" srcId="{B2B879BD-3840-400C-92BD-B2C2383358D7}" destId="{8DD668D9-24EB-4A6A-B69E-A9F4D43B39E9}" srcOrd="0" destOrd="0" presId="urn:microsoft.com/office/officeart/2005/8/layout/pList1"/>
     <dgm:cxn modelId="{42CDCACA-F394-4044-BBF6-522A0005ABCB}" srcId="{15509919-36B5-4162-8899-417A9F93473B}" destId="{B2B879BD-3840-400C-92BD-B2C2383358D7}" srcOrd="1" destOrd="0" parTransId="{09440D86-F3E6-4A3C-9E78-1AFC56348641}" sibTransId="{FBAA44FF-54DE-45C8-9FAC-512C40277233}"/>
-    <dgm:cxn modelId="{6AB3E3E3-CAC3-4821-AAD0-21289FC8AF3F}" type="presOf" srcId="{B2B879BD-3840-400C-92BD-B2C2383358D7}" destId="{9F2B2B99-E41C-48B6-9241-186B3896CDB2}" srcOrd="1" destOrd="0" presId="urn:microsoft.com/office/officeart/2016/7/layout/LinearBlockProcessNumbered#1"/>
-    <dgm:cxn modelId="{90D3E440-E32E-4616-A794-C357B58C725C}" type="presParOf" srcId="{09F899AB-70CA-46DA-8F8C-58514A9FEF67}" destId="{9E708B2C-9056-43B8-820C-8D4D2D591614}" srcOrd="0" destOrd="0" presId="urn:microsoft.com/office/officeart/2016/7/layout/LinearBlockProcessNumbered#1"/>
-    <dgm:cxn modelId="{94905F72-0547-4876-85BD-1CE201853F0E}" type="presParOf" srcId="{9E708B2C-9056-43B8-820C-8D4D2D591614}" destId="{F4992080-7D4E-4F2B-B608-170DDBB6006A}" srcOrd="0" destOrd="0" presId="urn:microsoft.com/office/officeart/2016/7/layout/LinearBlockProcessNumbered#1"/>
-    <dgm:cxn modelId="{32F232D9-C82F-455D-A4CB-8A6F950974CB}" type="presParOf" srcId="{9E708B2C-9056-43B8-820C-8D4D2D591614}" destId="{15536E38-36FE-4A51-B620-2715BFAD5475}" srcOrd="1" destOrd="0" presId="urn:microsoft.com/office/officeart/2016/7/layout/LinearBlockProcessNumbered#1"/>
-    <dgm:cxn modelId="{E1630E94-0972-452E-A256-8FE168492E2F}" type="presParOf" srcId="{9E708B2C-9056-43B8-820C-8D4D2D591614}" destId="{B158057C-23C1-45AE-9273-5935A8F6104B}" srcOrd="2" destOrd="0" presId="urn:microsoft.com/office/officeart/2016/7/layout/LinearBlockProcessNumbered#1"/>
-    <dgm:cxn modelId="{3D53040A-6114-439D-91AE-A92823686B42}" type="presParOf" srcId="{09F899AB-70CA-46DA-8F8C-58514A9FEF67}" destId="{5D52B8B6-958E-480C-9455-911A104C8C73}" srcOrd="1" destOrd="0" presId="urn:microsoft.com/office/officeart/2016/7/layout/LinearBlockProcessNumbered#1"/>
-    <dgm:cxn modelId="{71CD1E60-9941-432A-AAD3-6BEE9759C7CA}" type="presParOf" srcId="{09F899AB-70CA-46DA-8F8C-58514A9FEF67}" destId="{070CFBFA-AE62-406D-B2E3-4A871FE3EC95}" srcOrd="2" destOrd="0" presId="urn:microsoft.com/office/officeart/2016/7/layout/LinearBlockProcessNumbered#1"/>
-    <dgm:cxn modelId="{E24E5F24-B05D-485A-B1E3-F029361EAC2F}" type="presParOf" srcId="{070CFBFA-AE62-406D-B2E3-4A871FE3EC95}" destId="{89A9B4CF-6439-46B1-B6A9-1D6CD5034774}" srcOrd="0" destOrd="0" presId="urn:microsoft.com/office/officeart/2016/7/layout/LinearBlockProcessNumbered#1"/>
-    <dgm:cxn modelId="{B1A2A29E-FBA6-4188-BE73-D4752962B995}" type="presParOf" srcId="{070CFBFA-AE62-406D-B2E3-4A871FE3EC95}" destId="{379B8CE4-8135-4F2C-A5A0-E55EBE328E9A}" srcOrd="1" destOrd="0" presId="urn:microsoft.com/office/officeart/2016/7/layout/LinearBlockProcessNumbered#1"/>
-    <dgm:cxn modelId="{F07F5881-E747-4C57-B3A8-80D81CA9E653}" type="presParOf" srcId="{070CFBFA-AE62-406D-B2E3-4A871FE3EC95}" destId="{9F2B2B99-E41C-48B6-9241-186B3896CDB2}" srcOrd="2" destOrd="0" presId="urn:microsoft.com/office/officeart/2016/7/layout/LinearBlockProcessNumbered#1"/>
-    <dgm:cxn modelId="{CFE97617-C516-4DC5-9F9C-80DAA0EDE08F}" type="presParOf" srcId="{09F899AB-70CA-46DA-8F8C-58514A9FEF67}" destId="{88CC7DDE-DA0F-42A6-8406-A11161BD6BA9}" srcOrd="3" destOrd="0" presId="urn:microsoft.com/office/officeart/2016/7/layout/LinearBlockProcessNumbered#1"/>
-    <dgm:cxn modelId="{B7A23FED-2302-47D8-8E80-C7B4D99F0301}" type="presParOf" srcId="{09F899AB-70CA-46DA-8F8C-58514A9FEF67}" destId="{4C550E1C-ACB2-4A5D-BD4A-3D5D60E405E6}" srcOrd="4" destOrd="0" presId="urn:microsoft.com/office/officeart/2016/7/layout/LinearBlockProcessNumbered#1"/>
-    <dgm:cxn modelId="{B9E766C8-B1F9-4299-93D9-C5605EEE5998}" type="presParOf" srcId="{4C550E1C-ACB2-4A5D-BD4A-3D5D60E405E6}" destId="{0802B4A8-7224-4B0A-95B7-D17AEB2B2AFF}" srcOrd="0" destOrd="0" presId="urn:microsoft.com/office/officeart/2016/7/layout/LinearBlockProcessNumbered#1"/>
-    <dgm:cxn modelId="{DDDBCEBE-059F-40AD-A1D1-8D888A5BCC15}" type="presParOf" srcId="{4C550E1C-ACB2-4A5D-BD4A-3D5D60E405E6}" destId="{68AC9669-DC11-473A-AA2E-579A44E78C37}" srcOrd="1" destOrd="0" presId="urn:microsoft.com/office/officeart/2016/7/layout/LinearBlockProcessNumbered#1"/>
-    <dgm:cxn modelId="{90FC101C-CCF0-411F-ABB9-797553DF6D08}" type="presParOf" srcId="{4C550E1C-ACB2-4A5D-BD4A-3D5D60E405E6}" destId="{D085015A-41AF-4EFA-A104-4FD73B2362F0}" srcOrd="2" destOrd="0" presId="urn:microsoft.com/office/officeart/2016/7/layout/LinearBlockProcessNumbered#1"/>
+    <dgm:cxn modelId="{DED70FE4-4A80-4662-815E-4DDAC483EAD9}" type="presOf" srcId="{15509919-36B5-4162-8899-417A9F93473B}" destId="{6B4793F0-D6DA-4702-9086-C6543362A7DD}" srcOrd="0" destOrd="0" presId="urn:microsoft.com/office/officeart/2005/8/layout/pList1"/>
+    <dgm:cxn modelId="{31D56A3B-9DB9-477F-945A-6E0FDDEDF2BB}" type="presParOf" srcId="{6B4793F0-D6DA-4702-9086-C6543362A7DD}" destId="{CC13A3D6-0560-480B-8BD6-D0CD05091261}" srcOrd="0" destOrd="0" presId="urn:microsoft.com/office/officeart/2005/8/layout/pList1"/>
+    <dgm:cxn modelId="{6FEADFA6-31F8-4639-B156-6D001858D540}" type="presParOf" srcId="{CC13A3D6-0560-480B-8BD6-D0CD05091261}" destId="{4869E261-37EA-4CA0-82F5-AFA4E1A4AA7D}" srcOrd="0" destOrd="0" presId="urn:microsoft.com/office/officeart/2005/8/layout/pList1"/>
+    <dgm:cxn modelId="{5E08DBBE-7A9E-47DA-A699-70E53FC5B7A9}" type="presParOf" srcId="{CC13A3D6-0560-480B-8BD6-D0CD05091261}" destId="{832626C6-736B-4EB5-93B2-902E0EC3D04F}" srcOrd="1" destOrd="0" presId="urn:microsoft.com/office/officeart/2005/8/layout/pList1"/>
+    <dgm:cxn modelId="{A112E620-8AF1-4A89-9366-78C2C66BA9DA}" type="presParOf" srcId="{6B4793F0-D6DA-4702-9086-C6543362A7DD}" destId="{6B0E2A75-699B-4F68-92DB-F6971692BB0E}" srcOrd="1" destOrd="0" presId="urn:microsoft.com/office/officeart/2005/8/layout/pList1"/>
+    <dgm:cxn modelId="{AD088A5E-D6D8-40EF-AFAB-57427525A0B1}" type="presParOf" srcId="{6B4793F0-D6DA-4702-9086-C6543362A7DD}" destId="{CE5371A1-3648-4370-9699-E7A2BB970D27}" srcOrd="2" destOrd="0" presId="urn:microsoft.com/office/officeart/2005/8/layout/pList1"/>
+    <dgm:cxn modelId="{E605235E-EA55-4FC8-AA1A-35A942403678}" type="presParOf" srcId="{CE5371A1-3648-4370-9699-E7A2BB970D27}" destId="{8721EB95-9A2A-40B2-B2CA-379DC40B9E61}" srcOrd="0" destOrd="0" presId="urn:microsoft.com/office/officeart/2005/8/layout/pList1"/>
+    <dgm:cxn modelId="{28E421BB-8D9B-4B4F-B1CD-D6BA1007C533}" type="presParOf" srcId="{CE5371A1-3648-4370-9699-E7A2BB970D27}" destId="{8DD668D9-24EB-4A6A-B69E-A9F4D43B39E9}" srcOrd="1" destOrd="0" presId="urn:microsoft.com/office/officeart/2005/8/layout/pList1"/>
+    <dgm:cxn modelId="{CB1D8AD7-491B-4C16-A5BD-9E17E870C52B}" type="presParOf" srcId="{6B4793F0-D6DA-4702-9086-C6543362A7DD}" destId="{708D2EE1-65E2-4E02-9734-8AA44583C217}" srcOrd="3" destOrd="0" presId="urn:microsoft.com/office/officeart/2005/8/layout/pList1"/>
+    <dgm:cxn modelId="{9568997B-3F2F-4045-BB25-0D62AF56166A}" type="presParOf" srcId="{6B4793F0-D6DA-4702-9086-C6543362A7DD}" destId="{370BB318-59EB-4B74-8048-6D64E5C4DCAB}" srcOrd="4" destOrd="0" presId="urn:microsoft.com/office/officeart/2005/8/layout/pList1"/>
+    <dgm:cxn modelId="{959399BD-BADD-445D-9278-3E7AEF7010E4}" type="presParOf" srcId="{370BB318-59EB-4B74-8048-6D64E5C4DCAB}" destId="{75B0ACBF-9F95-413D-915F-B7276B666F9F}" srcOrd="0" destOrd="0" presId="urn:microsoft.com/office/officeart/2005/8/layout/pList1"/>
+    <dgm:cxn modelId="{AFB760FC-94C3-4972-A40A-7DEFADC3D92A}" type="presParOf" srcId="{370BB318-59EB-4B74-8048-6D64E5C4DCAB}" destId="{EB83D935-443D-4219-AC3D-CC317A6376AE}" srcOrd="1" destOrd="0" presId="urn:microsoft.com/office/officeart/2005/8/layout/pList1"/>
   </dgm:cxnLst>
   <dgm:bg/>
   <dgm:whole/>
@@ -1147,30 +1147,38 @@
       <dsp:cNvGrpSpPr/>
     </dsp:nvGrpSpPr>
     <dsp:grpSpPr/>
-    <dsp:sp modelId="{F4992080-7D4E-4F2B-B608-170DDBB6006A}">
+    <dsp:sp modelId="{4869E261-37EA-4CA0-82F5-AFA4E1A4AA7D}">
       <dsp:nvSpPr>
         <dsp:cNvPr id="0" name=""/>
         <dsp:cNvSpPr/>
       </dsp:nvSpPr>
       <dsp:spPr>
         <a:xfrm>
-          <a:off x="785" y="0"/>
-          <a:ext cx="3182540" cy="3725612"/>
+          <a:off x="278827" y="1917"/>
+          <a:ext cx="2530378" cy="1743430"/>
         </a:xfrm>
-        <a:prstGeom prst="rect">
+        <a:prstGeom prst="roundRect">
           <a:avLst/>
         </a:prstGeom>
-        <a:solidFill>
-          <a:schemeClr val="dk2">
-            <a:hueOff val="0"/>
-            <a:satOff val="0"/>
-            <a:lumOff val="0"/>
-            <a:alphaOff val="0"/>
-          </a:schemeClr>
-        </a:solidFill>
-        <a:ln w="12700" cap="flat" cmpd="sng" algn="ctr">
+        <a:blipFill>
+          <a:blip xmlns:r="http://schemas.openxmlformats.org/officeDocument/2006/relationships" r:embed="rId1">
+            <a:extLst>
+              <a:ext uri="{28A0092B-C50C-407E-A947-70E740481C1C}">
+                <a14:useLocalDpi xmlns:a14="http://schemas.microsoft.com/office/drawing/2010/main" val="0"/>
+              </a:ext>
+              <a:ext uri="{96DAC541-7B7A-43D3-8B79-37D633B846F1}">
+                <asvg:svgBlip xmlns:asvg="http://schemas.microsoft.com/office/drawing/2016/SVG/main" r:embed="rId2"/>
+              </a:ext>
+            </a:extLst>
+          </a:blip>
+          <a:srcRect/>
+          <a:stretch>
+            <a:fillRect t="-23000" b="-23000"/>
+          </a:stretch>
+        </a:blipFill>
+        <a:ln w="19050" cap="flat" cmpd="sng" algn="ctr">
           <a:solidFill>
-            <a:schemeClr val="dk2">
+            <a:schemeClr val="lt2">
               <a:hueOff val="0"/>
               <a:satOff val="0"/>
               <a:lumOff val="0"/>
@@ -1182,7 +1190,7 @@
         <a:effectLst/>
       </dsp:spPr>
       <dsp:style>
-        <a:lnRef idx="2">
+        <a:lnRef idx="3">
           <a:scrgbClr r="0" g="0" b="0"/>
         </a:lnRef>
         <a:fillRef idx="1">
@@ -1195,13 +1203,45 @@
           <a:schemeClr val="lt1"/>
         </a:fontRef>
       </dsp:style>
+    </dsp:sp>
+    <dsp:sp modelId="{832626C6-736B-4EB5-93B2-902E0EC3D04F}">
+      <dsp:nvSpPr>
+        <dsp:cNvPr id="0" name=""/>
+        <dsp:cNvSpPr/>
+      </dsp:nvSpPr>
+      <dsp:spPr>
+        <a:xfrm>
+          <a:off x="278827" y="1745348"/>
+          <a:ext cx="2530378" cy="938770"/>
+        </a:xfrm>
+        <a:prstGeom prst="rect">
+          <a:avLst/>
+        </a:prstGeom>
+        <a:noFill/>
+        <a:ln>
+          <a:noFill/>
+        </a:ln>
+        <a:effectLst/>
+      </dsp:spPr>
+      <dsp:style>
+        <a:lnRef idx="0">
+          <a:scrgbClr r="0" g="0" b="0"/>
+        </a:lnRef>
+        <a:fillRef idx="0">
+          <a:scrgbClr r="0" g="0" b="0"/>
+        </a:fillRef>
+        <a:effectRef idx="0">
+          <a:scrgbClr r="0" g="0" b="0"/>
+        </a:effectRef>
+        <a:fontRef idx="minor"/>
+      </dsp:style>
       <dsp:txBody>
-        <a:bodyPr spcFirstLastPara="0" vert="horz" wrap="square" lIns="314364" tIns="0" rIns="314364" bIns="330200" numCol="1" spcCol="1270" anchor="t" anchorCtr="0">
+        <a:bodyPr spcFirstLastPara="0" vert="horz" wrap="square" lIns="85344" tIns="85344" rIns="85344" bIns="0" numCol="1" spcCol="1270" anchor="t" anchorCtr="0">
           <a:noAutofit/>
         </a:bodyPr>
         <a:lstStyle/>
         <a:p>
-          <a:pPr marL="0" lvl="0" indent="0" algn="l" defTabSz="1155700">
+          <a:pPr marL="0" lvl="0" indent="0" algn="ctr" defTabSz="533400">
             <a:lnSpc>
               <a:spcPct val="90000"/>
             </a:lnSpc>
@@ -1214,39 +1254,57 @@
             <a:buNone/>
           </a:pPr>
           <a:r>
-            <a:rPr lang="en-US" sz="2600" kern="1200" dirty="0"/>
-            <a:t>Lorem ipsum dolor sit amet, consectetuer adipiscing elit. </a:t>
+            <a:rPr lang="en-US" sz="1200" kern="1200" dirty="0"/>
+            <a:t>Telemarketing is hard on both salespeople and customers.</a:t>
           </a:r>
         </a:p>
       </dsp:txBody>
       <dsp:txXfrm>
-        <a:off x="785" y="1490244"/>
-        <a:ext cx="3182540" cy="2235367"/>
+        <a:off x="278827" y="1745348"/>
+        <a:ext cx="2530378" cy="938770"/>
       </dsp:txXfrm>
     </dsp:sp>
-    <dsp:sp modelId="{15536E38-36FE-4A51-B620-2715BFAD5475}">
+    <dsp:sp modelId="{8721EB95-9A2A-40B2-B2CA-379DC40B9E61}">
       <dsp:nvSpPr>
         <dsp:cNvPr id="0" name=""/>
         <dsp:cNvSpPr/>
       </dsp:nvSpPr>
       <dsp:spPr>
         <a:xfrm>
-          <a:off x="785" y="0"/>
-          <a:ext cx="3182540" cy="1490244"/>
+          <a:off x="3062349" y="169"/>
+          <a:ext cx="2530378" cy="1743430"/>
         </a:xfrm>
-        <a:prstGeom prst="rect">
+        <a:prstGeom prst="roundRect">
           <a:avLst/>
         </a:prstGeom>
-        <a:noFill/>
-        <a:ln w="12700" cap="flat" cmpd="sng" algn="ctr">
-          <a:noFill/>
+        <a:blipFill>
+          <a:blip xmlns:r="http://schemas.openxmlformats.org/officeDocument/2006/relationships" r:embed="rId3">
+            <a:extLst>
+              <a:ext uri="{96DAC541-7B7A-43D3-8B79-37D633B846F1}">
+                <asvg:svgBlip xmlns:asvg="http://schemas.microsoft.com/office/drawing/2016/SVG/main" r:embed="rId4"/>
+              </a:ext>
+            </a:extLst>
+          </a:blip>
+          <a:srcRect/>
+          <a:stretch>
+            <a:fillRect t="-23000" b="-23000"/>
+          </a:stretch>
+        </a:blipFill>
+        <a:ln w="19050" cap="flat" cmpd="sng" algn="ctr">
+          <a:solidFill>
+            <a:schemeClr val="lt2">
+              <a:hueOff val="0"/>
+              <a:satOff val="0"/>
+              <a:lumOff val="0"/>
+              <a:alphaOff val="0"/>
+            </a:schemeClr>
+          </a:solidFill>
           <a:prstDash val="solid"/>
         </a:ln>
         <a:effectLst/>
-        <a:sp3d/>
       </dsp:spPr>
       <dsp:style>
-        <a:lnRef idx="2">
+        <a:lnRef idx="3">
           <a:scrgbClr r="0" g="0" b="0"/>
         </a:lnRef>
         <a:fillRef idx="1">
@@ -1259,13 +1317,45 @@
           <a:schemeClr val="lt1"/>
         </a:fontRef>
       </dsp:style>
+    </dsp:sp>
+    <dsp:sp modelId="{8DD668D9-24EB-4A6A-B69E-A9F4D43B39E9}">
+      <dsp:nvSpPr>
+        <dsp:cNvPr id="0" name=""/>
+        <dsp:cNvSpPr/>
+      </dsp:nvSpPr>
+      <dsp:spPr>
+        <a:xfrm>
+          <a:off x="3062349" y="1740102"/>
+          <a:ext cx="2530378" cy="945764"/>
+        </a:xfrm>
+        <a:prstGeom prst="rect">
+          <a:avLst/>
+        </a:prstGeom>
+        <a:noFill/>
+        <a:ln>
+          <a:noFill/>
+        </a:ln>
+        <a:effectLst/>
+      </dsp:spPr>
+      <dsp:style>
+        <a:lnRef idx="0">
+          <a:scrgbClr r="0" g="0" b="0"/>
+        </a:lnRef>
+        <a:fillRef idx="0">
+          <a:scrgbClr r="0" g="0" b="0"/>
+        </a:fillRef>
+        <a:effectRef idx="0">
+          <a:scrgbClr r="0" g="0" b="0"/>
+        </a:effectRef>
+        <a:fontRef idx="minor"/>
+      </dsp:style>
       <dsp:txBody>
-        <a:bodyPr spcFirstLastPara="0" vert="horz" wrap="square" lIns="314364" tIns="165100" rIns="314364" bIns="165100" numCol="1" spcCol="1270" anchor="ctr" anchorCtr="0">
+        <a:bodyPr spcFirstLastPara="0" vert="horz" wrap="square" lIns="85344" tIns="85344" rIns="85344" bIns="0" numCol="1" spcCol="1270" anchor="t" anchorCtr="0">
           <a:noAutofit/>
         </a:bodyPr>
         <a:lstStyle/>
         <a:p>
-          <a:pPr marL="0" lvl="0" indent="0" algn="l" defTabSz="2933700">
+          <a:pPr marL="0" lvl="0" indent="0" algn="ctr" defTabSz="533400">
             <a:lnSpc>
               <a:spcPct val="90000"/>
             </a:lnSpc>
@@ -1278,40 +1368,61 @@
             <a:buNone/>
           </a:pPr>
           <a:r>
-            <a:rPr lang="en-US" sz="6600" kern="1200" dirty="0"/>
-            <a:t>01</a:t>
+            <a:rPr lang="en-US" sz="1200" kern="1200" dirty="0"/>
+            <a:t>Connecting with the wrong customers results in </a:t>
+          </a:r>
+          <a:r>
+            <a:rPr lang="en-US" sz="1200" b="1" kern="1200" dirty="0"/>
+            <a:t>unpleasant conversations </a:t>
+          </a:r>
+          <a:r>
+            <a:rPr lang="en-US" sz="1200" kern="1200" dirty="0"/>
+            <a:t>and </a:t>
+          </a:r>
+          <a:r>
+            <a:rPr lang="en-US" sz="1200" b="0" kern="1200" dirty="0"/>
+            <a:t>desperate marketing tactics</a:t>
+          </a:r>
+          <a:r>
+            <a:rPr lang="en-US" sz="1200" kern="1200" dirty="0"/>
+            <a:t>.</a:t>
           </a:r>
         </a:p>
       </dsp:txBody>
       <dsp:txXfrm>
-        <a:off x="785" y="0"/>
-        <a:ext cx="3182540" cy="1490244"/>
+        <a:off x="3062349" y="1740102"/>
+        <a:ext cx="2530378" cy="945764"/>
       </dsp:txXfrm>
     </dsp:sp>
-    <dsp:sp modelId="{89A9B4CF-6439-46B1-B6A9-1D6CD5034774}">
+    <dsp:sp modelId="{75B0ACBF-9F95-413D-915F-B7276B666F9F}">
       <dsp:nvSpPr>
         <dsp:cNvPr id="0" name=""/>
         <dsp:cNvSpPr/>
       </dsp:nvSpPr>
       <dsp:spPr>
         <a:xfrm>
-          <a:off x="3437929" y="0"/>
-          <a:ext cx="3182540" cy="3725612"/>
+          <a:off x="5845872" y="1917"/>
+          <a:ext cx="2530378" cy="1743430"/>
         </a:xfrm>
-        <a:prstGeom prst="rect">
+        <a:prstGeom prst="roundRect">
           <a:avLst/>
         </a:prstGeom>
-        <a:solidFill>
-          <a:schemeClr val="dk2">
-            <a:hueOff val="0"/>
-            <a:satOff val="0"/>
-            <a:lumOff val="0"/>
-            <a:alphaOff val="0"/>
-          </a:schemeClr>
-        </a:solidFill>
-        <a:ln w="12700" cap="flat" cmpd="sng" algn="ctr">
+        <a:blipFill rotWithShape="1">
+          <a:blip xmlns:r="http://schemas.openxmlformats.org/officeDocument/2006/relationships" r:embed="rId5">
+            <a:extLst>
+              <a:ext uri="{96DAC541-7B7A-43D3-8B79-37D633B846F1}">
+                <asvg:svgBlip xmlns:asvg="http://schemas.microsoft.com/office/drawing/2016/SVG/main" r:embed="rId6"/>
+              </a:ext>
+            </a:extLst>
+          </a:blip>
+          <a:srcRect/>
+          <a:stretch>
+            <a:fillRect t="-23000" b="-23000"/>
+          </a:stretch>
+        </a:blipFill>
+        <a:ln w="19050" cap="flat" cmpd="sng" algn="ctr">
           <a:solidFill>
-            <a:schemeClr val="dk2">
+            <a:schemeClr val="lt2">
               <a:hueOff val="0"/>
               <a:satOff val="0"/>
               <a:lumOff val="0"/>
@@ -1323,7 +1434,7 @@
         <a:effectLst/>
       </dsp:spPr>
       <dsp:style>
-        <a:lnRef idx="2">
+        <a:lnRef idx="3">
           <a:scrgbClr r="0" g="0" b="0"/>
         </a:lnRef>
         <a:fillRef idx="1">
@@ -1336,13 +1447,45 @@
           <a:schemeClr val="lt1"/>
         </a:fontRef>
       </dsp:style>
+    </dsp:sp>
+    <dsp:sp modelId="{EB83D935-443D-4219-AC3D-CC317A6376AE}">
+      <dsp:nvSpPr>
+        <dsp:cNvPr id="0" name=""/>
+        <dsp:cNvSpPr/>
+      </dsp:nvSpPr>
+      <dsp:spPr>
+        <a:xfrm>
+          <a:off x="5845872" y="1745348"/>
+          <a:ext cx="2530378" cy="938770"/>
+        </a:xfrm>
+        <a:prstGeom prst="rect">
+          <a:avLst/>
+        </a:prstGeom>
+        <a:noFill/>
+        <a:ln>
+          <a:noFill/>
+        </a:ln>
+        <a:effectLst/>
+      </dsp:spPr>
+      <dsp:style>
+        <a:lnRef idx="0">
+          <a:scrgbClr r="0" g="0" b="0"/>
+        </a:lnRef>
+        <a:fillRef idx="0">
+          <a:scrgbClr r="0" g="0" b="0"/>
+        </a:fillRef>
+        <a:effectRef idx="0">
+          <a:scrgbClr r="0" g="0" b="0"/>
+        </a:effectRef>
+        <a:fontRef idx="minor"/>
+      </dsp:style>
       <dsp:txBody>
-        <a:bodyPr spcFirstLastPara="0" vert="horz" wrap="square" lIns="314364" tIns="0" rIns="314364" bIns="330200" numCol="1" spcCol="1270" anchor="t" anchorCtr="0">
+        <a:bodyPr spcFirstLastPara="0" vert="horz" wrap="square" lIns="85344" tIns="85344" rIns="85344" bIns="0" numCol="1" spcCol="1270" anchor="t" anchorCtr="0">
           <a:noAutofit/>
         </a:bodyPr>
         <a:lstStyle/>
         <a:p>
-          <a:pPr marL="0" lvl="0" indent="0" algn="l" defTabSz="1155700">
+          <a:pPr marL="0" lvl="0" indent="0" algn="ctr" defTabSz="533400">
             <a:lnSpc>
               <a:spcPct val="90000"/>
             </a:lnSpc>
@@ -1355,219 +1498,14 @@
             <a:buNone/>
           </a:pPr>
           <a:r>
-            <a:rPr lang="en-US" sz="2600" kern="1200" dirty="0"/>
-            <a:t>Nunc viverra imperdiet enim. Fusce est. Vivamus a tellus.</a:t>
+            <a:rPr lang="en-US" sz="1200" kern="1200" dirty="0"/>
+            <a:t>Effectively connecting salespeople with high-potential customers reduces stress and increases profit.</a:t>
           </a:r>
         </a:p>
       </dsp:txBody>
       <dsp:txXfrm>
-        <a:off x="3437929" y="1490244"/>
-        <a:ext cx="3182540" cy="2235367"/>
-      </dsp:txXfrm>
-    </dsp:sp>
-    <dsp:sp modelId="{379B8CE4-8135-4F2C-A5A0-E55EBE328E9A}">
-      <dsp:nvSpPr>
-        <dsp:cNvPr id="0" name=""/>
-        <dsp:cNvSpPr/>
-      </dsp:nvSpPr>
-      <dsp:spPr>
-        <a:xfrm>
-          <a:off x="3437929" y="0"/>
-          <a:ext cx="3182540" cy="1490244"/>
-        </a:xfrm>
-        <a:prstGeom prst="rect">
-          <a:avLst/>
-        </a:prstGeom>
-        <a:noFill/>
-        <a:ln w="12700" cap="flat" cmpd="sng" algn="ctr">
-          <a:noFill/>
-          <a:prstDash val="solid"/>
-        </a:ln>
-        <a:effectLst/>
-        <a:sp3d/>
-      </dsp:spPr>
-      <dsp:style>
-        <a:lnRef idx="2">
-          <a:scrgbClr r="0" g="0" b="0"/>
-        </a:lnRef>
-        <a:fillRef idx="1">
-          <a:scrgbClr r="0" g="0" b="0"/>
-        </a:fillRef>
-        <a:effectRef idx="1">
-          <a:scrgbClr r="0" g="0" b="0"/>
-        </a:effectRef>
-        <a:fontRef idx="minor">
-          <a:schemeClr val="lt1"/>
-        </a:fontRef>
-      </dsp:style>
-      <dsp:txBody>
-        <a:bodyPr spcFirstLastPara="0" vert="horz" wrap="square" lIns="314364" tIns="165100" rIns="314364" bIns="165100" numCol="1" spcCol="1270" anchor="ctr" anchorCtr="0">
-          <a:noAutofit/>
-        </a:bodyPr>
-        <a:lstStyle/>
-        <a:p>
-          <a:pPr marL="0" lvl="0" indent="0" algn="l" defTabSz="2933700">
-            <a:lnSpc>
-              <a:spcPct val="90000"/>
-            </a:lnSpc>
-            <a:spcBef>
-              <a:spcPct val="0"/>
-            </a:spcBef>
-            <a:spcAft>
-              <a:spcPct val="35000"/>
-            </a:spcAft>
-            <a:buNone/>
-          </a:pPr>
-          <a:r>
-            <a:rPr lang="en-US" sz="6600" kern="1200" dirty="0"/>
-            <a:t>02</a:t>
-          </a:r>
-        </a:p>
-      </dsp:txBody>
-      <dsp:txXfrm>
-        <a:off x="3437929" y="0"/>
-        <a:ext cx="3182540" cy="1490244"/>
-      </dsp:txXfrm>
-    </dsp:sp>
-    <dsp:sp modelId="{0802B4A8-7224-4B0A-95B7-D17AEB2B2AFF}">
-      <dsp:nvSpPr>
-        <dsp:cNvPr id="0" name=""/>
-        <dsp:cNvSpPr/>
-      </dsp:nvSpPr>
-      <dsp:spPr>
-        <a:xfrm>
-          <a:off x="6875073" y="0"/>
-          <a:ext cx="3182540" cy="3725612"/>
-        </a:xfrm>
-        <a:prstGeom prst="rect">
-          <a:avLst/>
-        </a:prstGeom>
-        <a:solidFill>
-          <a:schemeClr val="dk2">
-            <a:hueOff val="0"/>
-            <a:satOff val="0"/>
-            <a:lumOff val="0"/>
-            <a:alphaOff val="0"/>
-          </a:schemeClr>
-        </a:solidFill>
-        <a:ln w="12700" cap="flat" cmpd="sng" algn="ctr">
-          <a:solidFill>
-            <a:schemeClr val="dk2">
-              <a:hueOff val="0"/>
-              <a:satOff val="0"/>
-              <a:lumOff val="0"/>
-              <a:alphaOff val="0"/>
-            </a:schemeClr>
-          </a:solidFill>
-          <a:prstDash val="solid"/>
-        </a:ln>
-        <a:effectLst/>
-      </dsp:spPr>
-      <dsp:style>
-        <a:lnRef idx="2">
-          <a:scrgbClr r="0" g="0" b="0"/>
-        </a:lnRef>
-        <a:fillRef idx="1">
-          <a:scrgbClr r="0" g="0" b="0"/>
-        </a:fillRef>
-        <a:effectRef idx="1">
-          <a:scrgbClr r="0" g="0" b="0"/>
-        </a:effectRef>
-        <a:fontRef idx="minor">
-          <a:schemeClr val="lt1"/>
-        </a:fontRef>
-      </dsp:style>
-      <dsp:txBody>
-        <a:bodyPr spcFirstLastPara="0" vert="horz" wrap="square" lIns="314364" tIns="0" rIns="314364" bIns="330200" numCol="1" spcCol="1270" anchor="t" anchorCtr="0">
-          <a:noAutofit/>
-        </a:bodyPr>
-        <a:lstStyle/>
-        <a:p>
-          <a:pPr marL="0" lvl="0" indent="0" algn="l" defTabSz="1155700">
-            <a:lnSpc>
-              <a:spcPct val="90000"/>
-            </a:lnSpc>
-            <a:spcBef>
-              <a:spcPct val="0"/>
-            </a:spcBef>
-            <a:spcAft>
-              <a:spcPct val="35000"/>
-            </a:spcAft>
-            <a:buNone/>
-          </a:pPr>
-          <a:r>
-            <a:rPr lang="en-US" sz="2600" kern="1200" dirty="0"/>
-            <a:t>Pellentesque habitant morbi tristique senectus et netus.</a:t>
-          </a:r>
-        </a:p>
-      </dsp:txBody>
-      <dsp:txXfrm>
-        <a:off x="6875073" y="1490244"/>
-        <a:ext cx="3182540" cy="2235367"/>
-      </dsp:txXfrm>
-    </dsp:sp>
-    <dsp:sp modelId="{68AC9669-DC11-473A-AA2E-579A44E78C37}">
-      <dsp:nvSpPr>
-        <dsp:cNvPr id="0" name=""/>
-        <dsp:cNvSpPr/>
-      </dsp:nvSpPr>
-      <dsp:spPr>
-        <a:xfrm>
-          <a:off x="6875073" y="0"/>
-          <a:ext cx="3182540" cy="1490244"/>
-        </a:xfrm>
-        <a:prstGeom prst="rect">
-          <a:avLst/>
-        </a:prstGeom>
-        <a:noFill/>
-        <a:ln w="12700" cap="flat" cmpd="sng" algn="ctr">
-          <a:noFill/>
-          <a:prstDash val="solid"/>
-        </a:ln>
-        <a:effectLst/>
-        <a:sp3d/>
-      </dsp:spPr>
-      <dsp:style>
-        <a:lnRef idx="2">
-          <a:scrgbClr r="0" g="0" b="0"/>
-        </a:lnRef>
-        <a:fillRef idx="1">
-          <a:scrgbClr r="0" g="0" b="0"/>
-        </a:fillRef>
-        <a:effectRef idx="1">
-          <a:scrgbClr r="0" g="0" b="0"/>
-        </a:effectRef>
-        <a:fontRef idx="minor">
-          <a:schemeClr val="lt1"/>
-        </a:fontRef>
-      </dsp:style>
-      <dsp:txBody>
-        <a:bodyPr spcFirstLastPara="0" vert="horz" wrap="square" lIns="314364" tIns="165100" rIns="314364" bIns="165100" numCol="1" spcCol="1270" anchor="ctr" anchorCtr="0">
-          <a:noAutofit/>
-        </a:bodyPr>
-        <a:lstStyle/>
-        <a:p>
-          <a:pPr marL="0" lvl="0" indent="0" algn="l" defTabSz="2933700">
-            <a:lnSpc>
-              <a:spcPct val="90000"/>
-            </a:lnSpc>
-            <a:spcBef>
-              <a:spcPct val="0"/>
-            </a:spcBef>
-            <a:spcAft>
-              <a:spcPct val="35000"/>
-            </a:spcAft>
-            <a:buNone/>
-          </a:pPr>
-          <a:r>
-            <a:rPr lang="en-US" sz="6600" kern="1200" dirty="0"/>
-            <a:t>03</a:t>
-          </a:r>
-        </a:p>
-      </dsp:txBody>
-      <dsp:txXfrm>
-        <a:off x="6875073" y="0"/>
-        <a:ext cx="3182540" cy="1490244"/>
+        <a:off x="5845872" y="1745348"/>
+        <a:ext cx="2530378" cy="938770"/>
       </dsp:txXfrm>
     </dsp:sp>
   </dsp:spTree>
@@ -1575,11 +1513,13 @@
 </file>
 
 <file path=ppt/diagrams/layout1.xml><?xml version="1.0" encoding="utf-8"?>
-<dgm:layoutDef xmlns:dgm="http://schemas.openxmlformats.org/drawingml/2006/diagram" xmlns:a="http://schemas.openxmlformats.org/drawingml/2006/main" uniqueId="urn:microsoft.com/office/officeart/2016/7/layout/LinearBlockProcessNumbered#1">
-  <dgm:title val="Linear Block Process Numbered"/>
-  <dgm:desc val="Used to show a progression; a timeline; sequential steps in a task, process, or workflow; or to emphasize movement or direction. Automatic numbers have been introduced to show the steps of the process. Level 1 text and Level 2 text both appears in a rectangle."/>
+<dgm:layoutDef xmlns:dgm="http://schemas.openxmlformats.org/drawingml/2006/diagram" xmlns:a="http://schemas.openxmlformats.org/drawingml/2006/main" uniqueId="urn:microsoft.com/office/officeart/2005/8/layout/pList1">
+  <dgm:title val=""/>
+  <dgm:desc val=""/>
   <dgm:catLst>
-    <dgm:cat type="process" pri="500"/>
+    <dgm:cat type="list" pri="2000"/>
+    <dgm:cat type="picture" pri="2500"/>
+    <dgm:cat type="pictureconvert" pri="2500"/>
   </dgm:catLst>
   <dgm:sampData>
     <dgm:dataModel>
@@ -1588,65 +1528,21 @@
         <dgm:pt modelId="1">
           <dgm:prSet phldr="1"/>
         </dgm:pt>
-        <dgm:pt modelId="11">
-          <dgm:prSet phldr="1"/>
-        </dgm:pt>
         <dgm:pt modelId="2">
-          <dgm:prSet phldr="1"/>
-        </dgm:pt>
-        <dgm:pt modelId="21">
           <dgm:prSet phldr="1"/>
         </dgm:pt>
         <dgm:pt modelId="3">
           <dgm:prSet phldr="1"/>
         </dgm:pt>
-        <dgm:pt modelId="31">
+        <dgm:pt modelId="4">
           <dgm:prSet phldr="1"/>
-        </dgm:pt>
-        <dgm:pt modelId="101" type="sibTrans" cxnId="{97D4F0E7-A380-4E8A-A5E6-02A2C57BE889}">
-          <dgm:prSet phldrT="1"/>
-          <dgm:t>
-            <a:bodyPr/>
-            <a:lstStyle/>
-            <a:p>
-              <a:r>
-                <a:t>01</a:t>
-              </a:r>
-            </a:p>
-          </dgm:t>
-        </dgm:pt>
-        <dgm:pt modelId="201" type="sibTrans" cxnId="{5712BDC4-329B-45B2-9194-A148ABB6560A}">
-          <dgm:prSet phldrT="2"/>
-          <dgm:t>
-            <a:bodyPr/>
-            <a:lstStyle/>
-            <a:p>
-              <a:r>
-                <a:t>02</a:t>
-              </a:r>
-            </a:p>
-          </dgm:t>
-        </dgm:pt>
-        <dgm:pt modelId="301" type="sibTrans" cxnId="{8984278A-33F0-4B08-ABC0-F48449CE37F3}">
-          <dgm:prSet phldrT="3"/>
-          <dgm:t>
-            <a:bodyPr/>
-            <a:lstStyle/>
-            <a:p>
-              <a:r>
-                <a:t>03</a:t>
-              </a:r>
-            </a:p>
-          </dgm:t>
         </dgm:pt>
       </dgm:ptLst>
       <dgm:cxnLst>
-        <dgm:cxn modelId="4" srcId="0" destId="1" srcOrd="0" destOrd="0" sibTransId="101"/>
-        <dgm:cxn modelId="5" srcId="0" destId="2" srcOrd="1" destOrd="0" sibTransId="201"/>
-        <dgm:cxn modelId="6" srcId="0" destId="3" srcOrd="2" destOrd="0" sibTransId="301"/>
-        <dgm:cxn modelId="13" srcId="1" destId="11" srcOrd="0" destOrd="0"/>
-        <dgm:cxn modelId="23" srcId="2" destId="21" srcOrd="0" destOrd="0"/>
-        <dgm:cxn modelId="33" srcId="3" destId="31" srcOrd="0" destOrd="0"/>
+        <dgm:cxn modelId="7" srcId="0" destId="1" srcOrd="0" destOrd="0"/>
+        <dgm:cxn modelId="8" srcId="0" destId="2" srcOrd="1" destOrd="0"/>
+        <dgm:cxn modelId="9" srcId="0" destId="3" srcOrd="2" destOrd="0"/>
+        <dgm:cxn modelId="10" srcId="0" destId="4" srcOrd="3" destOrd="0"/>
       </dgm:cxnLst>
       <dgm:bg/>
       <dgm:whole/>
@@ -1657,186 +1553,123 @@
       <dgm:ptLst>
         <dgm:pt modelId="0" type="doc"/>
         <dgm:pt modelId="1"/>
-        <dgm:pt modelId="11"/>
         <dgm:pt modelId="2"/>
-        <dgm:pt modelId="21"/>
       </dgm:ptLst>
       <dgm:cxnLst>
-        <dgm:cxn modelId="4" srcId="0" destId="1" srcOrd="0" destOrd="0"/>
-        <dgm:cxn modelId="5" srcId="0" destId="2" srcOrd="1" destOrd="0"/>
-        <dgm:cxn modelId="13" srcId="1" destId="11" srcOrd="0" destOrd="0"/>
-        <dgm:cxn modelId="23" srcId="2" destId="21" srcOrd="0" destOrd="0"/>
+        <dgm:cxn modelId="3" srcId="0" destId="1" srcOrd="0" destOrd="0"/>
+        <dgm:cxn modelId="4" srcId="0" destId="2" srcOrd="1" destOrd="0"/>
       </dgm:cxnLst>
       <dgm:bg/>
       <dgm:whole/>
     </dgm:dataModel>
   </dgm:styleData>
-  <dgm:clrData>
+  <dgm:clrData useDef="1">
     <dgm:dataModel>
-      <dgm:ptLst>
-        <dgm:pt modelId="0" type="doc"/>
-        <dgm:pt modelId="1"/>
-        <dgm:pt modelId="11"/>
-        <dgm:pt modelId="2"/>
-        <dgm:pt modelId="21"/>
-        <dgm:pt modelId="3"/>
-        <dgm:pt modelId="31"/>
-        <dgm:pt modelId="4"/>
-        <dgm:pt modelId="41"/>
-      </dgm:ptLst>
-      <dgm:cxnLst>
-        <dgm:cxn modelId="5" srcId="0" destId="1" srcOrd="0" destOrd="0"/>
-        <dgm:cxn modelId="6" srcId="0" destId="2" srcOrd="1" destOrd="0"/>
-        <dgm:cxn modelId="7" srcId="0" destId="3" srcOrd="2" destOrd="0"/>
-        <dgm:cxn modelId="8" srcId="0" destId="4" srcOrd="3" destOrd="0"/>
-        <dgm:cxn modelId="13" srcId="1" destId="11" srcOrd="0" destOrd="0"/>
-        <dgm:cxn modelId="23" srcId="2" destId="21" srcOrd="0" destOrd="0"/>
-        <dgm:cxn modelId="33" srcId="3" destId="31" srcOrd="0" destOrd="0"/>
-        <dgm:cxn modelId="43" srcId="4" destId="41" srcOrd="0" destOrd="0"/>
-      </dgm:cxnLst>
+      <dgm:ptLst/>
       <dgm:bg/>
       <dgm:whole/>
     </dgm:dataModel>
   </dgm:clrData>
   <dgm:layoutNode name="Name0">
     <dgm:varLst>
-      <dgm:animLvl val="lvl"/>
+      <dgm:dir/>
       <dgm:resizeHandles val="exact"/>
     </dgm:varLst>
-    <dgm:alg type="lin">
-      <dgm:param type="linDir" val="fromL"/>
-      <dgm:param type="nodeVertAlign" val="t"/>
-    </dgm:alg>
+    <dgm:choose name="Name1">
+      <dgm:if name="Name2" axis="self" func="var" arg="dir" op="equ" val="norm">
+        <dgm:alg type="snake">
+          <dgm:param type="grDir" val="tL"/>
+          <dgm:param type="flowDir" val="row"/>
+          <dgm:param type="contDir" val="sameDir"/>
+          <dgm:param type="off" val="ctr"/>
+          <dgm:param type="vertAlign" val="mid"/>
+          <dgm:param type="horzAlign" val="ctr"/>
+        </dgm:alg>
+      </dgm:if>
+      <dgm:else name="Name3">
+        <dgm:alg type="snake">
+          <dgm:param type="grDir" val="tR"/>
+          <dgm:param type="flowDir" val="row"/>
+          <dgm:param type="contDir" val="sameDir"/>
+          <dgm:param type="off" val="ctr"/>
+          <dgm:param type="vertAlign" val="mid"/>
+          <dgm:param type="horzAlign" val="ctr"/>
+        </dgm:alg>
+      </dgm:else>
+    </dgm:choose>
     <dgm:shape xmlns:r="http://schemas.openxmlformats.org/officeDocument/2006/relationships" r:blip="">
       <dgm:adjLst/>
     </dgm:shape>
     <dgm:presOf/>
     <dgm:constrLst>
-      <dgm:constr type="h" for="ch" forName="compositeNode" refType="h"/>
-      <dgm:constr type="w" for="ch" forName="compositeNode" refType="w"/>
-      <dgm:constr type="w" for="des" forName="simulatedConn" refType="w" refFor="ch" refForName="compositeNode" fact="0.15"/>
-      <dgm:constr type="h" for="des" forName="simulatedConn" refType="w" refFor="des" refForName="simulatedConn"/>
-      <dgm:constr type="h" for="des" forName="vSp1" refType="w" refFor="ch" refForName="compositeNode" fact="0.8"/>
-      <dgm:constr type="h" for="des" forName="vSp2" refType="w" refFor="ch" refForName="compositeNode" fact="0.07"/>
-      <dgm:constr type="w" for="ch" forName="vProcSp" refType="w" refFor="des" refForName="simulatedConn" op="equ"/>
-      <dgm:constr type="h" for="ch" forName="vProcSp" refType="h" refFor="ch" refForName="compositeNode" op="equ"/>
-      <dgm:constr type="w" for="ch" forName="sibTrans" refType="w" refFor="ch" refForName="compositeNode" fact="0.08"/>
-      <dgm:constr type="primFontSz" for="des" forName="sibTransNodeRect" op="equ"/>
-      <dgm:constr type="primFontSz" for="des" forName="nodeRect" op="equ"/>
+      <dgm:constr type="w" for="ch" forName="compNode" refType="w"/>
+      <dgm:constr type="w" for="ch" ptType="sibTrans" refType="w" refFor="ch" refForName="compNode" op="equ" fact="0.1"/>
+      <dgm:constr type="sp" refType="w" refFor="ch" refForName="compNode" op="equ" fact="0.1"/>
+      <dgm:constr type="primFontSz" for="des" ptType="node" op="equ" val="65"/>
     </dgm:constrLst>
     <dgm:ruleLst/>
     <dgm:forEach name="Name4" axis="ch" ptType="node">
-      <dgm:layoutNode name="compositeNode">
-        <dgm:varLst>
-          <dgm:bulletEnabled val="1"/>
-        </dgm:varLst>
-        <dgm:alg type="composite"/>
+      <dgm:layoutNode name="compNode">
+        <dgm:alg type="composite">
+          <dgm:param type="ar" val="0.943"/>
+        </dgm:alg>
+        <dgm:shape xmlns:r="http://schemas.openxmlformats.org/officeDocument/2006/relationships" r:blip="">
+          <dgm:adjLst/>
+        </dgm:shape>
+        <dgm:presOf axis="self"/>
         <dgm:constrLst>
-          <dgm:constr type="h" refType="w" op="lte" fact="1.2"/>
-          <dgm:constr type="w" for="ch" forName="bgRect" refType="w"/>
-          <dgm:constr type="h" for="ch" forName="bgRect" refType="h"/>
-          <dgm:constr type="t" for="ch" forName="bgRect"/>
-          <dgm:constr type="l" for="ch" forName="bgRect"/>
-          <dgm:constr type="w" for="ch" forName="sibTransNodeRect" refType="w" refFor="ch" refForName="bgRect"/>
-          <dgm:constr type="h" for="ch" forName="sibTransNodeRect" refType="h" refFor="ch" refForName="bgRect" fact="0.4"/>
-          <dgm:constr type="t" for="ch" forName="sibTransNodeRect"/>
-          <dgm:constr type="l" for="ch" forName="sibTransNodeRect"/>
-          <dgm:constr type="r" for="ch" forName="nodeRect" refType="r" refFor="ch" refForName="bgRect"/>
-          <dgm:constr type="h" for="ch" forName="nodeRect" refType="h" refFor="ch" refForName="bgRect" fact="0.6"/>
-          <dgm:constr type="t" for="ch" forName="nodeRect" refType="b" refFor="ch" refForName="sibTransNodeRect"/>
-          <dgm:constr type="l" for="ch" forName="nodeRect" refType="l" refFor="ch" refForName="bgRect"/>
+          <dgm:constr type="h" refType="w" fact="1.06"/>
+          <dgm:constr type="h" for="ch" forName="pictRect" refType="h" fact="0.65"/>
+          <dgm:constr type="w" for="ch" forName="pictRect" refType="w"/>
+          <dgm:constr type="l" for="ch" forName="pictRect"/>
+          <dgm:constr type="t" for="ch" forName="pictRect"/>
+          <dgm:constr type="w" for="ch" forName="textRect" refType="w"/>
+          <dgm:constr type="h" for="ch" forName="textRect" refType="h" fact="0.35"/>
+          <dgm:constr type="l" for="ch" forName="textRect"/>
+          <dgm:constr type="t" for="ch" forName="textRect" refType="b" refFor="ch" refForName="pictRect"/>
         </dgm:constrLst>
-        <dgm:ruleLst>
-          <dgm:rule type="w" for="ch" forName="nodeRect" val="NaN" fact="NaN" max="30"/>
-        </dgm:ruleLst>
-        <dgm:layoutNode name="bgRect" styleLbl="alignNode1">
+        <dgm:ruleLst/>
+        <dgm:layoutNode name="pictRect">
           <dgm:alg type="sp"/>
-          <dgm:shape xmlns:r="http://schemas.openxmlformats.org/officeDocument/2006/relationships" type="rect" r:blip="">
-            <dgm:adjLst>
-              <dgm:adj idx="1" val="0.05"/>
-            </dgm:adjLst>
-          </dgm:shape>
-          <dgm:presOf axis="self"/>
-          <dgm:constrLst/>
-          <dgm:ruleLst/>
-        </dgm:layoutNode>
-        <dgm:forEach name="Name19" axis="followSib" ptType="sibTrans" hideLastTrans="0" cnt="1">
-          <dgm:layoutNode name="sibTransNodeRect" styleLbl="alignNode1">
-            <dgm:varLst>
-              <dgm:chMax val="0"/>
-              <dgm:bulletEnabled val="1"/>
-            </dgm:varLst>
-            <dgm:presOf axis="self"/>
-            <dgm:alg type="tx">
-              <dgm:param type="parTxLTRAlign" val="l"/>
-              <dgm:param type="parTxRTLAlign" val="l"/>
-            </dgm:alg>
-            <dgm:shape xmlns:r="http://schemas.openxmlformats.org/officeDocument/2006/relationships" type="rect" r:blip="" hideGeom="1">
-              <dgm:adjLst/>
-            </dgm:shape>
-            <dgm:constrLst>
-              <dgm:constr type="primFontSz" val="66"/>
-              <dgm:constr type="tMarg" val="13"/>
-              <dgm:constr type="lMarg" refType="w" fact="0.28"/>
-              <dgm:constr type="rMarg" refType="w" fact="0.28"/>
-              <dgm:constr type="bMarg" val="13"/>
-            </dgm:constrLst>
-            <dgm:ruleLst>
-              <dgm:rule type="primFontSz" val="14" fact="NaN" max="NaN"/>
-              <dgm:rule type="tMarg" val="13" fact="NaN" max="NaN"/>
-            </dgm:ruleLst>
-          </dgm:layoutNode>
-        </dgm:forEach>
-        <dgm:layoutNode name="nodeRect" styleLbl="alignNode1" moveWith="bgRect">
-          <dgm:varLst>
-            <dgm:bulletEnabled val="1"/>
-          </dgm:varLst>
-          <dgm:alg type="tx">
-            <dgm:param type="parTxLTRAlign" val="l"/>
-            <dgm:param type="parTxRTLAlign" val="r"/>
-            <dgm:param type="txAnchorVert" val="t"/>
-            <dgm:param type="stBulletLvl" val="2"/>
-          </dgm:alg>
-          <dgm:shape xmlns:r="http://schemas.openxmlformats.org/officeDocument/2006/relationships" type="rect" r:blip="" hideGeom="1">
-            <dgm:adjLst/>
-          </dgm:shape>
-          <dgm:presOf axis="desOrSelf" ptType="node"/>
-          <dgm:constrLst>
-            <dgm:constr type="primFontSz" val="26"/>
-            <dgm:constr type="tMarg"/>
-            <dgm:constr type="lMarg" refType="w" fact="0.28"/>
-            <dgm:constr type="rMarg" refType="w" fact="0.28"/>
-            <dgm:constr type="bMarg" val="26"/>
-          </dgm:constrLst>
-          <dgm:ruleLst>
-            <dgm:rule type="primFontSz" val="11" fact="NaN" max="NaN"/>
-          </dgm:ruleLst>
-        </dgm:layoutNode>
-      </dgm:layoutNode>
-      <dgm:forEach name="Name14" axis="followSib" ptType="sibTrans" cnt="1">
-        <dgm:layoutNode name="sibTrans">
-          <dgm:alg type="sp"/>
-          <dgm:shape xmlns:r="http://schemas.openxmlformats.org/officeDocument/2006/relationships" r:blip="">
+          <dgm:shape xmlns:r="http://schemas.openxmlformats.org/officeDocument/2006/relationships" type="roundRect" r:blip="" blipPhldr="1">
             <dgm:adjLst/>
           </dgm:shape>
           <dgm:presOf/>
           <dgm:constrLst/>
           <dgm:ruleLst/>
         </dgm:layoutNode>
+        <dgm:layoutNode name="textRect" styleLbl="revTx">
+          <dgm:varLst>
+            <dgm:bulletEnabled val="1"/>
+          </dgm:varLst>
+          <dgm:alg type="tx">
+            <dgm:param type="txAnchorVert" val="t"/>
+          </dgm:alg>
+          <dgm:shape xmlns:r="http://schemas.openxmlformats.org/officeDocument/2006/relationships" type="rect" r:blip="">
+            <dgm:adjLst/>
+          </dgm:shape>
+          <dgm:presOf axis="desOrSelf" ptType="node"/>
+          <dgm:constrLst>
+            <dgm:constr type="bMarg"/>
+          </dgm:constrLst>
+          <dgm:ruleLst>
+            <dgm:rule type="primFontSz" val="5" fact="NaN" max="NaN"/>
+          </dgm:ruleLst>
+        </dgm:layoutNode>
+      </dgm:layoutNode>
+      <dgm:forEach name="Name5" axis="followSib" ptType="sibTrans" cnt="1">
+        <dgm:layoutNode name="sibTrans">
+          <dgm:alg type="sp"/>
+          <dgm:shape xmlns:r="http://schemas.openxmlformats.org/officeDocument/2006/relationships" type="rect" r:blip="" hideGeom="1">
+            <dgm:adjLst/>
+          </dgm:shape>
+          <dgm:presOf axis="self"/>
+          <dgm:constrLst/>
+          <dgm:ruleLst/>
+        </dgm:layoutNode>
       </dgm:forEach>
     </dgm:forEach>
   </dgm:layoutNode>
-  <dgm:extLst>
-    <a:ext uri="{4F341089-5ED1-44EC-B178-C955D00A3D55}">
-      <dgm1611:autoBuNodeInfoLst xmlns:dgm1611="http://schemas.microsoft.com/office/drawing/2016/11/diagram">
-        <dgm1611:autoBuNodeInfo lvl="1" ptType="sibTrans">
-          <dgm1611:buPr prefix="" leadZeros="1">
-            <a:buAutoNum type="arabicParenBoth"/>
-          </dgm1611:buPr>
-        </dgm1611:autoBuNodeInfo>
-      </dgm1611:autoBuNodeInfoLst>
-    </a:ext>
-  </dgm:extLst>
 </dgm:layoutDef>
 </file>
 
@@ -3343,7 +3176,7 @@
           <a:p>
             <a:fld id="{EA0C0817-A112-4847-8014-A94B7D2A4EA3}" type="datetime1">
               <a:rPr lang="en-US" smtClean="0"/>
-              <a:t>6/1/2021</a:t>
+              <a:t>6/3/2021</a:t>
             </a:fld>
             <a:endParaRPr lang="en-US" dirty="0"/>
           </a:p>
@@ -3545,7 +3378,7 @@
           <a:p>
             <a:fld id="{7332B432-ACDA-4023-A761-2BAB76577B62}" type="datetime1">
               <a:rPr lang="en-US" smtClean="0"/>
-              <a:t>6/1/2021</a:t>
+              <a:t>6/3/2021</a:t>
             </a:fld>
             <a:endParaRPr lang="en-US" dirty="0"/>
           </a:p>
@@ -4144,7 +3977,7 @@
           <a:p>
             <a:fld id="{D9C646AA-F36E-4540-911D-FFFC0A0EF24A}" type="datetime1">
               <a:rPr lang="en-US" smtClean="0"/>
-              <a:t>6/1/2021</a:t>
+              <a:t>6/3/2021</a:t>
             </a:fld>
             <a:endParaRPr lang="en-US" dirty="0"/>
           </a:p>
@@ -4464,7 +4297,7 @@
           <a:p>
             <a:fld id="{69186D26-FA5F-4637-B602-B7C2DC34CFD4}" type="datetime1">
               <a:rPr lang="en-US" smtClean="0"/>
-              <a:t>6/1/2021</a:t>
+              <a:t>6/3/2021</a:t>
             </a:fld>
             <a:endParaRPr lang="en-US" dirty="0"/>
           </a:p>
@@ -4901,7 +4734,7 @@
           <a:p>
             <a:fld id="{8A7F15D8-96D1-4781-BC50-CA8A088B2FE4}" type="datetime1">
               <a:rPr lang="en-US" smtClean="0"/>
-              <a:t>6/1/2021</a:t>
+              <a:t>6/3/2021</a:t>
             </a:fld>
             <a:endParaRPr lang="en-US" dirty="0"/>
           </a:p>
@@ -5019,7 +4852,7 @@
           <a:p>
             <a:fld id="{F9A96C99-B8F8-4528-BD05-0E16E943DC09}" type="datetime1">
               <a:rPr lang="en-US" smtClean="0"/>
-              <a:t>6/1/2021</a:t>
+              <a:t>6/3/2021</a:t>
             </a:fld>
             <a:endParaRPr lang="en-US" dirty="0"/>
           </a:p>
@@ -5114,7 +4947,7 @@
           <a:p>
             <a:fld id="{03636942-C211-4B28-8DBD-C953E00AF71B}" type="datetime1">
               <a:rPr lang="en-US" smtClean="0"/>
-              <a:t>6/1/2021</a:t>
+              <a:t>6/3/2021</a:t>
             </a:fld>
             <a:endParaRPr lang="en-US" dirty="0"/>
           </a:p>
@@ -5531,7 +5364,7 @@
           <a:p>
             <a:fld id="{7E8D12A6-918A-48BD-8CB9-CA713993B0EA}" type="datetime1">
               <a:rPr lang="en-US" smtClean="0"/>
-              <a:t>6/1/2021</a:t>
+              <a:t>6/3/2021</a:t>
             </a:fld>
             <a:endParaRPr lang="en-US" dirty="0"/>
           </a:p>
@@ -5793,7 +5626,7 @@
             <a:fld id="{E778CE86-875F-4587-BCF6-FA054AFC0D53}" type="datetime1">
               <a:rPr lang="en-US" smtClean="0"/>
               <a:pPr/>
-              <a:t>6/1/2021</a:t>
+              <a:t>6/3/2021</a:t>
             </a:fld>
             <a:endParaRPr lang="en-US" dirty="0"/>
           </a:p>
@@ -6309,7 +6142,7 @@
           <a:p>
             <a:fld id="{F6FA2B21-3FCD-4721-B95C-427943F61125}" type="datetime1">
               <a:rPr lang="en-US" smtClean="0"/>
-              <a:t>6/1/2021</a:t>
+              <a:t>6/3/2021</a:t>
             </a:fld>
             <a:endParaRPr lang="en-US" dirty="0"/>
           </a:p>
@@ -7087,7 +6920,7 @@
             <a:pPr algn="ctr"/>
             <a:r>
               <a:rPr lang="en-US" dirty="0"/>
-              <a:t>Title Lorem Ipsum </a:t>
+              <a:t>Business Problem</a:t>
             </a:r>
           </a:p>
         </p:txBody>
@@ -7108,14 +6941,14 @@
             <p:ph idx="1"/>
             <p:extLst>
               <p:ext uri="{D42A27DB-BD31-4B8C-83A1-F6EECF244321}">
-                <p14:modId xmlns:p14="http://schemas.microsoft.com/office/powerpoint/2010/main" val="2479292358"/>
+                <p14:modId xmlns:p14="http://schemas.microsoft.com/office/powerpoint/2010/main" val="1115533867"/>
               </p:ext>
             </p:extLst>
           </p:nvPr>
         </p:nvGraphicFramePr>
         <p:xfrm>
-          <a:off x="1066800" y="2310063"/>
-          <a:ext cx="10058400" cy="3725612"/>
+          <a:off x="1768459" y="3273171"/>
+          <a:ext cx="8655078" cy="2686036"/>
         </p:xfrm>
         <a:graphic>
           <a:graphicData uri="http://schemas.openxmlformats.org/drawingml/2006/diagram">
@@ -7123,10 +6956,1911 @@
           </a:graphicData>
         </a:graphic>
       </p:graphicFrame>
+      <p:sp>
+        <p:nvSpPr>
+          <p:cNvPr id="4" name="TextBox 3">
+            <a:extLst>
+              <a:ext uri="{FF2B5EF4-FFF2-40B4-BE49-F238E27FC236}">
+                <a16:creationId xmlns:a16="http://schemas.microsoft.com/office/drawing/2014/main" id="{824FD047-746A-4AD9-A575-68CA19CA49CD}"/>
+              </a:ext>
+            </a:extLst>
+          </p:cNvPr>
+          <p:cNvSpPr txBox="1"/>
+          <p:nvPr/>
+        </p:nvSpPr>
+        <p:spPr>
+          <a:xfrm>
+            <a:off x="1979563" y="1864120"/>
+            <a:ext cx="8232869" cy="923330"/>
+          </a:xfrm>
+          <a:prstGeom prst="rect">
+            <a:avLst/>
+          </a:prstGeom>
+          <a:noFill/>
+        </p:spPr>
+        <p:txBody>
+          <a:bodyPr wrap="square" rtlCol="0">
+            <a:spAutoFit/>
+          </a:bodyPr>
+          <a:lstStyle/>
+          <a:p>
+            <a:pPr algn="ctr"/>
+            <a:r>
+              <a:rPr lang="en-US" dirty="0"/>
+              <a:t>Banco de Portugal hired me to develop an accurate </a:t>
+            </a:r>
+            <a:r>
+              <a:rPr lang="en-US" b="1" dirty="0"/>
+              <a:t>predictive model</a:t>
+            </a:r>
+            <a:r>
+              <a:rPr lang="en-US" dirty="0"/>
+              <a:t> to predict which customers are likely to invest in a term deposit as a result of telemarking.</a:t>
+            </a:r>
+          </a:p>
+        </p:txBody>
+      </p:sp>
     </p:spTree>
     <p:extLst>
       <p:ext uri="{BB962C8B-B14F-4D97-AF65-F5344CB8AC3E}">
         <p14:creationId xmlns:p14="http://schemas.microsoft.com/office/powerpoint/2010/main" val="3833773525"/>
+      </p:ext>
+    </p:extLst>
+  </p:cSld>
+  <p:clrMapOvr>
+    <a:masterClrMapping/>
+  </p:clrMapOvr>
+</p:sld>
+</file>
+
+<file path=ppt/slides/slide3.xml><?xml version="1.0" encoding="utf-8"?>
+<p:sld xmlns:a="http://schemas.openxmlformats.org/drawingml/2006/main" xmlns:r="http://schemas.openxmlformats.org/officeDocument/2006/relationships" xmlns:p="http://schemas.openxmlformats.org/presentationml/2006/main">
+  <p:cSld>
+    <p:spTree>
+      <p:nvGrpSpPr>
+        <p:cNvPr id="1" name=""/>
+        <p:cNvGrpSpPr/>
+        <p:nvPr/>
+      </p:nvGrpSpPr>
+      <p:grpSpPr>
+        <a:xfrm>
+          <a:off x="0" y="0"/>
+          <a:ext cx="0" cy="0"/>
+          <a:chOff x="0" y="0"/>
+          <a:chExt cx="0" cy="0"/>
+        </a:xfrm>
+      </p:grpSpPr>
+      <p:sp>
+        <p:nvSpPr>
+          <p:cNvPr id="2" name="Title 1">
+            <a:extLst>
+              <a:ext uri="{FF2B5EF4-FFF2-40B4-BE49-F238E27FC236}">
+                <a16:creationId xmlns:a16="http://schemas.microsoft.com/office/drawing/2014/main" id="{12DFD902-98E0-41B2-82EB-55EE70EA0804}"/>
+              </a:ext>
+            </a:extLst>
+          </p:cNvPr>
+          <p:cNvSpPr>
+            <a:spLocks noGrp="1"/>
+          </p:cNvSpPr>
+          <p:nvPr>
+            <p:ph type="title"/>
+          </p:nvPr>
+        </p:nvSpPr>
+        <p:spPr/>
+        <p:txBody>
+          <a:bodyPr/>
+          <a:lstStyle/>
+          <a:p>
+            <a:r>
+              <a:rPr lang="en-US" dirty="0"/>
+              <a:t>Data and Methods</a:t>
+            </a:r>
+          </a:p>
+        </p:txBody>
+      </p:sp>
+      <p:sp>
+        <p:nvSpPr>
+          <p:cNvPr id="3" name="Content Placeholder 2">
+            <a:extLst>
+              <a:ext uri="{FF2B5EF4-FFF2-40B4-BE49-F238E27FC236}">
+                <a16:creationId xmlns:a16="http://schemas.microsoft.com/office/drawing/2014/main" id="{38D9055A-6B64-4D88-BF3C-5D1662E811A8}"/>
+              </a:ext>
+            </a:extLst>
+          </p:cNvPr>
+          <p:cNvSpPr>
+            <a:spLocks noGrp="1"/>
+          </p:cNvSpPr>
+          <p:nvPr>
+            <p:ph idx="1"/>
+          </p:nvPr>
+        </p:nvSpPr>
+        <p:spPr>
+          <a:xfrm>
+            <a:off x="1066800" y="2114894"/>
+            <a:ext cx="10058400" cy="3849624"/>
+          </a:xfrm>
+        </p:spPr>
+        <p:txBody>
+          <a:bodyPr numCol="2">
+            <a:normAutofit fontScale="92500" lnSpcReduction="20000"/>
+          </a:bodyPr>
+          <a:lstStyle/>
+          <a:p>
+            <a:r>
+              <a:rPr lang="en-US" dirty="0"/>
+              <a:t>Banco de Portugal Telemarketing Dataset</a:t>
+            </a:r>
+          </a:p>
+          <a:p>
+            <a:pPr lvl="1"/>
+            <a:r>
+              <a:rPr lang="en-US" dirty="0"/>
+              <a:t>Publicly available on the </a:t>
+            </a:r>
+            <a:r>
+              <a:rPr lang="en-US" b="0" i="0" u="none" strike="noStrike" dirty="0">
+                <a:effectLst/>
+                <a:hlinkClick r:id="rId2"/>
+              </a:rPr>
+              <a:t>UCI Machine Learning Repository</a:t>
+            </a:r>
+            <a:endParaRPr lang="en-US" dirty="0"/>
+          </a:p>
+          <a:p>
+            <a:pPr lvl="1"/>
+            <a:r>
+              <a:rPr lang="en-US" dirty="0"/>
+              <a:t>Collected from May 2008 to November 2010</a:t>
+            </a:r>
+          </a:p>
+          <a:p>
+            <a:pPr lvl="1"/>
+            <a:r>
+              <a:rPr lang="en-US" dirty="0"/>
+              <a:t>Originally contains 21 features and 41k samples</a:t>
+            </a:r>
+          </a:p>
+          <a:p>
+            <a:pPr lvl="1"/>
+            <a:r>
+              <a:rPr lang="en-US" dirty="0"/>
+              <a:t>Roughly two thirds categorical and one third numeric</a:t>
+            </a:r>
+          </a:p>
+          <a:p>
+            <a:endParaRPr lang="en-US" dirty="0"/>
+          </a:p>
+          <a:p>
+            <a:endParaRPr lang="en-US" dirty="0"/>
+          </a:p>
+          <a:p>
+            <a:endParaRPr lang="en-US" dirty="0"/>
+          </a:p>
+          <a:p>
+            <a:endParaRPr lang="en-US" dirty="0"/>
+          </a:p>
+          <a:p>
+            <a:endParaRPr lang="en-US" dirty="0"/>
+          </a:p>
+          <a:p>
+            <a:endParaRPr lang="en-US" dirty="0"/>
+          </a:p>
+          <a:p>
+            <a:endParaRPr lang="en-US" dirty="0"/>
+          </a:p>
+          <a:p>
+            <a:endParaRPr lang="en-US" dirty="0"/>
+          </a:p>
+          <a:p>
+            <a:r>
+              <a:rPr lang="en-US" dirty="0"/>
+              <a:t>Methods</a:t>
+            </a:r>
+          </a:p>
+          <a:p>
+            <a:pPr lvl="1"/>
+            <a:r>
+              <a:rPr lang="en-US" dirty="0"/>
+              <a:t>Logistic Regression</a:t>
+            </a:r>
+          </a:p>
+          <a:p>
+            <a:pPr lvl="2"/>
+            <a:r>
+              <a:rPr lang="en-US" dirty="0"/>
+              <a:t>Relatively simple</a:t>
+            </a:r>
+          </a:p>
+          <a:p>
+            <a:pPr lvl="2"/>
+            <a:r>
+              <a:rPr lang="en-US" dirty="0"/>
+              <a:t>Powerful</a:t>
+            </a:r>
+          </a:p>
+          <a:p>
+            <a:pPr lvl="2"/>
+            <a:r>
+              <a:rPr lang="en-US" dirty="0"/>
+              <a:t>Widely used</a:t>
+            </a:r>
+          </a:p>
+          <a:p>
+            <a:pPr lvl="1"/>
+            <a:r>
+              <a:rPr lang="en-US" dirty="0"/>
+              <a:t>Iterative Progress</a:t>
+            </a:r>
+          </a:p>
+          <a:p>
+            <a:pPr lvl="2"/>
+            <a:r>
+              <a:rPr lang="en-US" dirty="0"/>
+              <a:t>Split the data into a 75% training set and 25% test set</a:t>
+            </a:r>
+          </a:p>
+          <a:p>
+            <a:pPr lvl="2"/>
+            <a:r>
+              <a:rPr lang="en-US" dirty="0"/>
+              <a:t>Start with a dummy model and a baseline logistic regression</a:t>
+            </a:r>
+          </a:p>
+          <a:p>
+            <a:pPr lvl="2"/>
+            <a:r>
+              <a:rPr lang="en-US" dirty="0"/>
+              <a:t>Make improvements with each successive version of the model</a:t>
+            </a:r>
+          </a:p>
+          <a:p>
+            <a:pPr lvl="1"/>
+            <a:r>
+              <a:rPr lang="en-US" dirty="0"/>
+              <a:t>Preprocessing</a:t>
+            </a:r>
+          </a:p>
+          <a:p>
+            <a:pPr lvl="2"/>
+            <a:r>
+              <a:rPr lang="en-US" dirty="0"/>
+              <a:t>Set missing categorical values to False</a:t>
+            </a:r>
+          </a:p>
+          <a:p>
+            <a:pPr lvl="2"/>
+            <a:r>
+              <a:rPr lang="en-US" dirty="0"/>
+              <a:t>Algorithmically filter out highly correlated sets of features</a:t>
+            </a:r>
+          </a:p>
+          <a:p>
+            <a:pPr lvl="3"/>
+            <a:r>
+              <a:rPr lang="en-US" dirty="0"/>
+              <a:t>Keep the feature with the highest variance from each set</a:t>
+            </a:r>
+          </a:p>
+          <a:p>
+            <a:pPr lvl="3"/>
+            <a:r>
+              <a:rPr lang="en-US" dirty="0"/>
+              <a:t>Avoids multi-collinearity</a:t>
+            </a:r>
+          </a:p>
+          <a:p>
+            <a:pPr lvl="2"/>
+            <a:r>
+              <a:rPr lang="en-US" dirty="0"/>
+              <a:t>Perform slight 95% </a:t>
+            </a:r>
+            <a:r>
+              <a:rPr lang="en-US" dirty="0" err="1"/>
+              <a:t>Winsorization</a:t>
+            </a:r>
+            <a:r>
+              <a:rPr lang="en-US" dirty="0"/>
+              <a:t> to reduce the influence of outliers</a:t>
+            </a:r>
+          </a:p>
+          <a:p>
+            <a:pPr lvl="2"/>
+            <a:r>
+              <a:rPr lang="en-US" dirty="0"/>
+              <a:t>Apply standard scaling, centering on the mean and scaling to standard deviation</a:t>
+            </a:r>
+          </a:p>
+          <a:p>
+            <a:pPr lvl="1"/>
+            <a:r>
+              <a:rPr lang="en-US" dirty="0"/>
+              <a:t>Key Parameters</a:t>
+            </a:r>
+          </a:p>
+          <a:p>
+            <a:pPr lvl="2"/>
+            <a:r>
+              <a:rPr lang="en-US" dirty="0"/>
+              <a:t>Balanced class weights</a:t>
+            </a:r>
+          </a:p>
+          <a:p>
+            <a:pPr lvl="2"/>
+            <a:r>
+              <a:rPr lang="en-US" dirty="0"/>
+              <a:t>L2 regularization to reduce overfitting</a:t>
+            </a:r>
+          </a:p>
+        </p:txBody>
+      </p:sp>
+      <p:pic>
+        <p:nvPicPr>
+          <p:cNvPr id="6" name="Picture 5" descr="Logo, company name&#10;&#10;Description automatically generated">
+            <a:extLst>
+              <a:ext uri="{FF2B5EF4-FFF2-40B4-BE49-F238E27FC236}">
+                <a16:creationId xmlns:a16="http://schemas.microsoft.com/office/drawing/2014/main" id="{BEFCB41D-14C4-4D5D-B88A-5C5532F94389}"/>
+              </a:ext>
+            </a:extLst>
+          </p:cNvPr>
+          <p:cNvPicPr>
+            <a:picLocks noChangeAspect="1"/>
+          </p:cNvPicPr>
+          <p:nvPr/>
+        </p:nvPicPr>
+        <p:blipFill>
+          <a:blip r:embed="rId3"/>
+          <a:stretch>
+            <a:fillRect/>
+          </a:stretch>
+        </p:blipFill>
+        <p:spPr>
+          <a:xfrm>
+            <a:off x="8602424" y="626504"/>
+            <a:ext cx="2487963" cy="2487963"/>
+          </a:xfrm>
+          <a:prstGeom prst="rect">
+            <a:avLst/>
+          </a:prstGeom>
+        </p:spPr>
+      </p:pic>
+      <p:pic>
+        <p:nvPicPr>
+          <p:cNvPr id="13" name="Graphic 12">
+            <a:extLst>
+              <a:ext uri="{FF2B5EF4-FFF2-40B4-BE49-F238E27FC236}">
+                <a16:creationId xmlns:a16="http://schemas.microsoft.com/office/drawing/2014/main" id="{9459C10E-D6E8-45A1-B3EF-A7616B0F6E96}"/>
+              </a:ext>
+            </a:extLst>
+          </p:cNvPr>
+          <p:cNvPicPr>
+            <a:picLocks noChangeAspect="1"/>
+          </p:cNvPicPr>
+          <p:nvPr/>
+        </p:nvPicPr>
+        <p:blipFill rotWithShape="1">
+          <a:blip r:embed="rId4">
+            <a:alphaModFix/>
+            <a:grayscl/>
+            <a:extLst>
+              <a:ext uri="{96DAC541-7B7A-43D3-8B79-37D633B846F1}">
+                <asvg:svgBlip xmlns:asvg="http://schemas.microsoft.com/office/drawing/2016/SVG/main" r:embed="rId5"/>
+              </a:ext>
+            </a:extLst>
+          </a:blip>
+          <a:srcRect r="66485"/>
+          <a:stretch/>
+        </p:blipFill>
+        <p:spPr>
+          <a:xfrm>
+            <a:off x="1775792" y="3306717"/>
+            <a:ext cx="3211444" cy="3165088"/>
+          </a:xfrm>
+          <a:prstGeom prst="rect">
+            <a:avLst/>
+          </a:prstGeom>
+        </p:spPr>
+      </p:pic>
+    </p:spTree>
+    <p:extLst>
+      <p:ext uri="{BB962C8B-B14F-4D97-AF65-F5344CB8AC3E}">
+        <p14:creationId xmlns:p14="http://schemas.microsoft.com/office/powerpoint/2010/main" val="636063863"/>
+      </p:ext>
+    </p:extLst>
+  </p:cSld>
+  <p:clrMapOvr>
+    <a:masterClrMapping/>
+  </p:clrMapOvr>
+</p:sld>
+</file>
+
+<file path=ppt/slides/slide4.xml><?xml version="1.0" encoding="utf-8"?>
+<p:sld xmlns:a="http://schemas.openxmlformats.org/drawingml/2006/main" xmlns:r="http://schemas.openxmlformats.org/officeDocument/2006/relationships" xmlns:p="http://schemas.openxmlformats.org/presentationml/2006/main">
+  <p:cSld>
+    <p:spTree>
+      <p:nvGrpSpPr>
+        <p:cNvPr id="1" name=""/>
+        <p:cNvGrpSpPr/>
+        <p:nvPr/>
+      </p:nvGrpSpPr>
+      <p:grpSpPr>
+        <a:xfrm>
+          <a:off x="0" y="0"/>
+          <a:ext cx="0" cy="0"/>
+          <a:chOff x="0" y="0"/>
+          <a:chExt cx="0" cy="0"/>
+        </a:xfrm>
+      </p:grpSpPr>
+      <p:sp>
+        <p:nvSpPr>
+          <p:cNvPr id="2" name="Title 1">
+            <a:extLst>
+              <a:ext uri="{FF2B5EF4-FFF2-40B4-BE49-F238E27FC236}">
+                <a16:creationId xmlns:a16="http://schemas.microsoft.com/office/drawing/2014/main" id="{CBD2185A-FE58-46EF-B95D-19CAFB59CE22}"/>
+              </a:ext>
+            </a:extLst>
+          </p:cNvPr>
+          <p:cNvSpPr>
+            <a:spLocks noGrp="1"/>
+          </p:cNvSpPr>
+          <p:nvPr>
+            <p:ph type="title"/>
+          </p:nvPr>
+        </p:nvSpPr>
+        <p:spPr/>
+        <p:txBody>
+          <a:bodyPr/>
+          <a:lstStyle/>
+          <a:p>
+            <a:r>
+              <a:rPr lang="en-US"/>
+              <a:t>Top 4 Features for Prediction</a:t>
+            </a:r>
+            <a:endParaRPr lang="en-US" dirty="0"/>
+          </a:p>
+        </p:txBody>
+      </p:sp>
+      <p:sp>
+        <p:nvSpPr>
+          <p:cNvPr id="6" name="TextBox 5">
+            <a:extLst>
+              <a:ext uri="{FF2B5EF4-FFF2-40B4-BE49-F238E27FC236}">
+                <a16:creationId xmlns:a16="http://schemas.microsoft.com/office/drawing/2014/main" id="{7418E91B-1404-4198-9193-073ECB02FCC4}"/>
+              </a:ext>
+            </a:extLst>
+          </p:cNvPr>
+          <p:cNvSpPr txBox="1"/>
+          <p:nvPr/>
+        </p:nvSpPr>
+        <p:spPr>
+          <a:xfrm>
+            <a:off x="1189111" y="2014194"/>
+            <a:ext cx="4489587" cy="3291286"/>
+          </a:xfrm>
+          <a:prstGeom prst="rect">
+            <a:avLst/>
+          </a:prstGeom>
+          <a:noFill/>
+        </p:spPr>
+        <p:txBody>
+          <a:bodyPr wrap="square" rtlCol="0">
+            <a:spAutoFit/>
+          </a:bodyPr>
+          <a:lstStyle/>
+          <a:p>
+            <a:pPr>
+              <a:lnSpc>
+                <a:spcPct val="150000"/>
+              </a:lnSpc>
+            </a:pPr>
+            <a:r>
+              <a:rPr lang="en-US" sz="1600"/>
+              <a:t>Ordered by magnitude:</a:t>
+            </a:r>
+          </a:p>
+          <a:p>
+            <a:pPr marL="342900" indent="-342900">
+              <a:lnSpc>
+                <a:spcPct val="150000"/>
+              </a:lnSpc>
+              <a:buFont typeface="+mj-lt"/>
+              <a:buAutoNum type="arabicPeriod"/>
+            </a:pPr>
+            <a:r>
+              <a:rPr lang="en-US" sz="1600"/>
+              <a:t>n_employed</a:t>
+            </a:r>
+          </a:p>
+          <a:p>
+            <a:pPr lvl="1">
+              <a:lnSpc>
+                <a:spcPct val="150000"/>
+              </a:lnSpc>
+            </a:pPr>
+            <a:r>
+              <a:rPr lang="en-US" sz="1200"/>
+              <a:t>Portuguese employment count</a:t>
+            </a:r>
+          </a:p>
+          <a:p>
+            <a:pPr marL="342900" indent="-342900">
+              <a:lnSpc>
+                <a:spcPct val="150000"/>
+              </a:lnSpc>
+              <a:buFont typeface="+mj-lt"/>
+              <a:buAutoNum type="arabicPeriod"/>
+            </a:pPr>
+            <a:r>
+              <a:rPr lang="en-US" sz="1600"/>
+              <a:t>prev_success</a:t>
+            </a:r>
+          </a:p>
+          <a:p>
+            <a:pPr lvl="1">
+              <a:lnSpc>
+                <a:spcPct val="150000"/>
+              </a:lnSpc>
+            </a:pPr>
+            <a:r>
+              <a:rPr lang="en-US" sz="1200"/>
+              <a:t>Customer previously opened an investment account as a result of marketing</a:t>
+            </a:r>
+          </a:p>
+          <a:p>
+            <a:pPr marL="342900" indent="-342900">
+              <a:lnSpc>
+                <a:spcPct val="150000"/>
+              </a:lnSpc>
+              <a:buFont typeface="+mj-lt"/>
+              <a:buAutoNum type="arabicPeriod"/>
+            </a:pPr>
+            <a:r>
+              <a:rPr lang="en-US" sz="1600"/>
+              <a:t>contact_month_may</a:t>
+            </a:r>
+          </a:p>
+          <a:p>
+            <a:pPr lvl="1">
+              <a:lnSpc>
+                <a:spcPct val="150000"/>
+              </a:lnSpc>
+            </a:pPr>
+            <a:r>
+              <a:rPr lang="en-US" sz="1200"/>
+              <a:t>Contacted in May</a:t>
+            </a:r>
+          </a:p>
+          <a:p>
+            <a:pPr marL="342900" indent="-342900">
+              <a:lnSpc>
+                <a:spcPct val="150000"/>
+              </a:lnSpc>
+              <a:buFont typeface="+mj-lt"/>
+              <a:buAutoNum type="arabicPeriod"/>
+            </a:pPr>
+            <a:r>
+              <a:rPr lang="en-US" sz="1600"/>
+              <a:t>contact_cellular</a:t>
+            </a:r>
+          </a:p>
+          <a:p>
+            <a:pPr lvl="1">
+              <a:lnSpc>
+                <a:spcPct val="150000"/>
+              </a:lnSpc>
+            </a:pPr>
+            <a:r>
+              <a:rPr lang="en-US" sz="1200"/>
+              <a:t>Contacted on a cell phone as opposed to a landline</a:t>
+            </a:r>
+            <a:endParaRPr lang="en-US" sz="1200" dirty="0"/>
+          </a:p>
+        </p:txBody>
+      </p:sp>
+      <p:pic>
+        <p:nvPicPr>
+          <p:cNvPr id="10" name="Content Placeholder 9">
+            <a:extLst>
+              <a:ext uri="{FF2B5EF4-FFF2-40B4-BE49-F238E27FC236}">
+                <a16:creationId xmlns:a16="http://schemas.microsoft.com/office/drawing/2014/main" id="{8B1F0428-1632-4F57-A02E-43DB0107ACD3}"/>
+              </a:ext>
+            </a:extLst>
+          </p:cNvPr>
+          <p:cNvPicPr>
+            <a:picLocks noGrp="1" noChangeAspect="1"/>
+          </p:cNvPicPr>
+          <p:nvPr>
+            <p:ph idx="1"/>
+          </p:nvPr>
+        </p:nvPicPr>
+        <p:blipFill>
+          <a:blip r:embed="rId2">
+            <a:extLst>
+              <a:ext uri="{96DAC541-7B7A-43D3-8B79-37D633B846F1}">
+                <asvg:svgBlip xmlns:asvg="http://schemas.microsoft.com/office/drawing/2016/SVG/main" r:embed="rId3"/>
+              </a:ext>
+            </a:extLst>
+          </a:blip>
+          <a:stretch>
+            <a:fillRect/>
+          </a:stretch>
+        </p:blipFill>
+        <p:spPr>
+          <a:xfrm>
+            <a:off x="6096000" y="1856064"/>
+            <a:ext cx="4545004" cy="3849687"/>
+          </a:xfrm>
+        </p:spPr>
+      </p:pic>
+    </p:spTree>
+    <p:extLst>
+      <p:ext uri="{BB962C8B-B14F-4D97-AF65-F5344CB8AC3E}">
+        <p14:creationId xmlns:p14="http://schemas.microsoft.com/office/powerpoint/2010/main" val="928779396"/>
+      </p:ext>
+    </p:extLst>
+  </p:cSld>
+  <p:clrMapOvr>
+    <a:masterClrMapping/>
+  </p:clrMapOvr>
+</p:sld>
+</file>
+
+<file path=ppt/slides/slide5.xml><?xml version="1.0" encoding="utf-8"?>
+<p:sld xmlns:a="http://schemas.openxmlformats.org/drawingml/2006/main" xmlns:r="http://schemas.openxmlformats.org/officeDocument/2006/relationships" xmlns:p="http://schemas.openxmlformats.org/presentationml/2006/main">
+  <p:cSld>
+    <p:bg>
+      <p:bgPr>
+        <a:solidFill>
+          <a:schemeClr val="bg1"/>
+        </a:solidFill>
+        <a:effectLst/>
+      </p:bgPr>
+    </p:bg>
+    <p:spTree>
+      <p:nvGrpSpPr>
+        <p:cNvPr id="1" name=""/>
+        <p:cNvGrpSpPr/>
+        <p:nvPr/>
+      </p:nvGrpSpPr>
+      <p:grpSpPr>
+        <a:xfrm>
+          <a:off x="0" y="0"/>
+          <a:ext cx="0" cy="0"/>
+          <a:chOff x="0" y="0"/>
+          <a:chExt cx="0" cy="0"/>
+        </a:xfrm>
+      </p:grpSpPr>
+      <p:sp useBgFill="1">
+        <p:nvSpPr>
+          <p:cNvPr id="12" name="Rectangle 11">
+            <a:extLst>
+              <a:ext uri="{FF2B5EF4-FFF2-40B4-BE49-F238E27FC236}">
+                <a16:creationId xmlns:a16="http://schemas.microsoft.com/office/drawing/2014/main" id="{1E94681D-2A4C-4A8D-B9B5-31D440D0328D}"/>
+              </a:ext>
+              <a:ext uri="{C183D7F6-B498-43B3-948B-1728B52AA6E4}">
+                <adec:decorative xmlns:adec="http://schemas.microsoft.com/office/drawing/2017/decorative" val="1"/>
+              </a:ext>
+            </a:extLst>
+          </p:cNvPr>
+          <p:cNvSpPr>
+            <a:spLocks noGrp="1" noRot="1" noChangeAspect="1" noMove="1" noResize="1" noEditPoints="1" noAdjustHandles="1" noChangeArrowheads="1" noChangeShapeType="1" noTextEdit="1"/>
+          </p:cNvSpPr>
+          <p:nvPr>
+            <p:extLst>
+              <p:ext uri="{386F3935-93C4-4BCD-93E2-E3B085C9AB24}">
+                <p16:designElem xmlns:p16="http://schemas.microsoft.com/office/powerpoint/2015/main" val="1"/>
+              </p:ext>
+            </p:extLst>
+          </p:nvPr>
+        </p:nvSpPr>
+        <p:spPr>
+          <a:xfrm>
+            <a:off x="0" y="0"/>
+            <a:ext cx="12192000" cy="6858000"/>
+          </a:xfrm>
+          <a:prstGeom prst="rect">
+            <a:avLst/>
+          </a:prstGeom>
+          <a:ln>
+            <a:noFill/>
+          </a:ln>
+        </p:spPr>
+        <p:style>
+          <a:lnRef idx="2">
+            <a:schemeClr val="accent1">
+              <a:shade val="50000"/>
+            </a:schemeClr>
+          </a:lnRef>
+          <a:fillRef idx="1">
+            <a:schemeClr val="accent1"/>
+          </a:fillRef>
+          <a:effectRef idx="0">
+            <a:schemeClr val="accent1"/>
+          </a:effectRef>
+          <a:fontRef idx="minor">
+            <a:schemeClr val="lt1"/>
+          </a:fontRef>
+        </p:style>
+        <p:txBody>
+          <a:bodyPr rtlCol="0" anchor="ctr"/>
+          <a:lstStyle/>
+          <a:p>
+            <a:pPr algn="ctr"/>
+            <a:endParaRPr lang="en-US"/>
+          </a:p>
+        </p:txBody>
+      </p:sp>
+      <p:sp>
+        <p:nvSpPr>
+          <p:cNvPr id="14" name="Rectangle 13">
+            <a:extLst>
+              <a:ext uri="{FF2B5EF4-FFF2-40B4-BE49-F238E27FC236}">
+                <a16:creationId xmlns:a16="http://schemas.microsoft.com/office/drawing/2014/main" id="{04B7AC44-1B7B-4F09-9AA4-3DFDEC5751A8}"/>
+              </a:ext>
+              <a:ext uri="{C183D7F6-B498-43B3-948B-1728B52AA6E4}">
+                <adec:decorative xmlns:adec="http://schemas.microsoft.com/office/drawing/2017/decorative" val="1"/>
+              </a:ext>
+            </a:extLst>
+          </p:cNvPr>
+          <p:cNvSpPr>
+            <a:spLocks noGrp="1" noRot="1" noChangeAspect="1" noMove="1" noResize="1" noEditPoints="1" noAdjustHandles="1" noChangeArrowheads="1" noChangeShapeType="1" noTextEdit="1"/>
+          </p:cNvSpPr>
+          <p:nvPr>
+            <p:extLst>
+              <p:ext uri="{386F3935-93C4-4BCD-93E2-E3B085C9AB24}">
+                <p16:designElem xmlns:p16="http://schemas.microsoft.com/office/powerpoint/2015/main" val="1"/>
+              </p:ext>
+            </p:extLst>
+          </p:nvPr>
+        </p:nvSpPr>
+        <p:spPr>
+          <a:xfrm>
+            <a:off x="234696" y="237744"/>
+            <a:ext cx="11722608" cy="6382512"/>
+          </a:xfrm>
+          <a:prstGeom prst="rect">
+            <a:avLst/>
+          </a:prstGeom>
+          <a:solidFill>
+            <a:schemeClr val="bg1">
+              <a:lumMod val="75000"/>
+              <a:alpha val="60000"/>
+            </a:schemeClr>
+          </a:solidFill>
+          <a:ln w="6350" cap="flat" cmpd="sng" algn="ctr">
+            <a:noFill/>
+            <a:prstDash val="solid"/>
+          </a:ln>
+          <a:effectLst>
+            <a:softEdge rad="0"/>
+          </a:effectLst>
+        </p:spPr>
+      </p:sp>
+      <p:sp>
+        <p:nvSpPr>
+          <p:cNvPr id="16" name="Rectangle 15">
+            <a:extLst>
+              <a:ext uri="{FF2B5EF4-FFF2-40B4-BE49-F238E27FC236}">
+                <a16:creationId xmlns:a16="http://schemas.microsoft.com/office/drawing/2014/main" id="{6683E473-94FF-4ACE-9433-1F14799E8907}"/>
+              </a:ext>
+              <a:ext uri="{C183D7F6-B498-43B3-948B-1728B52AA6E4}">
+                <adec:decorative xmlns:adec="http://schemas.microsoft.com/office/drawing/2017/decorative" val="1"/>
+              </a:ext>
+            </a:extLst>
+          </p:cNvPr>
+          <p:cNvSpPr>
+            <a:spLocks noGrp="1" noRot="1" noChangeAspect="1" noMove="1" noResize="1" noEditPoints="1" noAdjustHandles="1" noChangeArrowheads="1" noChangeShapeType="1" noTextEdit="1"/>
+          </p:cNvSpPr>
+          <p:nvPr>
+            <p:extLst>
+              <p:ext uri="{386F3935-93C4-4BCD-93E2-E3B085C9AB24}">
+                <p16:designElem xmlns:p16="http://schemas.microsoft.com/office/powerpoint/2015/main" val="1"/>
+              </p:ext>
+            </p:extLst>
+          </p:nvPr>
+        </p:nvSpPr>
+        <p:spPr>
+          <a:xfrm>
+            <a:off x="371856" y="374904"/>
+            <a:ext cx="11448288" cy="6108192"/>
+          </a:xfrm>
+          <a:prstGeom prst="rect">
+            <a:avLst/>
+          </a:prstGeom>
+          <a:noFill/>
+          <a:ln w="6350" cap="sq" cmpd="sng" algn="ctr">
+            <a:solidFill>
+              <a:schemeClr val="tx1">
+                <a:lumMod val="85000"/>
+                <a:lumOff val="15000"/>
+              </a:schemeClr>
+            </a:solidFill>
+            <a:prstDash val="solid"/>
+            <a:miter lim="800000"/>
+          </a:ln>
+          <a:effectLst/>
+        </p:spPr>
+      </p:sp>
+      <p:sp>
+        <p:nvSpPr>
+          <p:cNvPr id="18" name="Rectangle 17">
+            <a:extLst>
+              <a:ext uri="{FF2B5EF4-FFF2-40B4-BE49-F238E27FC236}">
+                <a16:creationId xmlns:a16="http://schemas.microsoft.com/office/drawing/2014/main" id="{282E2A95-1A08-4118-83C6-B1CA5648E075}"/>
+              </a:ext>
+              <a:ext uri="{C183D7F6-B498-43B3-948B-1728B52AA6E4}">
+                <adec:decorative xmlns:adec="http://schemas.microsoft.com/office/drawing/2017/decorative" val="1"/>
+              </a:ext>
+            </a:extLst>
+          </p:cNvPr>
+          <p:cNvSpPr>
+            <a:spLocks noGrp="1" noRot="1" noChangeAspect="1" noMove="1" noResize="1" noEditPoints="1" noAdjustHandles="1" noChangeArrowheads="1" noChangeShapeType="1" noTextEdit="1"/>
+          </p:cNvSpPr>
+          <p:nvPr>
+            <p:extLst>
+              <p:ext uri="{386F3935-93C4-4BCD-93E2-E3B085C9AB24}">
+                <p16:designElem xmlns:p16="http://schemas.microsoft.com/office/powerpoint/2015/main" val="1"/>
+              </p:ext>
+            </p:extLst>
+          </p:nvPr>
+        </p:nvSpPr>
+        <p:spPr>
+          <a:xfrm>
+            <a:off x="0" y="0"/>
+            <a:ext cx="12192000" cy="6858000"/>
+          </a:xfrm>
+          <a:prstGeom prst="rect">
+            <a:avLst/>
+          </a:prstGeom>
+          <a:ln>
+            <a:noFill/>
+          </a:ln>
+        </p:spPr>
+        <p:style>
+          <a:lnRef idx="2">
+            <a:schemeClr val="accent1">
+              <a:shade val="50000"/>
+            </a:schemeClr>
+          </a:lnRef>
+          <a:fillRef idx="1001">
+            <a:schemeClr val="lt1"/>
+          </a:fillRef>
+          <a:effectRef idx="0">
+            <a:schemeClr val="accent1"/>
+          </a:effectRef>
+          <a:fontRef idx="minor">
+            <a:schemeClr val="lt1"/>
+          </a:fontRef>
+        </p:style>
+        <p:txBody>
+          <a:bodyPr rtlCol="0" anchor="ctr"/>
+          <a:lstStyle/>
+          <a:p>
+            <a:pPr algn="ctr"/>
+            <a:endParaRPr lang="en-US"/>
+          </a:p>
+        </p:txBody>
+      </p:sp>
+      <p:sp>
+        <p:nvSpPr>
+          <p:cNvPr id="20" name="Rectangle 19">
+            <a:extLst>
+              <a:ext uri="{FF2B5EF4-FFF2-40B4-BE49-F238E27FC236}">
+                <a16:creationId xmlns:a16="http://schemas.microsoft.com/office/drawing/2014/main" id="{2FFEFC7E-85EE-4AC9-A351-FBEB13A1D622}"/>
+              </a:ext>
+              <a:ext uri="{C183D7F6-B498-43B3-948B-1728B52AA6E4}">
+                <adec:decorative xmlns:adec="http://schemas.microsoft.com/office/drawing/2017/decorative" val="1"/>
+              </a:ext>
+            </a:extLst>
+          </p:cNvPr>
+          <p:cNvSpPr>
+            <a:spLocks noGrp="1" noRot="1" noChangeAspect="1" noMove="1" noResize="1" noEditPoints="1" noAdjustHandles="1" noChangeArrowheads="1" noChangeShapeType="1" noTextEdit="1"/>
+          </p:cNvSpPr>
+          <p:nvPr>
+            <p:extLst>
+              <p:ext uri="{386F3935-93C4-4BCD-93E2-E3B085C9AB24}">
+                <p16:designElem xmlns:p16="http://schemas.microsoft.com/office/powerpoint/2015/main" val="1"/>
+              </p:ext>
+            </p:extLst>
+          </p:nvPr>
+        </p:nvSpPr>
+        <p:spPr>
+          <a:xfrm>
+            <a:off x="245534" y="237744"/>
+            <a:ext cx="2926080" cy="6382512"/>
+          </a:xfrm>
+          <a:prstGeom prst="rect">
+            <a:avLst/>
+          </a:prstGeom>
+          <a:solidFill>
+            <a:schemeClr val="bg1">
+              <a:lumMod val="75000"/>
+              <a:lumOff val="25000"/>
+            </a:schemeClr>
+          </a:solidFill>
+          <a:ln>
+            <a:noFill/>
+          </a:ln>
+        </p:spPr>
+        <p:style>
+          <a:lnRef idx="2">
+            <a:schemeClr val="accent1">
+              <a:shade val="50000"/>
+            </a:schemeClr>
+          </a:lnRef>
+          <a:fillRef idx="1">
+            <a:schemeClr val="accent1"/>
+          </a:fillRef>
+          <a:effectRef idx="0">
+            <a:schemeClr val="accent1"/>
+          </a:effectRef>
+          <a:fontRef idx="minor">
+            <a:schemeClr val="lt1"/>
+          </a:fontRef>
+        </p:style>
+      </p:sp>
+      <p:sp>
+        <p:nvSpPr>
+          <p:cNvPr id="22" name="Rectangle 21">
+            <a:extLst>
+              <a:ext uri="{FF2B5EF4-FFF2-40B4-BE49-F238E27FC236}">
+                <a16:creationId xmlns:a16="http://schemas.microsoft.com/office/drawing/2014/main" id="{CB2511BB-FC4C-45F3-94EB-661D6806C942}"/>
+              </a:ext>
+              <a:ext uri="{C183D7F6-B498-43B3-948B-1728B52AA6E4}">
+                <adec:decorative xmlns:adec="http://schemas.microsoft.com/office/drawing/2017/decorative" val="1"/>
+              </a:ext>
+            </a:extLst>
+          </p:cNvPr>
+          <p:cNvSpPr>
+            <a:spLocks noGrp="1" noRot="1" noChangeAspect="1" noMove="1" noResize="1" noEditPoints="1" noAdjustHandles="1" noChangeArrowheads="1" noChangeShapeType="1" noTextEdit="1"/>
+          </p:cNvSpPr>
+          <p:nvPr>
+            <p:extLst>
+              <p:ext uri="{386F3935-93C4-4BCD-93E2-E3B085C9AB24}">
+                <p16:designElem xmlns:p16="http://schemas.microsoft.com/office/powerpoint/2015/main" val="1"/>
+              </p:ext>
+            </p:extLst>
+          </p:nvPr>
+        </p:nvSpPr>
+        <p:spPr>
+          <a:xfrm>
+            <a:off x="419100" y="413053"/>
+            <a:ext cx="2616201" cy="6064596"/>
+          </a:xfrm>
+          <a:prstGeom prst="rect">
+            <a:avLst/>
+          </a:prstGeom>
+          <a:noFill/>
+          <a:ln w="6350">
+            <a:solidFill>
+              <a:schemeClr val="tx1">
+                <a:lumMod val="75000"/>
+                <a:lumOff val="25000"/>
+              </a:schemeClr>
+            </a:solidFill>
+          </a:ln>
+        </p:spPr>
+        <p:style>
+          <a:lnRef idx="2">
+            <a:schemeClr val="accent1">
+              <a:shade val="50000"/>
+            </a:schemeClr>
+          </a:lnRef>
+          <a:fillRef idx="1">
+            <a:schemeClr val="accent1"/>
+          </a:fillRef>
+          <a:effectRef idx="0">
+            <a:schemeClr val="accent1"/>
+          </a:effectRef>
+          <a:fontRef idx="minor">
+            <a:schemeClr val="lt1"/>
+          </a:fontRef>
+        </p:style>
+        <p:txBody>
+          <a:bodyPr rtlCol="0" anchor="ctr"/>
+          <a:lstStyle/>
+          <a:p>
+            <a:pPr algn="ctr"/>
+            <a:endParaRPr lang="en-US"/>
+          </a:p>
+        </p:txBody>
+      </p:sp>
+      <p:sp>
+        <p:nvSpPr>
+          <p:cNvPr id="2" name="Title 1">
+            <a:extLst>
+              <a:ext uri="{FF2B5EF4-FFF2-40B4-BE49-F238E27FC236}">
+                <a16:creationId xmlns:a16="http://schemas.microsoft.com/office/drawing/2014/main" id="{A78DA82A-1948-48FF-AF61-3CA713BC4CC9}"/>
+              </a:ext>
+            </a:extLst>
+          </p:cNvPr>
+          <p:cNvSpPr>
+            <a:spLocks noGrp="1"/>
+          </p:cNvSpPr>
+          <p:nvPr>
+            <p:ph type="title"/>
+          </p:nvPr>
+        </p:nvSpPr>
+        <p:spPr>
+          <a:xfrm>
+            <a:off x="557720" y="612843"/>
+            <a:ext cx="2312480" cy="945691"/>
+          </a:xfrm>
+        </p:spPr>
+        <p:txBody>
+          <a:bodyPr vert="horz" lIns="91440" tIns="45720" rIns="91440" bIns="45720" rtlCol="0" anchor="b">
+            <a:normAutofit/>
+          </a:bodyPr>
+          <a:lstStyle/>
+          <a:p>
+            <a:r>
+              <a:rPr lang="en-US" sz="2800" dirty="0"/>
+              <a:t>Employment Count</a:t>
+            </a:r>
+          </a:p>
+        </p:txBody>
+      </p:sp>
+      <p:sp>
+        <p:nvSpPr>
+          <p:cNvPr id="7" name="Content Placeholder 6">
+            <a:extLst>
+              <a:ext uri="{FF2B5EF4-FFF2-40B4-BE49-F238E27FC236}">
+                <a16:creationId xmlns:a16="http://schemas.microsoft.com/office/drawing/2014/main" id="{07307AA2-FF0A-4554-A7E9-144D63C1967F}"/>
+              </a:ext>
+            </a:extLst>
+          </p:cNvPr>
+          <p:cNvSpPr>
+            <a:spLocks noGrp="1"/>
+          </p:cNvSpPr>
+          <p:nvPr>
+            <p:ph sz="half" idx="2"/>
+          </p:nvPr>
+        </p:nvSpPr>
+        <p:spPr>
+          <a:xfrm>
+            <a:off x="570960" y="1699783"/>
+            <a:ext cx="2312479" cy="3719973"/>
+          </a:xfrm>
+        </p:spPr>
+        <p:txBody>
+          <a:bodyPr vert="horz" lIns="91440" tIns="45720" rIns="91440" bIns="45720" rtlCol="0">
+            <a:normAutofit/>
+          </a:bodyPr>
+          <a:lstStyle/>
+          <a:p>
+            <a:pPr>
+              <a:lnSpc>
+                <a:spcPct val="100000"/>
+              </a:lnSpc>
+            </a:pPr>
+            <a:r>
+              <a:rPr lang="en-US" sz="1400" dirty="0">
+                <a:solidFill>
+                  <a:schemeClr val="tx1">
+                    <a:lumMod val="85000"/>
+                    <a:lumOff val="15000"/>
+                  </a:schemeClr>
+                </a:solidFill>
+              </a:rPr>
+              <a:t>Undoubtedly, a very strong relationship</a:t>
+            </a:r>
+          </a:p>
+          <a:p>
+            <a:pPr>
+              <a:lnSpc>
+                <a:spcPct val="100000"/>
+              </a:lnSpc>
+            </a:pPr>
+            <a:r>
+              <a:rPr lang="en-US" sz="1400" dirty="0">
+                <a:solidFill>
+                  <a:schemeClr val="tx1">
+                    <a:lumMod val="85000"/>
+                    <a:lumOff val="15000"/>
+                  </a:schemeClr>
+                </a:solidFill>
+              </a:rPr>
+              <a:t>The underlying mechanism behind this relationship is unknown to me</a:t>
+            </a:r>
+          </a:p>
+          <a:p>
+            <a:pPr>
+              <a:lnSpc>
+                <a:spcPct val="100000"/>
+              </a:lnSpc>
+            </a:pPr>
+            <a:r>
+              <a:rPr lang="en-US" sz="1400" dirty="0">
+                <a:solidFill>
+                  <a:schemeClr val="tx1">
+                    <a:lumMod val="85000"/>
+                    <a:lumOff val="15000"/>
+                  </a:schemeClr>
+                </a:solidFill>
+              </a:rPr>
+              <a:t>A surprising discovery resulting from my model</a:t>
+            </a:r>
+          </a:p>
+          <a:p>
+            <a:pPr>
+              <a:lnSpc>
+                <a:spcPct val="100000"/>
+              </a:lnSpc>
+            </a:pPr>
+            <a:r>
+              <a:rPr lang="en-US" sz="1400" dirty="0">
+                <a:solidFill>
+                  <a:schemeClr val="tx1">
+                    <a:lumMod val="85000"/>
+                    <a:lumOff val="15000"/>
+                  </a:schemeClr>
+                </a:solidFill>
+              </a:rPr>
+              <a:t>What is the conversion rate for unemployed people?</a:t>
+            </a:r>
+          </a:p>
+        </p:txBody>
+      </p:sp>
+      <p:sp>
+        <p:nvSpPr>
+          <p:cNvPr id="24" name="Rectangle 23">
+            <a:extLst>
+              <a:ext uri="{FF2B5EF4-FFF2-40B4-BE49-F238E27FC236}">
+                <a16:creationId xmlns:a16="http://schemas.microsoft.com/office/drawing/2014/main" id="{68DC0EC7-60EA-4BD3-BC04-D547DE1B2891}"/>
+              </a:ext>
+              <a:ext uri="{C183D7F6-B498-43B3-948B-1728B52AA6E4}">
+                <adec:decorative xmlns:adec="http://schemas.microsoft.com/office/drawing/2017/decorative" val="1"/>
+              </a:ext>
+            </a:extLst>
+          </p:cNvPr>
+          <p:cNvSpPr>
+            <a:spLocks noGrp="1" noRot="1" noChangeAspect="1" noMove="1" noResize="1" noEditPoints="1" noAdjustHandles="1" noChangeArrowheads="1" noChangeShapeType="1" noTextEdit="1"/>
+          </p:cNvSpPr>
+          <p:nvPr>
+            <p:extLst>
+              <p:ext uri="{386F3935-93C4-4BCD-93E2-E3B085C9AB24}">
+                <p16:designElem xmlns:p16="http://schemas.microsoft.com/office/powerpoint/2015/main" val="1"/>
+              </p:ext>
+            </p:extLst>
+          </p:nvPr>
+        </p:nvSpPr>
+        <p:spPr>
+          <a:xfrm>
+            <a:off x="3569764" y="413053"/>
+            <a:ext cx="8212114" cy="6064596"/>
+          </a:xfrm>
+          <a:prstGeom prst="rect">
+            <a:avLst/>
+          </a:prstGeom>
+          <a:noFill/>
+          <a:ln w="6350" cap="sq" cmpd="sng" algn="ctr">
+            <a:solidFill>
+              <a:srgbClr val="404040"/>
+            </a:solidFill>
+            <a:prstDash val="solid"/>
+            <a:miter lim="800000"/>
+          </a:ln>
+          <a:effectLst/>
+        </p:spPr>
+      </p:sp>
+      <p:pic>
+        <p:nvPicPr>
+          <p:cNvPr id="5" name="Content Placeholder 4">
+            <a:extLst>
+              <a:ext uri="{FF2B5EF4-FFF2-40B4-BE49-F238E27FC236}">
+                <a16:creationId xmlns:a16="http://schemas.microsoft.com/office/drawing/2014/main" id="{3E625C6F-15DC-4263-9F1F-1DC3FD1E0738}"/>
+              </a:ext>
+            </a:extLst>
+          </p:cNvPr>
+          <p:cNvPicPr>
+            <a:picLocks noGrp="1" noChangeAspect="1"/>
+          </p:cNvPicPr>
+          <p:nvPr>
+            <p:ph sz="half" idx="1"/>
+          </p:nvPr>
+        </p:nvPicPr>
+        <p:blipFill>
+          <a:blip r:embed="rId2">
+            <a:extLst>
+              <a:ext uri="{96DAC541-7B7A-43D3-8B79-37D633B846F1}">
+                <asvg:svgBlip xmlns:asvg="http://schemas.microsoft.com/office/drawing/2016/SVG/main" r:embed="rId3"/>
+              </a:ext>
+            </a:extLst>
+          </a:blip>
+          <a:stretch>
+            <a:fillRect/>
+          </a:stretch>
+        </p:blipFill>
+        <p:spPr>
+          <a:xfrm>
+            <a:off x="4344658" y="882398"/>
+            <a:ext cx="6647405" cy="5121612"/>
+          </a:xfrm>
+          <a:prstGeom prst="rect">
+            <a:avLst/>
+          </a:prstGeom>
+        </p:spPr>
+      </p:pic>
+    </p:spTree>
+    <p:extLst>
+      <p:ext uri="{BB962C8B-B14F-4D97-AF65-F5344CB8AC3E}">
+        <p14:creationId xmlns:p14="http://schemas.microsoft.com/office/powerpoint/2010/main" val="827849368"/>
+      </p:ext>
+    </p:extLst>
+  </p:cSld>
+  <p:clrMapOvr>
+    <a:overrideClrMapping bg1="dk1" tx1="lt1" bg2="dk2" tx2="lt2" accent1="accent1" accent2="accent2" accent3="accent3" accent4="accent4" accent5="accent5" accent6="accent6" hlink="hlink" folHlink="folHlink"/>
+  </p:clrMapOvr>
+</p:sld>
+</file>
+
+<file path=ppt/slides/slide6.xml><?xml version="1.0" encoding="utf-8"?>
+<p:sld xmlns:a="http://schemas.openxmlformats.org/drawingml/2006/main" xmlns:r="http://schemas.openxmlformats.org/officeDocument/2006/relationships" xmlns:p="http://schemas.openxmlformats.org/presentationml/2006/main">
+  <p:cSld>
+    <p:bg>
+      <p:bgPr>
+        <a:solidFill>
+          <a:schemeClr val="bg1"/>
+        </a:solidFill>
+        <a:effectLst/>
+      </p:bgPr>
+    </p:bg>
+    <p:spTree>
+      <p:nvGrpSpPr>
+        <p:cNvPr id="1" name=""/>
+        <p:cNvGrpSpPr/>
+        <p:nvPr/>
+      </p:nvGrpSpPr>
+      <p:grpSpPr>
+        <a:xfrm>
+          <a:off x="0" y="0"/>
+          <a:ext cx="0" cy="0"/>
+          <a:chOff x="0" y="0"/>
+          <a:chExt cx="0" cy="0"/>
+        </a:xfrm>
+      </p:grpSpPr>
+      <p:sp useBgFill="1">
+        <p:nvSpPr>
+          <p:cNvPr id="11" name="Rectangle 10">
+            <a:extLst>
+              <a:ext uri="{FF2B5EF4-FFF2-40B4-BE49-F238E27FC236}">
+                <a16:creationId xmlns:a16="http://schemas.microsoft.com/office/drawing/2014/main" id="{1E94681D-2A4C-4A8D-B9B5-31D440D0328D}"/>
+              </a:ext>
+              <a:ext uri="{C183D7F6-B498-43B3-948B-1728B52AA6E4}">
+                <adec:decorative xmlns:adec="http://schemas.microsoft.com/office/drawing/2017/decorative" val="1"/>
+              </a:ext>
+            </a:extLst>
+          </p:cNvPr>
+          <p:cNvSpPr>
+            <a:spLocks noGrp="1" noRot="1" noChangeAspect="1" noMove="1" noResize="1" noEditPoints="1" noAdjustHandles="1" noChangeArrowheads="1" noChangeShapeType="1" noTextEdit="1"/>
+          </p:cNvSpPr>
+          <p:nvPr>
+            <p:extLst>
+              <p:ext uri="{386F3935-93C4-4BCD-93E2-E3B085C9AB24}">
+                <p16:designElem xmlns:p16="http://schemas.microsoft.com/office/powerpoint/2015/main" val="1"/>
+              </p:ext>
+            </p:extLst>
+          </p:nvPr>
+        </p:nvSpPr>
+        <p:spPr>
+          <a:xfrm>
+            <a:off x="0" y="0"/>
+            <a:ext cx="12192000" cy="6858000"/>
+          </a:xfrm>
+          <a:prstGeom prst="rect">
+            <a:avLst/>
+          </a:prstGeom>
+          <a:ln>
+            <a:noFill/>
+          </a:ln>
+        </p:spPr>
+        <p:style>
+          <a:lnRef idx="2">
+            <a:schemeClr val="accent1">
+              <a:shade val="50000"/>
+            </a:schemeClr>
+          </a:lnRef>
+          <a:fillRef idx="1">
+            <a:schemeClr val="accent1"/>
+          </a:fillRef>
+          <a:effectRef idx="0">
+            <a:schemeClr val="accent1"/>
+          </a:effectRef>
+          <a:fontRef idx="minor">
+            <a:schemeClr val="lt1"/>
+          </a:fontRef>
+        </p:style>
+        <p:txBody>
+          <a:bodyPr rtlCol="0" anchor="ctr"/>
+          <a:lstStyle/>
+          <a:p>
+            <a:pPr algn="ctr"/>
+            <a:endParaRPr lang="en-US"/>
+          </a:p>
+        </p:txBody>
+      </p:sp>
+      <p:sp>
+        <p:nvSpPr>
+          <p:cNvPr id="13" name="Rectangle 12">
+            <a:extLst>
+              <a:ext uri="{FF2B5EF4-FFF2-40B4-BE49-F238E27FC236}">
+                <a16:creationId xmlns:a16="http://schemas.microsoft.com/office/drawing/2014/main" id="{04B7AC44-1B7B-4F09-9AA4-3DFDEC5751A8}"/>
+              </a:ext>
+              <a:ext uri="{C183D7F6-B498-43B3-948B-1728B52AA6E4}">
+                <adec:decorative xmlns:adec="http://schemas.microsoft.com/office/drawing/2017/decorative" val="1"/>
+              </a:ext>
+            </a:extLst>
+          </p:cNvPr>
+          <p:cNvSpPr>
+            <a:spLocks noGrp="1" noRot="1" noChangeAspect="1" noMove="1" noResize="1" noEditPoints="1" noAdjustHandles="1" noChangeArrowheads="1" noChangeShapeType="1" noTextEdit="1"/>
+          </p:cNvSpPr>
+          <p:nvPr>
+            <p:extLst>
+              <p:ext uri="{386F3935-93C4-4BCD-93E2-E3B085C9AB24}">
+                <p16:designElem xmlns:p16="http://schemas.microsoft.com/office/powerpoint/2015/main" val="1"/>
+              </p:ext>
+            </p:extLst>
+          </p:nvPr>
+        </p:nvSpPr>
+        <p:spPr>
+          <a:xfrm>
+            <a:off x="234696" y="237744"/>
+            <a:ext cx="11722608" cy="6382512"/>
+          </a:xfrm>
+          <a:prstGeom prst="rect">
+            <a:avLst/>
+          </a:prstGeom>
+          <a:solidFill>
+            <a:schemeClr val="bg1">
+              <a:lumMod val="75000"/>
+              <a:alpha val="60000"/>
+            </a:schemeClr>
+          </a:solidFill>
+          <a:ln w="6350" cap="flat" cmpd="sng" algn="ctr">
+            <a:noFill/>
+            <a:prstDash val="solid"/>
+          </a:ln>
+          <a:effectLst>
+            <a:softEdge rad="0"/>
+          </a:effectLst>
+        </p:spPr>
+      </p:sp>
+      <p:sp>
+        <p:nvSpPr>
+          <p:cNvPr id="15" name="Rectangle 14">
+            <a:extLst>
+              <a:ext uri="{FF2B5EF4-FFF2-40B4-BE49-F238E27FC236}">
+                <a16:creationId xmlns:a16="http://schemas.microsoft.com/office/drawing/2014/main" id="{6683E473-94FF-4ACE-9433-1F14799E8907}"/>
+              </a:ext>
+              <a:ext uri="{C183D7F6-B498-43B3-948B-1728B52AA6E4}">
+                <adec:decorative xmlns:adec="http://schemas.microsoft.com/office/drawing/2017/decorative" val="1"/>
+              </a:ext>
+            </a:extLst>
+          </p:cNvPr>
+          <p:cNvSpPr>
+            <a:spLocks noGrp="1" noRot="1" noChangeAspect="1" noMove="1" noResize="1" noEditPoints="1" noAdjustHandles="1" noChangeArrowheads="1" noChangeShapeType="1" noTextEdit="1"/>
+          </p:cNvSpPr>
+          <p:nvPr>
+            <p:extLst>
+              <p:ext uri="{386F3935-93C4-4BCD-93E2-E3B085C9AB24}">
+                <p16:designElem xmlns:p16="http://schemas.microsoft.com/office/powerpoint/2015/main" val="1"/>
+              </p:ext>
+            </p:extLst>
+          </p:nvPr>
+        </p:nvSpPr>
+        <p:spPr>
+          <a:xfrm>
+            <a:off x="371856" y="374904"/>
+            <a:ext cx="11448288" cy="6108192"/>
+          </a:xfrm>
+          <a:prstGeom prst="rect">
+            <a:avLst/>
+          </a:prstGeom>
+          <a:noFill/>
+          <a:ln w="6350" cap="sq" cmpd="sng" algn="ctr">
+            <a:solidFill>
+              <a:schemeClr val="tx1">
+                <a:lumMod val="85000"/>
+                <a:lumOff val="15000"/>
+              </a:schemeClr>
+            </a:solidFill>
+            <a:prstDash val="solid"/>
+            <a:miter lim="800000"/>
+          </a:ln>
+          <a:effectLst/>
+        </p:spPr>
+      </p:sp>
+      <p:sp>
+        <p:nvSpPr>
+          <p:cNvPr id="17" name="Rectangle 16">
+            <a:extLst>
+              <a:ext uri="{FF2B5EF4-FFF2-40B4-BE49-F238E27FC236}">
+                <a16:creationId xmlns:a16="http://schemas.microsoft.com/office/drawing/2014/main" id="{AEE537B6-098D-494F-9A54-F22CD09775CD}"/>
+              </a:ext>
+              <a:ext uri="{C183D7F6-B498-43B3-948B-1728B52AA6E4}">
+                <adec:decorative xmlns:adec="http://schemas.microsoft.com/office/drawing/2017/decorative" val="1"/>
+              </a:ext>
+            </a:extLst>
+          </p:cNvPr>
+          <p:cNvSpPr>
+            <a:spLocks noGrp="1" noRot="1" noChangeAspect="1" noMove="1" noResize="1" noEditPoints="1" noAdjustHandles="1" noChangeArrowheads="1" noChangeShapeType="1" noTextEdit="1"/>
+          </p:cNvSpPr>
+          <p:nvPr>
+            <p:extLst>
+              <p:ext uri="{386F3935-93C4-4BCD-93E2-E3B085C9AB24}">
+                <p16:designElem xmlns:p16="http://schemas.microsoft.com/office/powerpoint/2015/main" val="1"/>
+              </p:ext>
+            </p:extLst>
+          </p:nvPr>
+        </p:nvSpPr>
+        <p:spPr>
+          <a:xfrm>
+            <a:off x="-1866" y="0"/>
+            <a:ext cx="12193866" cy="6858000"/>
+          </a:xfrm>
+          <a:prstGeom prst="rect">
+            <a:avLst/>
+          </a:prstGeom>
+          <a:solidFill>
+            <a:srgbClr val="FFFFFF"/>
+          </a:solidFill>
+          <a:ln>
+            <a:noFill/>
+          </a:ln>
+        </p:spPr>
+        <p:style>
+          <a:lnRef idx="2">
+            <a:schemeClr val="accent1">
+              <a:shade val="50000"/>
+            </a:schemeClr>
+          </a:lnRef>
+          <a:fillRef idx="1">
+            <a:schemeClr val="accent1"/>
+          </a:fillRef>
+          <a:effectRef idx="0">
+            <a:schemeClr val="accent1"/>
+          </a:effectRef>
+          <a:fontRef idx="minor">
+            <a:schemeClr val="lt1"/>
+          </a:fontRef>
+        </p:style>
+        <p:txBody>
+          <a:bodyPr rtlCol="0" anchor="ctr"/>
+          <a:lstStyle/>
+          <a:p>
+            <a:pPr algn="ctr"/>
+            <a:endParaRPr lang="en-US"/>
+          </a:p>
+        </p:txBody>
+      </p:sp>
+      <p:sp>
+        <p:nvSpPr>
+          <p:cNvPr id="19" name="Rectangle 18">
+            <a:extLst>
+              <a:ext uri="{FF2B5EF4-FFF2-40B4-BE49-F238E27FC236}">
+                <a16:creationId xmlns:a16="http://schemas.microsoft.com/office/drawing/2014/main" id="{07328FD4-8F4F-45D0-B179-C09F34FF8E4F}"/>
+              </a:ext>
+              <a:ext uri="{C183D7F6-B498-43B3-948B-1728B52AA6E4}">
+                <adec:decorative xmlns:adec="http://schemas.microsoft.com/office/drawing/2017/decorative" val="1"/>
+              </a:ext>
+            </a:extLst>
+          </p:cNvPr>
+          <p:cNvSpPr>
+            <a:spLocks noGrp="1" noRot="1" noChangeAspect="1" noMove="1" noResize="1" noEditPoints="1" noAdjustHandles="1" noChangeArrowheads="1" noChangeShapeType="1" noTextEdit="1"/>
+          </p:cNvSpPr>
+          <p:nvPr>
+            <p:extLst>
+              <p:ext uri="{386F3935-93C4-4BCD-93E2-E3B085C9AB24}">
+                <p16:designElem xmlns:p16="http://schemas.microsoft.com/office/powerpoint/2015/main" val="1"/>
+              </p:ext>
+            </p:extLst>
+          </p:nvPr>
+        </p:nvSpPr>
+        <p:spPr>
+          <a:xfrm>
+            <a:off x="398082" y="407588"/>
+            <a:ext cx="5532146" cy="6066184"/>
+          </a:xfrm>
+          <a:prstGeom prst="rect">
+            <a:avLst/>
+          </a:prstGeom>
+          <a:noFill/>
+          <a:ln w="6350" cap="sq" cmpd="sng" algn="ctr">
+            <a:solidFill>
+              <a:srgbClr val="404040"/>
+            </a:solidFill>
+            <a:prstDash val="solid"/>
+            <a:miter lim="800000"/>
+          </a:ln>
+          <a:effectLst/>
+        </p:spPr>
+      </p:sp>
+      <p:pic>
+        <p:nvPicPr>
+          <p:cNvPr id="6" name="Content Placeholder 5">
+            <a:extLst>
+              <a:ext uri="{FF2B5EF4-FFF2-40B4-BE49-F238E27FC236}">
+                <a16:creationId xmlns:a16="http://schemas.microsoft.com/office/drawing/2014/main" id="{6BB53BDE-526E-48E3-89EE-27E1C6395E80}"/>
+              </a:ext>
+            </a:extLst>
+          </p:cNvPr>
+          <p:cNvPicPr>
+            <a:picLocks noGrp="1" noChangeAspect="1"/>
+          </p:cNvPicPr>
+          <p:nvPr>
+            <p:ph sz="half" idx="1"/>
+          </p:nvPr>
+        </p:nvPicPr>
+        <p:blipFill>
+          <a:blip r:embed="rId2">
+            <a:extLst>
+              <a:ext uri="{96DAC541-7B7A-43D3-8B79-37D633B846F1}">
+                <asvg:svgBlip xmlns:asvg="http://schemas.microsoft.com/office/drawing/2016/SVG/main" r:embed="rId3"/>
+              </a:ext>
+            </a:extLst>
+          </a:blip>
+          <a:stretch>
+            <a:fillRect/>
+          </a:stretch>
+        </p:blipFill>
+        <p:spPr>
+          <a:xfrm>
+            <a:off x="882713" y="1188292"/>
+            <a:ext cx="4572418" cy="4525879"/>
+          </a:xfrm>
+          <a:prstGeom prst="rect">
+            <a:avLst/>
+          </a:prstGeom>
+        </p:spPr>
+      </p:pic>
+      <p:sp>
+        <p:nvSpPr>
+          <p:cNvPr id="21" name="Rectangle 20">
+            <a:extLst>
+              <a:ext uri="{FF2B5EF4-FFF2-40B4-BE49-F238E27FC236}">
+                <a16:creationId xmlns:a16="http://schemas.microsoft.com/office/drawing/2014/main" id="{4D22A8B8-E29F-4EB2-95D4-3C24EF234786}"/>
+              </a:ext>
+              <a:ext uri="{C183D7F6-B498-43B3-948B-1728B52AA6E4}">
+                <adec:decorative xmlns:adec="http://schemas.microsoft.com/office/drawing/2017/decorative" val="1"/>
+              </a:ext>
+            </a:extLst>
+          </p:cNvPr>
+          <p:cNvSpPr>
+            <a:spLocks noGrp="1" noRot="1" noChangeAspect="1" noMove="1" noResize="1" noEditPoints="1" noAdjustHandles="1" noChangeArrowheads="1" noChangeShapeType="1" noTextEdit="1"/>
+          </p:cNvSpPr>
+          <p:nvPr>
+            <p:extLst>
+              <p:ext uri="{386F3935-93C4-4BCD-93E2-E3B085C9AB24}">
+                <p16:designElem xmlns:p16="http://schemas.microsoft.com/office/powerpoint/2015/main" val="1"/>
+              </p:ext>
+            </p:extLst>
+          </p:nvPr>
+        </p:nvSpPr>
+        <p:spPr>
+          <a:xfrm>
+            <a:off x="6339709" y="253548"/>
+            <a:ext cx="5612193" cy="6361598"/>
+          </a:xfrm>
+          <a:prstGeom prst="rect">
+            <a:avLst/>
+          </a:prstGeom>
+          <a:solidFill>
+            <a:schemeClr val="bg1">
+              <a:lumMod val="85000"/>
+              <a:alpha val="60000"/>
+            </a:schemeClr>
+          </a:solidFill>
+          <a:ln>
+            <a:noFill/>
+          </a:ln>
+        </p:spPr>
+        <p:style>
+          <a:lnRef idx="2">
+            <a:schemeClr val="accent1">
+              <a:shade val="50000"/>
+            </a:schemeClr>
+          </a:lnRef>
+          <a:fillRef idx="1">
+            <a:schemeClr val="accent1"/>
+          </a:fillRef>
+          <a:effectRef idx="0">
+            <a:schemeClr val="accent1"/>
+          </a:effectRef>
+          <a:fontRef idx="minor">
+            <a:schemeClr val="lt1"/>
+          </a:fontRef>
+        </p:style>
+        <p:txBody>
+          <a:bodyPr rtlCol="0" anchor="ctr"/>
+          <a:lstStyle/>
+          <a:p>
+            <a:pPr algn="ctr"/>
+            <a:endParaRPr lang="en-US"/>
+          </a:p>
+        </p:txBody>
+      </p:sp>
+      <p:sp>
+        <p:nvSpPr>
+          <p:cNvPr id="23" name="Rectangle 22">
+            <a:extLst>
+              <a:ext uri="{FF2B5EF4-FFF2-40B4-BE49-F238E27FC236}">
+                <a16:creationId xmlns:a16="http://schemas.microsoft.com/office/drawing/2014/main" id="{451EF9F5-BAA7-45A5-BD84-F3184FCED115}"/>
+              </a:ext>
+              <a:ext uri="{C183D7F6-B498-43B3-948B-1728B52AA6E4}">
+                <adec:decorative xmlns:adec="http://schemas.microsoft.com/office/drawing/2017/decorative" val="1"/>
+              </a:ext>
+            </a:extLst>
+          </p:cNvPr>
+          <p:cNvSpPr>
+            <a:spLocks noGrp="1" noRot="1" noChangeAspect="1" noMove="1" noResize="1" noEditPoints="1" noAdjustHandles="1" noChangeArrowheads="1" noChangeShapeType="1" noTextEdit="1"/>
+          </p:cNvSpPr>
+          <p:nvPr>
+            <p:extLst>
+              <p:ext uri="{386F3935-93C4-4BCD-93E2-E3B085C9AB24}">
+                <p16:designElem xmlns:p16="http://schemas.microsoft.com/office/powerpoint/2015/main" val="1"/>
+              </p:ext>
+            </p:extLst>
+          </p:nvPr>
+        </p:nvSpPr>
+        <p:spPr>
+          <a:xfrm>
+            <a:off x="6487542" y="407588"/>
+            <a:ext cx="5299768" cy="6022878"/>
+          </a:xfrm>
+          <a:prstGeom prst="rect">
+            <a:avLst/>
+          </a:prstGeom>
+          <a:noFill/>
+          <a:ln w="6350">
+            <a:solidFill>
+              <a:schemeClr val="tx1">
+                <a:lumMod val="75000"/>
+                <a:lumOff val="25000"/>
+              </a:schemeClr>
+            </a:solidFill>
+          </a:ln>
+        </p:spPr>
+        <p:style>
+          <a:lnRef idx="2">
+            <a:schemeClr val="accent1">
+              <a:shade val="50000"/>
+            </a:schemeClr>
+          </a:lnRef>
+          <a:fillRef idx="1">
+            <a:schemeClr val="accent1"/>
+          </a:fillRef>
+          <a:effectRef idx="0">
+            <a:schemeClr val="accent1"/>
+          </a:effectRef>
+          <a:fontRef idx="minor">
+            <a:schemeClr val="lt1"/>
+          </a:fontRef>
+        </p:style>
+        <p:txBody>
+          <a:bodyPr rtlCol="0" anchor="ctr"/>
+          <a:lstStyle/>
+          <a:p>
+            <a:pPr algn="ctr"/>
+            <a:endParaRPr lang="en-US"/>
+          </a:p>
+        </p:txBody>
+      </p:sp>
+      <p:sp>
+        <p:nvSpPr>
+          <p:cNvPr id="2" name="Title 1">
+            <a:extLst>
+              <a:ext uri="{FF2B5EF4-FFF2-40B4-BE49-F238E27FC236}">
+                <a16:creationId xmlns:a16="http://schemas.microsoft.com/office/drawing/2014/main" id="{8F3BB156-0657-4F0C-897D-DE67A2407AA1}"/>
+              </a:ext>
+            </a:extLst>
+          </p:cNvPr>
+          <p:cNvSpPr>
+            <a:spLocks noGrp="1"/>
+          </p:cNvSpPr>
+          <p:nvPr>
+            <p:ph type="title"/>
+          </p:nvPr>
+        </p:nvSpPr>
+        <p:spPr>
+          <a:xfrm>
+            <a:off x="6846137" y="727626"/>
+            <a:ext cx="4602152" cy="1718225"/>
+          </a:xfrm>
+        </p:spPr>
+        <p:txBody>
+          <a:bodyPr vert="horz" lIns="91440" tIns="45720" rIns="91440" bIns="45720" rtlCol="0" anchor="ctr">
+            <a:normAutofit/>
+          </a:bodyPr>
+          <a:lstStyle/>
+          <a:p>
+            <a:r>
+              <a:rPr lang="en-US" sz="4400" dirty="0"/>
+              <a:t>Conversion Rate and Sales by Job</a:t>
+            </a:r>
+          </a:p>
+        </p:txBody>
+      </p:sp>
+      <p:sp>
+        <p:nvSpPr>
+          <p:cNvPr id="4" name="Content Placeholder 3">
+            <a:extLst>
+              <a:ext uri="{FF2B5EF4-FFF2-40B4-BE49-F238E27FC236}">
+                <a16:creationId xmlns:a16="http://schemas.microsoft.com/office/drawing/2014/main" id="{B821D5EA-3197-4185-A5DF-295564612957}"/>
+              </a:ext>
+            </a:extLst>
+          </p:cNvPr>
+          <p:cNvSpPr>
+            <a:spLocks noGrp="1"/>
+          </p:cNvSpPr>
+          <p:nvPr>
+            <p:ph sz="half" idx="2"/>
+          </p:nvPr>
+        </p:nvSpPr>
+        <p:spPr>
+          <a:xfrm>
+            <a:off x="6846137" y="2538919"/>
+            <a:ext cx="4602152" cy="3557805"/>
+          </a:xfrm>
+        </p:spPr>
+        <p:txBody>
+          <a:bodyPr vert="horz" lIns="91440" tIns="45720" rIns="91440" bIns="45720" rtlCol="0">
+            <a:normAutofit/>
+          </a:bodyPr>
+          <a:lstStyle/>
+          <a:p>
+            <a:pPr>
+              <a:lnSpc>
+                <a:spcPct val="100000"/>
+              </a:lnSpc>
+            </a:pPr>
+            <a:r>
+              <a:rPr lang="en-US" dirty="0"/>
+              <a:t>The conversion rate for unemployed people is surprisingly high, but not that high</a:t>
+            </a:r>
+          </a:p>
+          <a:p>
+            <a:pPr>
+              <a:lnSpc>
+                <a:spcPct val="100000"/>
+              </a:lnSpc>
+            </a:pPr>
+            <a:r>
+              <a:rPr lang="en-US" dirty="0"/>
+              <a:t>The total sales to unemployed people is predictably low</a:t>
+            </a:r>
+          </a:p>
+          <a:p>
+            <a:pPr>
+              <a:lnSpc>
+                <a:spcPct val="100000"/>
+              </a:lnSpc>
+            </a:pPr>
+            <a:r>
+              <a:rPr lang="en-US" dirty="0"/>
+              <a:t>Students and retirees have the highest average conversion rate</a:t>
+            </a:r>
+          </a:p>
+          <a:p>
+            <a:pPr>
+              <a:lnSpc>
+                <a:spcPct val="100000"/>
+              </a:lnSpc>
+            </a:pPr>
+            <a:r>
+              <a:rPr lang="en-US" dirty="0"/>
+              <a:t>Administrators and technicians have the highest total sales</a:t>
+            </a:r>
+          </a:p>
+        </p:txBody>
+      </p:sp>
+    </p:spTree>
+    <p:extLst>
+      <p:ext uri="{BB962C8B-B14F-4D97-AF65-F5344CB8AC3E}">
+        <p14:creationId xmlns:p14="http://schemas.microsoft.com/office/powerpoint/2010/main" val="3814493540"/>
+      </p:ext>
+    </p:extLst>
+  </p:cSld>
+  <p:clrMapOvr>
+    <a:masterClrMapping/>
+  </p:clrMapOvr>
+</p:sld>
+</file>
+
+<file path=ppt/slides/slide7.xml><?xml version="1.0" encoding="utf-8"?>
+<p:sld xmlns:a="http://schemas.openxmlformats.org/drawingml/2006/main" xmlns:r="http://schemas.openxmlformats.org/officeDocument/2006/relationships" xmlns:p="http://schemas.openxmlformats.org/presentationml/2006/main">
+  <p:cSld>
+    <p:spTree>
+      <p:nvGrpSpPr>
+        <p:cNvPr id="1" name=""/>
+        <p:cNvGrpSpPr/>
+        <p:nvPr/>
+      </p:nvGrpSpPr>
+      <p:grpSpPr>
+        <a:xfrm>
+          <a:off x="0" y="0"/>
+          <a:ext cx="0" cy="0"/>
+          <a:chOff x="0" y="0"/>
+          <a:chExt cx="0" cy="0"/>
+        </a:xfrm>
+      </p:grpSpPr>
+      <p:sp>
+        <p:nvSpPr>
+          <p:cNvPr id="2" name="Title 1">
+            <a:extLst>
+              <a:ext uri="{FF2B5EF4-FFF2-40B4-BE49-F238E27FC236}">
+                <a16:creationId xmlns:a16="http://schemas.microsoft.com/office/drawing/2014/main" id="{D1377214-098C-43FD-85FB-541E1A269C81}"/>
+              </a:ext>
+            </a:extLst>
+          </p:cNvPr>
+          <p:cNvSpPr>
+            <a:spLocks noGrp="1"/>
+          </p:cNvSpPr>
+          <p:nvPr>
+            <p:ph type="title"/>
+          </p:nvPr>
+        </p:nvSpPr>
+        <p:spPr/>
+        <p:txBody>
+          <a:bodyPr/>
+          <a:lstStyle/>
+          <a:p>
+            <a:endParaRPr lang="en-US"/>
+          </a:p>
+        </p:txBody>
+      </p:sp>
+      <p:sp>
+        <p:nvSpPr>
+          <p:cNvPr id="3" name="Content Placeholder 2">
+            <a:extLst>
+              <a:ext uri="{FF2B5EF4-FFF2-40B4-BE49-F238E27FC236}">
+                <a16:creationId xmlns:a16="http://schemas.microsoft.com/office/drawing/2014/main" id="{0A9A3C69-8122-41E1-8F7C-138ED92B1D84}"/>
+              </a:ext>
+            </a:extLst>
+          </p:cNvPr>
+          <p:cNvSpPr>
+            <a:spLocks noGrp="1"/>
+          </p:cNvSpPr>
+          <p:nvPr>
+            <p:ph sz="half" idx="1"/>
+          </p:nvPr>
+        </p:nvSpPr>
+        <p:spPr/>
+        <p:txBody>
+          <a:bodyPr/>
+          <a:lstStyle/>
+          <a:p>
+            <a:endParaRPr lang="en-US"/>
+          </a:p>
+        </p:txBody>
+      </p:sp>
+      <p:sp>
+        <p:nvSpPr>
+          <p:cNvPr id="4" name="Content Placeholder 3">
+            <a:extLst>
+              <a:ext uri="{FF2B5EF4-FFF2-40B4-BE49-F238E27FC236}">
+                <a16:creationId xmlns:a16="http://schemas.microsoft.com/office/drawing/2014/main" id="{E8726121-F976-4621-993C-81EC8FA838D4}"/>
+              </a:ext>
+            </a:extLst>
+          </p:cNvPr>
+          <p:cNvSpPr>
+            <a:spLocks noGrp="1"/>
+          </p:cNvSpPr>
+          <p:nvPr>
+            <p:ph sz="half" idx="2"/>
+          </p:nvPr>
+        </p:nvSpPr>
+        <p:spPr/>
+        <p:txBody>
+          <a:bodyPr/>
+          <a:lstStyle/>
+          <a:p>
+            <a:endParaRPr lang="en-US"/>
+          </a:p>
+        </p:txBody>
+      </p:sp>
+    </p:spTree>
+    <p:extLst>
+      <p:ext uri="{BB962C8B-B14F-4D97-AF65-F5344CB8AC3E}">
+        <p14:creationId xmlns:p14="http://schemas.microsoft.com/office/powerpoint/2010/main" val="1973002747"/>
       </p:ext>
     </p:extLst>
   </p:cSld>
@@ -7499,24 +9233,6 @@
 </file>
 
 <file path=customXml/item1.xml><?xml version="1.0" encoding="utf-8"?>
-<?mso-contentType ?>
-<FormTemplates xmlns="http://schemas.microsoft.com/sharepoint/v3/contenttype/forms">
-  <Display>DocumentLibraryForm</Display>
-  <Edit>DocumentLibraryForm</Edit>
-  <New>DocumentLibraryForm</New>
-</FormTemplates>
-</file>
-
-<file path=customXml/item2.xml><?xml version="1.0" encoding="utf-8"?>
-<p:properties xmlns:p="http://schemas.microsoft.com/office/2006/metadata/properties" xmlns:xsi="http://www.w3.org/2001/XMLSchema-instance" xmlns:pc="http://schemas.microsoft.com/office/infopath/2007/PartnerControls">
-  <documentManagement>
-    <Status xmlns="71af3243-3dd4-4a8d-8c0d-dd76da1f02a5">Not started</Status>
-    <MediaServiceKeyPoints xmlns="71af3243-3dd4-4a8d-8c0d-dd76da1f02a5" xsi:nil="true"/>
-  </documentManagement>
-</p:properties>
-</file>
-
-<file path=customXml/item3.xml><?xml version="1.0" encoding="utf-8"?>
 <ct:contentTypeSchema xmlns:ct="http://schemas.microsoft.com/office/2006/metadata/contentType" xmlns:ma="http://schemas.microsoft.com/office/2006/metadata/properties/metaAttributes" ct:_="" ma:_="" ma:contentTypeName="Document" ma:contentTypeID="0x01010079F111ED35F8CC479449609E8A0923A6" ma:contentTypeVersion="12" ma:contentTypeDescription="Create a new document." ma:contentTypeScope="" ma:versionID="a410dd7f93c95333ffa1b60ed6adedd1">
   <xsd:schema xmlns:xsd="http://www.w3.org/2001/XMLSchema" xmlns:xs="http://www.w3.org/2001/XMLSchema" xmlns:p="http://schemas.microsoft.com/office/2006/metadata/properties" xmlns:ns2="71af3243-3dd4-4a8d-8c0d-dd76da1f02a5" xmlns:ns3="16c05727-aa75-4e4a-9b5f-8a80a1165891" targetNamespace="http://schemas.microsoft.com/office/2006/metadata/properties" ma:root="true" ma:fieldsID="a936d9baba76aa3866493feff160faab" ns2:_="" ns3:_="">
     <xsd:import namespace="71af3243-3dd4-4a8d-8c0d-dd76da1f02a5"/>
@@ -7737,25 +9453,25 @@
 </ct:contentTypeSchema>
 </file>
 
-<file path=customXml/itemProps1.xml><?xml version="1.0" encoding="utf-8"?>
-<ds:datastoreItem xmlns:ds="http://schemas.openxmlformats.org/officeDocument/2006/customXml" ds:itemID="{AE2713E1-6312-427E-BFCB-C5A5DA301373}">
-  <ds:schemaRefs>
-    <ds:schemaRef ds:uri="http://schemas.microsoft.com/sharepoint/v3/contenttype/forms"/>
-  </ds:schemaRefs>
-</ds:datastoreItem>
+<file path=customXml/item2.xml><?xml version="1.0" encoding="utf-8"?>
+<p:properties xmlns:p="http://schemas.microsoft.com/office/2006/metadata/properties" xmlns:xsi="http://www.w3.org/2001/XMLSchema-instance" xmlns:pc="http://schemas.microsoft.com/office/infopath/2007/PartnerControls">
+  <documentManagement>
+    <Status xmlns="71af3243-3dd4-4a8d-8c0d-dd76da1f02a5">Not started</Status>
+    <MediaServiceKeyPoints xmlns="71af3243-3dd4-4a8d-8c0d-dd76da1f02a5" xsi:nil="true"/>
+  </documentManagement>
+</p:properties>
 </file>
 
-<file path=customXml/itemProps2.xml><?xml version="1.0" encoding="utf-8"?>
-<ds:datastoreItem xmlns:ds="http://schemas.openxmlformats.org/officeDocument/2006/customXml" ds:itemID="{52F3B215-496E-4790-A364-7C1C46DEC771}">
-  <ds:schemaRefs>
-    <ds:schemaRef ds:uri="http://schemas.microsoft.com/office/2006/metadata/properties"/>
-    <ds:schemaRef ds:uri="http://schemas.microsoft.com/office/infopath/2007/PartnerControls"/>
-    <ds:schemaRef ds:uri="71af3243-3dd4-4a8d-8c0d-dd76da1f02a5"/>
-  </ds:schemaRefs>
-</ds:datastoreItem>
+<file path=customXml/item3.xml><?xml version="1.0" encoding="utf-8"?>
+<?mso-contentType ?>
+<FormTemplates xmlns="http://schemas.microsoft.com/sharepoint/v3/contenttype/forms">
+  <Display>DocumentLibraryForm</Display>
+  <Edit>DocumentLibraryForm</Edit>
+  <New>DocumentLibraryForm</New>
+</FormTemplates>
 </file>
 
-<file path=customXml/itemProps3.xml><?xml version="1.0" encoding="utf-8"?>
+<file path=customXml/itemProps1.xml><?xml version="1.0" encoding="utf-8"?>
 <ds:datastoreItem xmlns:ds="http://schemas.openxmlformats.org/officeDocument/2006/customXml" ds:itemID="{50DB95DD-0319-4EE5-8C5C-9CEDF75E024B}">
   <ds:schemaRefs>
     <ds:schemaRef ds:uri="http://schemas.microsoft.com/office/2006/metadata/contentType"/>
@@ -7772,4 +9488,22 @@
     <ds:schemaRef ds:uri="http://schemas.microsoft.com/internal/obd"/>
   </ds:schemaRefs>
 </ds:datastoreItem>
+</file>
+
+<file path=customXml/itemProps2.xml><?xml version="1.0" encoding="utf-8"?>
+<ds:datastoreItem xmlns:ds="http://schemas.openxmlformats.org/officeDocument/2006/customXml" ds:itemID="{52F3B215-496E-4790-A364-7C1C46DEC771}">
+  <ds:schemaRefs>
+    <ds:schemaRef ds:uri="http://schemas.microsoft.com/office/2006/metadata/properties"/>
+    <ds:schemaRef ds:uri="http://schemas.microsoft.com/office/infopath/2007/PartnerControls"/>
+    <ds:schemaRef ds:uri="71af3243-3dd4-4a8d-8c0d-dd76da1f02a5"/>
+  </ds:schemaRefs>
+</ds:datastoreItem>
+</file>
+
+<file path=customXml/itemProps3.xml><?xml version="1.0" encoding="utf-8"?>
+<ds:datastoreItem xmlns:ds="http://schemas.openxmlformats.org/officeDocument/2006/customXml" ds:itemID="{AE2713E1-6312-427E-BFCB-C5A5DA301373}">
+  <ds:schemaRefs>
+    <ds:schemaRef ds:uri="http://schemas.microsoft.com/sharepoint/v3/contenttype/forms"/>
+  </ds:schemaRefs>
+</ds:datastoreItem>
 </file>
--- a/presentation/predicting_bank_telemarketing_sales.pptx
+++ b/presentation/predicting_bank_telemarketing_sales.pptx
@@ -12,6 +12,9 @@
     <p:sldId id="312" r:id="rId9"/>
     <p:sldId id="313" r:id="rId10"/>
     <p:sldId id="314" r:id="rId11"/>
+    <p:sldId id="315" r:id="rId12"/>
+    <p:sldId id="316" r:id="rId13"/>
+    <p:sldId id="317" r:id="rId14"/>
   </p:sldIdLst>
   <p:sldSz cx="12192000" cy="6858000"/>
   <p:notesSz cx="6858000" cy="9144000"/>
@@ -6864,6 +6867,107 @@
 </p:sld>
 </file>
 
+<file path=ppt/slides/slide10.xml><?xml version="1.0" encoding="utf-8"?>
+<p:sld xmlns:a="http://schemas.openxmlformats.org/drawingml/2006/main" xmlns:r="http://schemas.openxmlformats.org/officeDocument/2006/relationships" xmlns:p="http://schemas.openxmlformats.org/presentationml/2006/main">
+  <p:cSld>
+    <p:spTree>
+      <p:nvGrpSpPr>
+        <p:cNvPr id="1" name=""/>
+        <p:cNvGrpSpPr/>
+        <p:nvPr/>
+      </p:nvGrpSpPr>
+      <p:grpSpPr>
+        <a:xfrm>
+          <a:off x="0" y="0"/>
+          <a:ext cx="0" cy="0"/>
+          <a:chOff x="0" y="0"/>
+          <a:chExt cx="0" cy="0"/>
+        </a:xfrm>
+      </p:grpSpPr>
+      <p:sp>
+        <p:nvSpPr>
+          <p:cNvPr id="9" name="Title 8">
+            <a:extLst>
+              <a:ext uri="{FF2B5EF4-FFF2-40B4-BE49-F238E27FC236}">
+                <a16:creationId xmlns:a16="http://schemas.microsoft.com/office/drawing/2014/main" id="{BA311747-798A-4106-A555-042873E9C56B}"/>
+              </a:ext>
+            </a:extLst>
+          </p:cNvPr>
+          <p:cNvSpPr>
+            <a:spLocks noGrp="1"/>
+          </p:cNvSpPr>
+          <p:nvPr>
+            <p:ph type="title"/>
+          </p:nvPr>
+        </p:nvSpPr>
+        <p:spPr>
+          <a:xfrm>
+            <a:off x="3951609" y="3430880"/>
+            <a:ext cx="4288783" cy="1586501"/>
+          </a:xfrm>
+        </p:spPr>
+        <p:txBody>
+          <a:bodyPr>
+            <a:normAutofit/>
+          </a:bodyPr>
+          <a:lstStyle/>
+          <a:p>
+            <a:pPr algn="ctr"/>
+            <a:r>
+              <a:rPr lang="en-US" sz="6000" dirty="0"/>
+              <a:t>Thank you!</a:t>
+            </a:r>
+          </a:p>
+        </p:txBody>
+      </p:sp>
+      <p:pic>
+        <p:nvPicPr>
+          <p:cNvPr id="10" name="Graphic 9" descr="Wave Gesture with solid fill">
+            <a:extLst>
+              <a:ext uri="{FF2B5EF4-FFF2-40B4-BE49-F238E27FC236}">
+                <a16:creationId xmlns:a16="http://schemas.microsoft.com/office/drawing/2014/main" id="{B8A9E409-2557-4B45-A077-39A1E76B6872}"/>
+              </a:ext>
+            </a:extLst>
+          </p:cNvPr>
+          <p:cNvPicPr>
+            <a:picLocks noChangeAspect="1"/>
+          </p:cNvPicPr>
+          <p:nvPr/>
+        </p:nvPicPr>
+        <p:blipFill>
+          <a:blip r:embed="rId2">
+            <a:extLst>
+              <a:ext uri="{96DAC541-7B7A-43D3-8B79-37D633B846F1}">
+                <asvg:svgBlip xmlns:asvg="http://schemas.microsoft.com/office/drawing/2016/SVG/main" r:embed="rId3"/>
+              </a:ext>
+            </a:extLst>
+          </a:blip>
+          <a:srcRect/>
+          <a:stretch/>
+        </p:blipFill>
+        <p:spPr>
+          <a:xfrm>
+            <a:off x="5001565" y="1528073"/>
+            <a:ext cx="2188870" cy="2188870"/>
+          </a:xfrm>
+          <a:prstGeom prst="rect">
+            <a:avLst/>
+          </a:prstGeom>
+        </p:spPr>
+      </p:pic>
+    </p:spTree>
+    <p:extLst>
+      <p:ext uri="{BB962C8B-B14F-4D97-AF65-F5344CB8AC3E}">
+        <p14:creationId xmlns:p14="http://schemas.microsoft.com/office/powerpoint/2010/main" val="3503424066"/>
+      </p:ext>
+    </p:extLst>
+  </p:cSld>
+  <p:clrMapOvr>
+    <a:masterClrMapping/>
+  </p:clrMapOvr>
+</p:sld>
+</file>
+
 <file path=ppt/slides/slide2.xml><?xml version="1.0" encoding="utf-8"?>
 <p:sld xmlns:a="http://schemas.openxmlformats.org/drawingml/2006/main" xmlns:r="http://schemas.openxmlformats.org/officeDocument/2006/relationships" xmlns:p="http://schemas.openxmlformats.org/presentationml/2006/main">
   <p:cSld>
@@ -7982,19 +8086,19 @@
         </p:nvSpPr>
         <p:spPr>
           <a:xfrm>
-            <a:off x="557720" y="612843"/>
-            <a:ext cx="2312480" cy="945691"/>
+            <a:off x="570960" y="543340"/>
+            <a:ext cx="2312480" cy="1452516"/>
           </a:xfrm>
         </p:spPr>
         <p:txBody>
           <a:bodyPr vert="horz" lIns="91440" tIns="45720" rIns="91440" bIns="45720" rtlCol="0" anchor="b">
-            <a:normAutofit/>
+            <a:normAutofit fontScale="90000"/>
           </a:bodyPr>
           <a:lstStyle/>
           <a:p>
             <a:r>
               <a:rPr lang="en-US" sz="2800" dirty="0"/>
-              <a:t>Employment Count</a:t>
+              <a:t>Push Hard When Employment is Low</a:t>
             </a:r>
           </a:p>
         </p:txBody>
@@ -8017,13 +8121,13 @@
         </p:nvSpPr>
         <p:spPr>
           <a:xfrm>
-            <a:off x="570960" y="1699783"/>
+            <a:off x="552334" y="2133016"/>
             <a:ext cx="2312479" cy="3719973"/>
           </a:xfrm>
         </p:spPr>
         <p:txBody>
           <a:bodyPr vert="horz" lIns="91440" tIns="45720" rIns="91440" bIns="45720" rtlCol="0">
-            <a:normAutofit/>
+            <a:normAutofit fontScale="85000" lnSpcReduction="20000"/>
           </a:bodyPr>
           <a:lstStyle/>
           <a:p>
@@ -8096,6 +8200,122 @@
                 </a:solidFill>
               </a:rPr>
               <a:t>What is the conversion rate for unemployed people?</a:t>
+            </a:r>
+          </a:p>
+          <a:p>
+            <a:pPr>
+              <a:lnSpc>
+                <a:spcPct val="100000"/>
+              </a:lnSpc>
+            </a:pPr>
+            <a:endParaRPr lang="en-US" sz="1400" dirty="0">
+              <a:solidFill>
+                <a:schemeClr val="tx1">
+                  <a:lumMod val="85000"/>
+                  <a:lumOff val="15000"/>
+                </a:schemeClr>
+              </a:solidFill>
+            </a:endParaRPr>
+          </a:p>
+          <a:p>
+            <a:pPr marL="0" indent="0">
+              <a:lnSpc>
+                <a:spcPct val="100000"/>
+              </a:lnSpc>
+              <a:buNone/>
+            </a:pPr>
+            <a:r>
+              <a:rPr lang="en-US" sz="1400" b="1" dirty="0">
+                <a:solidFill>
+                  <a:schemeClr val="tx1">
+                    <a:lumMod val="85000"/>
+                    <a:lumOff val="15000"/>
+                  </a:schemeClr>
+                </a:solidFill>
+              </a:rPr>
+              <a:t>Recommendation</a:t>
+            </a:r>
+            <a:r>
+              <a:rPr lang="en-US" sz="1400" dirty="0">
+                <a:solidFill>
+                  <a:schemeClr val="tx1">
+                    <a:lumMod val="85000"/>
+                    <a:lumOff val="15000"/>
+                  </a:schemeClr>
+                </a:solidFill>
+              </a:rPr>
+              <a:t>:</a:t>
+            </a:r>
+          </a:p>
+          <a:p>
+            <a:pPr marL="0" indent="0">
+              <a:lnSpc>
+                <a:spcPct val="100000"/>
+              </a:lnSpc>
+              <a:buNone/>
+            </a:pPr>
+            <a:r>
+              <a:rPr lang="en-US" sz="1400" dirty="0">
+                <a:solidFill>
+                  <a:schemeClr val="tx1">
+                    <a:lumMod val="85000"/>
+                    <a:lumOff val="15000"/>
+                  </a:schemeClr>
+                </a:solidFill>
+              </a:rPr>
+              <a:t>Pump resources into marketing when employment is </a:t>
+            </a:r>
+            <a:r>
+              <a:rPr lang="en-US" sz="1400" b="1" dirty="0">
+                <a:solidFill>
+                  <a:schemeClr val="tx1">
+                    <a:lumMod val="85000"/>
+                    <a:lumOff val="15000"/>
+                  </a:schemeClr>
+                </a:solidFill>
+              </a:rPr>
+              <a:t>low.</a:t>
+            </a:r>
+          </a:p>
+          <a:p>
+            <a:pPr marL="0" indent="0">
+              <a:lnSpc>
+                <a:spcPct val="100000"/>
+              </a:lnSpc>
+              <a:buNone/>
+            </a:pPr>
+            <a:r>
+              <a:rPr lang="en-US" sz="1400" dirty="0">
+                <a:solidFill>
+                  <a:schemeClr val="tx1">
+                    <a:lumMod val="85000"/>
+                    <a:lumOff val="15000"/>
+                  </a:schemeClr>
+                </a:solidFill>
+              </a:rPr>
+              <a:t>Relax your efforts when employment is </a:t>
+            </a:r>
+            <a:r>
+              <a:rPr lang="en-US" sz="1400" b="1" dirty="0">
+                <a:solidFill>
+                  <a:schemeClr val="tx1">
+                    <a:lumMod val="85000"/>
+                    <a:lumOff val="15000"/>
+                  </a:schemeClr>
+                </a:solidFill>
+              </a:rPr>
+              <a:t>high</a:t>
+            </a:r>
+            <a:r>
+              <a:rPr lang="en-US" sz="1400" dirty="0">
+                <a:solidFill>
+                  <a:schemeClr val="tx1">
+                    <a:lumMod val="85000"/>
+                    <a:lumOff val="15000"/>
+                  </a:schemeClr>
+                </a:solidFill>
+              </a:rPr>
+              <a:t>.</a:t>
             </a:r>
           </a:p>
         </p:txBody>
@@ -8668,13 +8888,13 @@
         </p:spPr>
         <p:txBody>
           <a:bodyPr vert="horz" lIns="91440" tIns="45720" rIns="91440" bIns="45720" rtlCol="0" anchor="ctr">
-            <a:normAutofit/>
+            <a:noAutofit/>
           </a:bodyPr>
           <a:lstStyle/>
           <a:p>
             <a:r>
-              <a:rPr lang="en-US" sz="4400" dirty="0"/>
-              <a:t>Conversion Rate and Sales by Job</a:t>
+              <a:rPr lang="en-US" dirty="0"/>
+              <a:t>Unemployed People Don’t Invest</a:t>
             </a:r>
           </a:p>
         </p:txBody>
@@ -8713,8 +8933,8 @@
               </a:lnSpc>
             </a:pPr>
             <a:r>
-              <a:rPr lang="en-US" dirty="0"/>
-              <a:t>The conversion rate for unemployed people is surprisingly high, but not that high</a:t>
+              <a:rPr lang="en-US" sz="1600" dirty="0"/>
+              <a:t>The conversion rate for the unemployed is surprisingly high, but not that high</a:t>
             </a:r>
           </a:p>
           <a:p>
@@ -8724,7 +8944,7 @@
               </a:lnSpc>
             </a:pPr>
             <a:r>
-              <a:rPr lang="en-US" dirty="0"/>
+              <a:rPr lang="en-US" sz="1600" dirty="0"/>
               <a:t>The total sales to unemployed people is predictably low</a:t>
             </a:r>
           </a:p>
@@ -8735,7 +8955,7 @@
               </a:lnSpc>
             </a:pPr>
             <a:r>
-              <a:rPr lang="en-US" dirty="0"/>
+              <a:rPr lang="en-US" sz="1600" dirty="0"/>
               <a:t>Students and retirees have the highest average conversion rate</a:t>
             </a:r>
           </a:p>
@@ -8746,7 +8966,7 @@
               </a:lnSpc>
             </a:pPr>
             <a:r>
-              <a:rPr lang="en-US" dirty="0"/>
+              <a:rPr lang="en-US" sz="1600" dirty="0"/>
               <a:t>Administrators and technicians have the highest total sales</a:t>
             </a:r>
           </a:p>
@@ -8766,6 +8986,1302 @@
 </file>
 
 <file path=ppt/slides/slide7.xml><?xml version="1.0" encoding="utf-8"?>
+<p:sld xmlns:a="http://schemas.openxmlformats.org/drawingml/2006/main" xmlns:r="http://schemas.openxmlformats.org/officeDocument/2006/relationships" xmlns:p="http://schemas.openxmlformats.org/presentationml/2006/main">
+  <p:cSld>
+    <p:bg>
+      <p:bgPr>
+        <a:solidFill>
+          <a:schemeClr val="bg1"/>
+        </a:solidFill>
+        <a:effectLst/>
+      </p:bgPr>
+    </p:bg>
+    <p:spTree>
+      <p:nvGrpSpPr>
+        <p:cNvPr id="1" name=""/>
+        <p:cNvGrpSpPr/>
+        <p:nvPr/>
+      </p:nvGrpSpPr>
+      <p:grpSpPr>
+        <a:xfrm>
+          <a:off x="0" y="0"/>
+          <a:ext cx="0" cy="0"/>
+          <a:chOff x="0" y="0"/>
+          <a:chExt cx="0" cy="0"/>
+        </a:xfrm>
+      </p:grpSpPr>
+      <p:sp useBgFill="1">
+        <p:nvSpPr>
+          <p:cNvPr id="41" name="Rectangle 40">
+            <a:extLst>
+              <a:ext uri="{FF2B5EF4-FFF2-40B4-BE49-F238E27FC236}">
+                <a16:creationId xmlns:a16="http://schemas.microsoft.com/office/drawing/2014/main" id="{1E94681D-2A4C-4A8D-B9B5-31D440D0328D}"/>
+              </a:ext>
+              <a:ext uri="{C183D7F6-B498-43B3-948B-1728B52AA6E4}">
+                <adec:decorative xmlns:adec="http://schemas.microsoft.com/office/drawing/2017/decorative" val="1"/>
+              </a:ext>
+            </a:extLst>
+          </p:cNvPr>
+          <p:cNvSpPr>
+            <a:spLocks noGrp="1" noRot="1" noChangeAspect="1" noMove="1" noResize="1" noEditPoints="1" noAdjustHandles="1" noChangeArrowheads="1" noChangeShapeType="1" noTextEdit="1"/>
+          </p:cNvSpPr>
+          <p:nvPr>
+            <p:extLst>
+              <p:ext uri="{386F3935-93C4-4BCD-93E2-E3B085C9AB24}">
+                <p16:designElem xmlns:p16="http://schemas.microsoft.com/office/powerpoint/2015/main" val="1"/>
+              </p:ext>
+            </p:extLst>
+          </p:nvPr>
+        </p:nvSpPr>
+        <p:spPr>
+          <a:xfrm>
+            <a:off x="0" y="0"/>
+            <a:ext cx="12192000" cy="6858000"/>
+          </a:xfrm>
+          <a:prstGeom prst="rect">
+            <a:avLst/>
+          </a:prstGeom>
+          <a:ln>
+            <a:noFill/>
+          </a:ln>
+        </p:spPr>
+        <p:style>
+          <a:lnRef idx="2">
+            <a:schemeClr val="accent1">
+              <a:shade val="50000"/>
+            </a:schemeClr>
+          </a:lnRef>
+          <a:fillRef idx="1">
+            <a:schemeClr val="accent1"/>
+          </a:fillRef>
+          <a:effectRef idx="0">
+            <a:schemeClr val="accent1"/>
+          </a:effectRef>
+          <a:fontRef idx="minor">
+            <a:schemeClr val="lt1"/>
+          </a:fontRef>
+        </p:style>
+        <p:txBody>
+          <a:bodyPr rtlCol="0" anchor="ctr"/>
+          <a:lstStyle/>
+          <a:p>
+            <a:pPr algn="ctr"/>
+            <a:endParaRPr lang="en-US"/>
+          </a:p>
+        </p:txBody>
+      </p:sp>
+      <p:sp>
+        <p:nvSpPr>
+          <p:cNvPr id="43" name="Rectangle 42">
+            <a:extLst>
+              <a:ext uri="{FF2B5EF4-FFF2-40B4-BE49-F238E27FC236}">
+                <a16:creationId xmlns:a16="http://schemas.microsoft.com/office/drawing/2014/main" id="{7CBCD26A-BD2E-4E94-A8F8-A4B67923FDFA}"/>
+              </a:ext>
+              <a:ext uri="{C183D7F6-B498-43B3-948B-1728B52AA6E4}">
+                <adec:decorative xmlns:adec="http://schemas.microsoft.com/office/drawing/2017/decorative" val="1"/>
+              </a:ext>
+            </a:extLst>
+          </p:cNvPr>
+          <p:cNvSpPr>
+            <a:spLocks noGrp="1" noRot="1" noChangeAspect="1" noMove="1" noResize="1" noEditPoints="1" noAdjustHandles="1" noChangeArrowheads="1" noChangeShapeType="1" noTextEdit="1"/>
+          </p:cNvSpPr>
+          <p:nvPr>
+            <p:extLst>
+              <p:ext uri="{386F3935-93C4-4BCD-93E2-E3B085C9AB24}">
+                <p16:designElem xmlns:p16="http://schemas.microsoft.com/office/powerpoint/2015/main" val="1"/>
+              </p:ext>
+            </p:extLst>
+          </p:nvPr>
+        </p:nvSpPr>
+        <p:spPr>
+          <a:xfrm>
+            <a:off x="234696" y="237744"/>
+            <a:ext cx="11722608" cy="6382512"/>
+          </a:xfrm>
+          <a:prstGeom prst="rect">
+            <a:avLst/>
+          </a:prstGeom>
+          <a:solidFill>
+            <a:schemeClr val="bg1">
+              <a:lumMod val="75000"/>
+              <a:alpha val="60000"/>
+            </a:schemeClr>
+          </a:solidFill>
+          <a:ln w="6350" cap="flat" cmpd="sng" algn="ctr">
+            <a:noFill/>
+            <a:prstDash val="solid"/>
+          </a:ln>
+          <a:effectLst>
+            <a:softEdge rad="0"/>
+          </a:effectLst>
+        </p:spPr>
+      </p:sp>
+      <p:sp>
+        <p:nvSpPr>
+          <p:cNvPr id="45" name="Rectangle 44">
+            <a:extLst>
+              <a:ext uri="{FF2B5EF4-FFF2-40B4-BE49-F238E27FC236}">
+                <a16:creationId xmlns:a16="http://schemas.microsoft.com/office/drawing/2014/main" id="{ED0D337F-FB00-4E19-BBDA-8485C8ABB506}"/>
+              </a:ext>
+              <a:ext uri="{C183D7F6-B498-43B3-948B-1728B52AA6E4}">
+                <adec:decorative xmlns:adec="http://schemas.microsoft.com/office/drawing/2017/decorative" val="1"/>
+              </a:ext>
+            </a:extLst>
+          </p:cNvPr>
+          <p:cNvSpPr>
+            <a:spLocks noGrp="1" noRot="1" noChangeAspect="1" noMove="1" noResize="1" noEditPoints="1" noAdjustHandles="1" noChangeArrowheads="1" noChangeShapeType="1" noTextEdit="1"/>
+          </p:cNvSpPr>
+          <p:nvPr>
+            <p:extLst>
+              <p:ext uri="{386F3935-93C4-4BCD-93E2-E3B085C9AB24}">
+                <p16:designElem xmlns:p16="http://schemas.microsoft.com/office/powerpoint/2015/main" val="1"/>
+              </p:ext>
+            </p:extLst>
+          </p:nvPr>
+        </p:nvSpPr>
+        <p:spPr>
+          <a:xfrm>
+            <a:off x="371856" y="374904"/>
+            <a:ext cx="11448288" cy="6108192"/>
+          </a:xfrm>
+          <a:prstGeom prst="rect">
+            <a:avLst/>
+          </a:prstGeom>
+          <a:noFill/>
+          <a:ln w="6350" cap="sq" cmpd="sng" algn="ctr">
+            <a:solidFill>
+              <a:schemeClr val="tx1">
+                <a:lumMod val="85000"/>
+                <a:lumOff val="15000"/>
+              </a:schemeClr>
+            </a:solidFill>
+            <a:prstDash val="solid"/>
+            <a:miter lim="800000"/>
+          </a:ln>
+          <a:effectLst/>
+        </p:spPr>
+      </p:sp>
+      <p:sp useBgFill="1">
+        <p:nvSpPr>
+          <p:cNvPr id="47" name="Rectangle 46">
+            <a:extLst>
+              <a:ext uri="{FF2B5EF4-FFF2-40B4-BE49-F238E27FC236}">
+                <a16:creationId xmlns:a16="http://schemas.microsoft.com/office/drawing/2014/main" id="{78632963-757B-40C2-BB84-FC6107A54DAD}"/>
+              </a:ext>
+              <a:ext uri="{C183D7F6-B498-43B3-948B-1728B52AA6E4}">
+                <adec:decorative xmlns:adec="http://schemas.microsoft.com/office/drawing/2017/decorative" val="1"/>
+              </a:ext>
+            </a:extLst>
+          </p:cNvPr>
+          <p:cNvSpPr>
+            <a:spLocks noGrp="1" noRot="1" noChangeAspect="1" noMove="1" noResize="1" noEditPoints="1" noAdjustHandles="1" noChangeArrowheads="1" noChangeShapeType="1" noTextEdit="1"/>
+          </p:cNvSpPr>
+          <p:nvPr>
+            <p:extLst>
+              <p:ext uri="{386F3935-93C4-4BCD-93E2-E3B085C9AB24}">
+                <p16:designElem xmlns:p16="http://schemas.microsoft.com/office/powerpoint/2015/main" val="1"/>
+              </p:ext>
+            </p:extLst>
+          </p:nvPr>
+        </p:nvSpPr>
+        <p:spPr>
+          <a:xfrm>
+            <a:off x="-1866" y="0"/>
+            <a:ext cx="12193866" cy="6858000"/>
+          </a:xfrm>
+          <a:prstGeom prst="rect">
+            <a:avLst/>
+          </a:prstGeom>
+          <a:ln>
+            <a:noFill/>
+          </a:ln>
+        </p:spPr>
+        <p:style>
+          <a:lnRef idx="2">
+            <a:schemeClr val="accent1">
+              <a:shade val="50000"/>
+            </a:schemeClr>
+          </a:lnRef>
+          <a:fillRef idx="1">
+            <a:schemeClr val="accent1"/>
+          </a:fillRef>
+          <a:effectRef idx="0">
+            <a:schemeClr val="accent1"/>
+          </a:effectRef>
+          <a:fontRef idx="minor">
+            <a:schemeClr val="lt1"/>
+          </a:fontRef>
+        </p:style>
+        <p:txBody>
+          <a:bodyPr rtlCol="0" anchor="ctr"/>
+          <a:lstStyle/>
+          <a:p>
+            <a:pPr algn="ctr"/>
+            <a:endParaRPr lang="en-US" dirty="0"/>
+          </a:p>
+        </p:txBody>
+      </p:sp>
+      <p:sp>
+        <p:nvSpPr>
+          <p:cNvPr id="49" name="Rectangle 48">
+            <a:extLst>
+              <a:ext uri="{FF2B5EF4-FFF2-40B4-BE49-F238E27FC236}">
+                <a16:creationId xmlns:a16="http://schemas.microsoft.com/office/drawing/2014/main" id="{2853AE55-7E35-44B0-89F1-3F52B262AF33}"/>
+              </a:ext>
+              <a:ext uri="{C183D7F6-B498-43B3-948B-1728B52AA6E4}">
+                <adec:decorative xmlns:adec="http://schemas.microsoft.com/office/drawing/2017/decorative" val="1"/>
+              </a:ext>
+            </a:extLst>
+          </p:cNvPr>
+          <p:cNvSpPr>
+            <a:spLocks noGrp="1" noRot="1" noChangeAspect="1" noMove="1" noResize="1" noEditPoints="1" noAdjustHandles="1" noChangeArrowheads="1" noChangeShapeType="1" noTextEdit="1"/>
+          </p:cNvSpPr>
+          <p:nvPr>
+            <p:extLst>
+              <p:ext uri="{386F3935-93C4-4BCD-93E2-E3B085C9AB24}">
+                <p16:designElem xmlns:p16="http://schemas.microsoft.com/office/powerpoint/2015/main" val="1"/>
+              </p:ext>
+            </p:extLst>
+          </p:nvPr>
+        </p:nvSpPr>
+        <p:spPr>
+          <a:xfrm>
+            <a:off x="6339709" y="253548"/>
+            <a:ext cx="5612193" cy="6361598"/>
+          </a:xfrm>
+          <a:prstGeom prst="rect">
+            <a:avLst/>
+          </a:prstGeom>
+          <a:solidFill>
+            <a:schemeClr val="bg1">
+              <a:lumMod val="75000"/>
+              <a:alpha val="60000"/>
+            </a:schemeClr>
+          </a:solidFill>
+          <a:ln>
+            <a:noFill/>
+          </a:ln>
+        </p:spPr>
+        <p:style>
+          <a:lnRef idx="2">
+            <a:schemeClr val="accent1">
+              <a:shade val="50000"/>
+            </a:schemeClr>
+          </a:lnRef>
+          <a:fillRef idx="1">
+            <a:schemeClr val="accent1"/>
+          </a:fillRef>
+          <a:effectRef idx="0">
+            <a:schemeClr val="accent1"/>
+          </a:effectRef>
+          <a:fontRef idx="minor">
+            <a:schemeClr val="lt1"/>
+          </a:fontRef>
+        </p:style>
+        <p:txBody>
+          <a:bodyPr rtlCol="0" anchor="ctr"/>
+          <a:lstStyle/>
+          <a:p>
+            <a:pPr algn="ctr"/>
+            <a:endParaRPr lang="en-US"/>
+          </a:p>
+        </p:txBody>
+      </p:sp>
+      <p:sp>
+        <p:nvSpPr>
+          <p:cNvPr id="51" name="Rectangle 50">
+            <a:extLst>
+              <a:ext uri="{FF2B5EF4-FFF2-40B4-BE49-F238E27FC236}">
+                <a16:creationId xmlns:a16="http://schemas.microsoft.com/office/drawing/2014/main" id="{DBC4BE4D-4B50-4F51-9F85-4B5D60B02D81}"/>
+              </a:ext>
+              <a:ext uri="{C183D7F6-B498-43B3-948B-1728B52AA6E4}">
+                <adec:decorative xmlns:adec="http://schemas.microsoft.com/office/drawing/2017/decorative" val="1"/>
+              </a:ext>
+            </a:extLst>
+          </p:cNvPr>
+          <p:cNvSpPr>
+            <a:spLocks noGrp="1" noRot="1" noChangeAspect="1" noMove="1" noResize="1" noEditPoints="1" noAdjustHandles="1" noChangeArrowheads="1" noChangeShapeType="1" noTextEdit="1"/>
+          </p:cNvSpPr>
+          <p:nvPr>
+            <p:extLst>
+              <p:ext uri="{386F3935-93C4-4BCD-93E2-E3B085C9AB24}">
+                <p16:designElem xmlns:p16="http://schemas.microsoft.com/office/powerpoint/2015/main" val="1"/>
+              </p:ext>
+            </p:extLst>
+          </p:nvPr>
+        </p:nvSpPr>
+        <p:spPr>
+          <a:xfrm>
+            <a:off x="6487542" y="407588"/>
+            <a:ext cx="5299768" cy="6022878"/>
+          </a:xfrm>
+          <a:prstGeom prst="rect">
+            <a:avLst/>
+          </a:prstGeom>
+          <a:noFill/>
+          <a:ln w="6350">
+            <a:solidFill>
+              <a:schemeClr val="tx1">
+                <a:lumMod val="75000"/>
+                <a:lumOff val="25000"/>
+              </a:schemeClr>
+            </a:solidFill>
+          </a:ln>
+        </p:spPr>
+        <p:style>
+          <a:lnRef idx="2">
+            <a:schemeClr val="accent1">
+              <a:shade val="50000"/>
+            </a:schemeClr>
+          </a:lnRef>
+          <a:fillRef idx="1">
+            <a:schemeClr val="accent1"/>
+          </a:fillRef>
+          <a:effectRef idx="0">
+            <a:schemeClr val="accent1"/>
+          </a:effectRef>
+          <a:fontRef idx="minor">
+            <a:schemeClr val="lt1"/>
+          </a:fontRef>
+        </p:style>
+        <p:txBody>
+          <a:bodyPr rtlCol="0" anchor="ctr"/>
+          <a:lstStyle/>
+          <a:p>
+            <a:pPr algn="ctr"/>
+            <a:endParaRPr lang="en-US"/>
+          </a:p>
+        </p:txBody>
+      </p:sp>
+      <p:sp>
+        <p:nvSpPr>
+          <p:cNvPr id="2" name="Title 1">
+            <a:extLst>
+              <a:ext uri="{FF2B5EF4-FFF2-40B4-BE49-F238E27FC236}">
+                <a16:creationId xmlns:a16="http://schemas.microsoft.com/office/drawing/2014/main" id="{D1377214-098C-43FD-85FB-541E1A269C81}"/>
+              </a:ext>
+            </a:extLst>
+          </p:cNvPr>
+          <p:cNvSpPr>
+            <a:spLocks noGrp="1"/>
+          </p:cNvSpPr>
+          <p:nvPr>
+            <p:ph type="title"/>
+          </p:nvPr>
+        </p:nvSpPr>
+        <p:spPr>
+          <a:xfrm>
+            <a:off x="6846137" y="804073"/>
+            <a:ext cx="4602152" cy="1345449"/>
+          </a:xfrm>
+        </p:spPr>
+        <p:txBody>
+          <a:bodyPr vert="horz" lIns="91440" tIns="45720" rIns="91440" bIns="45720" rtlCol="0" anchor="ctr">
+            <a:normAutofit/>
+          </a:bodyPr>
+          <a:lstStyle/>
+          <a:p>
+            <a:r>
+              <a:rPr lang="en-US" sz="3700"/>
+              <a:t>Previous Success is a Major Predictor</a:t>
+            </a:r>
+          </a:p>
+        </p:txBody>
+      </p:sp>
+      <p:pic>
+        <p:nvPicPr>
+          <p:cNvPr id="21" name="Graphic 20">
+            <a:extLst>
+              <a:ext uri="{FF2B5EF4-FFF2-40B4-BE49-F238E27FC236}">
+                <a16:creationId xmlns:a16="http://schemas.microsoft.com/office/drawing/2014/main" id="{59AF7B45-6BF6-40D7-9D2B-2C2550B33D06}"/>
+              </a:ext>
+            </a:extLst>
+          </p:cNvPr>
+          <p:cNvPicPr>
+            <a:picLocks noChangeAspect="1"/>
+          </p:cNvPicPr>
+          <p:nvPr/>
+        </p:nvPicPr>
+        <p:blipFill>
+          <a:blip r:embed="rId2">
+            <a:extLst>
+              <a:ext uri="{96DAC541-7B7A-43D3-8B79-37D633B846F1}">
+                <asvg:svgBlip xmlns:asvg="http://schemas.microsoft.com/office/drawing/2016/SVG/main" r:embed="rId3"/>
+              </a:ext>
+            </a:extLst>
+          </a:blip>
+          <a:stretch>
+            <a:fillRect/>
+          </a:stretch>
+        </p:blipFill>
+        <p:spPr>
+          <a:xfrm>
+            <a:off x="466533" y="715226"/>
+            <a:ext cx="5299770" cy="2592338"/>
+          </a:xfrm>
+          <a:prstGeom prst="rect">
+            <a:avLst/>
+          </a:prstGeom>
+        </p:spPr>
+      </p:pic>
+      <p:pic>
+        <p:nvPicPr>
+          <p:cNvPr id="13" name="Content Placeholder 12">
+            <a:extLst>
+              <a:ext uri="{FF2B5EF4-FFF2-40B4-BE49-F238E27FC236}">
+                <a16:creationId xmlns:a16="http://schemas.microsoft.com/office/drawing/2014/main" id="{A05A26F0-4C3C-4458-BBEA-4F8B1CD63AB6}"/>
+              </a:ext>
+            </a:extLst>
+          </p:cNvPr>
+          <p:cNvPicPr>
+            <a:picLocks noGrp="1" noChangeAspect="1"/>
+          </p:cNvPicPr>
+          <p:nvPr>
+            <p:ph sz="half" idx="2"/>
+          </p:nvPr>
+        </p:nvPicPr>
+        <p:blipFill>
+          <a:blip r:embed="rId4">
+            <a:extLst>
+              <a:ext uri="{96DAC541-7B7A-43D3-8B79-37D633B846F1}">
+                <asvg:svgBlip xmlns:asvg="http://schemas.microsoft.com/office/drawing/2016/SVG/main" r:embed="rId5"/>
+              </a:ext>
+            </a:extLst>
+          </a:blip>
+          <a:stretch>
+            <a:fillRect/>
+          </a:stretch>
+        </p:blipFill>
+        <p:spPr>
+          <a:xfrm>
+            <a:off x="705311" y="3545308"/>
+            <a:ext cx="5060992" cy="2642182"/>
+          </a:xfrm>
+          <a:prstGeom prst="rect">
+            <a:avLst/>
+          </a:prstGeom>
+        </p:spPr>
+      </p:pic>
+      <p:sp>
+        <p:nvSpPr>
+          <p:cNvPr id="19" name="Content Placeholder 18">
+            <a:extLst>
+              <a:ext uri="{FF2B5EF4-FFF2-40B4-BE49-F238E27FC236}">
+                <a16:creationId xmlns:a16="http://schemas.microsoft.com/office/drawing/2014/main" id="{886245DD-83CB-40AC-84DF-2B5A618F1435}"/>
+              </a:ext>
+            </a:extLst>
+          </p:cNvPr>
+          <p:cNvSpPr>
+            <a:spLocks noGrp="1"/>
+          </p:cNvSpPr>
+          <p:nvPr>
+            <p:ph sz="half" idx="1"/>
+          </p:nvPr>
+        </p:nvSpPr>
+        <p:spPr>
+          <a:xfrm>
+            <a:off x="6846137" y="2303563"/>
+            <a:ext cx="4602152" cy="3715424"/>
+          </a:xfrm>
+        </p:spPr>
+        <p:txBody>
+          <a:bodyPr vert="horz" lIns="91440" tIns="45720" rIns="91440" bIns="45720" rtlCol="0">
+            <a:normAutofit/>
+          </a:bodyPr>
+          <a:lstStyle/>
+          <a:p>
+            <a:pPr>
+              <a:lnSpc>
+                <a:spcPct val="100000"/>
+              </a:lnSpc>
+            </a:pPr>
+            <a:r>
+              <a:rPr lang="en-US" sz="1400" dirty="0"/>
+              <a:t>Previous success is one of the biggest predictors of future success</a:t>
+            </a:r>
+          </a:p>
+          <a:p>
+            <a:pPr>
+              <a:lnSpc>
+                <a:spcPct val="100000"/>
+              </a:lnSpc>
+            </a:pPr>
+            <a:r>
+              <a:rPr lang="en-US" sz="1400" dirty="0"/>
+              <a:t>Unfortunately, only about ~14% of the customers were previously contacted, and of those only ~3% made a deal</a:t>
+            </a:r>
+          </a:p>
+          <a:p>
+            <a:pPr>
+              <a:lnSpc>
+                <a:spcPct val="100000"/>
+              </a:lnSpc>
+            </a:pPr>
+            <a:r>
+              <a:rPr lang="en-US" sz="1400" dirty="0"/>
+              <a:t>Cell phones are more popular than landlines, but other than that it’s unclear why they have a relationship with conversion</a:t>
+            </a:r>
+          </a:p>
+          <a:p>
+            <a:pPr>
+              <a:lnSpc>
+                <a:spcPct val="100000"/>
+              </a:lnSpc>
+            </a:pPr>
+            <a:endParaRPr lang="en-US" sz="1400" dirty="0"/>
+          </a:p>
+          <a:p>
+            <a:pPr marL="0" indent="0">
+              <a:lnSpc>
+                <a:spcPct val="100000"/>
+              </a:lnSpc>
+              <a:buNone/>
+            </a:pPr>
+            <a:r>
+              <a:rPr lang="en-US" sz="1400" b="1" dirty="0"/>
+              <a:t>Recommendation:</a:t>
+            </a:r>
+          </a:p>
+          <a:p>
+            <a:pPr marL="0" indent="0">
+              <a:lnSpc>
+                <a:spcPct val="100000"/>
+              </a:lnSpc>
+              <a:buNone/>
+            </a:pPr>
+            <a:r>
+              <a:rPr lang="en-US" sz="1400" dirty="0"/>
+              <a:t>Spend your energy and resources returning to previous customers who were receptive to marketing.</a:t>
+            </a:r>
+          </a:p>
+          <a:p>
+            <a:pPr>
+              <a:lnSpc>
+                <a:spcPct val="100000"/>
+              </a:lnSpc>
+            </a:pPr>
+            <a:endParaRPr lang="en-US" sz="1400" dirty="0"/>
+          </a:p>
+        </p:txBody>
+      </p:sp>
+    </p:spTree>
+    <p:extLst>
+      <p:ext uri="{BB962C8B-B14F-4D97-AF65-F5344CB8AC3E}">
+        <p14:creationId xmlns:p14="http://schemas.microsoft.com/office/powerpoint/2010/main" val="1973002747"/>
+      </p:ext>
+    </p:extLst>
+  </p:cSld>
+  <p:clrMapOvr>
+    <a:masterClrMapping/>
+  </p:clrMapOvr>
+</p:sld>
+</file>
+
+<file path=ppt/slides/slide8.xml><?xml version="1.0" encoding="utf-8"?>
+<p:sld xmlns:a="http://schemas.openxmlformats.org/drawingml/2006/main" xmlns:r="http://schemas.openxmlformats.org/officeDocument/2006/relationships" xmlns:p="http://schemas.openxmlformats.org/presentationml/2006/main">
+  <p:cSld>
+    <p:bg>
+      <p:bgPr>
+        <a:solidFill>
+          <a:schemeClr val="bg1"/>
+        </a:solidFill>
+        <a:effectLst/>
+      </p:bgPr>
+    </p:bg>
+    <p:spTree>
+      <p:nvGrpSpPr>
+        <p:cNvPr id="1" name=""/>
+        <p:cNvGrpSpPr/>
+        <p:nvPr/>
+      </p:nvGrpSpPr>
+      <p:grpSpPr>
+        <a:xfrm>
+          <a:off x="0" y="0"/>
+          <a:ext cx="0" cy="0"/>
+          <a:chOff x="0" y="0"/>
+          <a:chExt cx="0" cy="0"/>
+        </a:xfrm>
+      </p:grpSpPr>
+      <p:sp useBgFill="1">
+        <p:nvSpPr>
+          <p:cNvPr id="30" name="Rectangle 29">
+            <a:extLst>
+              <a:ext uri="{FF2B5EF4-FFF2-40B4-BE49-F238E27FC236}">
+                <a16:creationId xmlns:a16="http://schemas.microsoft.com/office/drawing/2014/main" id="{1E94681D-2A4C-4A8D-B9B5-31D440D0328D}"/>
+              </a:ext>
+              <a:ext uri="{C183D7F6-B498-43B3-948B-1728B52AA6E4}">
+                <adec:decorative xmlns:adec="http://schemas.microsoft.com/office/drawing/2017/decorative" val="1"/>
+              </a:ext>
+            </a:extLst>
+          </p:cNvPr>
+          <p:cNvSpPr>
+            <a:spLocks noGrp="1" noRot="1" noChangeAspect="1" noMove="1" noResize="1" noEditPoints="1" noAdjustHandles="1" noChangeArrowheads="1" noChangeShapeType="1" noTextEdit="1"/>
+          </p:cNvSpPr>
+          <p:nvPr>
+            <p:extLst>
+              <p:ext uri="{386F3935-93C4-4BCD-93E2-E3B085C9AB24}">
+                <p16:designElem xmlns:p16="http://schemas.microsoft.com/office/powerpoint/2015/main" val="1"/>
+              </p:ext>
+            </p:extLst>
+          </p:nvPr>
+        </p:nvSpPr>
+        <p:spPr>
+          <a:xfrm>
+            <a:off x="0" y="0"/>
+            <a:ext cx="12192000" cy="6858000"/>
+          </a:xfrm>
+          <a:prstGeom prst="rect">
+            <a:avLst/>
+          </a:prstGeom>
+          <a:ln>
+            <a:noFill/>
+          </a:ln>
+        </p:spPr>
+        <p:style>
+          <a:lnRef idx="2">
+            <a:schemeClr val="accent1">
+              <a:shade val="50000"/>
+            </a:schemeClr>
+          </a:lnRef>
+          <a:fillRef idx="1">
+            <a:schemeClr val="accent1"/>
+          </a:fillRef>
+          <a:effectRef idx="0">
+            <a:schemeClr val="accent1"/>
+          </a:effectRef>
+          <a:fontRef idx="minor">
+            <a:schemeClr val="lt1"/>
+          </a:fontRef>
+        </p:style>
+        <p:txBody>
+          <a:bodyPr rtlCol="0" anchor="ctr"/>
+          <a:lstStyle/>
+          <a:p>
+            <a:pPr algn="ctr"/>
+            <a:endParaRPr lang="en-US"/>
+          </a:p>
+        </p:txBody>
+      </p:sp>
+      <p:sp>
+        <p:nvSpPr>
+          <p:cNvPr id="32" name="Rectangle 31">
+            <a:extLst>
+              <a:ext uri="{FF2B5EF4-FFF2-40B4-BE49-F238E27FC236}">
+                <a16:creationId xmlns:a16="http://schemas.microsoft.com/office/drawing/2014/main" id="{04B7AC44-1B7B-4F09-9AA4-3DFDEC5751A8}"/>
+              </a:ext>
+              <a:ext uri="{C183D7F6-B498-43B3-948B-1728B52AA6E4}">
+                <adec:decorative xmlns:adec="http://schemas.microsoft.com/office/drawing/2017/decorative" val="1"/>
+              </a:ext>
+            </a:extLst>
+          </p:cNvPr>
+          <p:cNvSpPr>
+            <a:spLocks noGrp="1" noRot="1" noChangeAspect="1" noMove="1" noResize="1" noEditPoints="1" noAdjustHandles="1" noChangeArrowheads="1" noChangeShapeType="1" noTextEdit="1"/>
+          </p:cNvSpPr>
+          <p:nvPr>
+            <p:extLst>
+              <p:ext uri="{386F3935-93C4-4BCD-93E2-E3B085C9AB24}">
+                <p16:designElem xmlns:p16="http://schemas.microsoft.com/office/powerpoint/2015/main" val="1"/>
+              </p:ext>
+            </p:extLst>
+          </p:nvPr>
+        </p:nvSpPr>
+        <p:spPr>
+          <a:xfrm>
+            <a:off x="234696" y="237744"/>
+            <a:ext cx="11722608" cy="6382512"/>
+          </a:xfrm>
+          <a:prstGeom prst="rect">
+            <a:avLst/>
+          </a:prstGeom>
+          <a:solidFill>
+            <a:schemeClr val="bg1">
+              <a:lumMod val="75000"/>
+              <a:alpha val="60000"/>
+            </a:schemeClr>
+          </a:solidFill>
+          <a:ln w="6350" cap="flat" cmpd="sng" algn="ctr">
+            <a:noFill/>
+            <a:prstDash val="solid"/>
+          </a:ln>
+          <a:effectLst>
+            <a:softEdge rad="0"/>
+          </a:effectLst>
+        </p:spPr>
+      </p:sp>
+      <p:sp>
+        <p:nvSpPr>
+          <p:cNvPr id="34" name="Rectangle 33">
+            <a:extLst>
+              <a:ext uri="{FF2B5EF4-FFF2-40B4-BE49-F238E27FC236}">
+                <a16:creationId xmlns:a16="http://schemas.microsoft.com/office/drawing/2014/main" id="{6683E473-94FF-4ACE-9433-1F14799E8907}"/>
+              </a:ext>
+              <a:ext uri="{C183D7F6-B498-43B3-948B-1728B52AA6E4}">
+                <adec:decorative xmlns:adec="http://schemas.microsoft.com/office/drawing/2017/decorative" val="1"/>
+              </a:ext>
+            </a:extLst>
+          </p:cNvPr>
+          <p:cNvSpPr>
+            <a:spLocks noGrp="1" noRot="1" noChangeAspect="1" noMove="1" noResize="1" noEditPoints="1" noAdjustHandles="1" noChangeArrowheads="1" noChangeShapeType="1" noTextEdit="1"/>
+          </p:cNvSpPr>
+          <p:nvPr>
+            <p:extLst>
+              <p:ext uri="{386F3935-93C4-4BCD-93E2-E3B085C9AB24}">
+                <p16:designElem xmlns:p16="http://schemas.microsoft.com/office/powerpoint/2015/main" val="1"/>
+              </p:ext>
+            </p:extLst>
+          </p:nvPr>
+        </p:nvSpPr>
+        <p:spPr>
+          <a:xfrm>
+            <a:off x="371856" y="374904"/>
+            <a:ext cx="11448288" cy="6108192"/>
+          </a:xfrm>
+          <a:prstGeom prst="rect">
+            <a:avLst/>
+          </a:prstGeom>
+          <a:noFill/>
+          <a:ln w="6350" cap="sq" cmpd="sng" algn="ctr">
+            <a:solidFill>
+              <a:schemeClr val="tx1">
+                <a:lumMod val="85000"/>
+                <a:lumOff val="15000"/>
+              </a:schemeClr>
+            </a:solidFill>
+            <a:prstDash val="solid"/>
+            <a:miter lim="800000"/>
+          </a:ln>
+          <a:effectLst/>
+        </p:spPr>
+      </p:sp>
+      <p:sp>
+        <p:nvSpPr>
+          <p:cNvPr id="36" name="Rectangle 35">
+            <a:extLst>
+              <a:ext uri="{FF2B5EF4-FFF2-40B4-BE49-F238E27FC236}">
+                <a16:creationId xmlns:a16="http://schemas.microsoft.com/office/drawing/2014/main" id="{282E2A95-1A08-4118-83C6-B1CA5648E075}"/>
+              </a:ext>
+              <a:ext uri="{C183D7F6-B498-43B3-948B-1728B52AA6E4}">
+                <adec:decorative xmlns:adec="http://schemas.microsoft.com/office/drawing/2017/decorative" val="1"/>
+              </a:ext>
+            </a:extLst>
+          </p:cNvPr>
+          <p:cNvSpPr>
+            <a:spLocks noGrp="1" noRot="1" noChangeAspect="1" noMove="1" noResize="1" noEditPoints="1" noAdjustHandles="1" noChangeArrowheads="1" noChangeShapeType="1" noTextEdit="1"/>
+          </p:cNvSpPr>
+          <p:nvPr>
+            <p:extLst>
+              <p:ext uri="{386F3935-93C4-4BCD-93E2-E3B085C9AB24}">
+                <p16:designElem xmlns:p16="http://schemas.microsoft.com/office/powerpoint/2015/main" val="1"/>
+              </p:ext>
+            </p:extLst>
+          </p:nvPr>
+        </p:nvSpPr>
+        <p:spPr>
+          <a:xfrm>
+            <a:off x="0" y="0"/>
+            <a:ext cx="12192000" cy="6858000"/>
+          </a:xfrm>
+          <a:prstGeom prst="rect">
+            <a:avLst/>
+          </a:prstGeom>
+          <a:ln>
+            <a:noFill/>
+          </a:ln>
+        </p:spPr>
+        <p:style>
+          <a:lnRef idx="2">
+            <a:schemeClr val="accent1">
+              <a:shade val="50000"/>
+            </a:schemeClr>
+          </a:lnRef>
+          <a:fillRef idx="1001">
+            <a:schemeClr val="lt1"/>
+          </a:fillRef>
+          <a:effectRef idx="0">
+            <a:schemeClr val="accent1"/>
+          </a:effectRef>
+          <a:fontRef idx="minor">
+            <a:schemeClr val="lt1"/>
+          </a:fontRef>
+        </p:style>
+        <p:txBody>
+          <a:bodyPr rtlCol="0" anchor="ctr"/>
+          <a:lstStyle/>
+          <a:p>
+            <a:pPr algn="ctr"/>
+            <a:endParaRPr lang="en-US"/>
+          </a:p>
+        </p:txBody>
+      </p:sp>
+      <p:sp>
+        <p:nvSpPr>
+          <p:cNvPr id="38" name="Rectangle 37">
+            <a:extLst>
+              <a:ext uri="{FF2B5EF4-FFF2-40B4-BE49-F238E27FC236}">
+                <a16:creationId xmlns:a16="http://schemas.microsoft.com/office/drawing/2014/main" id="{68DC0EC7-60EA-4BD3-BC04-D547DE1B2891}"/>
+              </a:ext>
+              <a:ext uri="{C183D7F6-B498-43B3-948B-1728B52AA6E4}">
+                <adec:decorative xmlns:adec="http://schemas.microsoft.com/office/drawing/2017/decorative" val="1"/>
+              </a:ext>
+            </a:extLst>
+          </p:cNvPr>
+          <p:cNvSpPr>
+            <a:spLocks noGrp="1" noRot="1" noChangeAspect="1" noMove="1" noResize="1" noEditPoints="1" noAdjustHandles="1" noChangeArrowheads="1" noChangeShapeType="1" noTextEdit="1"/>
+          </p:cNvSpPr>
+          <p:nvPr>
+            <p:extLst>
+              <p:ext uri="{386F3935-93C4-4BCD-93E2-E3B085C9AB24}">
+                <p16:designElem xmlns:p16="http://schemas.microsoft.com/office/powerpoint/2015/main" val="1"/>
+              </p:ext>
+            </p:extLst>
+          </p:nvPr>
+        </p:nvSpPr>
+        <p:spPr>
+          <a:xfrm>
+            <a:off x="410122" y="413053"/>
+            <a:ext cx="8212114" cy="6064596"/>
+          </a:xfrm>
+          <a:prstGeom prst="rect">
+            <a:avLst/>
+          </a:prstGeom>
+          <a:noFill/>
+          <a:ln w="6350" cap="sq" cmpd="sng" algn="ctr">
+            <a:solidFill>
+              <a:srgbClr val="404040"/>
+            </a:solidFill>
+            <a:prstDash val="solid"/>
+            <a:miter lim="800000"/>
+          </a:ln>
+          <a:effectLst/>
+        </p:spPr>
+      </p:sp>
+      <p:pic>
+        <p:nvPicPr>
+          <p:cNvPr id="6" name="Content Placeholder 5">
+            <a:extLst>
+              <a:ext uri="{FF2B5EF4-FFF2-40B4-BE49-F238E27FC236}">
+                <a16:creationId xmlns:a16="http://schemas.microsoft.com/office/drawing/2014/main" id="{202C1E37-AB2E-41C8-8C3F-0C9A80079C44}"/>
+              </a:ext>
+            </a:extLst>
+          </p:cNvPr>
+          <p:cNvPicPr>
+            <a:picLocks noGrp="1" noChangeAspect="1"/>
+          </p:cNvPicPr>
+          <p:nvPr>
+            <p:ph sz="half" idx="1"/>
+          </p:nvPr>
+        </p:nvPicPr>
+        <p:blipFill>
+          <a:blip r:embed="rId2">
+            <a:extLst>
+              <a:ext uri="{96DAC541-7B7A-43D3-8B79-37D633B846F1}">
+                <asvg:svgBlip xmlns:asvg="http://schemas.microsoft.com/office/drawing/2016/SVG/main" r:embed="rId3"/>
+              </a:ext>
+            </a:extLst>
+          </a:blip>
+          <a:stretch>
+            <a:fillRect/>
+          </a:stretch>
+        </p:blipFill>
+        <p:spPr>
+          <a:xfrm>
+            <a:off x="1088838" y="882398"/>
+            <a:ext cx="6869602" cy="5121612"/>
+          </a:xfrm>
+          <a:prstGeom prst="rect">
+            <a:avLst/>
+          </a:prstGeom>
+        </p:spPr>
+      </p:pic>
+      <p:sp>
+        <p:nvSpPr>
+          <p:cNvPr id="40" name="Rectangle 39">
+            <a:extLst>
+              <a:ext uri="{FF2B5EF4-FFF2-40B4-BE49-F238E27FC236}">
+                <a16:creationId xmlns:a16="http://schemas.microsoft.com/office/drawing/2014/main" id="{2FFEFC7E-85EE-4AC9-A351-FBEB13A1D622}"/>
+              </a:ext>
+              <a:ext uri="{C183D7F6-B498-43B3-948B-1728B52AA6E4}">
+                <adec:decorative xmlns:adec="http://schemas.microsoft.com/office/drawing/2017/decorative" val="1"/>
+              </a:ext>
+            </a:extLst>
+          </p:cNvPr>
+          <p:cNvSpPr>
+            <a:spLocks noGrp="1" noRot="1" noChangeAspect="1" noMove="1" noResize="1" noEditPoints="1" noAdjustHandles="1" noChangeArrowheads="1" noChangeShapeType="1" noTextEdit="1"/>
+          </p:cNvSpPr>
+          <p:nvPr>
+            <p:extLst>
+              <p:ext uri="{386F3935-93C4-4BCD-93E2-E3B085C9AB24}">
+                <p16:designElem xmlns:p16="http://schemas.microsoft.com/office/powerpoint/2015/main" val="1"/>
+              </p:ext>
+            </p:extLst>
+          </p:nvPr>
+        </p:nvSpPr>
+        <p:spPr>
+          <a:xfrm>
+            <a:off x="9020386" y="237744"/>
+            <a:ext cx="2926080" cy="6382512"/>
+          </a:xfrm>
+          <a:prstGeom prst="rect">
+            <a:avLst/>
+          </a:prstGeom>
+          <a:solidFill>
+            <a:schemeClr val="bg1">
+              <a:lumMod val="85000"/>
+              <a:alpha val="60000"/>
+            </a:schemeClr>
+          </a:solidFill>
+          <a:ln>
+            <a:noFill/>
+          </a:ln>
+        </p:spPr>
+        <p:style>
+          <a:lnRef idx="2">
+            <a:schemeClr val="accent1">
+              <a:shade val="50000"/>
+            </a:schemeClr>
+          </a:lnRef>
+          <a:fillRef idx="1">
+            <a:schemeClr val="accent1"/>
+          </a:fillRef>
+          <a:effectRef idx="0">
+            <a:schemeClr val="accent1"/>
+          </a:effectRef>
+          <a:fontRef idx="minor">
+            <a:schemeClr val="lt1"/>
+          </a:fontRef>
+        </p:style>
+      </p:sp>
+      <p:sp>
+        <p:nvSpPr>
+          <p:cNvPr id="42" name="Rectangle 41">
+            <a:extLst>
+              <a:ext uri="{FF2B5EF4-FFF2-40B4-BE49-F238E27FC236}">
+                <a16:creationId xmlns:a16="http://schemas.microsoft.com/office/drawing/2014/main" id="{CB2511BB-FC4C-45F3-94EB-661D6806C942}"/>
+              </a:ext>
+              <a:ext uri="{C183D7F6-B498-43B3-948B-1728B52AA6E4}">
+                <adec:decorative xmlns:adec="http://schemas.microsoft.com/office/drawing/2017/decorative" val="1"/>
+              </a:ext>
+            </a:extLst>
+          </p:cNvPr>
+          <p:cNvSpPr>
+            <a:spLocks noGrp="1" noRot="1" noChangeAspect="1" noMove="1" noResize="1" noEditPoints="1" noAdjustHandles="1" noChangeArrowheads="1" noChangeShapeType="1" noTextEdit="1"/>
+          </p:cNvSpPr>
+          <p:nvPr>
+            <p:extLst>
+              <p:ext uri="{386F3935-93C4-4BCD-93E2-E3B085C9AB24}">
+                <p16:designElem xmlns:p16="http://schemas.microsoft.com/office/powerpoint/2015/main" val="1"/>
+              </p:ext>
+            </p:extLst>
+          </p:nvPr>
+        </p:nvSpPr>
+        <p:spPr>
+          <a:xfrm>
+            <a:off x="9156699" y="413053"/>
+            <a:ext cx="2616201" cy="6064596"/>
+          </a:xfrm>
+          <a:prstGeom prst="rect">
+            <a:avLst/>
+          </a:prstGeom>
+          <a:noFill/>
+          <a:ln w="6350">
+            <a:solidFill>
+              <a:schemeClr val="tx1">
+                <a:lumMod val="75000"/>
+                <a:lumOff val="25000"/>
+              </a:schemeClr>
+            </a:solidFill>
+          </a:ln>
+        </p:spPr>
+        <p:style>
+          <a:lnRef idx="2">
+            <a:schemeClr val="accent1">
+              <a:shade val="50000"/>
+            </a:schemeClr>
+          </a:lnRef>
+          <a:fillRef idx="1">
+            <a:schemeClr val="accent1"/>
+          </a:fillRef>
+          <a:effectRef idx="0">
+            <a:schemeClr val="accent1"/>
+          </a:effectRef>
+          <a:fontRef idx="minor">
+            <a:schemeClr val="lt1"/>
+          </a:fontRef>
+        </p:style>
+        <p:txBody>
+          <a:bodyPr rtlCol="0" anchor="ctr"/>
+          <a:lstStyle/>
+          <a:p>
+            <a:pPr algn="ctr"/>
+            <a:endParaRPr lang="en-US"/>
+          </a:p>
+        </p:txBody>
+      </p:sp>
+      <p:sp>
+        <p:nvSpPr>
+          <p:cNvPr id="2" name="Title 1">
+            <a:extLst>
+              <a:ext uri="{FF2B5EF4-FFF2-40B4-BE49-F238E27FC236}">
+                <a16:creationId xmlns:a16="http://schemas.microsoft.com/office/drawing/2014/main" id="{2D9F5712-9A8D-4198-8606-C182CC447B33}"/>
+              </a:ext>
+            </a:extLst>
+          </p:cNvPr>
+          <p:cNvSpPr>
+            <a:spLocks noGrp="1"/>
+          </p:cNvSpPr>
+          <p:nvPr>
+            <p:ph type="title"/>
+          </p:nvPr>
+        </p:nvSpPr>
+        <p:spPr>
+          <a:xfrm>
+            <a:off x="9321801" y="612844"/>
+            <a:ext cx="2312480" cy="925426"/>
+          </a:xfrm>
+        </p:spPr>
+        <p:txBody>
+          <a:bodyPr vert="horz" lIns="91440" tIns="45720" rIns="91440" bIns="45720" rtlCol="0" anchor="b">
+            <a:normAutofit/>
+          </a:bodyPr>
+          <a:lstStyle/>
+          <a:p>
+            <a:r>
+              <a:rPr lang="en-US" sz="2800" dirty="0"/>
+              <a:t>Relax in the Summer</a:t>
+            </a:r>
+          </a:p>
+        </p:txBody>
+      </p:sp>
+      <p:sp>
+        <p:nvSpPr>
+          <p:cNvPr id="4" name="Content Placeholder 3">
+            <a:extLst>
+              <a:ext uri="{FF2B5EF4-FFF2-40B4-BE49-F238E27FC236}">
+                <a16:creationId xmlns:a16="http://schemas.microsoft.com/office/drawing/2014/main" id="{F4FD437B-ED4F-4DE1-A9C2-5A599F55BDF4}"/>
+              </a:ext>
+            </a:extLst>
+          </p:cNvPr>
+          <p:cNvSpPr>
+            <a:spLocks noGrp="1"/>
+          </p:cNvSpPr>
+          <p:nvPr>
+            <p:ph sz="half" idx="2"/>
+          </p:nvPr>
+        </p:nvSpPr>
+        <p:spPr>
+          <a:xfrm>
+            <a:off x="9321801" y="1675430"/>
+            <a:ext cx="2312479" cy="4328581"/>
+          </a:xfrm>
+        </p:spPr>
+        <p:txBody>
+          <a:bodyPr vert="horz" lIns="91440" tIns="45720" rIns="91440" bIns="45720" rtlCol="0">
+            <a:normAutofit/>
+          </a:bodyPr>
+          <a:lstStyle/>
+          <a:p>
+            <a:pPr>
+              <a:lnSpc>
+                <a:spcPct val="100000"/>
+              </a:lnSpc>
+            </a:pPr>
+            <a:r>
+              <a:rPr lang="en-US" sz="1300" dirty="0">
+                <a:solidFill>
+                  <a:schemeClr val="tx1">
+                    <a:lumMod val="85000"/>
+                    <a:lumOff val="15000"/>
+                  </a:schemeClr>
+                </a:solidFill>
+              </a:rPr>
+              <a:t>May has the highest</a:t>
+            </a:r>
+            <a:r>
+              <a:rPr lang="en-US" sz="1300" b="1" dirty="0">
+                <a:solidFill>
+                  <a:schemeClr val="tx1">
+                    <a:lumMod val="85000"/>
+                    <a:lumOff val="15000"/>
+                  </a:schemeClr>
+                </a:solidFill>
+              </a:rPr>
+              <a:t> </a:t>
+            </a:r>
+            <a:r>
+              <a:rPr lang="en-US" sz="1300" dirty="0">
+                <a:solidFill>
+                  <a:schemeClr val="tx1">
+                    <a:lumMod val="85000"/>
+                    <a:lumOff val="15000"/>
+                  </a:schemeClr>
+                </a:solidFill>
+              </a:rPr>
+              <a:t>total</a:t>
+            </a:r>
+            <a:r>
+              <a:rPr lang="en-US" sz="1300" b="1" dirty="0">
+                <a:solidFill>
+                  <a:schemeClr val="tx1">
+                    <a:lumMod val="85000"/>
+                    <a:lumOff val="15000"/>
+                  </a:schemeClr>
+                </a:solidFill>
+              </a:rPr>
+              <a:t> </a:t>
+            </a:r>
+            <a:r>
+              <a:rPr lang="en-US" sz="1300" dirty="0">
+                <a:solidFill>
+                  <a:schemeClr val="tx1">
+                    <a:lumMod val="85000"/>
+                    <a:lumOff val="15000"/>
+                  </a:schemeClr>
+                </a:solidFill>
+              </a:rPr>
+              <a:t>sales</a:t>
+            </a:r>
+            <a:r>
+              <a:rPr lang="en-US" sz="1300" b="1" dirty="0">
+                <a:solidFill>
+                  <a:schemeClr val="tx1">
+                    <a:lumMod val="85000"/>
+                    <a:lumOff val="15000"/>
+                  </a:schemeClr>
+                </a:solidFill>
+              </a:rPr>
+              <a:t> </a:t>
+            </a:r>
+            <a:r>
+              <a:rPr lang="en-US" sz="1300" dirty="0">
+                <a:solidFill>
+                  <a:schemeClr val="tx1">
+                    <a:lumMod val="85000"/>
+                    <a:lumOff val="15000"/>
+                  </a:schemeClr>
+                </a:solidFill>
+              </a:rPr>
+              <a:t>by the lowest</a:t>
+            </a:r>
+            <a:r>
+              <a:rPr lang="en-US" sz="1300" b="1" dirty="0">
+                <a:solidFill>
+                  <a:schemeClr val="tx1">
+                    <a:lumMod val="85000"/>
+                    <a:lumOff val="15000"/>
+                  </a:schemeClr>
+                </a:solidFill>
+              </a:rPr>
+              <a:t> </a:t>
+            </a:r>
+            <a:r>
+              <a:rPr lang="en-US" sz="1300" dirty="0">
+                <a:solidFill>
+                  <a:schemeClr val="tx1">
+                    <a:lumMod val="85000"/>
+                    <a:lumOff val="15000"/>
+                  </a:schemeClr>
+                </a:solidFill>
+              </a:rPr>
+              <a:t>average conversion rate</a:t>
+            </a:r>
+          </a:p>
+          <a:p>
+            <a:pPr>
+              <a:lnSpc>
+                <a:spcPct val="100000"/>
+              </a:lnSpc>
+            </a:pPr>
+            <a:r>
+              <a:rPr lang="en-US" sz="1300" dirty="0">
+                <a:solidFill>
+                  <a:schemeClr val="tx1">
+                    <a:lumMod val="85000"/>
+                    <a:lumOff val="15000"/>
+                  </a:schemeClr>
+                </a:solidFill>
+              </a:rPr>
+              <a:t>It also has by far the most data points of any month, at nearly 14,000</a:t>
+            </a:r>
+          </a:p>
+          <a:p>
+            <a:pPr>
+              <a:lnSpc>
+                <a:spcPct val="100000"/>
+              </a:lnSpc>
+            </a:pPr>
+            <a:r>
+              <a:rPr lang="en-US" sz="1300" dirty="0">
+                <a:solidFill>
+                  <a:schemeClr val="tx1">
+                    <a:lumMod val="85000"/>
+                    <a:lumOff val="15000"/>
+                  </a:schemeClr>
+                </a:solidFill>
+              </a:rPr>
+              <a:t>The summer months in general have the highest representation in the dataset</a:t>
+            </a:r>
+          </a:p>
+          <a:p>
+            <a:pPr marL="0">
+              <a:lnSpc>
+                <a:spcPct val="100000"/>
+              </a:lnSpc>
+            </a:pPr>
+            <a:endParaRPr lang="en-US" sz="1300" b="1" dirty="0">
+              <a:solidFill>
+                <a:schemeClr val="tx1">
+                  <a:lumMod val="85000"/>
+                  <a:lumOff val="15000"/>
+                </a:schemeClr>
+              </a:solidFill>
+            </a:endParaRPr>
+          </a:p>
+          <a:p>
+            <a:pPr marL="0" indent="0">
+              <a:lnSpc>
+                <a:spcPct val="100000"/>
+              </a:lnSpc>
+              <a:buNone/>
+            </a:pPr>
+            <a:r>
+              <a:rPr lang="en-US" sz="1300" b="1" dirty="0">
+                <a:solidFill>
+                  <a:schemeClr val="tx1">
+                    <a:lumMod val="85000"/>
+                    <a:lumOff val="15000"/>
+                  </a:schemeClr>
+                </a:solidFill>
+              </a:rPr>
+              <a:t>Recommendation</a:t>
+            </a:r>
+            <a:r>
+              <a:rPr lang="en-US" sz="1300" dirty="0">
+                <a:solidFill>
+                  <a:schemeClr val="tx1">
+                    <a:lumMod val="85000"/>
+                    <a:lumOff val="15000"/>
+                  </a:schemeClr>
+                </a:solidFill>
+              </a:rPr>
+              <a:t>: don’t put as much energy into Summer marketing as you’re used to.</a:t>
+            </a:r>
+          </a:p>
+        </p:txBody>
+      </p:sp>
+    </p:spTree>
+    <p:extLst>
+      <p:ext uri="{BB962C8B-B14F-4D97-AF65-F5344CB8AC3E}">
+        <p14:creationId xmlns:p14="http://schemas.microsoft.com/office/powerpoint/2010/main" val="3145453168"/>
+      </p:ext>
+    </p:extLst>
+  </p:cSld>
+  <p:clrMapOvr>
+    <a:masterClrMapping/>
+  </p:clrMapOvr>
+</p:sld>
+</file>
+
+<file path=ppt/slides/slide9.xml><?xml version="1.0" encoding="utf-8"?>
 <p:sld xmlns:a="http://schemas.openxmlformats.org/drawingml/2006/main" xmlns:r="http://schemas.openxmlformats.org/officeDocument/2006/relationships" xmlns:p="http://schemas.openxmlformats.org/presentationml/2006/main">
   <p:cSld>
     <p:spTree>
@@ -8787,7 +10303,7 @@
           <p:cNvPr id="2" name="Title 1">
             <a:extLst>
               <a:ext uri="{FF2B5EF4-FFF2-40B4-BE49-F238E27FC236}">
-                <a16:creationId xmlns:a16="http://schemas.microsoft.com/office/drawing/2014/main" id="{D1377214-098C-43FD-85FB-541E1A269C81}"/>
+                <a16:creationId xmlns:a16="http://schemas.microsoft.com/office/drawing/2014/main" id="{7CFD2AA1-2481-4624-8FB9-4C36EA1C2FB9}"/>
               </a:ext>
             </a:extLst>
           </p:cNvPr>
@@ -8803,7 +10319,10 @@
           <a:bodyPr/>
           <a:lstStyle/>
           <a:p>
-            <a:endParaRPr lang="en-US"/>
+            <a:r>
+              <a:rPr lang="en-US" dirty="0"/>
+              <a:t>Future Work: More Models</a:t>
+            </a:r>
           </a:p>
         </p:txBody>
       </p:sp>
@@ -8812,7 +10331,7 @@
           <p:cNvPr id="3" name="Content Placeholder 2">
             <a:extLst>
               <a:ext uri="{FF2B5EF4-FFF2-40B4-BE49-F238E27FC236}">
-                <a16:creationId xmlns:a16="http://schemas.microsoft.com/office/drawing/2014/main" id="{0A9A3C69-8122-41E1-8F7C-138ED92B1D84}"/>
+                <a16:creationId xmlns:a16="http://schemas.microsoft.com/office/drawing/2014/main" id="{48BC3E87-3000-4BFD-882A-64820F65DFC8}"/>
               </a:ext>
             </a:extLst>
           </p:cNvPr>
@@ -8825,19 +10344,124 @@
         </p:nvSpPr>
         <p:spPr/>
         <p:txBody>
-          <a:bodyPr/>
+          <a:bodyPr>
+            <a:normAutofit fontScale="85000" lnSpcReduction="10000"/>
+          </a:bodyPr>
           <a:lstStyle/>
           <a:p>
-            <a:endParaRPr lang="en-US"/>
+            <a:pPr marL="0" indent="0">
+              <a:lnSpc>
+                <a:spcPct val="150000"/>
+              </a:lnSpc>
+              <a:buNone/>
+            </a:pPr>
+            <a:r>
+              <a:rPr lang="en-US" dirty="0"/>
+              <a:t>Build and optimize models of different types:</a:t>
+            </a:r>
+          </a:p>
+          <a:p>
+            <a:pPr marL="617220" lvl="1" indent="-342900">
+              <a:lnSpc>
+                <a:spcPct val="150000"/>
+              </a:lnSpc>
+              <a:buFont typeface="+mj-lt"/>
+              <a:buAutoNum type="arabicPeriod"/>
+            </a:pPr>
+            <a:r>
+              <a:rPr lang="en-US" dirty="0"/>
+              <a:t>Random Forest Classifier</a:t>
+            </a:r>
+          </a:p>
+          <a:p>
+            <a:pPr lvl="2">
+              <a:lnSpc>
+                <a:spcPct val="150000"/>
+              </a:lnSpc>
+            </a:pPr>
+            <a:r>
+              <a:rPr lang="en-US" dirty="0"/>
+              <a:t>No multi-collinearity issue</a:t>
+            </a:r>
+          </a:p>
+          <a:p>
+            <a:pPr lvl="2">
+              <a:lnSpc>
+                <a:spcPct val="150000"/>
+              </a:lnSpc>
+            </a:pPr>
+            <a:r>
+              <a:rPr lang="en-US" dirty="0"/>
+              <a:t>Many hyperparameters to tune</a:t>
+            </a:r>
+          </a:p>
+          <a:p>
+            <a:pPr marL="617220" lvl="1" indent="-342900">
+              <a:lnSpc>
+                <a:spcPct val="150000"/>
+              </a:lnSpc>
+              <a:buFont typeface="+mj-lt"/>
+              <a:buAutoNum type="arabicPeriod"/>
+            </a:pPr>
+            <a:r>
+              <a:rPr lang="en-US" dirty="0"/>
+              <a:t>Linear Support Vector Classification</a:t>
+            </a:r>
+          </a:p>
+          <a:p>
+            <a:pPr lvl="2">
+              <a:lnSpc>
+                <a:spcPct val="150000"/>
+              </a:lnSpc>
+            </a:pPr>
+            <a:r>
+              <a:rPr lang="en-US" dirty="0"/>
+              <a:t>Can accommodate datasets of this size, unlike other SVMs</a:t>
+            </a:r>
+          </a:p>
+          <a:p>
+            <a:pPr marL="617220" lvl="1" indent="-342900">
+              <a:lnSpc>
+                <a:spcPct val="150000"/>
+              </a:lnSpc>
+              <a:buFont typeface="+mj-lt"/>
+              <a:buAutoNum type="arabicPeriod"/>
+            </a:pPr>
+            <a:r>
+              <a:rPr lang="en-US" dirty="0"/>
+              <a:t>K Neighbors Classification</a:t>
+            </a:r>
+          </a:p>
+          <a:p>
+            <a:pPr lvl="2">
+              <a:lnSpc>
+                <a:spcPct val="150000"/>
+              </a:lnSpc>
+            </a:pPr>
+            <a:r>
+              <a:rPr lang="en-US" dirty="0"/>
+              <a:t>No multi-collinearity issue</a:t>
+            </a:r>
+          </a:p>
+          <a:p>
+            <a:pPr lvl="2">
+              <a:lnSpc>
+                <a:spcPct val="150000"/>
+              </a:lnSpc>
+            </a:pPr>
+            <a:r>
+              <a:rPr lang="en-US" dirty="0"/>
+              <a:t>Few hyperparameters to tune, but less sophistication</a:t>
+            </a:r>
           </a:p>
         </p:txBody>
       </p:sp>
       <p:sp>
         <p:nvSpPr>
-          <p:cNvPr id="4" name="Content Placeholder 3">
+          <p:cNvPr id="5" name="Content Placeholder 4">
             <a:extLst>
               <a:ext uri="{FF2B5EF4-FFF2-40B4-BE49-F238E27FC236}">
-                <a16:creationId xmlns:a16="http://schemas.microsoft.com/office/drawing/2014/main" id="{E8726121-F976-4621-993C-81EC8FA838D4}"/>
+                <a16:creationId xmlns:a16="http://schemas.microsoft.com/office/drawing/2014/main" id="{173B7578-E87B-4F84-A5B9-C2B9DB171C06}"/>
               </a:ext>
             </a:extLst>
           </p:cNvPr>
@@ -8848,19 +10472,101 @@
             <p:ph sz="half" idx="2"/>
           </p:nvPr>
         </p:nvSpPr>
-        <p:spPr/>
+        <p:spPr>
+          <a:xfrm>
+            <a:off x="6461760" y="3247296"/>
+            <a:ext cx="4663440" cy="2604863"/>
+          </a:xfrm>
+        </p:spPr>
         <p:txBody>
-          <a:bodyPr/>
+          <a:bodyPr>
+            <a:normAutofit fontScale="85000" lnSpcReduction="10000"/>
+          </a:bodyPr>
           <a:lstStyle/>
           <a:p>
-            <a:endParaRPr lang="en-US"/>
+            <a:pPr marL="0" indent="0">
+              <a:lnSpc>
+                <a:spcPct val="150000"/>
+              </a:lnSpc>
+              <a:buNone/>
+            </a:pPr>
+            <a:r>
+              <a:rPr lang="en-US" dirty="0"/>
+              <a:t>Experiment with feature engineering and joining with other datasets.</a:t>
+            </a:r>
+          </a:p>
+          <a:p>
+            <a:pPr lvl="1">
+              <a:lnSpc>
+                <a:spcPct val="150000"/>
+              </a:lnSpc>
+            </a:pPr>
+            <a:r>
+              <a:rPr lang="en-US" dirty="0"/>
+              <a:t>Perhaps other strong positive features like ‘</a:t>
+            </a:r>
+            <a:r>
+              <a:rPr lang="en-US" dirty="0" err="1"/>
+              <a:t>prev_success</a:t>
+            </a:r>
+            <a:r>
+              <a:rPr lang="en-US" dirty="0"/>
+              <a:t>’ can be engineered</a:t>
+            </a:r>
+          </a:p>
+          <a:p>
+            <a:pPr lvl="1">
+              <a:lnSpc>
+                <a:spcPct val="150000"/>
+              </a:lnSpc>
+            </a:pPr>
+            <a:r>
+              <a:rPr lang="en-US" dirty="0"/>
+              <a:t>Consider whether new features will be highly correlated with other features, unless using non-linear model</a:t>
+            </a:r>
           </a:p>
         </p:txBody>
       </p:sp>
+      <p:pic>
+        <p:nvPicPr>
+          <p:cNvPr id="7" name="Graphic 6" descr="Abacus with solid fill">
+            <a:extLst>
+              <a:ext uri="{FF2B5EF4-FFF2-40B4-BE49-F238E27FC236}">
+                <a16:creationId xmlns:a16="http://schemas.microsoft.com/office/drawing/2014/main" id="{07E55579-313E-4C10-BDD3-581C23BE2957}"/>
+              </a:ext>
+            </a:extLst>
+          </p:cNvPr>
+          <p:cNvPicPr>
+            <a:picLocks noChangeAspect="1"/>
+          </p:cNvPicPr>
+          <p:nvPr/>
+        </p:nvPicPr>
+        <p:blipFill>
+          <a:blip r:embed="rId2">
+            <a:extLst>
+              <a:ext uri="{96DAC541-7B7A-43D3-8B79-37D633B846F1}">
+                <asvg:svgBlip xmlns:asvg="http://schemas.microsoft.com/office/drawing/2016/SVG/main" r:embed="rId3"/>
+              </a:ext>
+            </a:extLst>
+          </a:blip>
+          <a:stretch>
+            <a:fillRect/>
+          </a:stretch>
+        </p:blipFill>
+        <p:spPr>
+          <a:xfrm>
+            <a:off x="8207655" y="593576"/>
+            <a:ext cx="2188870" cy="2188870"/>
+          </a:xfrm>
+          <a:prstGeom prst="rect">
+            <a:avLst/>
+          </a:prstGeom>
+        </p:spPr>
+      </p:pic>
     </p:spTree>
     <p:extLst>
       <p:ext uri="{BB962C8B-B14F-4D97-AF65-F5344CB8AC3E}">
-        <p14:creationId xmlns:p14="http://schemas.microsoft.com/office/powerpoint/2010/main" val="1973002747"/>
+        <p14:creationId xmlns:p14="http://schemas.microsoft.com/office/powerpoint/2010/main" val="939332245"/>
       </p:ext>
     </p:extLst>
   </p:cSld>
@@ -9233,6 +10939,24 @@
 </file>
 
 <file path=customXml/item1.xml><?xml version="1.0" encoding="utf-8"?>
+<p:properties xmlns:p="http://schemas.microsoft.com/office/2006/metadata/properties" xmlns:xsi="http://www.w3.org/2001/XMLSchema-instance" xmlns:pc="http://schemas.microsoft.com/office/infopath/2007/PartnerControls">
+  <documentManagement>
+    <Status xmlns="71af3243-3dd4-4a8d-8c0d-dd76da1f02a5">Not started</Status>
+    <MediaServiceKeyPoints xmlns="71af3243-3dd4-4a8d-8c0d-dd76da1f02a5" xsi:nil="true"/>
+  </documentManagement>
+</p:properties>
+</file>
+
+<file path=customXml/item2.xml><?xml version="1.0" encoding="utf-8"?>
+<?mso-contentType ?>
+<FormTemplates xmlns="http://schemas.microsoft.com/sharepoint/v3/contenttype/forms">
+  <Display>DocumentLibraryForm</Display>
+  <Edit>DocumentLibraryForm</Edit>
+  <New>DocumentLibraryForm</New>
+</FormTemplates>
+</file>
+
+<file path=customXml/item3.xml><?xml version="1.0" encoding="utf-8"?>
 <ct:contentTypeSchema xmlns:ct="http://schemas.microsoft.com/office/2006/metadata/contentType" xmlns:ma="http://schemas.microsoft.com/office/2006/metadata/properties/metaAttributes" ct:_="" ma:_="" ma:contentTypeName="Document" ma:contentTypeID="0x01010079F111ED35F8CC479449609E8A0923A6" ma:contentTypeVersion="12" ma:contentTypeDescription="Create a new document." ma:contentTypeScope="" ma:versionID="a410dd7f93c95333ffa1b60ed6adedd1">
   <xsd:schema xmlns:xsd="http://www.w3.org/2001/XMLSchema" xmlns:xs="http://www.w3.org/2001/XMLSchema" xmlns:p="http://schemas.microsoft.com/office/2006/metadata/properties" xmlns:ns2="71af3243-3dd4-4a8d-8c0d-dd76da1f02a5" xmlns:ns3="16c05727-aa75-4e4a-9b5f-8a80a1165891" targetNamespace="http://schemas.microsoft.com/office/2006/metadata/properties" ma:root="true" ma:fieldsID="a936d9baba76aa3866493feff160faab" ns2:_="" ns3:_="">
     <xsd:import namespace="71af3243-3dd4-4a8d-8c0d-dd76da1f02a5"/>
@@ -9453,25 +11177,25 @@
 </ct:contentTypeSchema>
 </file>
 
-<file path=customXml/item2.xml><?xml version="1.0" encoding="utf-8"?>
-<p:properties xmlns:p="http://schemas.microsoft.com/office/2006/metadata/properties" xmlns:xsi="http://www.w3.org/2001/XMLSchema-instance" xmlns:pc="http://schemas.microsoft.com/office/infopath/2007/PartnerControls">
-  <documentManagement>
-    <Status xmlns="71af3243-3dd4-4a8d-8c0d-dd76da1f02a5">Not started</Status>
-    <MediaServiceKeyPoints xmlns="71af3243-3dd4-4a8d-8c0d-dd76da1f02a5" xsi:nil="true"/>
-  </documentManagement>
-</p:properties>
+<file path=customXml/itemProps1.xml><?xml version="1.0" encoding="utf-8"?>
+<ds:datastoreItem xmlns:ds="http://schemas.openxmlformats.org/officeDocument/2006/customXml" ds:itemID="{52F3B215-496E-4790-A364-7C1C46DEC771}">
+  <ds:schemaRefs>
+    <ds:schemaRef ds:uri="http://schemas.microsoft.com/office/2006/metadata/properties"/>
+    <ds:schemaRef ds:uri="http://schemas.microsoft.com/office/infopath/2007/PartnerControls"/>
+    <ds:schemaRef ds:uri="71af3243-3dd4-4a8d-8c0d-dd76da1f02a5"/>
+  </ds:schemaRefs>
+</ds:datastoreItem>
 </file>
 
-<file path=customXml/item3.xml><?xml version="1.0" encoding="utf-8"?>
-<?mso-contentType ?>
-<FormTemplates xmlns="http://schemas.microsoft.com/sharepoint/v3/contenttype/forms">
-  <Display>DocumentLibraryForm</Display>
-  <Edit>DocumentLibraryForm</Edit>
-  <New>DocumentLibraryForm</New>
-</FormTemplates>
+<file path=customXml/itemProps2.xml><?xml version="1.0" encoding="utf-8"?>
+<ds:datastoreItem xmlns:ds="http://schemas.openxmlformats.org/officeDocument/2006/customXml" ds:itemID="{AE2713E1-6312-427E-BFCB-C5A5DA301373}">
+  <ds:schemaRefs>
+    <ds:schemaRef ds:uri="http://schemas.microsoft.com/sharepoint/v3/contenttype/forms"/>
+  </ds:schemaRefs>
+</ds:datastoreItem>
 </file>
 
-<file path=customXml/itemProps1.xml><?xml version="1.0" encoding="utf-8"?>
+<file path=customXml/itemProps3.xml><?xml version="1.0" encoding="utf-8"?>
 <ds:datastoreItem xmlns:ds="http://schemas.openxmlformats.org/officeDocument/2006/customXml" ds:itemID="{50DB95DD-0319-4EE5-8C5C-9CEDF75E024B}">
   <ds:schemaRefs>
     <ds:schemaRef ds:uri="http://schemas.microsoft.com/office/2006/metadata/contentType"/>
@@ -9488,22 +11212,4 @@
     <ds:schemaRef ds:uri="http://schemas.microsoft.com/internal/obd"/>
   </ds:schemaRefs>
 </ds:datastoreItem>
-</file>
-
-<file path=customXml/itemProps2.xml><?xml version="1.0" encoding="utf-8"?>
-<ds:datastoreItem xmlns:ds="http://schemas.openxmlformats.org/officeDocument/2006/customXml" ds:itemID="{52F3B215-496E-4790-A364-7C1C46DEC771}">
-  <ds:schemaRefs>
-    <ds:schemaRef ds:uri="http://schemas.microsoft.com/office/2006/metadata/properties"/>
-    <ds:schemaRef ds:uri="http://schemas.microsoft.com/office/infopath/2007/PartnerControls"/>
-    <ds:schemaRef ds:uri="71af3243-3dd4-4a8d-8c0d-dd76da1f02a5"/>
-  </ds:schemaRefs>
-</ds:datastoreItem>
-</file>
-
-<file path=customXml/itemProps3.xml><?xml version="1.0" encoding="utf-8"?>
-<ds:datastoreItem xmlns:ds="http://schemas.openxmlformats.org/officeDocument/2006/customXml" ds:itemID="{AE2713E1-6312-427E-BFCB-C5A5DA301373}">
-  <ds:schemaRefs>
-    <ds:schemaRef ds:uri="http://schemas.microsoft.com/sharepoint/v3/contenttype/forms"/>
-  </ds:schemaRefs>
-</ds:datastoreItem>
 </file>
--- a/presentation/predicting_bank_telemarketing_sales.pptx
+++ b/presentation/predicting_bank_telemarketing_sales.pptx
@@ -10939,24 +10939,6 @@
 </file>
 
 <file path=customXml/item1.xml><?xml version="1.0" encoding="utf-8"?>
-<p:properties xmlns:p="http://schemas.microsoft.com/office/2006/metadata/properties" xmlns:xsi="http://www.w3.org/2001/XMLSchema-instance" xmlns:pc="http://schemas.microsoft.com/office/infopath/2007/PartnerControls">
-  <documentManagement>
-    <Status xmlns="71af3243-3dd4-4a8d-8c0d-dd76da1f02a5">Not started</Status>
-    <MediaServiceKeyPoints xmlns="71af3243-3dd4-4a8d-8c0d-dd76da1f02a5" xsi:nil="true"/>
-  </documentManagement>
-</p:properties>
-</file>
-
-<file path=customXml/item2.xml><?xml version="1.0" encoding="utf-8"?>
-<?mso-contentType ?>
-<FormTemplates xmlns="http://schemas.microsoft.com/sharepoint/v3/contenttype/forms">
-  <Display>DocumentLibraryForm</Display>
-  <Edit>DocumentLibraryForm</Edit>
-  <New>DocumentLibraryForm</New>
-</FormTemplates>
-</file>
-
-<file path=customXml/item3.xml><?xml version="1.0" encoding="utf-8"?>
 <ct:contentTypeSchema xmlns:ct="http://schemas.microsoft.com/office/2006/metadata/contentType" xmlns:ma="http://schemas.microsoft.com/office/2006/metadata/properties/metaAttributes" ct:_="" ma:_="" ma:contentTypeName="Document" ma:contentTypeID="0x01010079F111ED35F8CC479449609E8A0923A6" ma:contentTypeVersion="12" ma:contentTypeDescription="Create a new document." ma:contentTypeScope="" ma:versionID="a410dd7f93c95333ffa1b60ed6adedd1">
   <xsd:schema xmlns:xsd="http://www.w3.org/2001/XMLSchema" xmlns:xs="http://www.w3.org/2001/XMLSchema" xmlns:p="http://schemas.microsoft.com/office/2006/metadata/properties" xmlns:ns2="71af3243-3dd4-4a8d-8c0d-dd76da1f02a5" xmlns:ns3="16c05727-aa75-4e4a-9b5f-8a80a1165891" targetNamespace="http://schemas.microsoft.com/office/2006/metadata/properties" ma:root="true" ma:fieldsID="a936d9baba76aa3866493feff160faab" ns2:_="" ns3:_="">
     <xsd:import namespace="71af3243-3dd4-4a8d-8c0d-dd76da1f02a5"/>
@@ -11177,25 +11159,25 @@
 </ct:contentTypeSchema>
 </file>
 
-<file path=customXml/itemProps1.xml><?xml version="1.0" encoding="utf-8"?>
-<ds:datastoreItem xmlns:ds="http://schemas.openxmlformats.org/officeDocument/2006/customXml" ds:itemID="{52F3B215-496E-4790-A364-7C1C46DEC771}">
-  <ds:schemaRefs>
-    <ds:schemaRef ds:uri="http://schemas.microsoft.com/office/2006/metadata/properties"/>
-    <ds:schemaRef ds:uri="http://schemas.microsoft.com/office/infopath/2007/PartnerControls"/>
-    <ds:schemaRef ds:uri="71af3243-3dd4-4a8d-8c0d-dd76da1f02a5"/>
-  </ds:schemaRefs>
-</ds:datastoreItem>
+<file path=customXml/item2.xml><?xml version="1.0" encoding="utf-8"?>
+<?mso-contentType ?>
+<FormTemplates xmlns="http://schemas.microsoft.com/sharepoint/v3/contenttype/forms">
+  <Display>DocumentLibraryForm</Display>
+  <Edit>DocumentLibraryForm</Edit>
+  <New>DocumentLibraryForm</New>
+</FormTemplates>
 </file>
 
-<file path=customXml/itemProps2.xml><?xml version="1.0" encoding="utf-8"?>
-<ds:datastoreItem xmlns:ds="http://schemas.openxmlformats.org/officeDocument/2006/customXml" ds:itemID="{AE2713E1-6312-427E-BFCB-C5A5DA301373}">
-  <ds:schemaRefs>
-    <ds:schemaRef ds:uri="http://schemas.microsoft.com/sharepoint/v3/contenttype/forms"/>
-  </ds:schemaRefs>
-</ds:datastoreItem>
+<file path=customXml/item3.xml><?xml version="1.0" encoding="utf-8"?>
+<p:properties xmlns:p="http://schemas.microsoft.com/office/2006/metadata/properties" xmlns:xsi="http://www.w3.org/2001/XMLSchema-instance" xmlns:pc="http://schemas.microsoft.com/office/infopath/2007/PartnerControls">
+  <documentManagement>
+    <Status xmlns="71af3243-3dd4-4a8d-8c0d-dd76da1f02a5">Not started</Status>
+    <MediaServiceKeyPoints xmlns="71af3243-3dd4-4a8d-8c0d-dd76da1f02a5" xsi:nil="true"/>
+  </documentManagement>
+</p:properties>
 </file>
 
-<file path=customXml/itemProps3.xml><?xml version="1.0" encoding="utf-8"?>
+<file path=customXml/itemProps1.xml><?xml version="1.0" encoding="utf-8"?>
 <ds:datastoreItem xmlns:ds="http://schemas.openxmlformats.org/officeDocument/2006/customXml" ds:itemID="{50DB95DD-0319-4EE5-8C5C-9CEDF75E024B}">
   <ds:schemaRefs>
     <ds:schemaRef ds:uri="http://schemas.microsoft.com/office/2006/metadata/contentType"/>
@@ -11212,4 +11194,29 @@
     <ds:schemaRef ds:uri="http://schemas.microsoft.com/internal/obd"/>
   </ds:schemaRefs>
 </ds:datastoreItem>
+</file>
+
+<file path=customXml/itemProps2.xml><?xml version="1.0" encoding="utf-8"?>
+<ds:datastoreItem xmlns:ds="http://schemas.openxmlformats.org/officeDocument/2006/customXml" ds:itemID="{AE2713E1-6312-427E-BFCB-C5A5DA301373}">
+  <ds:schemaRefs>
+    <ds:schemaRef ds:uri="http://schemas.microsoft.com/sharepoint/v3/contenttype/forms"/>
+  </ds:schemaRefs>
+</ds:datastoreItem>
+</file>
+
+<file path=customXml/itemProps3.xml><?xml version="1.0" encoding="utf-8"?>
+<ds:datastoreItem xmlns:ds="http://schemas.openxmlformats.org/officeDocument/2006/customXml" ds:itemID="{52F3B215-496E-4790-A364-7C1C46DEC771}">
+  <ds:schemaRefs>
+    <ds:schemaRef ds:uri="71af3243-3dd4-4a8d-8c0d-dd76da1f02a5"/>
+    <ds:schemaRef ds:uri="http://schemas.openxmlformats.org/package/2006/metadata/core-properties"/>
+    <ds:schemaRef ds:uri="http://schemas.microsoft.com/office/2006/documentManagement/types"/>
+    <ds:schemaRef ds:uri="http://purl.org/dc/terms/"/>
+    <ds:schemaRef ds:uri="http://www.w3.org/XML/1998/namespace"/>
+    <ds:schemaRef ds:uri="http://schemas.microsoft.com/office/2006/metadata/properties"/>
+    <ds:schemaRef ds:uri="http://purl.org/dc/elements/1.1/"/>
+    <ds:schemaRef ds:uri="http://purl.org/dc/dcmitype/"/>
+    <ds:schemaRef ds:uri="http://schemas.microsoft.com/office/infopath/2007/PartnerControls"/>
+    <ds:schemaRef ds:uri="16c05727-aa75-4e4a-9b5f-8a80a1165891"/>
+  </ds:schemaRefs>
+</ds:datastoreItem>
 </file>
--- a/presentation/predicting_bank_telemarketing_sales.pptx
+++ b/presentation/predicting_bank_telemarketing_sales.pptx
@@ -8,13 +8,15 @@
     <p:sldId id="292" r:id="rId5"/>
     <p:sldId id="309" r:id="rId6"/>
     <p:sldId id="310" r:id="rId7"/>
-    <p:sldId id="311" r:id="rId8"/>
-    <p:sldId id="312" r:id="rId9"/>
-    <p:sldId id="313" r:id="rId10"/>
-    <p:sldId id="314" r:id="rId11"/>
-    <p:sldId id="315" r:id="rId12"/>
-    <p:sldId id="316" r:id="rId13"/>
-    <p:sldId id="317" r:id="rId14"/>
+    <p:sldId id="319" r:id="rId8"/>
+    <p:sldId id="318" r:id="rId9"/>
+    <p:sldId id="311" r:id="rId10"/>
+    <p:sldId id="312" r:id="rId11"/>
+    <p:sldId id="313" r:id="rId12"/>
+    <p:sldId id="314" r:id="rId13"/>
+    <p:sldId id="315" r:id="rId14"/>
+    <p:sldId id="316" r:id="rId15"/>
+    <p:sldId id="317" r:id="rId16"/>
   </p:sldIdLst>
   <p:sldSz cx="12192000" cy="6858000"/>
   <p:notesSz cx="6858000" cy="9144000"/>
@@ -914,6 +916,13 @@
     <dgm:pt modelId="{23210C7F-6847-491E-BE1F-A79529AF2B8B}" type="sibTrans" cxnId="{0A7DA706-17DD-412A-8BE0-4F6529274E66}">
       <dgm:prSet phldrT="01" phldr="0"/>
       <dgm:spPr/>
+      <dgm:t>
+        <a:bodyPr/>
+        <a:lstStyle/>
+        <a:p>
+          <a:endParaRPr lang="en-US"/>
+        </a:p>
+      </dgm:t>
     </dgm:pt>
     <dgm:pt modelId="{B2B879BD-3840-400C-92BD-B2C2383358D7}">
       <dgm:prSet/>
@@ -924,24 +933,21 @@
         <a:p>
           <a:r>
             <a:rPr lang="en-US" dirty="0"/>
-            <a:t>Connecting with the wrong customers results in </a:t>
+            <a:t>Connecting with the wrong customers irritates them </a:t>
+          </a:r>
+          <a:r>
+            <a:rPr lang="en-US" b="0" dirty="0"/>
+            <a:t>and </a:t>
           </a:r>
           <a:r>
             <a:rPr lang="en-US" b="1" dirty="0"/>
-            <a:t>unpleasant conversations </a:t>
-          </a:r>
-          <a:r>
-            <a:rPr lang="en-US" dirty="0"/>
-            <a:t>and </a:t>
+            <a:t>produces no profit</a:t>
           </a:r>
           <a:r>
             <a:rPr lang="en-US" b="0" dirty="0"/>
-            <a:t>desperate marketing tactics</a:t>
-          </a:r>
-          <a:r>
-            <a:rPr lang="en-US" dirty="0"/>
             <a:t>.</a:t>
           </a:r>
+          <a:endParaRPr lang="en-US" dirty="0"/>
         </a:p>
       </dgm:t>
     </dgm:pt>
@@ -959,6 +965,13 @@
     <dgm:pt modelId="{FBAA44FF-54DE-45C8-9FAC-512C40277233}" type="sibTrans" cxnId="{42CDCACA-F394-4044-BBF6-522A0005ABCB}">
       <dgm:prSet phldrT="02" phldr="0"/>
       <dgm:spPr/>
+      <dgm:t>
+        <a:bodyPr/>
+        <a:lstStyle/>
+        <a:p>
+          <a:endParaRPr lang="en-US"/>
+        </a:p>
+      </dgm:t>
     </dgm:pt>
     <dgm:pt modelId="{CA9D674E-4FF1-45DC-82E4-0B2DB6A5363F}">
       <dgm:prSet/>
@@ -969,7 +982,19 @@
         <a:p>
           <a:r>
             <a:rPr lang="en-US" dirty="0"/>
-            <a:t>Effectively connecting salespeople with high-potential customers reduces stress and increases profit.</a:t>
+            <a:t>Connecting with high-potential customers </a:t>
+          </a:r>
+          <a:r>
+            <a:rPr lang="en-US" b="1" dirty="0"/>
+            <a:t>increases profit</a:t>
+          </a:r>
+          <a:r>
+            <a:rPr lang="en-US" b="0" dirty="0"/>
+            <a:t> and customer satisfaction</a:t>
+          </a:r>
+          <a:r>
+            <a:rPr lang="en-US" dirty="0"/>
+            <a:t>.</a:t>
           </a:r>
         </a:p>
       </dgm:t>
@@ -988,6 +1013,13 @@
     <dgm:pt modelId="{196DA4DC-9DD2-4A39-8A3A-D367BFE5A8BA}" type="sibTrans" cxnId="{C5BD0B3A-2D82-4EC1-9975-05076C4418DA}">
       <dgm:prSet phldrT="03" phldr="0"/>
       <dgm:spPr/>
+      <dgm:t>
+        <a:bodyPr/>
+        <a:lstStyle/>
+        <a:p>
+          <a:endParaRPr lang="en-US"/>
+        </a:p>
+      </dgm:t>
     </dgm:pt>
     <dgm:pt modelId="{6B4793F0-D6DA-4702-9086-C6543362A7DD}" type="pres">
       <dgm:prSet presAssocID="{15509919-36B5-4162-8899-417A9F93473B}" presName="Name0" presStyleCnt="0">
@@ -1239,12 +1271,12 @@
         <a:fontRef idx="minor"/>
       </dsp:style>
       <dsp:txBody>
-        <a:bodyPr spcFirstLastPara="0" vert="horz" wrap="square" lIns="85344" tIns="85344" rIns="85344" bIns="0" numCol="1" spcCol="1270" anchor="t" anchorCtr="0">
+        <a:bodyPr spcFirstLastPara="0" vert="horz" wrap="square" lIns="106680" tIns="106680" rIns="106680" bIns="0" numCol="1" spcCol="1270" anchor="t" anchorCtr="0">
           <a:noAutofit/>
         </a:bodyPr>
         <a:lstStyle/>
         <a:p>
-          <a:pPr marL="0" lvl="0" indent="0" algn="ctr" defTabSz="533400">
+          <a:pPr marL="0" lvl="0" indent="0" algn="ctr" defTabSz="666750">
             <a:lnSpc>
               <a:spcPct val="90000"/>
             </a:lnSpc>
@@ -1257,7 +1289,7 @@
             <a:buNone/>
           </a:pPr>
           <a:r>
-            <a:rPr lang="en-US" sz="1200" kern="1200" dirty="0"/>
+            <a:rPr lang="en-US" sz="1500" kern="1200" dirty="0"/>
             <a:t>Telemarketing is hard on both salespeople and customers.</a:t>
           </a:r>
         </a:p>
@@ -1353,12 +1385,12 @@
         <a:fontRef idx="minor"/>
       </dsp:style>
       <dsp:txBody>
-        <a:bodyPr spcFirstLastPara="0" vert="horz" wrap="square" lIns="85344" tIns="85344" rIns="85344" bIns="0" numCol="1" spcCol="1270" anchor="t" anchorCtr="0">
+        <a:bodyPr spcFirstLastPara="0" vert="horz" wrap="square" lIns="106680" tIns="106680" rIns="106680" bIns="0" numCol="1" spcCol="1270" anchor="t" anchorCtr="0">
           <a:noAutofit/>
         </a:bodyPr>
         <a:lstStyle/>
         <a:p>
-          <a:pPr marL="0" lvl="0" indent="0" algn="ctr" defTabSz="533400">
+          <a:pPr marL="0" lvl="0" indent="0" algn="ctr" defTabSz="666750">
             <a:lnSpc>
               <a:spcPct val="90000"/>
             </a:lnSpc>
@@ -1371,25 +1403,22 @@
             <a:buNone/>
           </a:pPr>
           <a:r>
-            <a:rPr lang="en-US" sz="1200" kern="1200" dirty="0"/>
-            <a:t>Connecting with the wrong customers results in </a:t>
+            <a:rPr lang="en-US" sz="1500" kern="1200" dirty="0"/>
+            <a:t>Connecting with the wrong customers irritates them </a:t>
           </a:r>
           <a:r>
-            <a:rPr lang="en-US" sz="1200" b="1" kern="1200" dirty="0"/>
-            <a:t>unpleasant conversations </a:t>
-          </a:r>
-          <a:r>
-            <a:rPr lang="en-US" sz="1200" kern="1200" dirty="0"/>
+            <a:rPr lang="en-US" sz="1500" b="0" kern="1200" dirty="0"/>
             <a:t>and </a:t>
           </a:r>
           <a:r>
-            <a:rPr lang="en-US" sz="1200" b="0" kern="1200" dirty="0"/>
-            <a:t>desperate marketing tactics</a:t>
+            <a:rPr lang="en-US" sz="1500" b="1" kern="1200" dirty="0"/>
+            <a:t>produces no profit</a:t>
           </a:r>
           <a:r>
-            <a:rPr lang="en-US" sz="1200" kern="1200" dirty="0"/>
+            <a:rPr lang="en-US" sz="1500" b="0" kern="1200" dirty="0"/>
             <a:t>.</a:t>
           </a:r>
+          <a:endParaRPr lang="en-US" sz="1500" kern="1200" dirty="0"/>
         </a:p>
       </dsp:txBody>
       <dsp:txXfrm>
@@ -1483,12 +1512,12 @@
         <a:fontRef idx="minor"/>
       </dsp:style>
       <dsp:txBody>
-        <a:bodyPr spcFirstLastPara="0" vert="horz" wrap="square" lIns="85344" tIns="85344" rIns="85344" bIns="0" numCol="1" spcCol="1270" anchor="t" anchorCtr="0">
+        <a:bodyPr spcFirstLastPara="0" vert="horz" wrap="square" lIns="106680" tIns="106680" rIns="106680" bIns="0" numCol="1" spcCol="1270" anchor="t" anchorCtr="0">
           <a:noAutofit/>
         </a:bodyPr>
         <a:lstStyle/>
         <a:p>
-          <a:pPr marL="0" lvl="0" indent="0" algn="ctr" defTabSz="533400">
+          <a:pPr marL="0" lvl="0" indent="0" algn="ctr" defTabSz="666750">
             <a:lnSpc>
               <a:spcPct val="90000"/>
             </a:lnSpc>
@@ -1501,8 +1530,20 @@
             <a:buNone/>
           </a:pPr>
           <a:r>
-            <a:rPr lang="en-US" sz="1200" kern="1200" dirty="0"/>
-            <a:t>Effectively connecting salespeople with high-potential customers reduces stress and increases profit.</a:t>
+            <a:rPr lang="en-US" sz="1500" kern="1200" dirty="0"/>
+            <a:t>Connecting with high-potential customers </a:t>
+          </a:r>
+          <a:r>
+            <a:rPr lang="en-US" sz="1500" b="1" kern="1200" dirty="0"/>
+            <a:t>increases profit</a:t>
+          </a:r>
+          <a:r>
+            <a:rPr lang="en-US" sz="1500" b="0" kern="1200" dirty="0"/>
+            <a:t> and customer satisfaction</a:t>
+          </a:r>
+          <a:r>
+            <a:rPr lang="en-US" sz="1500" kern="1200" dirty="0"/>
+            <a:t>.</a:t>
           </a:r>
         </a:p>
       </dsp:txBody>
@@ -3179,7 +3220,7 @@
           <a:p>
             <a:fld id="{EA0C0817-A112-4847-8014-A94B7D2A4EA3}" type="datetime1">
               <a:rPr lang="en-US" smtClean="0"/>
-              <a:t>6/3/2021</a:t>
+              <a:t>6/9/2021</a:t>
             </a:fld>
             <a:endParaRPr lang="en-US" dirty="0"/>
           </a:p>
@@ -3381,7 +3422,7 @@
           <a:p>
             <a:fld id="{7332B432-ACDA-4023-A761-2BAB76577B62}" type="datetime1">
               <a:rPr lang="en-US" smtClean="0"/>
-              <a:t>6/3/2021</a:t>
+              <a:t>6/9/2021</a:t>
             </a:fld>
             <a:endParaRPr lang="en-US" dirty="0"/>
           </a:p>
@@ -3980,7 +4021,7 @@
           <a:p>
             <a:fld id="{D9C646AA-F36E-4540-911D-FFFC0A0EF24A}" type="datetime1">
               <a:rPr lang="en-US" smtClean="0"/>
-              <a:t>6/3/2021</a:t>
+              <a:t>6/9/2021</a:t>
             </a:fld>
             <a:endParaRPr lang="en-US" dirty="0"/>
           </a:p>
@@ -4300,7 +4341,7 @@
           <a:p>
             <a:fld id="{69186D26-FA5F-4637-B602-B7C2DC34CFD4}" type="datetime1">
               <a:rPr lang="en-US" smtClean="0"/>
-              <a:t>6/3/2021</a:t>
+              <a:t>6/9/2021</a:t>
             </a:fld>
             <a:endParaRPr lang="en-US" dirty="0"/>
           </a:p>
@@ -4737,7 +4778,7 @@
           <a:p>
             <a:fld id="{8A7F15D8-96D1-4781-BC50-CA8A088B2FE4}" type="datetime1">
               <a:rPr lang="en-US" smtClean="0"/>
-              <a:t>6/3/2021</a:t>
+              <a:t>6/9/2021</a:t>
             </a:fld>
             <a:endParaRPr lang="en-US" dirty="0"/>
           </a:p>
@@ -4855,7 +4896,7 @@
           <a:p>
             <a:fld id="{F9A96C99-B8F8-4528-BD05-0E16E943DC09}" type="datetime1">
               <a:rPr lang="en-US" smtClean="0"/>
-              <a:t>6/3/2021</a:t>
+              <a:t>6/9/2021</a:t>
             </a:fld>
             <a:endParaRPr lang="en-US" dirty="0"/>
           </a:p>
@@ -4950,7 +4991,7 @@
           <a:p>
             <a:fld id="{03636942-C211-4B28-8DBD-C953E00AF71B}" type="datetime1">
               <a:rPr lang="en-US" smtClean="0"/>
-              <a:t>6/3/2021</a:t>
+              <a:t>6/9/2021</a:t>
             </a:fld>
             <a:endParaRPr lang="en-US" dirty="0"/>
           </a:p>
@@ -5367,7 +5408,7 @@
           <a:p>
             <a:fld id="{7E8D12A6-918A-48BD-8CB9-CA713993B0EA}" type="datetime1">
               <a:rPr lang="en-US" smtClean="0"/>
-              <a:t>6/3/2021</a:t>
+              <a:t>6/9/2021</a:t>
             </a:fld>
             <a:endParaRPr lang="en-US" dirty="0"/>
           </a:p>
@@ -5629,7 +5670,7 @@
             <a:fld id="{E778CE86-875F-4587-BCF6-FA054AFC0D53}" type="datetime1">
               <a:rPr lang="en-US" smtClean="0"/>
               <a:pPr/>
-              <a:t>6/3/2021</a:t>
+              <a:t>6/9/2021</a:t>
             </a:fld>
             <a:endParaRPr lang="en-US" dirty="0"/>
           </a:p>
@@ -6145,7 +6186,7 @@
           <a:p>
             <a:fld id="{F6FA2B21-3FCD-4721-B95C-427943F61125}" type="datetime1">
               <a:rPr lang="en-US" smtClean="0"/>
-              <a:t>6/3/2021</a:t>
+              <a:t>6/9/2021</a:t>
             </a:fld>
             <a:endParaRPr lang="en-US" dirty="0"/>
           </a:p>
@@ -6870,2716 +6911,6 @@
 <file path=ppt/slides/slide10.xml><?xml version="1.0" encoding="utf-8"?>
 <p:sld xmlns:a="http://schemas.openxmlformats.org/drawingml/2006/main" xmlns:r="http://schemas.openxmlformats.org/officeDocument/2006/relationships" xmlns:p="http://schemas.openxmlformats.org/presentationml/2006/main">
   <p:cSld>
-    <p:spTree>
-      <p:nvGrpSpPr>
-        <p:cNvPr id="1" name=""/>
-        <p:cNvGrpSpPr/>
-        <p:nvPr/>
-      </p:nvGrpSpPr>
-      <p:grpSpPr>
-        <a:xfrm>
-          <a:off x="0" y="0"/>
-          <a:ext cx="0" cy="0"/>
-          <a:chOff x="0" y="0"/>
-          <a:chExt cx="0" cy="0"/>
-        </a:xfrm>
-      </p:grpSpPr>
-      <p:sp>
-        <p:nvSpPr>
-          <p:cNvPr id="9" name="Title 8">
-            <a:extLst>
-              <a:ext uri="{FF2B5EF4-FFF2-40B4-BE49-F238E27FC236}">
-                <a16:creationId xmlns:a16="http://schemas.microsoft.com/office/drawing/2014/main" id="{BA311747-798A-4106-A555-042873E9C56B}"/>
-              </a:ext>
-            </a:extLst>
-          </p:cNvPr>
-          <p:cNvSpPr>
-            <a:spLocks noGrp="1"/>
-          </p:cNvSpPr>
-          <p:nvPr>
-            <p:ph type="title"/>
-          </p:nvPr>
-        </p:nvSpPr>
-        <p:spPr>
-          <a:xfrm>
-            <a:off x="3951609" y="3430880"/>
-            <a:ext cx="4288783" cy="1586501"/>
-          </a:xfrm>
-        </p:spPr>
-        <p:txBody>
-          <a:bodyPr>
-            <a:normAutofit/>
-          </a:bodyPr>
-          <a:lstStyle/>
-          <a:p>
-            <a:pPr algn="ctr"/>
-            <a:r>
-              <a:rPr lang="en-US" sz="6000" dirty="0"/>
-              <a:t>Thank you!</a:t>
-            </a:r>
-          </a:p>
-        </p:txBody>
-      </p:sp>
-      <p:pic>
-        <p:nvPicPr>
-          <p:cNvPr id="10" name="Graphic 9" descr="Wave Gesture with solid fill">
-            <a:extLst>
-              <a:ext uri="{FF2B5EF4-FFF2-40B4-BE49-F238E27FC236}">
-                <a16:creationId xmlns:a16="http://schemas.microsoft.com/office/drawing/2014/main" id="{B8A9E409-2557-4B45-A077-39A1E76B6872}"/>
-              </a:ext>
-            </a:extLst>
-          </p:cNvPr>
-          <p:cNvPicPr>
-            <a:picLocks noChangeAspect="1"/>
-          </p:cNvPicPr>
-          <p:nvPr/>
-        </p:nvPicPr>
-        <p:blipFill>
-          <a:blip r:embed="rId2">
-            <a:extLst>
-              <a:ext uri="{96DAC541-7B7A-43D3-8B79-37D633B846F1}">
-                <asvg:svgBlip xmlns:asvg="http://schemas.microsoft.com/office/drawing/2016/SVG/main" r:embed="rId3"/>
-              </a:ext>
-            </a:extLst>
-          </a:blip>
-          <a:srcRect/>
-          <a:stretch/>
-        </p:blipFill>
-        <p:spPr>
-          <a:xfrm>
-            <a:off x="5001565" y="1528073"/>
-            <a:ext cx="2188870" cy="2188870"/>
-          </a:xfrm>
-          <a:prstGeom prst="rect">
-            <a:avLst/>
-          </a:prstGeom>
-        </p:spPr>
-      </p:pic>
-    </p:spTree>
-    <p:extLst>
-      <p:ext uri="{BB962C8B-B14F-4D97-AF65-F5344CB8AC3E}">
-        <p14:creationId xmlns:p14="http://schemas.microsoft.com/office/powerpoint/2010/main" val="3503424066"/>
-      </p:ext>
-    </p:extLst>
-  </p:cSld>
-  <p:clrMapOvr>
-    <a:masterClrMapping/>
-  </p:clrMapOvr>
-</p:sld>
-</file>
-
-<file path=ppt/slides/slide2.xml><?xml version="1.0" encoding="utf-8"?>
-<p:sld xmlns:a="http://schemas.openxmlformats.org/drawingml/2006/main" xmlns:r="http://schemas.openxmlformats.org/officeDocument/2006/relationships" xmlns:p="http://schemas.openxmlformats.org/presentationml/2006/main">
-  <p:cSld>
-    <p:bg>
-      <p:bgPr>
-        <a:solidFill>
-          <a:schemeClr val="bg1"/>
-        </a:solidFill>
-        <a:effectLst/>
-      </p:bgPr>
-    </p:bg>
-    <p:spTree>
-      <p:nvGrpSpPr>
-        <p:cNvPr id="1" name=""/>
-        <p:cNvGrpSpPr/>
-        <p:nvPr/>
-      </p:nvGrpSpPr>
-      <p:grpSpPr>
-        <a:xfrm>
-          <a:off x="0" y="0"/>
-          <a:ext cx="0" cy="0"/>
-          <a:chOff x="0" y="0"/>
-          <a:chExt cx="0" cy="0"/>
-        </a:xfrm>
-      </p:grpSpPr>
-      <p:sp>
-        <p:nvSpPr>
-          <p:cNvPr id="2" name="Title 1">
-            <a:extLst>
-              <a:ext uri="{FF2B5EF4-FFF2-40B4-BE49-F238E27FC236}">
-                <a16:creationId xmlns:a16="http://schemas.microsoft.com/office/drawing/2014/main" id="{31BB8085-1FFF-44DD-A144-D794D923CF00}"/>
-              </a:ext>
-            </a:extLst>
-          </p:cNvPr>
-          <p:cNvSpPr>
-            <a:spLocks noGrp="1"/>
-          </p:cNvSpPr>
-          <p:nvPr>
-            <p:ph type="title"/>
-          </p:nvPr>
-        </p:nvSpPr>
-        <p:spPr>
-          <a:xfrm>
-            <a:off x="1066800" y="642594"/>
-            <a:ext cx="10058400" cy="1371600"/>
-          </a:xfrm>
-        </p:spPr>
-        <p:txBody>
-          <a:bodyPr>
-            <a:normAutofit/>
-          </a:bodyPr>
-          <a:lstStyle/>
-          <a:p>
-            <a:pPr algn="ctr"/>
-            <a:r>
-              <a:rPr lang="en-US" dirty="0"/>
-              <a:t>Business Problem</a:t>
-            </a:r>
-          </a:p>
-        </p:txBody>
-      </p:sp>
-      <p:graphicFrame>
-        <p:nvGraphicFramePr>
-          <p:cNvPr id="5" name="Content Placeholder 2" descr="SmartArt Process Diagram">
-            <a:extLst>
-              <a:ext uri="{FF2B5EF4-FFF2-40B4-BE49-F238E27FC236}">
-                <a16:creationId xmlns:a16="http://schemas.microsoft.com/office/drawing/2014/main" id="{60233515-42BF-4401-AB7F-458C06159D34}"/>
-              </a:ext>
-            </a:extLst>
-          </p:cNvPr>
-          <p:cNvGraphicFramePr>
-            <a:graphicFrameLocks noGrp="1"/>
-          </p:cNvGraphicFramePr>
-          <p:nvPr>
-            <p:ph idx="1"/>
-            <p:extLst>
-              <p:ext uri="{D42A27DB-BD31-4B8C-83A1-F6EECF244321}">
-                <p14:modId xmlns:p14="http://schemas.microsoft.com/office/powerpoint/2010/main" val="1115533867"/>
-              </p:ext>
-            </p:extLst>
-          </p:nvPr>
-        </p:nvGraphicFramePr>
-        <p:xfrm>
-          <a:off x="1768459" y="3273171"/>
-          <a:ext cx="8655078" cy="2686036"/>
-        </p:xfrm>
-        <a:graphic>
-          <a:graphicData uri="http://schemas.openxmlformats.org/drawingml/2006/diagram">
-            <dgm:relIds xmlns:dgm="http://schemas.openxmlformats.org/drawingml/2006/diagram" xmlns:r="http://schemas.openxmlformats.org/officeDocument/2006/relationships" r:dm="rId3" r:lo="rId4" r:qs="rId5" r:cs="rId6"/>
-          </a:graphicData>
-        </a:graphic>
-      </p:graphicFrame>
-      <p:sp>
-        <p:nvSpPr>
-          <p:cNvPr id="4" name="TextBox 3">
-            <a:extLst>
-              <a:ext uri="{FF2B5EF4-FFF2-40B4-BE49-F238E27FC236}">
-                <a16:creationId xmlns:a16="http://schemas.microsoft.com/office/drawing/2014/main" id="{824FD047-746A-4AD9-A575-68CA19CA49CD}"/>
-              </a:ext>
-            </a:extLst>
-          </p:cNvPr>
-          <p:cNvSpPr txBox="1"/>
-          <p:nvPr/>
-        </p:nvSpPr>
-        <p:spPr>
-          <a:xfrm>
-            <a:off x="1979563" y="1864120"/>
-            <a:ext cx="8232869" cy="923330"/>
-          </a:xfrm>
-          <a:prstGeom prst="rect">
-            <a:avLst/>
-          </a:prstGeom>
-          <a:noFill/>
-        </p:spPr>
-        <p:txBody>
-          <a:bodyPr wrap="square" rtlCol="0">
-            <a:spAutoFit/>
-          </a:bodyPr>
-          <a:lstStyle/>
-          <a:p>
-            <a:pPr algn="ctr"/>
-            <a:r>
-              <a:rPr lang="en-US" dirty="0"/>
-              <a:t>Banco de Portugal hired me to develop an accurate </a:t>
-            </a:r>
-            <a:r>
-              <a:rPr lang="en-US" b="1" dirty="0"/>
-              <a:t>predictive model</a:t>
-            </a:r>
-            <a:r>
-              <a:rPr lang="en-US" dirty="0"/>
-              <a:t> to predict which customers are likely to invest in a term deposit as a result of telemarking.</a:t>
-            </a:r>
-          </a:p>
-        </p:txBody>
-      </p:sp>
-    </p:spTree>
-    <p:extLst>
-      <p:ext uri="{BB962C8B-B14F-4D97-AF65-F5344CB8AC3E}">
-        <p14:creationId xmlns:p14="http://schemas.microsoft.com/office/powerpoint/2010/main" val="3833773525"/>
-      </p:ext>
-    </p:extLst>
-  </p:cSld>
-  <p:clrMapOvr>
-    <a:masterClrMapping/>
-  </p:clrMapOvr>
-</p:sld>
-</file>
-
-<file path=ppt/slides/slide3.xml><?xml version="1.0" encoding="utf-8"?>
-<p:sld xmlns:a="http://schemas.openxmlformats.org/drawingml/2006/main" xmlns:r="http://schemas.openxmlformats.org/officeDocument/2006/relationships" xmlns:p="http://schemas.openxmlformats.org/presentationml/2006/main">
-  <p:cSld>
-    <p:spTree>
-      <p:nvGrpSpPr>
-        <p:cNvPr id="1" name=""/>
-        <p:cNvGrpSpPr/>
-        <p:nvPr/>
-      </p:nvGrpSpPr>
-      <p:grpSpPr>
-        <a:xfrm>
-          <a:off x="0" y="0"/>
-          <a:ext cx="0" cy="0"/>
-          <a:chOff x="0" y="0"/>
-          <a:chExt cx="0" cy="0"/>
-        </a:xfrm>
-      </p:grpSpPr>
-      <p:sp>
-        <p:nvSpPr>
-          <p:cNvPr id="2" name="Title 1">
-            <a:extLst>
-              <a:ext uri="{FF2B5EF4-FFF2-40B4-BE49-F238E27FC236}">
-                <a16:creationId xmlns:a16="http://schemas.microsoft.com/office/drawing/2014/main" id="{12DFD902-98E0-41B2-82EB-55EE70EA0804}"/>
-              </a:ext>
-            </a:extLst>
-          </p:cNvPr>
-          <p:cNvSpPr>
-            <a:spLocks noGrp="1"/>
-          </p:cNvSpPr>
-          <p:nvPr>
-            <p:ph type="title"/>
-          </p:nvPr>
-        </p:nvSpPr>
-        <p:spPr/>
-        <p:txBody>
-          <a:bodyPr/>
-          <a:lstStyle/>
-          <a:p>
-            <a:r>
-              <a:rPr lang="en-US" dirty="0"/>
-              <a:t>Data and Methods</a:t>
-            </a:r>
-          </a:p>
-        </p:txBody>
-      </p:sp>
-      <p:sp>
-        <p:nvSpPr>
-          <p:cNvPr id="3" name="Content Placeholder 2">
-            <a:extLst>
-              <a:ext uri="{FF2B5EF4-FFF2-40B4-BE49-F238E27FC236}">
-                <a16:creationId xmlns:a16="http://schemas.microsoft.com/office/drawing/2014/main" id="{38D9055A-6B64-4D88-BF3C-5D1662E811A8}"/>
-              </a:ext>
-            </a:extLst>
-          </p:cNvPr>
-          <p:cNvSpPr>
-            <a:spLocks noGrp="1"/>
-          </p:cNvSpPr>
-          <p:nvPr>
-            <p:ph idx="1"/>
-          </p:nvPr>
-        </p:nvSpPr>
-        <p:spPr>
-          <a:xfrm>
-            <a:off x="1066800" y="2114894"/>
-            <a:ext cx="10058400" cy="3849624"/>
-          </a:xfrm>
-        </p:spPr>
-        <p:txBody>
-          <a:bodyPr numCol="2">
-            <a:normAutofit fontScale="92500" lnSpcReduction="20000"/>
-          </a:bodyPr>
-          <a:lstStyle/>
-          <a:p>
-            <a:r>
-              <a:rPr lang="en-US" dirty="0"/>
-              <a:t>Banco de Portugal Telemarketing Dataset</a:t>
-            </a:r>
-          </a:p>
-          <a:p>
-            <a:pPr lvl="1"/>
-            <a:r>
-              <a:rPr lang="en-US" dirty="0"/>
-              <a:t>Publicly available on the </a:t>
-            </a:r>
-            <a:r>
-              <a:rPr lang="en-US" b="0" i="0" u="none" strike="noStrike" dirty="0">
-                <a:effectLst/>
-                <a:hlinkClick r:id="rId2"/>
-              </a:rPr>
-              <a:t>UCI Machine Learning Repository</a:t>
-            </a:r>
-            <a:endParaRPr lang="en-US" dirty="0"/>
-          </a:p>
-          <a:p>
-            <a:pPr lvl="1"/>
-            <a:r>
-              <a:rPr lang="en-US" dirty="0"/>
-              <a:t>Collected from May 2008 to November 2010</a:t>
-            </a:r>
-          </a:p>
-          <a:p>
-            <a:pPr lvl="1"/>
-            <a:r>
-              <a:rPr lang="en-US" dirty="0"/>
-              <a:t>Originally contains 21 features and 41k samples</a:t>
-            </a:r>
-          </a:p>
-          <a:p>
-            <a:pPr lvl="1"/>
-            <a:r>
-              <a:rPr lang="en-US" dirty="0"/>
-              <a:t>Roughly two thirds categorical and one third numeric</a:t>
-            </a:r>
-          </a:p>
-          <a:p>
-            <a:endParaRPr lang="en-US" dirty="0"/>
-          </a:p>
-          <a:p>
-            <a:endParaRPr lang="en-US" dirty="0"/>
-          </a:p>
-          <a:p>
-            <a:endParaRPr lang="en-US" dirty="0"/>
-          </a:p>
-          <a:p>
-            <a:endParaRPr lang="en-US" dirty="0"/>
-          </a:p>
-          <a:p>
-            <a:endParaRPr lang="en-US" dirty="0"/>
-          </a:p>
-          <a:p>
-            <a:endParaRPr lang="en-US" dirty="0"/>
-          </a:p>
-          <a:p>
-            <a:endParaRPr lang="en-US" dirty="0"/>
-          </a:p>
-          <a:p>
-            <a:endParaRPr lang="en-US" dirty="0"/>
-          </a:p>
-          <a:p>
-            <a:r>
-              <a:rPr lang="en-US" dirty="0"/>
-              <a:t>Methods</a:t>
-            </a:r>
-          </a:p>
-          <a:p>
-            <a:pPr lvl="1"/>
-            <a:r>
-              <a:rPr lang="en-US" dirty="0"/>
-              <a:t>Logistic Regression</a:t>
-            </a:r>
-          </a:p>
-          <a:p>
-            <a:pPr lvl="2"/>
-            <a:r>
-              <a:rPr lang="en-US" dirty="0"/>
-              <a:t>Relatively simple</a:t>
-            </a:r>
-          </a:p>
-          <a:p>
-            <a:pPr lvl="2"/>
-            <a:r>
-              <a:rPr lang="en-US" dirty="0"/>
-              <a:t>Powerful</a:t>
-            </a:r>
-          </a:p>
-          <a:p>
-            <a:pPr lvl="2"/>
-            <a:r>
-              <a:rPr lang="en-US" dirty="0"/>
-              <a:t>Widely used</a:t>
-            </a:r>
-          </a:p>
-          <a:p>
-            <a:pPr lvl="1"/>
-            <a:r>
-              <a:rPr lang="en-US" dirty="0"/>
-              <a:t>Iterative Progress</a:t>
-            </a:r>
-          </a:p>
-          <a:p>
-            <a:pPr lvl="2"/>
-            <a:r>
-              <a:rPr lang="en-US" dirty="0"/>
-              <a:t>Split the data into a 75% training set and 25% test set</a:t>
-            </a:r>
-          </a:p>
-          <a:p>
-            <a:pPr lvl="2"/>
-            <a:r>
-              <a:rPr lang="en-US" dirty="0"/>
-              <a:t>Start with a dummy model and a baseline logistic regression</a:t>
-            </a:r>
-          </a:p>
-          <a:p>
-            <a:pPr lvl="2"/>
-            <a:r>
-              <a:rPr lang="en-US" dirty="0"/>
-              <a:t>Make improvements with each successive version of the model</a:t>
-            </a:r>
-          </a:p>
-          <a:p>
-            <a:pPr lvl="1"/>
-            <a:r>
-              <a:rPr lang="en-US" dirty="0"/>
-              <a:t>Preprocessing</a:t>
-            </a:r>
-          </a:p>
-          <a:p>
-            <a:pPr lvl="2"/>
-            <a:r>
-              <a:rPr lang="en-US" dirty="0"/>
-              <a:t>Set missing categorical values to False</a:t>
-            </a:r>
-          </a:p>
-          <a:p>
-            <a:pPr lvl="2"/>
-            <a:r>
-              <a:rPr lang="en-US" dirty="0"/>
-              <a:t>Algorithmically filter out highly correlated sets of features</a:t>
-            </a:r>
-          </a:p>
-          <a:p>
-            <a:pPr lvl="3"/>
-            <a:r>
-              <a:rPr lang="en-US" dirty="0"/>
-              <a:t>Keep the feature with the highest variance from each set</a:t>
-            </a:r>
-          </a:p>
-          <a:p>
-            <a:pPr lvl="3"/>
-            <a:r>
-              <a:rPr lang="en-US" dirty="0"/>
-              <a:t>Avoids multi-collinearity</a:t>
-            </a:r>
-          </a:p>
-          <a:p>
-            <a:pPr lvl="2"/>
-            <a:r>
-              <a:rPr lang="en-US" dirty="0"/>
-              <a:t>Perform slight 95% </a:t>
-            </a:r>
-            <a:r>
-              <a:rPr lang="en-US" dirty="0" err="1"/>
-              <a:t>Winsorization</a:t>
-            </a:r>
-            <a:r>
-              <a:rPr lang="en-US" dirty="0"/>
-              <a:t> to reduce the influence of outliers</a:t>
-            </a:r>
-          </a:p>
-          <a:p>
-            <a:pPr lvl="2"/>
-            <a:r>
-              <a:rPr lang="en-US" dirty="0"/>
-              <a:t>Apply standard scaling, centering on the mean and scaling to standard deviation</a:t>
-            </a:r>
-          </a:p>
-          <a:p>
-            <a:pPr lvl="1"/>
-            <a:r>
-              <a:rPr lang="en-US" dirty="0"/>
-              <a:t>Key Parameters</a:t>
-            </a:r>
-          </a:p>
-          <a:p>
-            <a:pPr lvl="2"/>
-            <a:r>
-              <a:rPr lang="en-US" dirty="0"/>
-              <a:t>Balanced class weights</a:t>
-            </a:r>
-          </a:p>
-          <a:p>
-            <a:pPr lvl="2"/>
-            <a:r>
-              <a:rPr lang="en-US" dirty="0"/>
-              <a:t>L2 regularization to reduce overfitting</a:t>
-            </a:r>
-          </a:p>
-        </p:txBody>
-      </p:sp>
-      <p:pic>
-        <p:nvPicPr>
-          <p:cNvPr id="6" name="Picture 5" descr="Logo, company name&#10;&#10;Description automatically generated">
-            <a:extLst>
-              <a:ext uri="{FF2B5EF4-FFF2-40B4-BE49-F238E27FC236}">
-                <a16:creationId xmlns:a16="http://schemas.microsoft.com/office/drawing/2014/main" id="{BEFCB41D-14C4-4D5D-B88A-5C5532F94389}"/>
-              </a:ext>
-            </a:extLst>
-          </p:cNvPr>
-          <p:cNvPicPr>
-            <a:picLocks noChangeAspect="1"/>
-          </p:cNvPicPr>
-          <p:nvPr/>
-        </p:nvPicPr>
-        <p:blipFill>
-          <a:blip r:embed="rId3"/>
-          <a:stretch>
-            <a:fillRect/>
-          </a:stretch>
-        </p:blipFill>
-        <p:spPr>
-          <a:xfrm>
-            <a:off x="8602424" y="626504"/>
-            <a:ext cx="2487963" cy="2487963"/>
-          </a:xfrm>
-          <a:prstGeom prst="rect">
-            <a:avLst/>
-          </a:prstGeom>
-        </p:spPr>
-      </p:pic>
-      <p:pic>
-        <p:nvPicPr>
-          <p:cNvPr id="13" name="Graphic 12">
-            <a:extLst>
-              <a:ext uri="{FF2B5EF4-FFF2-40B4-BE49-F238E27FC236}">
-                <a16:creationId xmlns:a16="http://schemas.microsoft.com/office/drawing/2014/main" id="{9459C10E-D6E8-45A1-B3EF-A7616B0F6E96}"/>
-              </a:ext>
-            </a:extLst>
-          </p:cNvPr>
-          <p:cNvPicPr>
-            <a:picLocks noChangeAspect="1"/>
-          </p:cNvPicPr>
-          <p:nvPr/>
-        </p:nvPicPr>
-        <p:blipFill rotWithShape="1">
-          <a:blip r:embed="rId4">
-            <a:alphaModFix/>
-            <a:grayscl/>
-            <a:extLst>
-              <a:ext uri="{96DAC541-7B7A-43D3-8B79-37D633B846F1}">
-                <asvg:svgBlip xmlns:asvg="http://schemas.microsoft.com/office/drawing/2016/SVG/main" r:embed="rId5"/>
-              </a:ext>
-            </a:extLst>
-          </a:blip>
-          <a:srcRect r="66485"/>
-          <a:stretch/>
-        </p:blipFill>
-        <p:spPr>
-          <a:xfrm>
-            <a:off x="1775792" y="3306717"/>
-            <a:ext cx="3211444" cy="3165088"/>
-          </a:xfrm>
-          <a:prstGeom prst="rect">
-            <a:avLst/>
-          </a:prstGeom>
-        </p:spPr>
-      </p:pic>
-    </p:spTree>
-    <p:extLst>
-      <p:ext uri="{BB962C8B-B14F-4D97-AF65-F5344CB8AC3E}">
-        <p14:creationId xmlns:p14="http://schemas.microsoft.com/office/powerpoint/2010/main" val="636063863"/>
-      </p:ext>
-    </p:extLst>
-  </p:cSld>
-  <p:clrMapOvr>
-    <a:masterClrMapping/>
-  </p:clrMapOvr>
-</p:sld>
-</file>
-
-<file path=ppt/slides/slide4.xml><?xml version="1.0" encoding="utf-8"?>
-<p:sld xmlns:a="http://schemas.openxmlformats.org/drawingml/2006/main" xmlns:r="http://schemas.openxmlformats.org/officeDocument/2006/relationships" xmlns:p="http://schemas.openxmlformats.org/presentationml/2006/main">
-  <p:cSld>
-    <p:spTree>
-      <p:nvGrpSpPr>
-        <p:cNvPr id="1" name=""/>
-        <p:cNvGrpSpPr/>
-        <p:nvPr/>
-      </p:nvGrpSpPr>
-      <p:grpSpPr>
-        <a:xfrm>
-          <a:off x="0" y="0"/>
-          <a:ext cx="0" cy="0"/>
-          <a:chOff x="0" y="0"/>
-          <a:chExt cx="0" cy="0"/>
-        </a:xfrm>
-      </p:grpSpPr>
-      <p:sp>
-        <p:nvSpPr>
-          <p:cNvPr id="2" name="Title 1">
-            <a:extLst>
-              <a:ext uri="{FF2B5EF4-FFF2-40B4-BE49-F238E27FC236}">
-                <a16:creationId xmlns:a16="http://schemas.microsoft.com/office/drawing/2014/main" id="{CBD2185A-FE58-46EF-B95D-19CAFB59CE22}"/>
-              </a:ext>
-            </a:extLst>
-          </p:cNvPr>
-          <p:cNvSpPr>
-            <a:spLocks noGrp="1"/>
-          </p:cNvSpPr>
-          <p:nvPr>
-            <p:ph type="title"/>
-          </p:nvPr>
-        </p:nvSpPr>
-        <p:spPr/>
-        <p:txBody>
-          <a:bodyPr/>
-          <a:lstStyle/>
-          <a:p>
-            <a:r>
-              <a:rPr lang="en-US"/>
-              <a:t>Top 4 Features for Prediction</a:t>
-            </a:r>
-            <a:endParaRPr lang="en-US" dirty="0"/>
-          </a:p>
-        </p:txBody>
-      </p:sp>
-      <p:sp>
-        <p:nvSpPr>
-          <p:cNvPr id="6" name="TextBox 5">
-            <a:extLst>
-              <a:ext uri="{FF2B5EF4-FFF2-40B4-BE49-F238E27FC236}">
-                <a16:creationId xmlns:a16="http://schemas.microsoft.com/office/drawing/2014/main" id="{7418E91B-1404-4198-9193-073ECB02FCC4}"/>
-              </a:ext>
-            </a:extLst>
-          </p:cNvPr>
-          <p:cNvSpPr txBox="1"/>
-          <p:nvPr/>
-        </p:nvSpPr>
-        <p:spPr>
-          <a:xfrm>
-            <a:off x="1189111" y="2014194"/>
-            <a:ext cx="4489587" cy="3291286"/>
-          </a:xfrm>
-          <a:prstGeom prst="rect">
-            <a:avLst/>
-          </a:prstGeom>
-          <a:noFill/>
-        </p:spPr>
-        <p:txBody>
-          <a:bodyPr wrap="square" rtlCol="0">
-            <a:spAutoFit/>
-          </a:bodyPr>
-          <a:lstStyle/>
-          <a:p>
-            <a:pPr>
-              <a:lnSpc>
-                <a:spcPct val="150000"/>
-              </a:lnSpc>
-            </a:pPr>
-            <a:r>
-              <a:rPr lang="en-US" sz="1600"/>
-              <a:t>Ordered by magnitude:</a:t>
-            </a:r>
-          </a:p>
-          <a:p>
-            <a:pPr marL="342900" indent="-342900">
-              <a:lnSpc>
-                <a:spcPct val="150000"/>
-              </a:lnSpc>
-              <a:buFont typeface="+mj-lt"/>
-              <a:buAutoNum type="arabicPeriod"/>
-            </a:pPr>
-            <a:r>
-              <a:rPr lang="en-US" sz="1600"/>
-              <a:t>n_employed</a:t>
-            </a:r>
-          </a:p>
-          <a:p>
-            <a:pPr lvl="1">
-              <a:lnSpc>
-                <a:spcPct val="150000"/>
-              </a:lnSpc>
-            </a:pPr>
-            <a:r>
-              <a:rPr lang="en-US" sz="1200"/>
-              <a:t>Portuguese employment count</a:t>
-            </a:r>
-          </a:p>
-          <a:p>
-            <a:pPr marL="342900" indent="-342900">
-              <a:lnSpc>
-                <a:spcPct val="150000"/>
-              </a:lnSpc>
-              <a:buFont typeface="+mj-lt"/>
-              <a:buAutoNum type="arabicPeriod"/>
-            </a:pPr>
-            <a:r>
-              <a:rPr lang="en-US" sz="1600"/>
-              <a:t>prev_success</a:t>
-            </a:r>
-          </a:p>
-          <a:p>
-            <a:pPr lvl="1">
-              <a:lnSpc>
-                <a:spcPct val="150000"/>
-              </a:lnSpc>
-            </a:pPr>
-            <a:r>
-              <a:rPr lang="en-US" sz="1200"/>
-              <a:t>Customer previously opened an investment account as a result of marketing</a:t>
-            </a:r>
-          </a:p>
-          <a:p>
-            <a:pPr marL="342900" indent="-342900">
-              <a:lnSpc>
-                <a:spcPct val="150000"/>
-              </a:lnSpc>
-              <a:buFont typeface="+mj-lt"/>
-              <a:buAutoNum type="arabicPeriod"/>
-            </a:pPr>
-            <a:r>
-              <a:rPr lang="en-US" sz="1600"/>
-              <a:t>contact_month_may</a:t>
-            </a:r>
-          </a:p>
-          <a:p>
-            <a:pPr lvl="1">
-              <a:lnSpc>
-                <a:spcPct val="150000"/>
-              </a:lnSpc>
-            </a:pPr>
-            <a:r>
-              <a:rPr lang="en-US" sz="1200"/>
-              <a:t>Contacted in May</a:t>
-            </a:r>
-          </a:p>
-          <a:p>
-            <a:pPr marL="342900" indent="-342900">
-              <a:lnSpc>
-                <a:spcPct val="150000"/>
-              </a:lnSpc>
-              <a:buFont typeface="+mj-lt"/>
-              <a:buAutoNum type="arabicPeriod"/>
-            </a:pPr>
-            <a:r>
-              <a:rPr lang="en-US" sz="1600"/>
-              <a:t>contact_cellular</a:t>
-            </a:r>
-          </a:p>
-          <a:p>
-            <a:pPr lvl="1">
-              <a:lnSpc>
-                <a:spcPct val="150000"/>
-              </a:lnSpc>
-            </a:pPr>
-            <a:r>
-              <a:rPr lang="en-US" sz="1200"/>
-              <a:t>Contacted on a cell phone as opposed to a landline</a:t>
-            </a:r>
-            <a:endParaRPr lang="en-US" sz="1200" dirty="0"/>
-          </a:p>
-        </p:txBody>
-      </p:sp>
-      <p:pic>
-        <p:nvPicPr>
-          <p:cNvPr id="10" name="Content Placeholder 9">
-            <a:extLst>
-              <a:ext uri="{FF2B5EF4-FFF2-40B4-BE49-F238E27FC236}">
-                <a16:creationId xmlns:a16="http://schemas.microsoft.com/office/drawing/2014/main" id="{8B1F0428-1632-4F57-A02E-43DB0107ACD3}"/>
-              </a:ext>
-            </a:extLst>
-          </p:cNvPr>
-          <p:cNvPicPr>
-            <a:picLocks noGrp="1" noChangeAspect="1"/>
-          </p:cNvPicPr>
-          <p:nvPr>
-            <p:ph idx="1"/>
-          </p:nvPr>
-        </p:nvPicPr>
-        <p:blipFill>
-          <a:blip r:embed="rId2">
-            <a:extLst>
-              <a:ext uri="{96DAC541-7B7A-43D3-8B79-37D633B846F1}">
-                <asvg:svgBlip xmlns:asvg="http://schemas.microsoft.com/office/drawing/2016/SVG/main" r:embed="rId3"/>
-              </a:ext>
-            </a:extLst>
-          </a:blip>
-          <a:stretch>
-            <a:fillRect/>
-          </a:stretch>
-        </p:blipFill>
-        <p:spPr>
-          <a:xfrm>
-            <a:off x="6096000" y="1856064"/>
-            <a:ext cx="4545004" cy="3849687"/>
-          </a:xfrm>
-        </p:spPr>
-      </p:pic>
-    </p:spTree>
-    <p:extLst>
-      <p:ext uri="{BB962C8B-B14F-4D97-AF65-F5344CB8AC3E}">
-        <p14:creationId xmlns:p14="http://schemas.microsoft.com/office/powerpoint/2010/main" val="928779396"/>
-      </p:ext>
-    </p:extLst>
-  </p:cSld>
-  <p:clrMapOvr>
-    <a:masterClrMapping/>
-  </p:clrMapOvr>
-</p:sld>
-</file>
-
-<file path=ppt/slides/slide5.xml><?xml version="1.0" encoding="utf-8"?>
-<p:sld xmlns:a="http://schemas.openxmlformats.org/drawingml/2006/main" xmlns:r="http://schemas.openxmlformats.org/officeDocument/2006/relationships" xmlns:p="http://schemas.openxmlformats.org/presentationml/2006/main">
-  <p:cSld>
-    <p:bg>
-      <p:bgPr>
-        <a:solidFill>
-          <a:schemeClr val="bg1"/>
-        </a:solidFill>
-        <a:effectLst/>
-      </p:bgPr>
-    </p:bg>
-    <p:spTree>
-      <p:nvGrpSpPr>
-        <p:cNvPr id="1" name=""/>
-        <p:cNvGrpSpPr/>
-        <p:nvPr/>
-      </p:nvGrpSpPr>
-      <p:grpSpPr>
-        <a:xfrm>
-          <a:off x="0" y="0"/>
-          <a:ext cx="0" cy="0"/>
-          <a:chOff x="0" y="0"/>
-          <a:chExt cx="0" cy="0"/>
-        </a:xfrm>
-      </p:grpSpPr>
-      <p:sp useBgFill="1">
-        <p:nvSpPr>
-          <p:cNvPr id="12" name="Rectangle 11">
-            <a:extLst>
-              <a:ext uri="{FF2B5EF4-FFF2-40B4-BE49-F238E27FC236}">
-                <a16:creationId xmlns:a16="http://schemas.microsoft.com/office/drawing/2014/main" id="{1E94681D-2A4C-4A8D-B9B5-31D440D0328D}"/>
-              </a:ext>
-              <a:ext uri="{C183D7F6-B498-43B3-948B-1728B52AA6E4}">
-                <adec:decorative xmlns:adec="http://schemas.microsoft.com/office/drawing/2017/decorative" val="1"/>
-              </a:ext>
-            </a:extLst>
-          </p:cNvPr>
-          <p:cNvSpPr>
-            <a:spLocks noGrp="1" noRot="1" noChangeAspect="1" noMove="1" noResize="1" noEditPoints="1" noAdjustHandles="1" noChangeArrowheads="1" noChangeShapeType="1" noTextEdit="1"/>
-          </p:cNvSpPr>
-          <p:nvPr>
-            <p:extLst>
-              <p:ext uri="{386F3935-93C4-4BCD-93E2-E3B085C9AB24}">
-                <p16:designElem xmlns:p16="http://schemas.microsoft.com/office/powerpoint/2015/main" val="1"/>
-              </p:ext>
-            </p:extLst>
-          </p:nvPr>
-        </p:nvSpPr>
-        <p:spPr>
-          <a:xfrm>
-            <a:off x="0" y="0"/>
-            <a:ext cx="12192000" cy="6858000"/>
-          </a:xfrm>
-          <a:prstGeom prst="rect">
-            <a:avLst/>
-          </a:prstGeom>
-          <a:ln>
-            <a:noFill/>
-          </a:ln>
-        </p:spPr>
-        <p:style>
-          <a:lnRef idx="2">
-            <a:schemeClr val="accent1">
-              <a:shade val="50000"/>
-            </a:schemeClr>
-          </a:lnRef>
-          <a:fillRef idx="1">
-            <a:schemeClr val="accent1"/>
-          </a:fillRef>
-          <a:effectRef idx="0">
-            <a:schemeClr val="accent1"/>
-          </a:effectRef>
-          <a:fontRef idx="minor">
-            <a:schemeClr val="lt1"/>
-          </a:fontRef>
-        </p:style>
-        <p:txBody>
-          <a:bodyPr rtlCol="0" anchor="ctr"/>
-          <a:lstStyle/>
-          <a:p>
-            <a:pPr algn="ctr"/>
-            <a:endParaRPr lang="en-US"/>
-          </a:p>
-        </p:txBody>
-      </p:sp>
-      <p:sp>
-        <p:nvSpPr>
-          <p:cNvPr id="14" name="Rectangle 13">
-            <a:extLst>
-              <a:ext uri="{FF2B5EF4-FFF2-40B4-BE49-F238E27FC236}">
-                <a16:creationId xmlns:a16="http://schemas.microsoft.com/office/drawing/2014/main" id="{04B7AC44-1B7B-4F09-9AA4-3DFDEC5751A8}"/>
-              </a:ext>
-              <a:ext uri="{C183D7F6-B498-43B3-948B-1728B52AA6E4}">
-                <adec:decorative xmlns:adec="http://schemas.microsoft.com/office/drawing/2017/decorative" val="1"/>
-              </a:ext>
-            </a:extLst>
-          </p:cNvPr>
-          <p:cNvSpPr>
-            <a:spLocks noGrp="1" noRot="1" noChangeAspect="1" noMove="1" noResize="1" noEditPoints="1" noAdjustHandles="1" noChangeArrowheads="1" noChangeShapeType="1" noTextEdit="1"/>
-          </p:cNvSpPr>
-          <p:nvPr>
-            <p:extLst>
-              <p:ext uri="{386F3935-93C4-4BCD-93E2-E3B085C9AB24}">
-                <p16:designElem xmlns:p16="http://schemas.microsoft.com/office/powerpoint/2015/main" val="1"/>
-              </p:ext>
-            </p:extLst>
-          </p:nvPr>
-        </p:nvSpPr>
-        <p:spPr>
-          <a:xfrm>
-            <a:off x="234696" y="237744"/>
-            <a:ext cx="11722608" cy="6382512"/>
-          </a:xfrm>
-          <a:prstGeom prst="rect">
-            <a:avLst/>
-          </a:prstGeom>
-          <a:solidFill>
-            <a:schemeClr val="bg1">
-              <a:lumMod val="75000"/>
-              <a:alpha val="60000"/>
-            </a:schemeClr>
-          </a:solidFill>
-          <a:ln w="6350" cap="flat" cmpd="sng" algn="ctr">
-            <a:noFill/>
-            <a:prstDash val="solid"/>
-          </a:ln>
-          <a:effectLst>
-            <a:softEdge rad="0"/>
-          </a:effectLst>
-        </p:spPr>
-      </p:sp>
-      <p:sp>
-        <p:nvSpPr>
-          <p:cNvPr id="16" name="Rectangle 15">
-            <a:extLst>
-              <a:ext uri="{FF2B5EF4-FFF2-40B4-BE49-F238E27FC236}">
-                <a16:creationId xmlns:a16="http://schemas.microsoft.com/office/drawing/2014/main" id="{6683E473-94FF-4ACE-9433-1F14799E8907}"/>
-              </a:ext>
-              <a:ext uri="{C183D7F6-B498-43B3-948B-1728B52AA6E4}">
-                <adec:decorative xmlns:adec="http://schemas.microsoft.com/office/drawing/2017/decorative" val="1"/>
-              </a:ext>
-            </a:extLst>
-          </p:cNvPr>
-          <p:cNvSpPr>
-            <a:spLocks noGrp="1" noRot="1" noChangeAspect="1" noMove="1" noResize="1" noEditPoints="1" noAdjustHandles="1" noChangeArrowheads="1" noChangeShapeType="1" noTextEdit="1"/>
-          </p:cNvSpPr>
-          <p:nvPr>
-            <p:extLst>
-              <p:ext uri="{386F3935-93C4-4BCD-93E2-E3B085C9AB24}">
-                <p16:designElem xmlns:p16="http://schemas.microsoft.com/office/powerpoint/2015/main" val="1"/>
-              </p:ext>
-            </p:extLst>
-          </p:nvPr>
-        </p:nvSpPr>
-        <p:spPr>
-          <a:xfrm>
-            <a:off x="371856" y="374904"/>
-            <a:ext cx="11448288" cy="6108192"/>
-          </a:xfrm>
-          <a:prstGeom prst="rect">
-            <a:avLst/>
-          </a:prstGeom>
-          <a:noFill/>
-          <a:ln w="6350" cap="sq" cmpd="sng" algn="ctr">
-            <a:solidFill>
-              <a:schemeClr val="tx1">
-                <a:lumMod val="85000"/>
-                <a:lumOff val="15000"/>
-              </a:schemeClr>
-            </a:solidFill>
-            <a:prstDash val="solid"/>
-            <a:miter lim="800000"/>
-          </a:ln>
-          <a:effectLst/>
-        </p:spPr>
-      </p:sp>
-      <p:sp>
-        <p:nvSpPr>
-          <p:cNvPr id="18" name="Rectangle 17">
-            <a:extLst>
-              <a:ext uri="{FF2B5EF4-FFF2-40B4-BE49-F238E27FC236}">
-                <a16:creationId xmlns:a16="http://schemas.microsoft.com/office/drawing/2014/main" id="{282E2A95-1A08-4118-83C6-B1CA5648E075}"/>
-              </a:ext>
-              <a:ext uri="{C183D7F6-B498-43B3-948B-1728B52AA6E4}">
-                <adec:decorative xmlns:adec="http://schemas.microsoft.com/office/drawing/2017/decorative" val="1"/>
-              </a:ext>
-            </a:extLst>
-          </p:cNvPr>
-          <p:cNvSpPr>
-            <a:spLocks noGrp="1" noRot="1" noChangeAspect="1" noMove="1" noResize="1" noEditPoints="1" noAdjustHandles="1" noChangeArrowheads="1" noChangeShapeType="1" noTextEdit="1"/>
-          </p:cNvSpPr>
-          <p:nvPr>
-            <p:extLst>
-              <p:ext uri="{386F3935-93C4-4BCD-93E2-E3B085C9AB24}">
-                <p16:designElem xmlns:p16="http://schemas.microsoft.com/office/powerpoint/2015/main" val="1"/>
-              </p:ext>
-            </p:extLst>
-          </p:nvPr>
-        </p:nvSpPr>
-        <p:spPr>
-          <a:xfrm>
-            <a:off x="0" y="0"/>
-            <a:ext cx="12192000" cy="6858000"/>
-          </a:xfrm>
-          <a:prstGeom prst="rect">
-            <a:avLst/>
-          </a:prstGeom>
-          <a:ln>
-            <a:noFill/>
-          </a:ln>
-        </p:spPr>
-        <p:style>
-          <a:lnRef idx="2">
-            <a:schemeClr val="accent1">
-              <a:shade val="50000"/>
-            </a:schemeClr>
-          </a:lnRef>
-          <a:fillRef idx="1001">
-            <a:schemeClr val="lt1"/>
-          </a:fillRef>
-          <a:effectRef idx="0">
-            <a:schemeClr val="accent1"/>
-          </a:effectRef>
-          <a:fontRef idx="minor">
-            <a:schemeClr val="lt1"/>
-          </a:fontRef>
-        </p:style>
-        <p:txBody>
-          <a:bodyPr rtlCol="0" anchor="ctr"/>
-          <a:lstStyle/>
-          <a:p>
-            <a:pPr algn="ctr"/>
-            <a:endParaRPr lang="en-US"/>
-          </a:p>
-        </p:txBody>
-      </p:sp>
-      <p:sp>
-        <p:nvSpPr>
-          <p:cNvPr id="20" name="Rectangle 19">
-            <a:extLst>
-              <a:ext uri="{FF2B5EF4-FFF2-40B4-BE49-F238E27FC236}">
-                <a16:creationId xmlns:a16="http://schemas.microsoft.com/office/drawing/2014/main" id="{2FFEFC7E-85EE-4AC9-A351-FBEB13A1D622}"/>
-              </a:ext>
-              <a:ext uri="{C183D7F6-B498-43B3-948B-1728B52AA6E4}">
-                <adec:decorative xmlns:adec="http://schemas.microsoft.com/office/drawing/2017/decorative" val="1"/>
-              </a:ext>
-            </a:extLst>
-          </p:cNvPr>
-          <p:cNvSpPr>
-            <a:spLocks noGrp="1" noRot="1" noChangeAspect="1" noMove="1" noResize="1" noEditPoints="1" noAdjustHandles="1" noChangeArrowheads="1" noChangeShapeType="1" noTextEdit="1"/>
-          </p:cNvSpPr>
-          <p:nvPr>
-            <p:extLst>
-              <p:ext uri="{386F3935-93C4-4BCD-93E2-E3B085C9AB24}">
-                <p16:designElem xmlns:p16="http://schemas.microsoft.com/office/powerpoint/2015/main" val="1"/>
-              </p:ext>
-            </p:extLst>
-          </p:nvPr>
-        </p:nvSpPr>
-        <p:spPr>
-          <a:xfrm>
-            <a:off x="245534" y="237744"/>
-            <a:ext cx="2926080" cy="6382512"/>
-          </a:xfrm>
-          <a:prstGeom prst="rect">
-            <a:avLst/>
-          </a:prstGeom>
-          <a:solidFill>
-            <a:schemeClr val="bg1">
-              <a:lumMod val="75000"/>
-              <a:lumOff val="25000"/>
-            </a:schemeClr>
-          </a:solidFill>
-          <a:ln>
-            <a:noFill/>
-          </a:ln>
-        </p:spPr>
-        <p:style>
-          <a:lnRef idx="2">
-            <a:schemeClr val="accent1">
-              <a:shade val="50000"/>
-            </a:schemeClr>
-          </a:lnRef>
-          <a:fillRef idx="1">
-            <a:schemeClr val="accent1"/>
-          </a:fillRef>
-          <a:effectRef idx="0">
-            <a:schemeClr val="accent1"/>
-          </a:effectRef>
-          <a:fontRef idx="minor">
-            <a:schemeClr val="lt1"/>
-          </a:fontRef>
-        </p:style>
-      </p:sp>
-      <p:sp>
-        <p:nvSpPr>
-          <p:cNvPr id="22" name="Rectangle 21">
-            <a:extLst>
-              <a:ext uri="{FF2B5EF4-FFF2-40B4-BE49-F238E27FC236}">
-                <a16:creationId xmlns:a16="http://schemas.microsoft.com/office/drawing/2014/main" id="{CB2511BB-FC4C-45F3-94EB-661D6806C942}"/>
-              </a:ext>
-              <a:ext uri="{C183D7F6-B498-43B3-948B-1728B52AA6E4}">
-                <adec:decorative xmlns:adec="http://schemas.microsoft.com/office/drawing/2017/decorative" val="1"/>
-              </a:ext>
-            </a:extLst>
-          </p:cNvPr>
-          <p:cNvSpPr>
-            <a:spLocks noGrp="1" noRot="1" noChangeAspect="1" noMove="1" noResize="1" noEditPoints="1" noAdjustHandles="1" noChangeArrowheads="1" noChangeShapeType="1" noTextEdit="1"/>
-          </p:cNvSpPr>
-          <p:nvPr>
-            <p:extLst>
-              <p:ext uri="{386F3935-93C4-4BCD-93E2-E3B085C9AB24}">
-                <p16:designElem xmlns:p16="http://schemas.microsoft.com/office/powerpoint/2015/main" val="1"/>
-              </p:ext>
-            </p:extLst>
-          </p:nvPr>
-        </p:nvSpPr>
-        <p:spPr>
-          <a:xfrm>
-            <a:off x="419100" y="413053"/>
-            <a:ext cx="2616201" cy="6064596"/>
-          </a:xfrm>
-          <a:prstGeom prst="rect">
-            <a:avLst/>
-          </a:prstGeom>
-          <a:noFill/>
-          <a:ln w="6350">
-            <a:solidFill>
-              <a:schemeClr val="tx1">
-                <a:lumMod val="75000"/>
-                <a:lumOff val="25000"/>
-              </a:schemeClr>
-            </a:solidFill>
-          </a:ln>
-        </p:spPr>
-        <p:style>
-          <a:lnRef idx="2">
-            <a:schemeClr val="accent1">
-              <a:shade val="50000"/>
-            </a:schemeClr>
-          </a:lnRef>
-          <a:fillRef idx="1">
-            <a:schemeClr val="accent1"/>
-          </a:fillRef>
-          <a:effectRef idx="0">
-            <a:schemeClr val="accent1"/>
-          </a:effectRef>
-          <a:fontRef idx="minor">
-            <a:schemeClr val="lt1"/>
-          </a:fontRef>
-        </p:style>
-        <p:txBody>
-          <a:bodyPr rtlCol="0" anchor="ctr"/>
-          <a:lstStyle/>
-          <a:p>
-            <a:pPr algn="ctr"/>
-            <a:endParaRPr lang="en-US"/>
-          </a:p>
-        </p:txBody>
-      </p:sp>
-      <p:sp>
-        <p:nvSpPr>
-          <p:cNvPr id="2" name="Title 1">
-            <a:extLst>
-              <a:ext uri="{FF2B5EF4-FFF2-40B4-BE49-F238E27FC236}">
-                <a16:creationId xmlns:a16="http://schemas.microsoft.com/office/drawing/2014/main" id="{A78DA82A-1948-48FF-AF61-3CA713BC4CC9}"/>
-              </a:ext>
-            </a:extLst>
-          </p:cNvPr>
-          <p:cNvSpPr>
-            <a:spLocks noGrp="1"/>
-          </p:cNvSpPr>
-          <p:nvPr>
-            <p:ph type="title"/>
-          </p:nvPr>
-        </p:nvSpPr>
-        <p:spPr>
-          <a:xfrm>
-            <a:off x="570960" y="543340"/>
-            <a:ext cx="2312480" cy="1452516"/>
-          </a:xfrm>
-        </p:spPr>
-        <p:txBody>
-          <a:bodyPr vert="horz" lIns="91440" tIns="45720" rIns="91440" bIns="45720" rtlCol="0" anchor="b">
-            <a:normAutofit fontScale="90000"/>
-          </a:bodyPr>
-          <a:lstStyle/>
-          <a:p>
-            <a:r>
-              <a:rPr lang="en-US" sz="2800" dirty="0"/>
-              <a:t>Push Hard When Employment is Low</a:t>
-            </a:r>
-          </a:p>
-        </p:txBody>
-      </p:sp>
-      <p:sp>
-        <p:nvSpPr>
-          <p:cNvPr id="7" name="Content Placeholder 6">
-            <a:extLst>
-              <a:ext uri="{FF2B5EF4-FFF2-40B4-BE49-F238E27FC236}">
-                <a16:creationId xmlns:a16="http://schemas.microsoft.com/office/drawing/2014/main" id="{07307AA2-FF0A-4554-A7E9-144D63C1967F}"/>
-              </a:ext>
-            </a:extLst>
-          </p:cNvPr>
-          <p:cNvSpPr>
-            <a:spLocks noGrp="1"/>
-          </p:cNvSpPr>
-          <p:nvPr>
-            <p:ph sz="half" idx="2"/>
-          </p:nvPr>
-        </p:nvSpPr>
-        <p:spPr>
-          <a:xfrm>
-            <a:off x="552334" y="2133016"/>
-            <a:ext cx="2312479" cy="3719973"/>
-          </a:xfrm>
-        </p:spPr>
-        <p:txBody>
-          <a:bodyPr vert="horz" lIns="91440" tIns="45720" rIns="91440" bIns="45720" rtlCol="0">
-            <a:normAutofit fontScale="85000" lnSpcReduction="20000"/>
-          </a:bodyPr>
-          <a:lstStyle/>
-          <a:p>
-            <a:pPr>
-              <a:lnSpc>
-                <a:spcPct val="100000"/>
-              </a:lnSpc>
-            </a:pPr>
-            <a:r>
-              <a:rPr lang="en-US" sz="1400" dirty="0">
-                <a:solidFill>
-                  <a:schemeClr val="tx1">
-                    <a:lumMod val="85000"/>
-                    <a:lumOff val="15000"/>
-                  </a:schemeClr>
-                </a:solidFill>
-              </a:rPr>
-              <a:t>Undoubtedly, a very strong relationship</a:t>
-            </a:r>
-          </a:p>
-          <a:p>
-            <a:pPr>
-              <a:lnSpc>
-                <a:spcPct val="100000"/>
-              </a:lnSpc>
-            </a:pPr>
-            <a:r>
-              <a:rPr lang="en-US" sz="1400" dirty="0">
-                <a:solidFill>
-                  <a:schemeClr val="tx1">
-                    <a:lumMod val="85000"/>
-                    <a:lumOff val="15000"/>
-                  </a:schemeClr>
-                </a:solidFill>
-              </a:rPr>
-              <a:t>The underlying mechanism behind this relationship is unknown to me</a:t>
-            </a:r>
-          </a:p>
-          <a:p>
-            <a:pPr>
-              <a:lnSpc>
-                <a:spcPct val="100000"/>
-              </a:lnSpc>
-            </a:pPr>
-            <a:r>
-              <a:rPr lang="en-US" sz="1400" dirty="0">
-                <a:solidFill>
-                  <a:schemeClr val="tx1">
-                    <a:lumMod val="85000"/>
-                    <a:lumOff val="15000"/>
-                  </a:schemeClr>
-                </a:solidFill>
-              </a:rPr>
-              <a:t>A surprising discovery resulting from my model</a:t>
-            </a:r>
-          </a:p>
-          <a:p>
-            <a:pPr>
-              <a:lnSpc>
-                <a:spcPct val="100000"/>
-              </a:lnSpc>
-            </a:pPr>
-            <a:r>
-              <a:rPr lang="en-US" sz="1400" dirty="0">
-                <a:solidFill>
-                  <a:schemeClr val="tx1">
-                    <a:lumMod val="85000"/>
-                    <a:lumOff val="15000"/>
-                  </a:schemeClr>
-                </a:solidFill>
-              </a:rPr>
-              <a:t>What is the conversion rate for unemployed people?</a:t>
-            </a:r>
-          </a:p>
-          <a:p>
-            <a:pPr>
-              <a:lnSpc>
-                <a:spcPct val="100000"/>
-              </a:lnSpc>
-            </a:pPr>
-            <a:endParaRPr lang="en-US" sz="1400" dirty="0">
-              <a:solidFill>
-                <a:schemeClr val="tx1">
-                  <a:lumMod val="85000"/>
-                  <a:lumOff val="15000"/>
-                </a:schemeClr>
-              </a:solidFill>
-            </a:endParaRPr>
-          </a:p>
-          <a:p>
-            <a:pPr marL="0" indent="0">
-              <a:lnSpc>
-                <a:spcPct val="100000"/>
-              </a:lnSpc>
-              <a:buNone/>
-            </a:pPr>
-            <a:r>
-              <a:rPr lang="en-US" sz="1400" b="1" dirty="0">
-                <a:solidFill>
-                  <a:schemeClr val="tx1">
-                    <a:lumMod val="85000"/>
-                    <a:lumOff val="15000"/>
-                  </a:schemeClr>
-                </a:solidFill>
-              </a:rPr>
-              <a:t>Recommendation</a:t>
-            </a:r>
-            <a:r>
-              <a:rPr lang="en-US" sz="1400" dirty="0">
-                <a:solidFill>
-                  <a:schemeClr val="tx1">
-                    <a:lumMod val="85000"/>
-                    <a:lumOff val="15000"/>
-                  </a:schemeClr>
-                </a:solidFill>
-              </a:rPr>
-              <a:t>:</a:t>
-            </a:r>
-          </a:p>
-          <a:p>
-            <a:pPr marL="0" indent="0">
-              <a:lnSpc>
-                <a:spcPct val="100000"/>
-              </a:lnSpc>
-              <a:buNone/>
-            </a:pPr>
-            <a:r>
-              <a:rPr lang="en-US" sz="1400" dirty="0">
-                <a:solidFill>
-                  <a:schemeClr val="tx1">
-                    <a:lumMod val="85000"/>
-                    <a:lumOff val="15000"/>
-                  </a:schemeClr>
-                </a:solidFill>
-              </a:rPr>
-              <a:t>Pump resources into marketing when employment is </a:t>
-            </a:r>
-            <a:r>
-              <a:rPr lang="en-US" sz="1400" b="1" dirty="0">
-                <a:solidFill>
-                  <a:schemeClr val="tx1">
-                    <a:lumMod val="85000"/>
-                    <a:lumOff val="15000"/>
-                  </a:schemeClr>
-                </a:solidFill>
-              </a:rPr>
-              <a:t>low.</a:t>
-            </a:r>
-          </a:p>
-          <a:p>
-            <a:pPr marL="0" indent="0">
-              <a:lnSpc>
-                <a:spcPct val="100000"/>
-              </a:lnSpc>
-              <a:buNone/>
-            </a:pPr>
-            <a:r>
-              <a:rPr lang="en-US" sz="1400" dirty="0">
-                <a:solidFill>
-                  <a:schemeClr val="tx1">
-                    <a:lumMod val="85000"/>
-                    <a:lumOff val="15000"/>
-                  </a:schemeClr>
-                </a:solidFill>
-              </a:rPr>
-              <a:t>Relax your efforts when employment is </a:t>
-            </a:r>
-            <a:r>
-              <a:rPr lang="en-US" sz="1400" b="1" dirty="0">
-                <a:solidFill>
-                  <a:schemeClr val="tx1">
-                    <a:lumMod val="85000"/>
-                    <a:lumOff val="15000"/>
-                  </a:schemeClr>
-                </a:solidFill>
-              </a:rPr>
-              <a:t>high</a:t>
-            </a:r>
-            <a:r>
-              <a:rPr lang="en-US" sz="1400" dirty="0">
-                <a:solidFill>
-                  <a:schemeClr val="tx1">
-                    <a:lumMod val="85000"/>
-                    <a:lumOff val="15000"/>
-                  </a:schemeClr>
-                </a:solidFill>
-              </a:rPr>
-              <a:t>.</a:t>
-            </a:r>
-          </a:p>
-        </p:txBody>
-      </p:sp>
-      <p:sp>
-        <p:nvSpPr>
-          <p:cNvPr id="24" name="Rectangle 23">
-            <a:extLst>
-              <a:ext uri="{FF2B5EF4-FFF2-40B4-BE49-F238E27FC236}">
-                <a16:creationId xmlns:a16="http://schemas.microsoft.com/office/drawing/2014/main" id="{68DC0EC7-60EA-4BD3-BC04-D547DE1B2891}"/>
-              </a:ext>
-              <a:ext uri="{C183D7F6-B498-43B3-948B-1728B52AA6E4}">
-                <adec:decorative xmlns:adec="http://schemas.microsoft.com/office/drawing/2017/decorative" val="1"/>
-              </a:ext>
-            </a:extLst>
-          </p:cNvPr>
-          <p:cNvSpPr>
-            <a:spLocks noGrp="1" noRot="1" noChangeAspect="1" noMove="1" noResize="1" noEditPoints="1" noAdjustHandles="1" noChangeArrowheads="1" noChangeShapeType="1" noTextEdit="1"/>
-          </p:cNvSpPr>
-          <p:nvPr>
-            <p:extLst>
-              <p:ext uri="{386F3935-93C4-4BCD-93E2-E3B085C9AB24}">
-                <p16:designElem xmlns:p16="http://schemas.microsoft.com/office/powerpoint/2015/main" val="1"/>
-              </p:ext>
-            </p:extLst>
-          </p:nvPr>
-        </p:nvSpPr>
-        <p:spPr>
-          <a:xfrm>
-            <a:off x="3569764" y="413053"/>
-            <a:ext cx="8212114" cy="6064596"/>
-          </a:xfrm>
-          <a:prstGeom prst="rect">
-            <a:avLst/>
-          </a:prstGeom>
-          <a:noFill/>
-          <a:ln w="6350" cap="sq" cmpd="sng" algn="ctr">
-            <a:solidFill>
-              <a:srgbClr val="404040"/>
-            </a:solidFill>
-            <a:prstDash val="solid"/>
-            <a:miter lim="800000"/>
-          </a:ln>
-          <a:effectLst/>
-        </p:spPr>
-      </p:sp>
-      <p:pic>
-        <p:nvPicPr>
-          <p:cNvPr id="5" name="Content Placeholder 4">
-            <a:extLst>
-              <a:ext uri="{FF2B5EF4-FFF2-40B4-BE49-F238E27FC236}">
-                <a16:creationId xmlns:a16="http://schemas.microsoft.com/office/drawing/2014/main" id="{3E625C6F-15DC-4263-9F1F-1DC3FD1E0738}"/>
-              </a:ext>
-            </a:extLst>
-          </p:cNvPr>
-          <p:cNvPicPr>
-            <a:picLocks noGrp="1" noChangeAspect="1"/>
-          </p:cNvPicPr>
-          <p:nvPr>
-            <p:ph sz="half" idx="1"/>
-          </p:nvPr>
-        </p:nvPicPr>
-        <p:blipFill>
-          <a:blip r:embed="rId2">
-            <a:extLst>
-              <a:ext uri="{96DAC541-7B7A-43D3-8B79-37D633B846F1}">
-                <asvg:svgBlip xmlns:asvg="http://schemas.microsoft.com/office/drawing/2016/SVG/main" r:embed="rId3"/>
-              </a:ext>
-            </a:extLst>
-          </a:blip>
-          <a:stretch>
-            <a:fillRect/>
-          </a:stretch>
-        </p:blipFill>
-        <p:spPr>
-          <a:xfrm>
-            <a:off x="4344658" y="882398"/>
-            <a:ext cx="6647405" cy="5121612"/>
-          </a:xfrm>
-          <a:prstGeom prst="rect">
-            <a:avLst/>
-          </a:prstGeom>
-        </p:spPr>
-      </p:pic>
-    </p:spTree>
-    <p:extLst>
-      <p:ext uri="{BB962C8B-B14F-4D97-AF65-F5344CB8AC3E}">
-        <p14:creationId xmlns:p14="http://schemas.microsoft.com/office/powerpoint/2010/main" val="827849368"/>
-      </p:ext>
-    </p:extLst>
-  </p:cSld>
-  <p:clrMapOvr>
-    <a:overrideClrMapping bg1="dk1" tx1="lt1" bg2="dk2" tx2="lt2" accent1="accent1" accent2="accent2" accent3="accent3" accent4="accent4" accent5="accent5" accent6="accent6" hlink="hlink" folHlink="folHlink"/>
-  </p:clrMapOvr>
-</p:sld>
-</file>
-
-<file path=ppt/slides/slide6.xml><?xml version="1.0" encoding="utf-8"?>
-<p:sld xmlns:a="http://schemas.openxmlformats.org/drawingml/2006/main" xmlns:r="http://schemas.openxmlformats.org/officeDocument/2006/relationships" xmlns:p="http://schemas.openxmlformats.org/presentationml/2006/main">
-  <p:cSld>
-    <p:bg>
-      <p:bgPr>
-        <a:solidFill>
-          <a:schemeClr val="bg1"/>
-        </a:solidFill>
-        <a:effectLst/>
-      </p:bgPr>
-    </p:bg>
-    <p:spTree>
-      <p:nvGrpSpPr>
-        <p:cNvPr id="1" name=""/>
-        <p:cNvGrpSpPr/>
-        <p:nvPr/>
-      </p:nvGrpSpPr>
-      <p:grpSpPr>
-        <a:xfrm>
-          <a:off x="0" y="0"/>
-          <a:ext cx="0" cy="0"/>
-          <a:chOff x="0" y="0"/>
-          <a:chExt cx="0" cy="0"/>
-        </a:xfrm>
-      </p:grpSpPr>
-      <p:sp useBgFill="1">
-        <p:nvSpPr>
-          <p:cNvPr id="11" name="Rectangle 10">
-            <a:extLst>
-              <a:ext uri="{FF2B5EF4-FFF2-40B4-BE49-F238E27FC236}">
-                <a16:creationId xmlns:a16="http://schemas.microsoft.com/office/drawing/2014/main" id="{1E94681D-2A4C-4A8D-B9B5-31D440D0328D}"/>
-              </a:ext>
-              <a:ext uri="{C183D7F6-B498-43B3-948B-1728B52AA6E4}">
-                <adec:decorative xmlns:adec="http://schemas.microsoft.com/office/drawing/2017/decorative" val="1"/>
-              </a:ext>
-            </a:extLst>
-          </p:cNvPr>
-          <p:cNvSpPr>
-            <a:spLocks noGrp="1" noRot="1" noChangeAspect="1" noMove="1" noResize="1" noEditPoints="1" noAdjustHandles="1" noChangeArrowheads="1" noChangeShapeType="1" noTextEdit="1"/>
-          </p:cNvSpPr>
-          <p:nvPr>
-            <p:extLst>
-              <p:ext uri="{386F3935-93C4-4BCD-93E2-E3B085C9AB24}">
-                <p16:designElem xmlns:p16="http://schemas.microsoft.com/office/powerpoint/2015/main" val="1"/>
-              </p:ext>
-            </p:extLst>
-          </p:nvPr>
-        </p:nvSpPr>
-        <p:spPr>
-          <a:xfrm>
-            <a:off x="0" y="0"/>
-            <a:ext cx="12192000" cy="6858000"/>
-          </a:xfrm>
-          <a:prstGeom prst="rect">
-            <a:avLst/>
-          </a:prstGeom>
-          <a:ln>
-            <a:noFill/>
-          </a:ln>
-        </p:spPr>
-        <p:style>
-          <a:lnRef idx="2">
-            <a:schemeClr val="accent1">
-              <a:shade val="50000"/>
-            </a:schemeClr>
-          </a:lnRef>
-          <a:fillRef idx="1">
-            <a:schemeClr val="accent1"/>
-          </a:fillRef>
-          <a:effectRef idx="0">
-            <a:schemeClr val="accent1"/>
-          </a:effectRef>
-          <a:fontRef idx="minor">
-            <a:schemeClr val="lt1"/>
-          </a:fontRef>
-        </p:style>
-        <p:txBody>
-          <a:bodyPr rtlCol="0" anchor="ctr"/>
-          <a:lstStyle/>
-          <a:p>
-            <a:pPr algn="ctr"/>
-            <a:endParaRPr lang="en-US"/>
-          </a:p>
-        </p:txBody>
-      </p:sp>
-      <p:sp>
-        <p:nvSpPr>
-          <p:cNvPr id="13" name="Rectangle 12">
-            <a:extLst>
-              <a:ext uri="{FF2B5EF4-FFF2-40B4-BE49-F238E27FC236}">
-                <a16:creationId xmlns:a16="http://schemas.microsoft.com/office/drawing/2014/main" id="{04B7AC44-1B7B-4F09-9AA4-3DFDEC5751A8}"/>
-              </a:ext>
-              <a:ext uri="{C183D7F6-B498-43B3-948B-1728B52AA6E4}">
-                <adec:decorative xmlns:adec="http://schemas.microsoft.com/office/drawing/2017/decorative" val="1"/>
-              </a:ext>
-            </a:extLst>
-          </p:cNvPr>
-          <p:cNvSpPr>
-            <a:spLocks noGrp="1" noRot="1" noChangeAspect="1" noMove="1" noResize="1" noEditPoints="1" noAdjustHandles="1" noChangeArrowheads="1" noChangeShapeType="1" noTextEdit="1"/>
-          </p:cNvSpPr>
-          <p:nvPr>
-            <p:extLst>
-              <p:ext uri="{386F3935-93C4-4BCD-93E2-E3B085C9AB24}">
-                <p16:designElem xmlns:p16="http://schemas.microsoft.com/office/powerpoint/2015/main" val="1"/>
-              </p:ext>
-            </p:extLst>
-          </p:nvPr>
-        </p:nvSpPr>
-        <p:spPr>
-          <a:xfrm>
-            <a:off x="234696" y="237744"/>
-            <a:ext cx="11722608" cy="6382512"/>
-          </a:xfrm>
-          <a:prstGeom prst="rect">
-            <a:avLst/>
-          </a:prstGeom>
-          <a:solidFill>
-            <a:schemeClr val="bg1">
-              <a:lumMod val="75000"/>
-              <a:alpha val="60000"/>
-            </a:schemeClr>
-          </a:solidFill>
-          <a:ln w="6350" cap="flat" cmpd="sng" algn="ctr">
-            <a:noFill/>
-            <a:prstDash val="solid"/>
-          </a:ln>
-          <a:effectLst>
-            <a:softEdge rad="0"/>
-          </a:effectLst>
-        </p:spPr>
-      </p:sp>
-      <p:sp>
-        <p:nvSpPr>
-          <p:cNvPr id="15" name="Rectangle 14">
-            <a:extLst>
-              <a:ext uri="{FF2B5EF4-FFF2-40B4-BE49-F238E27FC236}">
-                <a16:creationId xmlns:a16="http://schemas.microsoft.com/office/drawing/2014/main" id="{6683E473-94FF-4ACE-9433-1F14799E8907}"/>
-              </a:ext>
-              <a:ext uri="{C183D7F6-B498-43B3-948B-1728B52AA6E4}">
-                <adec:decorative xmlns:adec="http://schemas.microsoft.com/office/drawing/2017/decorative" val="1"/>
-              </a:ext>
-            </a:extLst>
-          </p:cNvPr>
-          <p:cNvSpPr>
-            <a:spLocks noGrp="1" noRot="1" noChangeAspect="1" noMove="1" noResize="1" noEditPoints="1" noAdjustHandles="1" noChangeArrowheads="1" noChangeShapeType="1" noTextEdit="1"/>
-          </p:cNvSpPr>
-          <p:nvPr>
-            <p:extLst>
-              <p:ext uri="{386F3935-93C4-4BCD-93E2-E3B085C9AB24}">
-                <p16:designElem xmlns:p16="http://schemas.microsoft.com/office/powerpoint/2015/main" val="1"/>
-              </p:ext>
-            </p:extLst>
-          </p:nvPr>
-        </p:nvSpPr>
-        <p:spPr>
-          <a:xfrm>
-            <a:off x="371856" y="374904"/>
-            <a:ext cx="11448288" cy="6108192"/>
-          </a:xfrm>
-          <a:prstGeom prst="rect">
-            <a:avLst/>
-          </a:prstGeom>
-          <a:noFill/>
-          <a:ln w="6350" cap="sq" cmpd="sng" algn="ctr">
-            <a:solidFill>
-              <a:schemeClr val="tx1">
-                <a:lumMod val="85000"/>
-                <a:lumOff val="15000"/>
-              </a:schemeClr>
-            </a:solidFill>
-            <a:prstDash val="solid"/>
-            <a:miter lim="800000"/>
-          </a:ln>
-          <a:effectLst/>
-        </p:spPr>
-      </p:sp>
-      <p:sp>
-        <p:nvSpPr>
-          <p:cNvPr id="17" name="Rectangle 16">
-            <a:extLst>
-              <a:ext uri="{FF2B5EF4-FFF2-40B4-BE49-F238E27FC236}">
-                <a16:creationId xmlns:a16="http://schemas.microsoft.com/office/drawing/2014/main" id="{AEE537B6-098D-494F-9A54-F22CD09775CD}"/>
-              </a:ext>
-              <a:ext uri="{C183D7F6-B498-43B3-948B-1728B52AA6E4}">
-                <adec:decorative xmlns:adec="http://schemas.microsoft.com/office/drawing/2017/decorative" val="1"/>
-              </a:ext>
-            </a:extLst>
-          </p:cNvPr>
-          <p:cNvSpPr>
-            <a:spLocks noGrp="1" noRot="1" noChangeAspect="1" noMove="1" noResize="1" noEditPoints="1" noAdjustHandles="1" noChangeArrowheads="1" noChangeShapeType="1" noTextEdit="1"/>
-          </p:cNvSpPr>
-          <p:nvPr>
-            <p:extLst>
-              <p:ext uri="{386F3935-93C4-4BCD-93E2-E3B085C9AB24}">
-                <p16:designElem xmlns:p16="http://schemas.microsoft.com/office/powerpoint/2015/main" val="1"/>
-              </p:ext>
-            </p:extLst>
-          </p:nvPr>
-        </p:nvSpPr>
-        <p:spPr>
-          <a:xfrm>
-            <a:off x="-1866" y="0"/>
-            <a:ext cx="12193866" cy="6858000"/>
-          </a:xfrm>
-          <a:prstGeom prst="rect">
-            <a:avLst/>
-          </a:prstGeom>
-          <a:solidFill>
-            <a:srgbClr val="FFFFFF"/>
-          </a:solidFill>
-          <a:ln>
-            <a:noFill/>
-          </a:ln>
-        </p:spPr>
-        <p:style>
-          <a:lnRef idx="2">
-            <a:schemeClr val="accent1">
-              <a:shade val="50000"/>
-            </a:schemeClr>
-          </a:lnRef>
-          <a:fillRef idx="1">
-            <a:schemeClr val="accent1"/>
-          </a:fillRef>
-          <a:effectRef idx="0">
-            <a:schemeClr val="accent1"/>
-          </a:effectRef>
-          <a:fontRef idx="minor">
-            <a:schemeClr val="lt1"/>
-          </a:fontRef>
-        </p:style>
-        <p:txBody>
-          <a:bodyPr rtlCol="0" anchor="ctr"/>
-          <a:lstStyle/>
-          <a:p>
-            <a:pPr algn="ctr"/>
-            <a:endParaRPr lang="en-US"/>
-          </a:p>
-        </p:txBody>
-      </p:sp>
-      <p:sp>
-        <p:nvSpPr>
-          <p:cNvPr id="19" name="Rectangle 18">
-            <a:extLst>
-              <a:ext uri="{FF2B5EF4-FFF2-40B4-BE49-F238E27FC236}">
-                <a16:creationId xmlns:a16="http://schemas.microsoft.com/office/drawing/2014/main" id="{07328FD4-8F4F-45D0-B179-C09F34FF8E4F}"/>
-              </a:ext>
-              <a:ext uri="{C183D7F6-B498-43B3-948B-1728B52AA6E4}">
-                <adec:decorative xmlns:adec="http://schemas.microsoft.com/office/drawing/2017/decorative" val="1"/>
-              </a:ext>
-            </a:extLst>
-          </p:cNvPr>
-          <p:cNvSpPr>
-            <a:spLocks noGrp="1" noRot="1" noChangeAspect="1" noMove="1" noResize="1" noEditPoints="1" noAdjustHandles="1" noChangeArrowheads="1" noChangeShapeType="1" noTextEdit="1"/>
-          </p:cNvSpPr>
-          <p:nvPr>
-            <p:extLst>
-              <p:ext uri="{386F3935-93C4-4BCD-93E2-E3B085C9AB24}">
-                <p16:designElem xmlns:p16="http://schemas.microsoft.com/office/powerpoint/2015/main" val="1"/>
-              </p:ext>
-            </p:extLst>
-          </p:nvPr>
-        </p:nvSpPr>
-        <p:spPr>
-          <a:xfrm>
-            <a:off x="398082" y="407588"/>
-            <a:ext cx="5532146" cy="6066184"/>
-          </a:xfrm>
-          <a:prstGeom prst="rect">
-            <a:avLst/>
-          </a:prstGeom>
-          <a:noFill/>
-          <a:ln w="6350" cap="sq" cmpd="sng" algn="ctr">
-            <a:solidFill>
-              <a:srgbClr val="404040"/>
-            </a:solidFill>
-            <a:prstDash val="solid"/>
-            <a:miter lim="800000"/>
-          </a:ln>
-          <a:effectLst/>
-        </p:spPr>
-      </p:sp>
-      <p:pic>
-        <p:nvPicPr>
-          <p:cNvPr id="6" name="Content Placeholder 5">
-            <a:extLst>
-              <a:ext uri="{FF2B5EF4-FFF2-40B4-BE49-F238E27FC236}">
-                <a16:creationId xmlns:a16="http://schemas.microsoft.com/office/drawing/2014/main" id="{6BB53BDE-526E-48E3-89EE-27E1C6395E80}"/>
-              </a:ext>
-            </a:extLst>
-          </p:cNvPr>
-          <p:cNvPicPr>
-            <a:picLocks noGrp="1" noChangeAspect="1"/>
-          </p:cNvPicPr>
-          <p:nvPr>
-            <p:ph sz="half" idx="1"/>
-          </p:nvPr>
-        </p:nvPicPr>
-        <p:blipFill>
-          <a:blip r:embed="rId2">
-            <a:extLst>
-              <a:ext uri="{96DAC541-7B7A-43D3-8B79-37D633B846F1}">
-                <asvg:svgBlip xmlns:asvg="http://schemas.microsoft.com/office/drawing/2016/SVG/main" r:embed="rId3"/>
-              </a:ext>
-            </a:extLst>
-          </a:blip>
-          <a:stretch>
-            <a:fillRect/>
-          </a:stretch>
-        </p:blipFill>
-        <p:spPr>
-          <a:xfrm>
-            <a:off x="882713" y="1188292"/>
-            <a:ext cx="4572418" cy="4525879"/>
-          </a:xfrm>
-          <a:prstGeom prst="rect">
-            <a:avLst/>
-          </a:prstGeom>
-        </p:spPr>
-      </p:pic>
-      <p:sp>
-        <p:nvSpPr>
-          <p:cNvPr id="21" name="Rectangle 20">
-            <a:extLst>
-              <a:ext uri="{FF2B5EF4-FFF2-40B4-BE49-F238E27FC236}">
-                <a16:creationId xmlns:a16="http://schemas.microsoft.com/office/drawing/2014/main" id="{4D22A8B8-E29F-4EB2-95D4-3C24EF234786}"/>
-              </a:ext>
-              <a:ext uri="{C183D7F6-B498-43B3-948B-1728B52AA6E4}">
-                <adec:decorative xmlns:adec="http://schemas.microsoft.com/office/drawing/2017/decorative" val="1"/>
-              </a:ext>
-            </a:extLst>
-          </p:cNvPr>
-          <p:cNvSpPr>
-            <a:spLocks noGrp="1" noRot="1" noChangeAspect="1" noMove="1" noResize="1" noEditPoints="1" noAdjustHandles="1" noChangeArrowheads="1" noChangeShapeType="1" noTextEdit="1"/>
-          </p:cNvSpPr>
-          <p:nvPr>
-            <p:extLst>
-              <p:ext uri="{386F3935-93C4-4BCD-93E2-E3B085C9AB24}">
-                <p16:designElem xmlns:p16="http://schemas.microsoft.com/office/powerpoint/2015/main" val="1"/>
-              </p:ext>
-            </p:extLst>
-          </p:nvPr>
-        </p:nvSpPr>
-        <p:spPr>
-          <a:xfrm>
-            <a:off x="6339709" y="253548"/>
-            <a:ext cx="5612193" cy="6361598"/>
-          </a:xfrm>
-          <a:prstGeom prst="rect">
-            <a:avLst/>
-          </a:prstGeom>
-          <a:solidFill>
-            <a:schemeClr val="bg1">
-              <a:lumMod val="85000"/>
-              <a:alpha val="60000"/>
-            </a:schemeClr>
-          </a:solidFill>
-          <a:ln>
-            <a:noFill/>
-          </a:ln>
-        </p:spPr>
-        <p:style>
-          <a:lnRef idx="2">
-            <a:schemeClr val="accent1">
-              <a:shade val="50000"/>
-            </a:schemeClr>
-          </a:lnRef>
-          <a:fillRef idx="1">
-            <a:schemeClr val="accent1"/>
-          </a:fillRef>
-          <a:effectRef idx="0">
-            <a:schemeClr val="accent1"/>
-          </a:effectRef>
-          <a:fontRef idx="minor">
-            <a:schemeClr val="lt1"/>
-          </a:fontRef>
-        </p:style>
-        <p:txBody>
-          <a:bodyPr rtlCol="0" anchor="ctr"/>
-          <a:lstStyle/>
-          <a:p>
-            <a:pPr algn="ctr"/>
-            <a:endParaRPr lang="en-US"/>
-          </a:p>
-        </p:txBody>
-      </p:sp>
-      <p:sp>
-        <p:nvSpPr>
-          <p:cNvPr id="23" name="Rectangle 22">
-            <a:extLst>
-              <a:ext uri="{FF2B5EF4-FFF2-40B4-BE49-F238E27FC236}">
-                <a16:creationId xmlns:a16="http://schemas.microsoft.com/office/drawing/2014/main" id="{451EF9F5-BAA7-45A5-BD84-F3184FCED115}"/>
-              </a:ext>
-              <a:ext uri="{C183D7F6-B498-43B3-948B-1728B52AA6E4}">
-                <adec:decorative xmlns:adec="http://schemas.microsoft.com/office/drawing/2017/decorative" val="1"/>
-              </a:ext>
-            </a:extLst>
-          </p:cNvPr>
-          <p:cNvSpPr>
-            <a:spLocks noGrp="1" noRot="1" noChangeAspect="1" noMove="1" noResize="1" noEditPoints="1" noAdjustHandles="1" noChangeArrowheads="1" noChangeShapeType="1" noTextEdit="1"/>
-          </p:cNvSpPr>
-          <p:nvPr>
-            <p:extLst>
-              <p:ext uri="{386F3935-93C4-4BCD-93E2-E3B085C9AB24}">
-                <p16:designElem xmlns:p16="http://schemas.microsoft.com/office/powerpoint/2015/main" val="1"/>
-              </p:ext>
-            </p:extLst>
-          </p:nvPr>
-        </p:nvSpPr>
-        <p:spPr>
-          <a:xfrm>
-            <a:off x="6487542" y="407588"/>
-            <a:ext cx="5299768" cy="6022878"/>
-          </a:xfrm>
-          <a:prstGeom prst="rect">
-            <a:avLst/>
-          </a:prstGeom>
-          <a:noFill/>
-          <a:ln w="6350">
-            <a:solidFill>
-              <a:schemeClr val="tx1">
-                <a:lumMod val="75000"/>
-                <a:lumOff val="25000"/>
-              </a:schemeClr>
-            </a:solidFill>
-          </a:ln>
-        </p:spPr>
-        <p:style>
-          <a:lnRef idx="2">
-            <a:schemeClr val="accent1">
-              <a:shade val="50000"/>
-            </a:schemeClr>
-          </a:lnRef>
-          <a:fillRef idx="1">
-            <a:schemeClr val="accent1"/>
-          </a:fillRef>
-          <a:effectRef idx="0">
-            <a:schemeClr val="accent1"/>
-          </a:effectRef>
-          <a:fontRef idx="minor">
-            <a:schemeClr val="lt1"/>
-          </a:fontRef>
-        </p:style>
-        <p:txBody>
-          <a:bodyPr rtlCol="0" anchor="ctr"/>
-          <a:lstStyle/>
-          <a:p>
-            <a:pPr algn="ctr"/>
-            <a:endParaRPr lang="en-US"/>
-          </a:p>
-        </p:txBody>
-      </p:sp>
-      <p:sp>
-        <p:nvSpPr>
-          <p:cNvPr id="2" name="Title 1">
-            <a:extLst>
-              <a:ext uri="{FF2B5EF4-FFF2-40B4-BE49-F238E27FC236}">
-                <a16:creationId xmlns:a16="http://schemas.microsoft.com/office/drawing/2014/main" id="{8F3BB156-0657-4F0C-897D-DE67A2407AA1}"/>
-              </a:ext>
-            </a:extLst>
-          </p:cNvPr>
-          <p:cNvSpPr>
-            <a:spLocks noGrp="1"/>
-          </p:cNvSpPr>
-          <p:nvPr>
-            <p:ph type="title"/>
-          </p:nvPr>
-        </p:nvSpPr>
-        <p:spPr>
-          <a:xfrm>
-            <a:off x="6846137" y="727626"/>
-            <a:ext cx="4602152" cy="1718225"/>
-          </a:xfrm>
-        </p:spPr>
-        <p:txBody>
-          <a:bodyPr vert="horz" lIns="91440" tIns="45720" rIns="91440" bIns="45720" rtlCol="0" anchor="ctr">
-            <a:noAutofit/>
-          </a:bodyPr>
-          <a:lstStyle/>
-          <a:p>
-            <a:r>
-              <a:rPr lang="en-US" dirty="0"/>
-              <a:t>Unemployed People Don’t Invest</a:t>
-            </a:r>
-          </a:p>
-        </p:txBody>
-      </p:sp>
-      <p:sp>
-        <p:nvSpPr>
-          <p:cNvPr id="4" name="Content Placeholder 3">
-            <a:extLst>
-              <a:ext uri="{FF2B5EF4-FFF2-40B4-BE49-F238E27FC236}">
-                <a16:creationId xmlns:a16="http://schemas.microsoft.com/office/drawing/2014/main" id="{B821D5EA-3197-4185-A5DF-295564612957}"/>
-              </a:ext>
-            </a:extLst>
-          </p:cNvPr>
-          <p:cNvSpPr>
-            <a:spLocks noGrp="1"/>
-          </p:cNvSpPr>
-          <p:nvPr>
-            <p:ph sz="half" idx="2"/>
-          </p:nvPr>
-        </p:nvSpPr>
-        <p:spPr>
-          <a:xfrm>
-            <a:off x="6846137" y="2538919"/>
-            <a:ext cx="4602152" cy="3557805"/>
-          </a:xfrm>
-        </p:spPr>
-        <p:txBody>
-          <a:bodyPr vert="horz" lIns="91440" tIns="45720" rIns="91440" bIns="45720" rtlCol="0">
-            <a:normAutofit/>
-          </a:bodyPr>
-          <a:lstStyle/>
-          <a:p>
-            <a:pPr>
-              <a:lnSpc>
-                <a:spcPct val="100000"/>
-              </a:lnSpc>
-            </a:pPr>
-            <a:r>
-              <a:rPr lang="en-US" sz="1600" dirty="0"/>
-              <a:t>The conversion rate for the unemployed is surprisingly high, but not that high</a:t>
-            </a:r>
-          </a:p>
-          <a:p>
-            <a:pPr>
-              <a:lnSpc>
-                <a:spcPct val="100000"/>
-              </a:lnSpc>
-            </a:pPr>
-            <a:r>
-              <a:rPr lang="en-US" sz="1600" dirty="0"/>
-              <a:t>The total sales to unemployed people is predictably low</a:t>
-            </a:r>
-          </a:p>
-          <a:p>
-            <a:pPr>
-              <a:lnSpc>
-                <a:spcPct val="100000"/>
-              </a:lnSpc>
-            </a:pPr>
-            <a:r>
-              <a:rPr lang="en-US" sz="1600" dirty="0"/>
-              <a:t>Students and retirees have the highest average conversion rate</a:t>
-            </a:r>
-          </a:p>
-          <a:p>
-            <a:pPr>
-              <a:lnSpc>
-                <a:spcPct val="100000"/>
-              </a:lnSpc>
-            </a:pPr>
-            <a:r>
-              <a:rPr lang="en-US" sz="1600" dirty="0"/>
-              <a:t>Administrators and technicians have the highest total sales</a:t>
-            </a:r>
-          </a:p>
-        </p:txBody>
-      </p:sp>
-    </p:spTree>
-    <p:extLst>
-      <p:ext uri="{BB962C8B-B14F-4D97-AF65-F5344CB8AC3E}">
-        <p14:creationId xmlns:p14="http://schemas.microsoft.com/office/powerpoint/2010/main" val="3814493540"/>
-      </p:ext>
-    </p:extLst>
-  </p:cSld>
-  <p:clrMapOvr>
-    <a:masterClrMapping/>
-  </p:clrMapOvr>
-</p:sld>
-</file>
-
-<file path=ppt/slides/slide7.xml><?xml version="1.0" encoding="utf-8"?>
-<p:sld xmlns:a="http://schemas.openxmlformats.org/drawingml/2006/main" xmlns:r="http://schemas.openxmlformats.org/officeDocument/2006/relationships" xmlns:p="http://schemas.openxmlformats.org/presentationml/2006/main">
-  <p:cSld>
-    <p:bg>
-      <p:bgPr>
-        <a:solidFill>
-          <a:schemeClr val="bg1"/>
-        </a:solidFill>
-        <a:effectLst/>
-      </p:bgPr>
-    </p:bg>
-    <p:spTree>
-      <p:nvGrpSpPr>
-        <p:cNvPr id="1" name=""/>
-        <p:cNvGrpSpPr/>
-        <p:nvPr/>
-      </p:nvGrpSpPr>
-      <p:grpSpPr>
-        <a:xfrm>
-          <a:off x="0" y="0"/>
-          <a:ext cx="0" cy="0"/>
-          <a:chOff x="0" y="0"/>
-          <a:chExt cx="0" cy="0"/>
-        </a:xfrm>
-      </p:grpSpPr>
-      <p:sp useBgFill="1">
-        <p:nvSpPr>
-          <p:cNvPr id="41" name="Rectangle 40">
-            <a:extLst>
-              <a:ext uri="{FF2B5EF4-FFF2-40B4-BE49-F238E27FC236}">
-                <a16:creationId xmlns:a16="http://schemas.microsoft.com/office/drawing/2014/main" id="{1E94681D-2A4C-4A8D-B9B5-31D440D0328D}"/>
-              </a:ext>
-              <a:ext uri="{C183D7F6-B498-43B3-948B-1728B52AA6E4}">
-                <adec:decorative xmlns:adec="http://schemas.microsoft.com/office/drawing/2017/decorative" val="1"/>
-              </a:ext>
-            </a:extLst>
-          </p:cNvPr>
-          <p:cNvSpPr>
-            <a:spLocks noGrp="1" noRot="1" noChangeAspect="1" noMove="1" noResize="1" noEditPoints="1" noAdjustHandles="1" noChangeArrowheads="1" noChangeShapeType="1" noTextEdit="1"/>
-          </p:cNvSpPr>
-          <p:nvPr>
-            <p:extLst>
-              <p:ext uri="{386F3935-93C4-4BCD-93E2-E3B085C9AB24}">
-                <p16:designElem xmlns:p16="http://schemas.microsoft.com/office/powerpoint/2015/main" val="1"/>
-              </p:ext>
-            </p:extLst>
-          </p:nvPr>
-        </p:nvSpPr>
-        <p:spPr>
-          <a:xfrm>
-            <a:off x="0" y="0"/>
-            <a:ext cx="12192000" cy="6858000"/>
-          </a:xfrm>
-          <a:prstGeom prst="rect">
-            <a:avLst/>
-          </a:prstGeom>
-          <a:ln>
-            <a:noFill/>
-          </a:ln>
-        </p:spPr>
-        <p:style>
-          <a:lnRef idx="2">
-            <a:schemeClr val="accent1">
-              <a:shade val="50000"/>
-            </a:schemeClr>
-          </a:lnRef>
-          <a:fillRef idx="1">
-            <a:schemeClr val="accent1"/>
-          </a:fillRef>
-          <a:effectRef idx="0">
-            <a:schemeClr val="accent1"/>
-          </a:effectRef>
-          <a:fontRef idx="minor">
-            <a:schemeClr val="lt1"/>
-          </a:fontRef>
-        </p:style>
-        <p:txBody>
-          <a:bodyPr rtlCol="0" anchor="ctr"/>
-          <a:lstStyle/>
-          <a:p>
-            <a:pPr algn="ctr"/>
-            <a:endParaRPr lang="en-US"/>
-          </a:p>
-        </p:txBody>
-      </p:sp>
-      <p:sp>
-        <p:nvSpPr>
-          <p:cNvPr id="43" name="Rectangle 42">
-            <a:extLst>
-              <a:ext uri="{FF2B5EF4-FFF2-40B4-BE49-F238E27FC236}">
-                <a16:creationId xmlns:a16="http://schemas.microsoft.com/office/drawing/2014/main" id="{7CBCD26A-BD2E-4E94-A8F8-A4B67923FDFA}"/>
-              </a:ext>
-              <a:ext uri="{C183D7F6-B498-43B3-948B-1728B52AA6E4}">
-                <adec:decorative xmlns:adec="http://schemas.microsoft.com/office/drawing/2017/decorative" val="1"/>
-              </a:ext>
-            </a:extLst>
-          </p:cNvPr>
-          <p:cNvSpPr>
-            <a:spLocks noGrp="1" noRot="1" noChangeAspect="1" noMove="1" noResize="1" noEditPoints="1" noAdjustHandles="1" noChangeArrowheads="1" noChangeShapeType="1" noTextEdit="1"/>
-          </p:cNvSpPr>
-          <p:nvPr>
-            <p:extLst>
-              <p:ext uri="{386F3935-93C4-4BCD-93E2-E3B085C9AB24}">
-                <p16:designElem xmlns:p16="http://schemas.microsoft.com/office/powerpoint/2015/main" val="1"/>
-              </p:ext>
-            </p:extLst>
-          </p:nvPr>
-        </p:nvSpPr>
-        <p:spPr>
-          <a:xfrm>
-            <a:off x="234696" y="237744"/>
-            <a:ext cx="11722608" cy="6382512"/>
-          </a:xfrm>
-          <a:prstGeom prst="rect">
-            <a:avLst/>
-          </a:prstGeom>
-          <a:solidFill>
-            <a:schemeClr val="bg1">
-              <a:lumMod val="75000"/>
-              <a:alpha val="60000"/>
-            </a:schemeClr>
-          </a:solidFill>
-          <a:ln w="6350" cap="flat" cmpd="sng" algn="ctr">
-            <a:noFill/>
-            <a:prstDash val="solid"/>
-          </a:ln>
-          <a:effectLst>
-            <a:softEdge rad="0"/>
-          </a:effectLst>
-        </p:spPr>
-      </p:sp>
-      <p:sp>
-        <p:nvSpPr>
-          <p:cNvPr id="45" name="Rectangle 44">
-            <a:extLst>
-              <a:ext uri="{FF2B5EF4-FFF2-40B4-BE49-F238E27FC236}">
-                <a16:creationId xmlns:a16="http://schemas.microsoft.com/office/drawing/2014/main" id="{ED0D337F-FB00-4E19-BBDA-8485C8ABB506}"/>
-              </a:ext>
-              <a:ext uri="{C183D7F6-B498-43B3-948B-1728B52AA6E4}">
-                <adec:decorative xmlns:adec="http://schemas.microsoft.com/office/drawing/2017/decorative" val="1"/>
-              </a:ext>
-            </a:extLst>
-          </p:cNvPr>
-          <p:cNvSpPr>
-            <a:spLocks noGrp="1" noRot="1" noChangeAspect="1" noMove="1" noResize="1" noEditPoints="1" noAdjustHandles="1" noChangeArrowheads="1" noChangeShapeType="1" noTextEdit="1"/>
-          </p:cNvSpPr>
-          <p:nvPr>
-            <p:extLst>
-              <p:ext uri="{386F3935-93C4-4BCD-93E2-E3B085C9AB24}">
-                <p16:designElem xmlns:p16="http://schemas.microsoft.com/office/powerpoint/2015/main" val="1"/>
-              </p:ext>
-            </p:extLst>
-          </p:nvPr>
-        </p:nvSpPr>
-        <p:spPr>
-          <a:xfrm>
-            <a:off x="371856" y="374904"/>
-            <a:ext cx="11448288" cy="6108192"/>
-          </a:xfrm>
-          <a:prstGeom prst="rect">
-            <a:avLst/>
-          </a:prstGeom>
-          <a:noFill/>
-          <a:ln w="6350" cap="sq" cmpd="sng" algn="ctr">
-            <a:solidFill>
-              <a:schemeClr val="tx1">
-                <a:lumMod val="85000"/>
-                <a:lumOff val="15000"/>
-              </a:schemeClr>
-            </a:solidFill>
-            <a:prstDash val="solid"/>
-            <a:miter lim="800000"/>
-          </a:ln>
-          <a:effectLst/>
-        </p:spPr>
-      </p:sp>
-      <p:sp useBgFill="1">
-        <p:nvSpPr>
-          <p:cNvPr id="47" name="Rectangle 46">
-            <a:extLst>
-              <a:ext uri="{FF2B5EF4-FFF2-40B4-BE49-F238E27FC236}">
-                <a16:creationId xmlns:a16="http://schemas.microsoft.com/office/drawing/2014/main" id="{78632963-757B-40C2-BB84-FC6107A54DAD}"/>
-              </a:ext>
-              <a:ext uri="{C183D7F6-B498-43B3-948B-1728B52AA6E4}">
-                <adec:decorative xmlns:adec="http://schemas.microsoft.com/office/drawing/2017/decorative" val="1"/>
-              </a:ext>
-            </a:extLst>
-          </p:cNvPr>
-          <p:cNvSpPr>
-            <a:spLocks noGrp="1" noRot="1" noChangeAspect="1" noMove="1" noResize="1" noEditPoints="1" noAdjustHandles="1" noChangeArrowheads="1" noChangeShapeType="1" noTextEdit="1"/>
-          </p:cNvSpPr>
-          <p:nvPr>
-            <p:extLst>
-              <p:ext uri="{386F3935-93C4-4BCD-93E2-E3B085C9AB24}">
-                <p16:designElem xmlns:p16="http://schemas.microsoft.com/office/powerpoint/2015/main" val="1"/>
-              </p:ext>
-            </p:extLst>
-          </p:nvPr>
-        </p:nvSpPr>
-        <p:spPr>
-          <a:xfrm>
-            <a:off x="-1866" y="0"/>
-            <a:ext cx="12193866" cy="6858000"/>
-          </a:xfrm>
-          <a:prstGeom prst="rect">
-            <a:avLst/>
-          </a:prstGeom>
-          <a:ln>
-            <a:noFill/>
-          </a:ln>
-        </p:spPr>
-        <p:style>
-          <a:lnRef idx="2">
-            <a:schemeClr val="accent1">
-              <a:shade val="50000"/>
-            </a:schemeClr>
-          </a:lnRef>
-          <a:fillRef idx="1">
-            <a:schemeClr val="accent1"/>
-          </a:fillRef>
-          <a:effectRef idx="0">
-            <a:schemeClr val="accent1"/>
-          </a:effectRef>
-          <a:fontRef idx="minor">
-            <a:schemeClr val="lt1"/>
-          </a:fontRef>
-        </p:style>
-        <p:txBody>
-          <a:bodyPr rtlCol="0" anchor="ctr"/>
-          <a:lstStyle/>
-          <a:p>
-            <a:pPr algn="ctr"/>
-            <a:endParaRPr lang="en-US" dirty="0"/>
-          </a:p>
-        </p:txBody>
-      </p:sp>
-      <p:sp>
-        <p:nvSpPr>
-          <p:cNvPr id="49" name="Rectangle 48">
-            <a:extLst>
-              <a:ext uri="{FF2B5EF4-FFF2-40B4-BE49-F238E27FC236}">
-                <a16:creationId xmlns:a16="http://schemas.microsoft.com/office/drawing/2014/main" id="{2853AE55-7E35-44B0-89F1-3F52B262AF33}"/>
-              </a:ext>
-              <a:ext uri="{C183D7F6-B498-43B3-948B-1728B52AA6E4}">
-                <adec:decorative xmlns:adec="http://schemas.microsoft.com/office/drawing/2017/decorative" val="1"/>
-              </a:ext>
-            </a:extLst>
-          </p:cNvPr>
-          <p:cNvSpPr>
-            <a:spLocks noGrp="1" noRot="1" noChangeAspect="1" noMove="1" noResize="1" noEditPoints="1" noAdjustHandles="1" noChangeArrowheads="1" noChangeShapeType="1" noTextEdit="1"/>
-          </p:cNvSpPr>
-          <p:nvPr>
-            <p:extLst>
-              <p:ext uri="{386F3935-93C4-4BCD-93E2-E3B085C9AB24}">
-                <p16:designElem xmlns:p16="http://schemas.microsoft.com/office/powerpoint/2015/main" val="1"/>
-              </p:ext>
-            </p:extLst>
-          </p:nvPr>
-        </p:nvSpPr>
-        <p:spPr>
-          <a:xfrm>
-            <a:off x="6339709" y="253548"/>
-            <a:ext cx="5612193" cy="6361598"/>
-          </a:xfrm>
-          <a:prstGeom prst="rect">
-            <a:avLst/>
-          </a:prstGeom>
-          <a:solidFill>
-            <a:schemeClr val="bg1">
-              <a:lumMod val="75000"/>
-              <a:alpha val="60000"/>
-            </a:schemeClr>
-          </a:solidFill>
-          <a:ln>
-            <a:noFill/>
-          </a:ln>
-        </p:spPr>
-        <p:style>
-          <a:lnRef idx="2">
-            <a:schemeClr val="accent1">
-              <a:shade val="50000"/>
-            </a:schemeClr>
-          </a:lnRef>
-          <a:fillRef idx="1">
-            <a:schemeClr val="accent1"/>
-          </a:fillRef>
-          <a:effectRef idx="0">
-            <a:schemeClr val="accent1"/>
-          </a:effectRef>
-          <a:fontRef idx="minor">
-            <a:schemeClr val="lt1"/>
-          </a:fontRef>
-        </p:style>
-        <p:txBody>
-          <a:bodyPr rtlCol="0" anchor="ctr"/>
-          <a:lstStyle/>
-          <a:p>
-            <a:pPr algn="ctr"/>
-            <a:endParaRPr lang="en-US"/>
-          </a:p>
-        </p:txBody>
-      </p:sp>
-      <p:sp>
-        <p:nvSpPr>
-          <p:cNvPr id="51" name="Rectangle 50">
-            <a:extLst>
-              <a:ext uri="{FF2B5EF4-FFF2-40B4-BE49-F238E27FC236}">
-                <a16:creationId xmlns:a16="http://schemas.microsoft.com/office/drawing/2014/main" id="{DBC4BE4D-4B50-4F51-9F85-4B5D60B02D81}"/>
-              </a:ext>
-              <a:ext uri="{C183D7F6-B498-43B3-948B-1728B52AA6E4}">
-                <adec:decorative xmlns:adec="http://schemas.microsoft.com/office/drawing/2017/decorative" val="1"/>
-              </a:ext>
-            </a:extLst>
-          </p:cNvPr>
-          <p:cNvSpPr>
-            <a:spLocks noGrp="1" noRot="1" noChangeAspect="1" noMove="1" noResize="1" noEditPoints="1" noAdjustHandles="1" noChangeArrowheads="1" noChangeShapeType="1" noTextEdit="1"/>
-          </p:cNvSpPr>
-          <p:nvPr>
-            <p:extLst>
-              <p:ext uri="{386F3935-93C4-4BCD-93E2-E3B085C9AB24}">
-                <p16:designElem xmlns:p16="http://schemas.microsoft.com/office/powerpoint/2015/main" val="1"/>
-              </p:ext>
-            </p:extLst>
-          </p:nvPr>
-        </p:nvSpPr>
-        <p:spPr>
-          <a:xfrm>
-            <a:off x="6487542" y="407588"/>
-            <a:ext cx="5299768" cy="6022878"/>
-          </a:xfrm>
-          <a:prstGeom prst="rect">
-            <a:avLst/>
-          </a:prstGeom>
-          <a:noFill/>
-          <a:ln w="6350">
-            <a:solidFill>
-              <a:schemeClr val="tx1">
-                <a:lumMod val="75000"/>
-                <a:lumOff val="25000"/>
-              </a:schemeClr>
-            </a:solidFill>
-          </a:ln>
-        </p:spPr>
-        <p:style>
-          <a:lnRef idx="2">
-            <a:schemeClr val="accent1">
-              <a:shade val="50000"/>
-            </a:schemeClr>
-          </a:lnRef>
-          <a:fillRef idx="1">
-            <a:schemeClr val="accent1"/>
-          </a:fillRef>
-          <a:effectRef idx="0">
-            <a:schemeClr val="accent1"/>
-          </a:effectRef>
-          <a:fontRef idx="minor">
-            <a:schemeClr val="lt1"/>
-          </a:fontRef>
-        </p:style>
-        <p:txBody>
-          <a:bodyPr rtlCol="0" anchor="ctr"/>
-          <a:lstStyle/>
-          <a:p>
-            <a:pPr algn="ctr"/>
-            <a:endParaRPr lang="en-US"/>
-          </a:p>
-        </p:txBody>
-      </p:sp>
-      <p:sp>
-        <p:nvSpPr>
-          <p:cNvPr id="2" name="Title 1">
-            <a:extLst>
-              <a:ext uri="{FF2B5EF4-FFF2-40B4-BE49-F238E27FC236}">
-                <a16:creationId xmlns:a16="http://schemas.microsoft.com/office/drawing/2014/main" id="{D1377214-098C-43FD-85FB-541E1A269C81}"/>
-              </a:ext>
-            </a:extLst>
-          </p:cNvPr>
-          <p:cNvSpPr>
-            <a:spLocks noGrp="1"/>
-          </p:cNvSpPr>
-          <p:nvPr>
-            <p:ph type="title"/>
-          </p:nvPr>
-        </p:nvSpPr>
-        <p:spPr>
-          <a:xfrm>
-            <a:off x="6846137" y="804073"/>
-            <a:ext cx="4602152" cy="1345449"/>
-          </a:xfrm>
-        </p:spPr>
-        <p:txBody>
-          <a:bodyPr vert="horz" lIns="91440" tIns="45720" rIns="91440" bIns="45720" rtlCol="0" anchor="ctr">
-            <a:normAutofit/>
-          </a:bodyPr>
-          <a:lstStyle/>
-          <a:p>
-            <a:r>
-              <a:rPr lang="en-US" sz="3700"/>
-              <a:t>Previous Success is a Major Predictor</a:t>
-            </a:r>
-          </a:p>
-        </p:txBody>
-      </p:sp>
-      <p:pic>
-        <p:nvPicPr>
-          <p:cNvPr id="21" name="Graphic 20">
-            <a:extLst>
-              <a:ext uri="{FF2B5EF4-FFF2-40B4-BE49-F238E27FC236}">
-                <a16:creationId xmlns:a16="http://schemas.microsoft.com/office/drawing/2014/main" id="{59AF7B45-6BF6-40D7-9D2B-2C2550B33D06}"/>
-              </a:ext>
-            </a:extLst>
-          </p:cNvPr>
-          <p:cNvPicPr>
-            <a:picLocks noChangeAspect="1"/>
-          </p:cNvPicPr>
-          <p:nvPr/>
-        </p:nvPicPr>
-        <p:blipFill>
-          <a:blip r:embed="rId2">
-            <a:extLst>
-              <a:ext uri="{96DAC541-7B7A-43D3-8B79-37D633B846F1}">
-                <asvg:svgBlip xmlns:asvg="http://schemas.microsoft.com/office/drawing/2016/SVG/main" r:embed="rId3"/>
-              </a:ext>
-            </a:extLst>
-          </a:blip>
-          <a:stretch>
-            <a:fillRect/>
-          </a:stretch>
-        </p:blipFill>
-        <p:spPr>
-          <a:xfrm>
-            <a:off x="466533" y="715226"/>
-            <a:ext cx="5299770" cy="2592338"/>
-          </a:xfrm>
-          <a:prstGeom prst="rect">
-            <a:avLst/>
-          </a:prstGeom>
-        </p:spPr>
-      </p:pic>
-      <p:pic>
-        <p:nvPicPr>
-          <p:cNvPr id="13" name="Content Placeholder 12">
-            <a:extLst>
-              <a:ext uri="{FF2B5EF4-FFF2-40B4-BE49-F238E27FC236}">
-                <a16:creationId xmlns:a16="http://schemas.microsoft.com/office/drawing/2014/main" id="{A05A26F0-4C3C-4458-BBEA-4F8B1CD63AB6}"/>
-              </a:ext>
-            </a:extLst>
-          </p:cNvPr>
-          <p:cNvPicPr>
-            <a:picLocks noGrp="1" noChangeAspect="1"/>
-          </p:cNvPicPr>
-          <p:nvPr>
-            <p:ph sz="half" idx="2"/>
-          </p:nvPr>
-        </p:nvPicPr>
-        <p:blipFill>
-          <a:blip r:embed="rId4">
-            <a:extLst>
-              <a:ext uri="{96DAC541-7B7A-43D3-8B79-37D633B846F1}">
-                <asvg:svgBlip xmlns:asvg="http://schemas.microsoft.com/office/drawing/2016/SVG/main" r:embed="rId5"/>
-              </a:ext>
-            </a:extLst>
-          </a:blip>
-          <a:stretch>
-            <a:fillRect/>
-          </a:stretch>
-        </p:blipFill>
-        <p:spPr>
-          <a:xfrm>
-            <a:off x="705311" y="3545308"/>
-            <a:ext cx="5060992" cy="2642182"/>
-          </a:xfrm>
-          <a:prstGeom prst="rect">
-            <a:avLst/>
-          </a:prstGeom>
-        </p:spPr>
-      </p:pic>
-      <p:sp>
-        <p:nvSpPr>
-          <p:cNvPr id="19" name="Content Placeholder 18">
-            <a:extLst>
-              <a:ext uri="{FF2B5EF4-FFF2-40B4-BE49-F238E27FC236}">
-                <a16:creationId xmlns:a16="http://schemas.microsoft.com/office/drawing/2014/main" id="{886245DD-83CB-40AC-84DF-2B5A618F1435}"/>
-              </a:ext>
-            </a:extLst>
-          </p:cNvPr>
-          <p:cNvSpPr>
-            <a:spLocks noGrp="1"/>
-          </p:cNvSpPr>
-          <p:nvPr>
-            <p:ph sz="half" idx="1"/>
-          </p:nvPr>
-        </p:nvSpPr>
-        <p:spPr>
-          <a:xfrm>
-            <a:off x="6846137" y="2303563"/>
-            <a:ext cx="4602152" cy="3715424"/>
-          </a:xfrm>
-        </p:spPr>
-        <p:txBody>
-          <a:bodyPr vert="horz" lIns="91440" tIns="45720" rIns="91440" bIns="45720" rtlCol="0">
-            <a:normAutofit/>
-          </a:bodyPr>
-          <a:lstStyle/>
-          <a:p>
-            <a:pPr>
-              <a:lnSpc>
-                <a:spcPct val="100000"/>
-              </a:lnSpc>
-            </a:pPr>
-            <a:r>
-              <a:rPr lang="en-US" sz="1400" dirty="0"/>
-              <a:t>Previous success is one of the biggest predictors of future success</a:t>
-            </a:r>
-          </a:p>
-          <a:p>
-            <a:pPr>
-              <a:lnSpc>
-                <a:spcPct val="100000"/>
-              </a:lnSpc>
-            </a:pPr>
-            <a:r>
-              <a:rPr lang="en-US" sz="1400" dirty="0"/>
-              <a:t>Unfortunately, only about ~14% of the customers were previously contacted, and of those only ~3% made a deal</a:t>
-            </a:r>
-          </a:p>
-          <a:p>
-            <a:pPr>
-              <a:lnSpc>
-                <a:spcPct val="100000"/>
-              </a:lnSpc>
-            </a:pPr>
-            <a:r>
-              <a:rPr lang="en-US" sz="1400" dirty="0"/>
-              <a:t>Cell phones are more popular than landlines, but other than that it’s unclear why they have a relationship with conversion</a:t>
-            </a:r>
-          </a:p>
-          <a:p>
-            <a:pPr>
-              <a:lnSpc>
-                <a:spcPct val="100000"/>
-              </a:lnSpc>
-            </a:pPr>
-            <a:endParaRPr lang="en-US" sz="1400" dirty="0"/>
-          </a:p>
-          <a:p>
-            <a:pPr marL="0" indent="0">
-              <a:lnSpc>
-                <a:spcPct val="100000"/>
-              </a:lnSpc>
-              <a:buNone/>
-            </a:pPr>
-            <a:r>
-              <a:rPr lang="en-US" sz="1400" b="1" dirty="0"/>
-              <a:t>Recommendation:</a:t>
-            </a:r>
-          </a:p>
-          <a:p>
-            <a:pPr marL="0" indent="0">
-              <a:lnSpc>
-                <a:spcPct val="100000"/>
-              </a:lnSpc>
-              <a:buNone/>
-            </a:pPr>
-            <a:r>
-              <a:rPr lang="en-US" sz="1400" dirty="0"/>
-              <a:t>Spend your energy and resources returning to previous customers who were receptive to marketing.</a:t>
-            </a:r>
-          </a:p>
-          <a:p>
-            <a:pPr>
-              <a:lnSpc>
-                <a:spcPct val="100000"/>
-              </a:lnSpc>
-            </a:pPr>
-            <a:endParaRPr lang="en-US" sz="1400" dirty="0"/>
-          </a:p>
-        </p:txBody>
-      </p:sp>
-    </p:spTree>
-    <p:extLst>
-      <p:ext uri="{BB962C8B-B14F-4D97-AF65-F5344CB8AC3E}">
-        <p14:creationId xmlns:p14="http://schemas.microsoft.com/office/powerpoint/2010/main" val="1973002747"/>
-      </p:ext>
-    </p:extLst>
-  </p:cSld>
-  <p:clrMapOvr>
-    <a:masterClrMapping/>
-  </p:clrMapOvr>
-</p:sld>
-</file>
-
-<file path=ppt/slides/slide8.xml><?xml version="1.0" encoding="utf-8"?>
-<p:sld xmlns:a="http://schemas.openxmlformats.org/drawingml/2006/main" xmlns:r="http://schemas.openxmlformats.org/officeDocument/2006/relationships" xmlns:p="http://schemas.openxmlformats.org/presentationml/2006/main">
-  <p:cSld>
     <p:bg>
       <p:bgPr>
         <a:solidFill>
@@ -10281,7 +7612,7 @@
 </p:sld>
 </file>
 
-<file path=ppt/slides/slide9.xml><?xml version="1.0" encoding="utf-8"?>
+<file path=ppt/slides/slide11.xml><?xml version="1.0" encoding="utf-8"?>
 <p:sld xmlns:a="http://schemas.openxmlformats.org/drawingml/2006/main" xmlns:r="http://schemas.openxmlformats.org/officeDocument/2006/relationships" xmlns:p="http://schemas.openxmlformats.org/presentationml/2006/main">
   <p:cSld>
     <p:spTree>
@@ -10567,6 +7898,3880 @@
     <p:extLst>
       <p:ext uri="{BB962C8B-B14F-4D97-AF65-F5344CB8AC3E}">
         <p14:creationId xmlns:p14="http://schemas.microsoft.com/office/powerpoint/2010/main" val="939332245"/>
+      </p:ext>
+    </p:extLst>
+  </p:cSld>
+  <p:clrMapOvr>
+    <a:masterClrMapping/>
+  </p:clrMapOvr>
+</p:sld>
+</file>
+
+<file path=ppt/slides/slide12.xml><?xml version="1.0" encoding="utf-8"?>
+<p:sld xmlns:a="http://schemas.openxmlformats.org/drawingml/2006/main" xmlns:r="http://schemas.openxmlformats.org/officeDocument/2006/relationships" xmlns:p="http://schemas.openxmlformats.org/presentationml/2006/main">
+  <p:cSld>
+    <p:spTree>
+      <p:nvGrpSpPr>
+        <p:cNvPr id="1" name=""/>
+        <p:cNvGrpSpPr/>
+        <p:nvPr/>
+      </p:nvGrpSpPr>
+      <p:grpSpPr>
+        <a:xfrm>
+          <a:off x="0" y="0"/>
+          <a:ext cx="0" cy="0"/>
+          <a:chOff x="0" y="0"/>
+          <a:chExt cx="0" cy="0"/>
+        </a:xfrm>
+      </p:grpSpPr>
+      <p:sp>
+        <p:nvSpPr>
+          <p:cNvPr id="9" name="Title 8">
+            <a:extLst>
+              <a:ext uri="{FF2B5EF4-FFF2-40B4-BE49-F238E27FC236}">
+                <a16:creationId xmlns:a16="http://schemas.microsoft.com/office/drawing/2014/main" id="{BA311747-798A-4106-A555-042873E9C56B}"/>
+              </a:ext>
+            </a:extLst>
+          </p:cNvPr>
+          <p:cNvSpPr>
+            <a:spLocks noGrp="1"/>
+          </p:cNvSpPr>
+          <p:nvPr>
+            <p:ph type="title"/>
+          </p:nvPr>
+        </p:nvSpPr>
+        <p:spPr>
+          <a:xfrm>
+            <a:off x="3951609" y="3430880"/>
+            <a:ext cx="4288783" cy="1586501"/>
+          </a:xfrm>
+        </p:spPr>
+        <p:txBody>
+          <a:bodyPr>
+            <a:normAutofit/>
+          </a:bodyPr>
+          <a:lstStyle/>
+          <a:p>
+            <a:pPr algn="ctr"/>
+            <a:r>
+              <a:rPr lang="en-US" sz="6000" dirty="0"/>
+              <a:t>Thank you!</a:t>
+            </a:r>
+          </a:p>
+        </p:txBody>
+      </p:sp>
+      <p:pic>
+        <p:nvPicPr>
+          <p:cNvPr id="10" name="Graphic 9" descr="Wave Gesture with solid fill">
+            <a:extLst>
+              <a:ext uri="{FF2B5EF4-FFF2-40B4-BE49-F238E27FC236}">
+                <a16:creationId xmlns:a16="http://schemas.microsoft.com/office/drawing/2014/main" id="{B8A9E409-2557-4B45-A077-39A1E76B6872}"/>
+              </a:ext>
+            </a:extLst>
+          </p:cNvPr>
+          <p:cNvPicPr>
+            <a:picLocks noChangeAspect="1"/>
+          </p:cNvPicPr>
+          <p:nvPr/>
+        </p:nvPicPr>
+        <p:blipFill>
+          <a:blip r:embed="rId2">
+            <a:extLst>
+              <a:ext uri="{96DAC541-7B7A-43D3-8B79-37D633B846F1}">
+                <asvg:svgBlip xmlns:asvg="http://schemas.microsoft.com/office/drawing/2016/SVG/main" r:embed="rId3"/>
+              </a:ext>
+            </a:extLst>
+          </a:blip>
+          <a:srcRect/>
+          <a:stretch/>
+        </p:blipFill>
+        <p:spPr>
+          <a:xfrm>
+            <a:off x="5001565" y="1528073"/>
+            <a:ext cx="2188870" cy="2188870"/>
+          </a:xfrm>
+          <a:prstGeom prst="rect">
+            <a:avLst/>
+          </a:prstGeom>
+        </p:spPr>
+      </p:pic>
+    </p:spTree>
+    <p:extLst>
+      <p:ext uri="{BB962C8B-B14F-4D97-AF65-F5344CB8AC3E}">
+        <p14:creationId xmlns:p14="http://schemas.microsoft.com/office/powerpoint/2010/main" val="3503424066"/>
+      </p:ext>
+    </p:extLst>
+  </p:cSld>
+  <p:clrMapOvr>
+    <a:masterClrMapping/>
+  </p:clrMapOvr>
+</p:sld>
+</file>
+
+<file path=ppt/slides/slide2.xml><?xml version="1.0" encoding="utf-8"?>
+<p:sld xmlns:a="http://schemas.openxmlformats.org/drawingml/2006/main" xmlns:r="http://schemas.openxmlformats.org/officeDocument/2006/relationships" xmlns:p="http://schemas.openxmlformats.org/presentationml/2006/main">
+  <p:cSld>
+    <p:bg>
+      <p:bgPr>
+        <a:solidFill>
+          <a:schemeClr val="bg1"/>
+        </a:solidFill>
+        <a:effectLst/>
+      </p:bgPr>
+    </p:bg>
+    <p:spTree>
+      <p:nvGrpSpPr>
+        <p:cNvPr id="1" name=""/>
+        <p:cNvGrpSpPr/>
+        <p:nvPr/>
+      </p:nvGrpSpPr>
+      <p:grpSpPr>
+        <a:xfrm>
+          <a:off x="0" y="0"/>
+          <a:ext cx="0" cy="0"/>
+          <a:chOff x="0" y="0"/>
+          <a:chExt cx="0" cy="0"/>
+        </a:xfrm>
+      </p:grpSpPr>
+      <p:sp>
+        <p:nvSpPr>
+          <p:cNvPr id="2" name="Title 1">
+            <a:extLst>
+              <a:ext uri="{FF2B5EF4-FFF2-40B4-BE49-F238E27FC236}">
+                <a16:creationId xmlns:a16="http://schemas.microsoft.com/office/drawing/2014/main" id="{31BB8085-1FFF-44DD-A144-D794D923CF00}"/>
+              </a:ext>
+            </a:extLst>
+          </p:cNvPr>
+          <p:cNvSpPr>
+            <a:spLocks noGrp="1"/>
+          </p:cNvSpPr>
+          <p:nvPr>
+            <p:ph type="title"/>
+          </p:nvPr>
+        </p:nvSpPr>
+        <p:spPr>
+          <a:xfrm>
+            <a:off x="1066800" y="642594"/>
+            <a:ext cx="10058400" cy="1371600"/>
+          </a:xfrm>
+        </p:spPr>
+        <p:txBody>
+          <a:bodyPr>
+            <a:normAutofit/>
+          </a:bodyPr>
+          <a:lstStyle/>
+          <a:p>
+            <a:pPr algn="ctr"/>
+            <a:r>
+              <a:rPr lang="en-US" dirty="0"/>
+              <a:t>Business Problem</a:t>
+            </a:r>
+          </a:p>
+        </p:txBody>
+      </p:sp>
+      <p:graphicFrame>
+        <p:nvGraphicFramePr>
+          <p:cNvPr id="5" name="Content Placeholder 2" descr="SmartArt Process Diagram">
+            <a:extLst>
+              <a:ext uri="{FF2B5EF4-FFF2-40B4-BE49-F238E27FC236}">
+                <a16:creationId xmlns:a16="http://schemas.microsoft.com/office/drawing/2014/main" id="{60233515-42BF-4401-AB7F-458C06159D34}"/>
+              </a:ext>
+            </a:extLst>
+          </p:cNvPr>
+          <p:cNvGraphicFramePr>
+            <a:graphicFrameLocks noGrp="1"/>
+          </p:cNvGraphicFramePr>
+          <p:nvPr>
+            <p:ph idx="1"/>
+            <p:extLst>
+              <p:ext uri="{D42A27DB-BD31-4B8C-83A1-F6EECF244321}">
+                <p14:modId xmlns:p14="http://schemas.microsoft.com/office/powerpoint/2010/main" val="1426390638"/>
+              </p:ext>
+            </p:extLst>
+          </p:nvPr>
+        </p:nvGraphicFramePr>
+        <p:xfrm>
+          <a:off x="1768459" y="3273171"/>
+          <a:ext cx="8655078" cy="2686036"/>
+        </p:xfrm>
+        <a:graphic>
+          <a:graphicData uri="http://schemas.openxmlformats.org/drawingml/2006/diagram">
+            <dgm:relIds xmlns:dgm="http://schemas.openxmlformats.org/drawingml/2006/diagram" xmlns:r="http://schemas.openxmlformats.org/officeDocument/2006/relationships" r:dm="rId3" r:lo="rId4" r:qs="rId5" r:cs="rId6"/>
+          </a:graphicData>
+        </a:graphic>
+      </p:graphicFrame>
+      <p:sp>
+        <p:nvSpPr>
+          <p:cNvPr id="4" name="TextBox 3">
+            <a:extLst>
+              <a:ext uri="{FF2B5EF4-FFF2-40B4-BE49-F238E27FC236}">
+                <a16:creationId xmlns:a16="http://schemas.microsoft.com/office/drawing/2014/main" id="{824FD047-746A-4AD9-A575-68CA19CA49CD}"/>
+              </a:ext>
+            </a:extLst>
+          </p:cNvPr>
+          <p:cNvSpPr txBox="1"/>
+          <p:nvPr/>
+        </p:nvSpPr>
+        <p:spPr>
+          <a:xfrm>
+            <a:off x="1979563" y="1864120"/>
+            <a:ext cx="8232869" cy="923330"/>
+          </a:xfrm>
+          <a:prstGeom prst="rect">
+            <a:avLst/>
+          </a:prstGeom>
+          <a:noFill/>
+        </p:spPr>
+        <p:txBody>
+          <a:bodyPr wrap="square" rtlCol="0">
+            <a:spAutoFit/>
+          </a:bodyPr>
+          <a:lstStyle/>
+          <a:p>
+            <a:pPr algn="ctr"/>
+            <a:r>
+              <a:rPr lang="en-US" dirty="0"/>
+              <a:t>Banco de Portugal hired me to develop an accurate </a:t>
+            </a:r>
+            <a:r>
+              <a:rPr lang="en-US" b="1" dirty="0"/>
+              <a:t>predictive model</a:t>
+            </a:r>
+            <a:r>
+              <a:rPr lang="en-US" dirty="0"/>
+              <a:t> to predict which customers are likely to invest in a term deposit as a result of telemarking.</a:t>
+            </a:r>
+          </a:p>
+        </p:txBody>
+      </p:sp>
+    </p:spTree>
+    <p:extLst>
+      <p:ext uri="{BB962C8B-B14F-4D97-AF65-F5344CB8AC3E}">
+        <p14:creationId xmlns:p14="http://schemas.microsoft.com/office/powerpoint/2010/main" val="3833773525"/>
+      </p:ext>
+    </p:extLst>
+  </p:cSld>
+  <p:clrMapOvr>
+    <a:masterClrMapping/>
+  </p:clrMapOvr>
+</p:sld>
+</file>
+
+<file path=ppt/slides/slide3.xml><?xml version="1.0" encoding="utf-8"?>
+<p:sld xmlns:a="http://schemas.openxmlformats.org/drawingml/2006/main" xmlns:r="http://schemas.openxmlformats.org/officeDocument/2006/relationships" xmlns:p="http://schemas.openxmlformats.org/presentationml/2006/main">
+  <p:cSld>
+    <p:spTree>
+      <p:nvGrpSpPr>
+        <p:cNvPr id="1" name=""/>
+        <p:cNvGrpSpPr/>
+        <p:nvPr/>
+      </p:nvGrpSpPr>
+      <p:grpSpPr>
+        <a:xfrm>
+          <a:off x="0" y="0"/>
+          <a:ext cx="0" cy="0"/>
+          <a:chOff x="0" y="0"/>
+          <a:chExt cx="0" cy="0"/>
+        </a:xfrm>
+      </p:grpSpPr>
+      <p:sp>
+        <p:nvSpPr>
+          <p:cNvPr id="2" name="Title 1">
+            <a:extLst>
+              <a:ext uri="{FF2B5EF4-FFF2-40B4-BE49-F238E27FC236}">
+                <a16:creationId xmlns:a16="http://schemas.microsoft.com/office/drawing/2014/main" id="{12DFD902-98E0-41B2-82EB-55EE70EA0804}"/>
+              </a:ext>
+            </a:extLst>
+          </p:cNvPr>
+          <p:cNvSpPr>
+            <a:spLocks noGrp="1"/>
+          </p:cNvSpPr>
+          <p:nvPr>
+            <p:ph type="title"/>
+          </p:nvPr>
+        </p:nvSpPr>
+        <p:spPr/>
+        <p:txBody>
+          <a:bodyPr/>
+          <a:lstStyle/>
+          <a:p>
+            <a:r>
+              <a:rPr lang="en-US" dirty="0"/>
+              <a:t>Data</a:t>
+            </a:r>
+          </a:p>
+        </p:txBody>
+      </p:sp>
+      <p:sp>
+        <p:nvSpPr>
+          <p:cNvPr id="3" name="Content Placeholder 2">
+            <a:extLst>
+              <a:ext uri="{FF2B5EF4-FFF2-40B4-BE49-F238E27FC236}">
+                <a16:creationId xmlns:a16="http://schemas.microsoft.com/office/drawing/2014/main" id="{38D9055A-6B64-4D88-BF3C-5D1662E811A8}"/>
+              </a:ext>
+            </a:extLst>
+          </p:cNvPr>
+          <p:cNvSpPr>
+            <a:spLocks noGrp="1"/>
+          </p:cNvSpPr>
+          <p:nvPr>
+            <p:ph idx="1"/>
+          </p:nvPr>
+        </p:nvSpPr>
+        <p:spPr>
+          <a:xfrm>
+            <a:off x="1066800" y="2095272"/>
+            <a:ext cx="10058400" cy="3849624"/>
+          </a:xfrm>
+        </p:spPr>
+        <p:txBody>
+          <a:bodyPr numCol="2">
+            <a:normAutofit/>
+          </a:bodyPr>
+          <a:lstStyle/>
+          <a:p>
+            <a:r>
+              <a:rPr lang="en-US" dirty="0"/>
+              <a:t>Banco de Portugal Telemarketing Dataset</a:t>
+            </a:r>
+          </a:p>
+          <a:p>
+            <a:pPr lvl="1"/>
+            <a:r>
+              <a:rPr lang="en-US" dirty="0"/>
+              <a:t>Publicly available on the </a:t>
+            </a:r>
+            <a:r>
+              <a:rPr lang="en-US" b="0" i="0" u="none" strike="noStrike" dirty="0">
+                <a:effectLst/>
+                <a:hlinkClick r:id="rId2"/>
+              </a:rPr>
+              <a:t>UCI Machine Learning Repository</a:t>
+            </a:r>
+            <a:endParaRPr lang="en-US" dirty="0"/>
+          </a:p>
+          <a:p>
+            <a:pPr lvl="1"/>
+            <a:r>
+              <a:rPr lang="en-US" dirty="0"/>
+              <a:t>Collected from May 2008 to November 2010</a:t>
+            </a:r>
+          </a:p>
+          <a:p>
+            <a:pPr lvl="1"/>
+            <a:r>
+              <a:rPr lang="en-US" dirty="0"/>
+              <a:t>Originally contains 21 features and 41k samples</a:t>
+            </a:r>
+          </a:p>
+          <a:p>
+            <a:pPr lvl="1"/>
+            <a:r>
+              <a:rPr lang="en-US" dirty="0"/>
+              <a:t>Roughly two thirds categorical and one third numeric</a:t>
+            </a:r>
+          </a:p>
+        </p:txBody>
+      </p:sp>
+      <p:pic>
+        <p:nvPicPr>
+          <p:cNvPr id="6" name="Picture 5" descr="Logo, company name&#10;&#10;Description automatically generated">
+            <a:extLst>
+              <a:ext uri="{FF2B5EF4-FFF2-40B4-BE49-F238E27FC236}">
+                <a16:creationId xmlns:a16="http://schemas.microsoft.com/office/drawing/2014/main" id="{BEFCB41D-14C4-4D5D-B88A-5C5532F94389}"/>
+              </a:ext>
+            </a:extLst>
+          </p:cNvPr>
+          <p:cNvPicPr>
+            <a:picLocks noChangeAspect="1"/>
+          </p:cNvPicPr>
+          <p:nvPr/>
+        </p:nvPicPr>
+        <p:blipFill>
+          <a:blip r:embed="rId3"/>
+          <a:stretch>
+            <a:fillRect/>
+          </a:stretch>
+        </p:blipFill>
+        <p:spPr>
+          <a:xfrm>
+            <a:off x="8602424" y="626504"/>
+            <a:ext cx="2487963" cy="2487963"/>
+          </a:xfrm>
+          <a:prstGeom prst="rect">
+            <a:avLst/>
+          </a:prstGeom>
+        </p:spPr>
+      </p:pic>
+    </p:spTree>
+    <p:extLst>
+      <p:ext uri="{BB962C8B-B14F-4D97-AF65-F5344CB8AC3E}">
+        <p14:creationId xmlns:p14="http://schemas.microsoft.com/office/powerpoint/2010/main" val="636063863"/>
+      </p:ext>
+    </p:extLst>
+  </p:cSld>
+  <p:clrMapOvr>
+    <a:masterClrMapping/>
+  </p:clrMapOvr>
+</p:sld>
+</file>
+
+<file path=ppt/slides/slide4.xml><?xml version="1.0" encoding="utf-8"?>
+<p:sld xmlns:a="http://schemas.openxmlformats.org/drawingml/2006/main" xmlns:r="http://schemas.openxmlformats.org/officeDocument/2006/relationships" xmlns:p="http://schemas.openxmlformats.org/presentationml/2006/main">
+  <p:cSld>
+    <p:spTree>
+      <p:nvGrpSpPr>
+        <p:cNvPr id="1" name=""/>
+        <p:cNvGrpSpPr/>
+        <p:nvPr/>
+      </p:nvGrpSpPr>
+      <p:grpSpPr>
+        <a:xfrm>
+          <a:off x="0" y="0"/>
+          <a:ext cx="0" cy="0"/>
+          <a:chOff x="0" y="0"/>
+          <a:chExt cx="0" cy="0"/>
+        </a:xfrm>
+      </p:grpSpPr>
+      <p:sp>
+        <p:nvSpPr>
+          <p:cNvPr id="2" name="Title 1">
+            <a:extLst>
+              <a:ext uri="{FF2B5EF4-FFF2-40B4-BE49-F238E27FC236}">
+                <a16:creationId xmlns:a16="http://schemas.microsoft.com/office/drawing/2014/main" id="{66CF9D4C-61AE-400E-8BB8-1EC0BAFA2089}"/>
+              </a:ext>
+            </a:extLst>
+          </p:cNvPr>
+          <p:cNvSpPr>
+            <a:spLocks noGrp="1"/>
+          </p:cNvSpPr>
+          <p:nvPr>
+            <p:ph type="title"/>
+          </p:nvPr>
+        </p:nvSpPr>
+        <p:spPr/>
+        <p:txBody>
+          <a:bodyPr/>
+          <a:lstStyle/>
+          <a:p>
+            <a:r>
+              <a:rPr lang="en-US" dirty="0"/>
+              <a:t>Feature Explanations</a:t>
+            </a:r>
+          </a:p>
+        </p:txBody>
+      </p:sp>
+      <p:sp>
+        <p:nvSpPr>
+          <p:cNvPr id="4" name="Content Placeholder 2">
+            <a:extLst>
+              <a:ext uri="{FF2B5EF4-FFF2-40B4-BE49-F238E27FC236}">
+                <a16:creationId xmlns:a16="http://schemas.microsoft.com/office/drawing/2014/main" id="{236E2160-69D8-4815-8341-A261D64438C2}"/>
+              </a:ext>
+            </a:extLst>
+          </p:cNvPr>
+          <p:cNvSpPr txBox="1">
+            <a:spLocks noGrp="1"/>
+          </p:cNvSpPr>
+          <p:nvPr>
+            <p:ph idx="1"/>
+          </p:nvPr>
+        </p:nvSpPr>
+        <p:spPr>
+          <a:xfrm>
+            <a:off x="1066800" y="1785557"/>
+            <a:ext cx="10058400" cy="4175703"/>
+          </a:xfrm>
+          <a:prstGeom prst="rect">
+            <a:avLst/>
+          </a:prstGeom>
+        </p:spPr>
+        <p:txBody>
+          <a:bodyPr vert="horz" lIns="91440" tIns="45720" rIns="91440" bIns="45720" numCol="2" rtlCol="0">
+            <a:normAutofit/>
+          </a:bodyPr>
+          <a:lstStyle>
+            <a:lvl1pPr marL="182880" indent="-182880" algn="l" defTabSz="914400" rtl="0" eaLnBrk="1" latinLnBrk="0" hangingPunct="1">
+              <a:lnSpc>
+                <a:spcPct val="120000"/>
+              </a:lnSpc>
+              <a:spcBef>
+                <a:spcPts val="900"/>
+              </a:spcBef>
+              <a:spcAft>
+                <a:spcPts val="0"/>
+              </a:spcAft>
+              <a:buClr>
+                <a:schemeClr val="tx1">
+                  <a:lumMod val="85000"/>
+                  <a:lumOff val="15000"/>
+                </a:schemeClr>
+              </a:buClr>
+              <a:buFont typeface="Garamond" pitchFamily="18" charset="0"/>
+              <a:buChar char="◦"/>
+              <a:defRPr sz="1400" kern="1200">
+                <a:solidFill>
+                  <a:schemeClr val="tx1"/>
+                </a:solidFill>
+                <a:latin typeface="+mn-lt"/>
+                <a:ea typeface="+mn-ea"/>
+                <a:cs typeface="+mn-cs"/>
+              </a:defRPr>
+            </a:lvl1pPr>
+            <a:lvl2pPr marL="457200" indent="-182880" algn="l" defTabSz="914400" rtl="0" eaLnBrk="1" latinLnBrk="0" hangingPunct="1">
+              <a:lnSpc>
+                <a:spcPct val="100000"/>
+              </a:lnSpc>
+              <a:spcBef>
+                <a:spcPts val="500"/>
+              </a:spcBef>
+              <a:buClr>
+                <a:schemeClr val="tx1">
+                  <a:lumMod val="85000"/>
+                  <a:lumOff val="15000"/>
+                </a:schemeClr>
+              </a:buClr>
+              <a:buFont typeface="Garamond" pitchFamily="18" charset="0"/>
+              <a:buChar char="◦"/>
+              <a:defRPr sz="1200" kern="1200">
+                <a:solidFill>
+                  <a:schemeClr val="tx1"/>
+                </a:solidFill>
+                <a:latin typeface="+mn-lt"/>
+                <a:ea typeface="+mn-ea"/>
+                <a:cs typeface="+mn-cs"/>
+              </a:defRPr>
+            </a:lvl2pPr>
+            <a:lvl3pPr marL="731520" indent="-182880" algn="l" defTabSz="914400" rtl="0" eaLnBrk="1" latinLnBrk="0" hangingPunct="1">
+              <a:lnSpc>
+                <a:spcPct val="100000"/>
+              </a:lnSpc>
+              <a:spcBef>
+                <a:spcPts val="500"/>
+              </a:spcBef>
+              <a:buClr>
+                <a:schemeClr val="tx1">
+                  <a:lumMod val="85000"/>
+                  <a:lumOff val="15000"/>
+                </a:schemeClr>
+              </a:buClr>
+              <a:buFont typeface="Garamond" pitchFamily="18" charset="0"/>
+              <a:buChar char="◦"/>
+              <a:defRPr sz="1100" kern="1200">
+                <a:solidFill>
+                  <a:schemeClr val="tx1"/>
+                </a:solidFill>
+                <a:latin typeface="+mn-lt"/>
+                <a:ea typeface="+mn-ea"/>
+                <a:cs typeface="+mn-cs"/>
+              </a:defRPr>
+            </a:lvl3pPr>
+            <a:lvl4pPr marL="1005840" indent="-182880" algn="l" defTabSz="914400" rtl="0" eaLnBrk="1" latinLnBrk="0" hangingPunct="1">
+              <a:lnSpc>
+                <a:spcPct val="100000"/>
+              </a:lnSpc>
+              <a:spcBef>
+                <a:spcPts val="500"/>
+              </a:spcBef>
+              <a:buClr>
+                <a:schemeClr val="tx1">
+                  <a:lumMod val="85000"/>
+                  <a:lumOff val="15000"/>
+                </a:schemeClr>
+              </a:buClr>
+              <a:buFont typeface="Garamond" pitchFamily="18" charset="0"/>
+              <a:buChar char="◦"/>
+              <a:defRPr sz="1100" kern="1200">
+                <a:solidFill>
+                  <a:schemeClr val="tx1"/>
+                </a:solidFill>
+                <a:latin typeface="+mn-lt"/>
+                <a:ea typeface="+mn-ea"/>
+                <a:cs typeface="+mn-cs"/>
+              </a:defRPr>
+            </a:lvl4pPr>
+            <a:lvl5pPr marL="1280160" indent="-182880" algn="l" defTabSz="914400" rtl="0" eaLnBrk="1" latinLnBrk="0" hangingPunct="1">
+              <a:lnSpc>
+                <a:spcPct val="100000"/>
+              </a:lnSpc>
+              <a:spcBef>
+                <a:spcPts val="500"/>
+              </a:spcBef>
+              <a:buClr>
+                <a:schemeClr val="tx1">
+                  <a:lumMod val="85000"/>
+                  <a:lumOff val="15000"/>
+                </a:schemeClr>
+              </a:buClr>
+              <a:buFont typeface="Garamond" pitchFamily="18" charset="0"/>
+              <a:buChar char="◦"/>
+              <a:defRPr sz="1100" kern="1200">
+                <a:solidFill>
+                  <a:schemeClr val="tx1"/>
+                </a:solidFill>
+                <a:latin typeface="+mn-lt"/>
+                <a:ea typeface="+mn-ea"/>
+                <a:cs typeface="+mn-cs"/>
+              </a:defRPr>
+            </a:lvl5pPr>
+            <a:lvl6pPr marL="1600000" indent="-228600" algn="l" defTabSz="914400" rtl="0" eaLnBrk="1" latinLnBrk="0" hangingPunct="1">
+              <a:lnSpc>
+                <a:spcPct val="100000"/>
+              </a:lnSpc>
+              <a:spcBef>
+                <a:spcPts val="500"/>
+              </a:spcBef>
+              <a:buClr>
+                <a:schemeClr val="tx1">
+                  <a:lumMod val="85000"/>
+                  <a:lumOff val="15000"/>
+                </a:schemeClr>
+              </a:buClr>
+              <a:buFont typeface="Garamond" pitchFamily="18" charset="0"/>
+              <a:buChar char="◦"/>
+              <a:defRPr sz="1400" kern="1200">
+                <a:solidFill>
+                  <a:schemeClr val="tx1"/>
+                </a:solidFill>
+                <a:latin typeface="+mn-lt"/>
+                <a:ea typeface="+mn-ea"/>
+                <a:cs typeface="+mn-cs"/>
+              </a:defRPr>
+            </a:lvl6pPr>
+            <a:lvl7pPr marL="1900000" indent="-228600" algn="l" defTabSz="914400" rtl="0" eaLnBrk="1" latinLnBrk="0" hangingPunct="1">
+              <a:lnSpc>
+                <a:spcPct val="100000"/>
+              </a:lnSpc>
+              <a:spcBef>
+                <a:spcPts val="500"/>
+              </a:spcBef>
+              <a:buClr>
+                <a:schemeClr val="tx1">
+                  <a:lumMod val="85000"/>
+                  <a:lumOff val="15000"/>
+                </a:schemeClr>
+              </a:buClr>
+              <a:buFont typeface="Garamond" pitchFamily="18" charset="0"/>
+              <a:buChar char="◦"/>
+              <a:defRPr sz="1400" kern="1200">
+                <a:solidFill>
+                  <a:schemeClr val="tx1"/>
+                </a:solidFill>
+                <a:latin typeface="+mn-lt"/>
+                <a:ea typeface="+mn-ea"/>
+                <a:cs typeface="+mn-cs"/>
+              </a:defRPr>
+            </a:lvl7pPr>
+            <a:lvl8pPr marL="2200000" indent="-228600" algn="l" defTabSz="914400" rtl="0" eaLnBrk="1" latinLnBrk="0" hangingPunct="1">
+              <a:lnSpc>
+                <a:spcPct val="100000"/>
+              </a:lnSpc>
+              <a:spcBef>
+                <a:spcPts val="500"/>
+              </a:spcBef>
+              <a:buClr>
+                <a:schemeClr val="tx1">
+                  <a:lumMod val="85000"/>
+                  <a:lumOff val="15000"/>
+                </a:schemeClr>
+              </a:buClr>
+              <a:buFont typeface="Garamond" pitchFamily="18" charset="0"/>
+              <a:buChar char="◦"/>
+              <a:defRPr sz="1400" kern="1200">
+                <a:solidFill>
+                  <a:schemeClr val="tx1"/>
+                </a:solidFill>
+                <a:latin typeface="+mn-lt"/>
+                <a:ea typeface="+mn-ea"/>
+                <a:cs typeface="+mn-cs"/>
+              </a:defRPr>
+            </a:lvl8pPr>
+            <a:lvl9pPr marL="2500000" indent="-228600" algn="l" defTabSz="914400" rtl="0" eaLnBrk="1" latinLnBrk="0" hangingPunct="1">
+              <a:lnSpc>
+                <a:spcPct val="100000"/>
+              </a:lnSpc>
+              <a:spcBef>
+                <a:spcPts val="500"/>
+              </a:spcBef>
+              <a:buClr>
+                <a:schemeClr val="tx1">
+                  <a:lumMod val="85000"/>
+                  <a:lumOff val="15000"/>
+                </a:schemeClr>
+              </a:buClr>
+              <a:buFont typeface="Garamond" pitchFamily="18" charset="0"/>
+              <a:buChar char="◦"/>
+              <a:defRPr sz="1400" kern="1200">
+                <a:solidFill>
+                  <a:schemeClr val="tx1"/>
+                </a:solidFill>
+                <a:latin typeface="+mn-lt"/>
+                <a:ea typeface="+mn-ea"/>
+                <a:cs typeface="+mn-cs"/>
+              </a:defRPr>
+            </a:lvl9pPr>
+          </a:lstStyle>
+          <a:p>
+            <a:r>
+              <a:rPr lang="en-US" dirty="0"/>
+              <a:t>Client Information</a:t>
+            </a:r>
+          </a:p>
+          <a:p>
+            <a:pPr lvl="1"/>
+            <a:r>
+              <a:rPr lang="en-US" dirty="0"/>
+              <a:t>'age' - years</a:t>
+            </a:r>
+          </a:p>
+          <a:p>
+            <a:pPr lvl="1"/>
+            <a:r>
+              <a:rPr lang="en-US" dirty="0"/>
+              <a:t>'job' - type of job</a:t>
+            </a:r>
+          </a:p>
+          <a:p>
+            <a:pPr lvl="1"/>
+            <a:r>
+              <a:rPr lang="en-US" dirty="0"/>
+              <a:t>'marital' - marital status</a:t>
+            </a:r>
+          </a:p>
+          <a:p>
+            <a:pPr lvl="1"/>
+            <a:r>
+              <a:rPr lang="en-US" dirty="0"/>
+              <a:t>'education' - level of education</a:t>
+            </a:r>
+          </a:p>
+          <a:p>
+            <a:pPr lvl="1"/>
+            <a:r>
+              <a:rPr lang="en-US" dirty="0"/>
+              <a:t>'default' - has defaulted on credit</a:t>
+            </a:r>
+          </a:p>
+          <a:p>
+            <a:pPr lvl="1"/>
+            <a:r>
+              <a:rPr lang="en-US" dirty="0"/>
+              <a:t>'housing' - has housing loan</a:t>
+            </a:r>
+          </a:p>
+          <a:p>
+            <a:pPr lvl="1"/>
+            <a:r>
+              <a:rPr lang="en-US" dirty="0"/>
+              <a:t>'loan' - has personal loan</a:t>
+            </a:r>
+          </a:p>
+          <a:p>
+            <a:r>
+              <a:rPr lang="en-US" dirty="0"/>
+              <a:t>Current Campaign</a:t>
+            </a:r>
+          </a:p>
+          <a:p>
+            <a:pPr lvl="1"/>
+            <a:r>
+              <a:rPr lang="en-US" dirty="0"/>
+              <a:t>'</a:t>
+            </a:r>
+            <a:r>
+              <a:rPr lang="en-US" dirty="0" err="1"/>
+              <a:t>contact_type</a:t>
+            </a:r>
+            <a:r>
+              <a:rPr lang="en-US" dirty="0"/>
+              <a:t>' - call type of  last contact  (cellular or landline)</a:t>
+            </a:r>
+          </a:p>
+          <a:p>
+            <a:pPr lvl="1"/>
+            <a:r>
+              <a:rPr lang="en-US" dirty="0"/>
+              <a:t>'</a:t>
+            </a:r>
+            <a:r>
+              <a:rPr lang="en-US" dirty="0" err="1"/>
+              <a:t>contact_month</a:t>
+            </a:r>
+            <a:r>
+              <a:rPr lang="en-US" dirty="0"/>
+              <a:t>' - month of  last contact</a:t>
+            </a:r>
+          </a:p>
+          <a:p>
+            <a:pPr lvl="1"/>
+            <a:r>
+              <a:rPr lang="en-US" dirty="0"/>
+              <a:t>'</a:t>
+            </a:r>
+            <a:r>
+              <a:rPr lang="en-US" dirty="0" err="1"/>
+              <a:t>contact_weekday</a:t>
+            </a:r>
+            <a:r>
+              <a:rPr lang="en-US" dirty="0"/>
+              <a:t>' - weekday of  last contact</a:t>
+            </a:r>
+          </a:p>
+          <a:p>
+            <a:pPr lvl="1"/>
+            <a:r>
+              <a:rPr lang="en-US" dirty="0"/>
+              <a:t>'</a:t>
+            </a:r>
+            <a:r>
+              <a:rPr lang="en-US" dirty="0" err="1"/>
+              <a:t>contact_duration</a:t>
+            </a:r>
+            <a:r>
+              <a:rPr lang="en-US" dirty="0"/>
+              <a:t>' - duration of last contact in seconds</a:t>
+            </a:r>
+          </a:p>
+          <a:p>
+            <a:pPr lvl="1"/>
+            <a:r>
+              <a:rPr lang="en-US" dirty="0"/>
+              <a:t>'</a:t>
+            </a:r>
+            <a:r>
+              <a:rPr lang="en-US" dirty="0" err="1"/>
+              <a:t>contact_count</a:t>
+            </a:r>
+            <a:r>
+              <a:rPr lang="en-US" dirty="0"/>
+              <a:t>' - total number of contacts during this campaign</a:t>
+            </a:r>
+          </a:p>
+          <a:p>
+            <a:pPr lvl="1"/>
+            <a:r>
+              <a:rPr lang="en-US" dirty="0"/>
+              <a:t>'invested' - invested in a term deposit (target variable)</a:t>
+            </a:r>
+          </a:p>
+          <a:p>
+            <a:r>
+              <a:rPr lang="en-US" dirty="0"/>
+              <a:t>Previous Campaigns</a:t>
+            </a:r>
+          </a:p>
+          <a:p>
+            <a:pPr lvl="1"/>
+            <a:r>
+              <a:rPr lang="en-US" dirty="0"/>
+              <a:t>'</a:t>
+            </a:r>
+            <a:r>
+              <a:rPr lang="en-US" dirty="0" err="1"/>
+              <a:t>days_since_prev</a:t>
+            </a:r>
+            <a:r>
+              <a:rPr lang="en-US" dirty="0"/>
+              <a:t>' - number of days since last contacted during previous campaign</a:t>
+            </a:r>
+          </a:p>
+          <a:p>
+            <a:pPr lvl="1"/>
+            <a:r>
+              <a:rPr lang="en-US" dirty="0"/>
+              <a:t>'</a:t>
+            </a:r>
+            <a:r>
+              <a:rPr lang="en-US" dirty="0" err="1"/>
+              <a:t>prev_contact_count</a:t>
+            </a:r>
+            <a:r>
+              <a:rPr lang="en-US" dirty="0"/>
+              <a:t>' - total number of contacts before this campaign</a:t>
+            </a:r>
+          </a:p>
+          <a:p>
+            <a:pPr lvl="1"/>
+            <a:r>
+              <a:rPr lang="en-US" dirty="0"/>
+              <a:t>'</a:t>
+            </a:r>
+            <a:r>
+              <a:rPr lang="en-US" dirty="0" err="1"/>
+              <a:t>prev_outcome</a:t>
+            </a:r>
+            <a:r>
+              <a:rPr lang="en-US" dirty="0"/>
+              <a:t>' - sales result of previous campaign</a:t>
+            </a:r>
+          </a:p>
+          <a:p>
+            <a:r>
+              <a:rPr lang="en-US" dirty="0"/>
+              <a:t>Economic Context</a:t>
+            </a:r>
+          </a:p>
+          <a:p>
+            <a:pPr lvl="1"/>
+            <a:r>
+              <a:rPr lang="en-US" dirty="0"/>
+              <a:t>'</a:t>
+            </a:r>
+            <a:r>
+              <a:rPr lang="en-US" dirty="0" err="1"/>
+              <a:t>emp_var_rate</a:t>
+            </a:r>
+            <a:r>
+              <a:rPr lang="en-US" dirty="0"/>
+              <a:t>' - employment variation rate (quarterly indicator)</a:t>
+            </a:r>
+          </a:p>
+          <a:p>
+            <a:pPr lvl="1"/>
+            <a:r>
+              <a:rPr lang="en-US" dirty="0"/>
+              <a:t>'</a:t>
+            </a:r>
+            <a:r>
+              <a:rPr lang="en-US" dirty="0" err="1"/>
+              <a:t>cons_price_idx</a:t>
+            </a:r>
+            <a:r>
+              <a:rPr lang="en-US" dirty="0"/>
+              <a:t>' - consumer price index (monthly indicator)</a:t>
+            </a:r>
+          </a:p>
+          <a:p>
+            <a:pPr lvl="1"/>
+            <a:r>
+              <a:rPr lang="en-US" dirty="0"/>
+              <a:t>'</a:t>
+            </a:r>
+            <a:r>
+              <a:rPr lang="en-US" dirty="0" err="1"/>
+              <a:t>cons_conf_idx</a:t>
+            </a:r>
+            <a:r>
+              <a:rPr lang="en-US" dirty="0"/>
+              <a:t>' - consumer confidence index (monthly indicator)</a:t>
+            </a:r>
+          </a:p>
+          <a:p>
+            <a:pPr lvl="1"/>
+            <a:r>
+              <a:rPr lang="en-US" dirty="0"/>
+              <a:t>'euribor_3m' - </a:t>
+            </a:r>
+            <a:r>
+              <a:rPr lang="en-US" dirty="0" err="1"/>
+              <a:t>euribor</a:t>
+            </a:r>
+            <a:r>
+              <a:rPr lang="en-US" dirty="0"/>
+              <a:t> 3 month rate (daily indicator)</a:t>
+            </a:r>
+          </a:p>
+          <a:p>
+            <a:pPr lvl="1"/>
+            <a:r>
+              <a:rPr lang="en-US" dirty="0"/>
+              <a:t>'</a:t>
+            </a:r>
+            <a:r>
+              <a:rPr lang="en-US" dirty="0" err="1"/>
+              <a:t>n_employed</a:t>
+            </a:r>
+            <a:r>
+              <a:rPr lang="en-US" dirty="0"/>
+              <a:t>' - thousands of people employed (quarterly indicator)</a:t>
+            </a:r>
+          </a:p>
+        </p:txBody>
+      </p:sp>
+    </p:spTree>
+    <p:extLst>
+      <p:ext uri="{BB962C8B-B14F-4D97-AF65-F5344CB8AC3E}">
+        <p14:creationId xmlns:p14="http://schemas.microsoft.com/office/powerpoint/2010/main" val="2186301901"/>
+      </p:ext>
+    </p:extLst>
+  </p:cSld>
+  <p:clrMapOvr>
+    <a:masterClrMapping/>
+  </p:clrMapOvr>
+</p:sld>
+</file>
+
+<file path=ppt/slides/slide5.xml><?xml version="1.0" encoding="utf-8"?>
+<p:sld xmlns:a="http://schemas.openxmlformats.org/drawingml/2006/main" xmlns:r="http://schemas.openxmlformats.org/officeDocument/2006/relationships" xmlns:p="http://schemas.openxmlformats.org/presentationml/2006/main">
+  <p:cSld>
+    <p:spTree>
+      <p:nvGrpSpPr>
+        <p:cNvPr id="1" name=""/>
+        <p:cNvGrpSpPr/>
+        <p:nvPr/>
+      </p:nvGrpSpPr>
+      <p:grpSpPr>
+        <a:xfrm>
+          <a:off x="0" y="0"/>
+          <a:ext cx="0" cy="0"/>
+          <a:chOff x="0" y="0"/>
+          <a:chExt cx="0" cy="0"/>
+        </a:xfrm>
+      </p:grpSpPr>
+      <p:sp>
+        <p:nvSpPr>
+          <p:cNvPr id="2" name="Title 1">
+            <a:extLst>
+              <a:ext uri="{FF2B5EF4-FFF2-40B4-BE49-F238E27FC236}">
+                <a16:creationId xmlns:a16="http://schemas.microsoft.com/office/drawing/2014/main" id="{B8185126-6E06-4974-9208-1CC3457F0AB0}"/>
+              </a:ext>
+            </a:extLst>
+          </p:cNvPr>
+          <p:cNvSpPr>
+            <a:spLocks noGrp="1"/>
+          </p:cNvSpPr>
+          <p:nvPr>
+            <p:ph type="title"/>
+          </p:nvPr>
+        </p:nvSpPr>
+        <p:spPr/>
+        <p:txBody>
+          <a:bodyPr/>
+          <a:lstStyle/>
+          <a:p>
+            <a:r>
+              <a:rPr lang="en-US" dirty="0"/>
+              <a:t>Methods</a:t>
+            </a:r>
+          </a:p>
+        </p:txBody>
+      </p:sp>
+      <mc:AlternateContent xmlns:mc="http://schemas.openxmlformats.org/markup-compatibility/2006">
+        <mc:Choice xmlns:a14="http://schemas.microsoft.com/office/drawing/2010/main" Requires="a14">
+          <p:sp>
+            <p:nvSpPr>
+              <p:cNvPr id="3" name="Content Placeholder 2">
+                <a:extLst>
+                  <a:ext uri="{FF2B5EF4-FFF2-40B4-BE49-F238E27FC236}">
+                    <a16:creationId xmlns:a16="http://schemas.microsoft.com/office/drawing/2014/main" id="{3EEA7B3C-51A0-44A3-98CF-E564DC4AF6F4}"/>
+                  </a:ext>
+                </a:extLst>
+              </p:cNvPr>
+              <p:cNvSpPr>
+                <a:spLocks noGrp="1"/>
+              </p:cNvSpPr>
+              <p:nvPr>
+                <p:ph idx="1"/>
+              </p:nvPr>
+            </p:nvSpPr>
+            <p:spPr>
+              <a:xfrm>
+                <a:off x="6314661" y="822769"/>
+                <a:ext cx="5438375" cy="2693550"/>
+              </a:xfrm>
+            </p:spPr>
+            <p:txBody>
+              <a:bodyPr numCol="1">
+                <a:normAutofit fontScale="92500" lnSpcReduction="20000"/>
+              </a:bodyPr>
+              <a:lstStyle/>
+              <a:p>
+                <a:pPr marL="0" indent="0">
+                  <a:lnSpc>
+                    <a:spcPct val="150000"/>
+                  </a:lnSpc>
+                  <a:buNone/>
+                </a:pPr>
+                <a:r>
+                  <a:rPr lang="en-US" sz="1800" dirty="0"/>
+                  <a:t>Final Model Evaluation</a:t>
+                </a:r>
+              </a:p>
+              <a:p>
+                <a:pPr>
+                  <a:lnSpc>
+                    <a:spcPct val="150000"/>
+                  </a:lnSpc>
+                </a:pPr>
+                <a:r>
+                  <a:rPr lang="en-US" dirty="0"/>
+                  <a:t>Accuracy: 0.73</a:t>
+                </a:r>
+              </a:p>
+              <a:p>
+                <a:pPr lvl="1">
+                  <a:lnSpc>
+                    <a:spcPct val="150000"/>
+                  </a:lnSpc>
+                </a:pPr>
+                <a14:m>
+                  <m:oMath xmlns:m="http://schemas.openxmlformats.org/officeDocument/2006/math">
+                    <m:f>
+                      <m:fPr>
+                        <m:ctrlPr>
+                          <a:rPr lang="en-US" b="0" i="1" smtClean="0">
+                            <a:latin typeface="Cambria Math" panose="02040503050406030204" pitchFamily="18" charset="0"/>
+                          </a:rPr>
+                        </m:ctrlPr>
+                      </m:fPr>
+                      <m:num>
+                        <m:r>
+                          <m:rPr>
+                            <m:nor/>
+                          </m:rPr>
+                          <a:rPr lang="en-US" i="0" smtClean="0">
+                            <a:latin typeface="Cambria Math" panose="02040503050406030204" pitchFamily="18" charset="0"/>
+                          </a:rPr>
+                          <m:t>TP</m:t>
+                        </m:r>
+                        <m:r>
+                          <m:rPr>
+                            <m:nor/>
+                          </m:rPr>
+                          <a:rPr lang="en-US" i="0" smtClean="0">
+                            <a:latin typeface="Cambria Math" panose="02040503050406030204" pitchFamily="18" charset="0"/>
+                          </a:rPr>
+                          <m:t>+</m:t>
+                        </m:r>
+                        <m:r>
+                          <m:rPr>
+                            <m:nor/>
+                          </m:rPr>
+                          <a:rPr lang="en-US" i="0" smtClean="0">
+                            <a:latin typeface="Cambria Math" panose="02040503050406030204" pitchFamily="18" charset="0"/>
+                          </a:rPr>
+                          <m:t>TN</m:t>
+                        </m:r>
+                      </m:num>
+                      <m:den>
+                        <m:r>
+                          <m:rPr>
+                            <m:nor/>
+                          </m:rPr>
+                          <a:rPr lang="en-US" dirty="0"/>
+                          <m:t>TP</m:t>
+                        </m:r>
+                        <m:r>
+                          <m:rPr>
+                            <m:nor/>
+                          </m:rPr>
+                          <a:rPr lang="en-US" dirty="0"/>
+                          <m:t> + </m:t>
+                        </m:r>
+                        <m:r>
+                          <m:rPr>
+                            <m:nor/>
+                          </m:rPr>
+                          <a:rPr lang="en-US" dirty="0"/>
+                          <m:t>TN</m:t>
+                        </m:r>
+                        <m:r>
+                          <m:rPr>
+                            <m:nor/>
+                          </m:rPr>
+                          <a:rPr lang="en-US" dirty="0"/>
+                          <m:t> + </m:t>
+                        </m:r>
+                        <m:r>
+                          <m:rPr>
+                            <m:nor/>
+                          </m:rPr>
+                          <a:rPr lang="en-US" dirty="0"/>
+                          <m:t>FN</m:t>
+                        </m:r>
+                        <m:r>
+                          <m:rPr>
+                            <m:nor/>
+                          </m:rPr>
+                          <a:rPr lang="en-US" dirty="0"/>
+                          <m:t> + </m:t>
+                        </m:r>
+                        <m:r>
+                          <m:rPr>
+                            <m:nor/>
+                          </m:rPr>
+                          <a:rPr lang="en-US" dirty="0"/>
+                          <m:t>FP</m:t>
+                        </m:r>
+                        <m:r>
+                          <m:rPr>
+                            <m:nor/>
+                          </m:rPr>
+                          <a:rPr lang="en-US" dirty="0"/>
+                          <m:t> </m:t>
+                        </m:r>
+                      </m:den>
+                    </m:f>
+                  </m:oMath>
+                </a14:m>
+                <a:r>
+                  <a:rPr lang="en-US" dirty="0"/>
+                  <a:t> </a:t>
+                </a:r>
+              </a:p>
+              <a:p>
+                <a:pPr>
+                  <a:lnSpc>
+                    <a:spcPct val="150000"/>
+                  </a:lnSpc>
+                </a:pPr>
+                <a:r>
+                  <a:rPr lang="en-US" dirty="0"/>
+                  <a:t>Balanced Accuracy: 0.72</a:t>
+                </a:r>
+              </a:p>
+              <a:p>
+                <a:pPr lvl="1">
+                  <a:lnSpc>
+                    <a:spcPct val="150000"/>
+                  </a:lnSpc>
+                </a:pPr>
+                <a:r>
+                  <a:rPr lang="en-US" dirty="0"/>
+                  <a:t>Average of Positive and Negative Recall</a:t>
+                </a:r>
+              </a:p>
+              <a:p>
+                <a:pPr lvl="1">
+                  <a:lnSpc>
+                    <a:spcPct val="150000"/>
+                  </a:lnSpc>
+                </a:pPr>
+                <a:r>
+                  <a:rPr lang="en-US" dirty="0"/>
+                  <a:t>Positive Recall = </a:t>
+                </a:r>
+                <a14:m>
+                  <m:oMath xmlns:m="http://schemas.openxmlformats.org/officeDocument/2006/math">
+                    <m:f>
+                      <m:fPr>
+                        <m:ctrlPr>
+                          <a:rPr lang="en-US" i="1" smtClean="0">
+                            <a:latin typeface="Cambria Math" panose="02040503050406030204" pitchFamily="18" charset="0"/>
+                          </a:rPr>
+                        </m:ctrlPr>
+                      </m:fPr>
+                      <m:num>
+                        <m:r>
+                          <a:rPr lang="en-US" b="0" i="1" smtClean="0">
+                            <a:latin typeface="Cambria Math" panose="02040503050406030204" pitchFamily="18" charset="0"/>
+                          </a:rPr>
+                          <m:t>𝑇𝑃</m:t>
+                        </m:r>
+                      </m:num>
+                      <m:den>
+                        <m:r>
+                          <a:rPr lang="en-US" b="0" i="1" smtClean="0">
+                            <a:latin typeface="Cambria Math" panose="02040503050406030204" pitchFamily="18" charset="0"/>
+                          </a:rPr>
+                          <m:t>𝑇𝑃</m:t>
+                        </m:r>
+                        <m:r>
+                          <a:rPr lang="en-US" b="0" i="1" smtClean="0">
+                            <a:latin typeface="Cambria Math" panose="02040503050406030204" pitchFamily="18" charset="0"/>
+                          </a:rPr>
+                          <m:t>+</m:t>
+                        </m:r>
+                        <m:r>
+                          <a:rPr lang="en-US" b="0" i="1" smtClean="0">
+                            <a:latin typeface="Cambria Math" panose="02040503050406030204" pitchFamily="18" charset="0"/>
+                          </a:rPr>
+                          <m:t>𝐹𝑁</m:t>
+                        </m:r>
+                      </m:den>
+                    </m:f>
+                  </m:oMath>
+                </a14:m>
+                <a:endParaRPr lang="en-US" dirty="0"/>
+              </a:p>
+              <a:p>
+                <a:pPr lvl="1">
+                  <a:lnSpc>
+                    <a:spcPct val="150000"/>
+                  </a:lnSpc>
+                </a:pPr>
+                <a:r>
+                  <a:rPr lang="en-US" dirty="0"/>
+                  <a:t>Negative Recall  = </a:t>
+                </a:r>
+                <a14:m>
+                  <m:oMath xmlns:m="http://schemas.openxmlformats.org/officeDocument/2006/math">
+                    <m:f>
+                      <m:fPr>
+                        <m:ctrlPr>
+                          <a:rPr lang="en-US" i="1" smtClean="0">
+                            <a:latin typeface="Cambria Math" panose="02040503050406030204" pitchFamily="18" charset="0"/>
+                          </a:rPr>
+                        </m:ctrlPr>
+                      </m:fPr>
+                      <m:num>
+                        <m:r>
+                          <a:rPr lang="en-US" b="0" i="1" smtClean="0">
+                            <a:latin typeface="Cambria Math" panose="02040503050406030204" pitchFamily="18" charset="0"/>
+                          </a:rPr>
+                          <m:t>𝑇</m:t>
+                        </m:r>
+                        <m:r>
+                          <a:rPr lang="en-US" b="0" i="1" smtClean="0">
+                            <a:latin typeface="Cambria Math" panose="02040503050406030204" pitchFamily="18" charset="0"/>
+                          </a:rPr>
+                          <m:t>𝑁</m:t>
+                        </m:r>
+                      </m:num>
+                      <m:den>
+                        <m:r>
+                          <a:rPr lang="en-US" b="0" i="1" smtClean="0">
+                            <a:latin typeface="Cambria Math" panose="02040503050406030204" pitchFamily="18" charset="0"/>
+                          </a:rPr>
+                          <m:t>𝑇</m:t>
+                        </m:r>
+                        <m:r>
+                          <a:rPr lang="en-US" b="0" i="1" smtClean="0">
+                            <a:latin typeface="Cambria Math" panose="02040503050406030204" pitchFamily="18" charset="0"/>
+                          </a:rPr>
+                          <m:t>𝑁</m:t>
+                        </m:r>
+                        <m:r>
+                          <a:rPr lang="en-US" b="0" i="1" smtClean="0">
+                            <a:latin typeface="Cambria Math" panose="02040503050406030204" pitchFamily="18" charset="0"/>
+                          </a:rPr>
+                          <m:t>+</m:t>
+                        </m:r>
+                        <m:r>
+                          <a:rPr lang="en-US" b="0" i="1" smtClean="0">
+                            <a:latin typeface="Cambria Math" panose="02040503050406030204" pitchFamily="18" charset="0"/>
+                          </a:rPr>
+                          <m:t>𝐹𝑃</m:t>
+                        </m:r>
+                      </m:den>
+                    </m:f>
+                  </m:oMath>
+                </a14:m>
+                <a:endParaRPr lang="en-US" dirty="0"/>
+              </a:p>
+            </p:txBody>
+          </p:sp>
+        </mc:Choice>
+        <mc:Fallback>
+          <p:sp>
+            <p:nvSpPr>
+              <p:cNvPr id="3" name="Content Placeholder 2">
+                <a:extLst>
+                  <a:ext uri="{FF2B5EF4-FFF2-40B4-BE49-F238E27FC236}">
+                    <a16:creationId xmlns:a16="http://schemas.microsoft.com/office/drawing/2014/main" id="{3EEA7B3C-51A0-44A3-98CF-E564DC4AF6F4}"/>
+                  </a:ext>
+                </a:extLst>
+              </p:cNvPr>
+              <p:cNvSpPr>
+                <a:spLocks noGrp="1" noRot="1" noChangeAspect="1" noMove="1" noResize="1" noEditPoints="1" noAdjustHandles="1" noChangeArrowheads="1" noChangeShapeType="1" noTextEdit="1"/>
+              </p:cNvSpPr>
+              <p:nvPr>
+                <p:ph idx="1"/>
+              </p:nvPr>
+            </p:nvSpPr>
+            <p:spPr>
+              <a:xfrm>
+                <a:off x="6314661" y="822769"/>
+                <a:ext cx="5438375" cy="2693550"/>
+              </a:xfrm>
+              <a:blipFill>
+                <a:blip r:embed="rId2"/>
+                <a:stretch>
+                  <a:fillRect l="-785"/>
+                </a:stretch>
+              </a:blipFill>
+            </p:spPr>
+            <p:txBody>
+              <a:bodyPr/>
+              <a:lstStyle/>
+              <a:p>
+                <a:r>
+                  <a:rPr lang="en-US">
+                    <a:noFill/>
+                  </a:rPr>
+                  <a:t> </a:t>
+                </a:r>
+              </a:p>
+            </p:txBody>
+          </p:sp>
+        </mc:Fallback>
+      </mc:AlternateContent>
+      <p:pic>
+        <p:nvPicPr>
+          <p:cNvPr id="6" name="Graphic 5" descr="Badge Cross outline">
+            <a:extLst>
+              <a:ext uri="{FF2B5EF4-FFF2-40B4-BE49-F238E27FC236}">
+                <a16:creationId xmlns:a16="http://schemas.microsoft.com/office/drawing/2014/main" id="{792549FF-6FC2-4B02-85E7-DDC34F29AD99}"/>
+              </a:ext>
+            </a:extLst>
+          </p:cNvPr>
+          <p:cNvPicPr>
+            <a:picLocks noChangeAspect="1"/>
+          </p:cNvPicPr>
+          <p:nvPr/>
+        </p:nvPicPr>
+        <p:blipFill>
+          <a:blip r:embed="rId3">
+            <a:extLst>
+              <a:ext uri="{96DAC541-7B7A-43D3-8B79-37D633B846F1}">
+                <asvg:svgBlip xmlns:asvg="http://schemas.microsoft.com/office/drawing/2016/SVG/main" r:embed="rId4"/>
+              </a:ext>
+            </a:extLst>
+          </a:blip>
+          <a:stretch>
+            <a:fillRect/>
+          </a:stretch>
+        </p:blipFill>
+        <p:spPr>
+          <a:xfrm rot="2700000">
+            <a:off x="5433072" y="605688"/>
+            <a:ext cx="914400" cy="914400"/>
+          </a:xfrm>
+          <a:prstGeom prst="rect">
+            <a:avLst/>
+          </a:prstGeom>
+        </p:spPr>
+      </p:pic>
+      <p:sp>
+        <p:nvSpPr>
+          <p:cNvPr id="7" name="Content Placeholder 2">
+            <a:extLst>
+              <a:ext uri="{FF2B5EF4-FFF2-40B4-BE49-F238E27FC236}">
+                <a16:creationId xmlns:a16="http://schemas.microsoft.com/office/drawing/2014/main" id="{C85873E0-5860-46A6-BC06-BAFEC003B7B9}"/>
+              </a:ext>
+            </a:extLst>
+          </p:cNvPr>
+          <p:cNvSpPr txBox="1">
+            <a:spLocks/>
+          </p:cNvSpPr>
+          <p:nvPr/>
+        </p:nvSpPr>
+        <p:spPr>
+          <a:xfrm>
+            <a:off x="1219200" y="1945487"/>
+            <a:ext cx="5438375" cy="3849624"/>
+          </a:xfrm>
+          <a:prstGeom prst="rect">
+            <a:avLst/>
+          </a:prstGeom>
+        </p:spPr>
+        <p:txBody>
+          <a:bodyPr vert="horz" lIns="91440" tIns="45720" rIns="91440" bIns="45720" rtlCol="0">
+            <a:normAutofit/>
+          </a:bodyPr>
+          <a:lstStyle>
+            <a:lvl1pPr marL="182880" indent="-182880" algn="l" defTabSz="914400" rtl="0" eaLnBrk="1" latinLnBrk="0" hangingPunct="1">
+              <a:lnSpc>
+                <a:spcPct val="120000"/>
+              </a:lnSpc>
+              <a:spcBef>
+                <a:spcPts val="900"/>
+              </a:spcBef>
+              <a:spcAft>
+                <a:spcPts val="0"/>
+              </a:spcAft>
+              <a:buClr>
+                <a:schemeClr val="tx1">
+                  <a:lumMod val="85000"/>
+                  <a:lumOff val="15000"/>
+                </a:schemeClr>
+              </a:buClr>
+              <a:buFont typeface="Garamond" pitchFamily="18" charset="0"/>
+              <a:buChar char="◦"/>
+              <a:defRPr sz="1400" kern="1200">
+                <a:solidFill>
+                  <a:schemeClr val="tx1"/>
+                </a:solidFill>
+                <a:latin typeface="+mn-lt"/>
+                <a:ea typeface="+mn-ea"/>
+                <a:cs typeface="+mn-cs"/>
+              </a:defRPr>
+            </a:lvl1pPr>
+            <a:lvl2pPr marL="457200" indent="-182880" algn="l" defTabSz="914400" rtl="0" eaLnBrk="1" latinLnBrk="0" hangingPunct="1">
+              <a:lnSpc>
+                <a:spcPct val="100000"/>
+              </a:lnSpc>
+              <a:spcBef>
+                <a:spcPts val="500"/>
+              </a:spcBef>
+              <a:buClr>
+                <a:schemeClr val="tx1">
+                  <a:lumMod val="85000"/>
+                  <a:lumOff val="15000"/>
+                </a:schemeClr>
+              </a:buClr>
+              <a:buFont typeface="Garamond" pitchFamily="18" charset="0"/>
+              <a:buChar char="◦"/>
+              <a:defRPr sz="1200" kern="1200">
+                <a:solidFill>
+                  <a:schemeClr val="tx1"/>
+                </a:solidFill>
+                <a:latin typeface="+mn-lt"/>
+                <a:ea typeface="+mn-ea"/>
+                <a:cs typeface="+mn-cs"/>
+              </a:defRPr>
+            </a:lvl2pPr>
+            <a:lvl3pPr marL="731520" indent="-182880" algn="l" defTabSz="914400" rtl="0" eaLnBrk="1" latinLnBrk="0" hangingPunct="1">
+              <a:lnSpc>
+                <a:spcPct val="100000"/>
+              </a:lnSpc>
+              <a:spcBef>
+                <a:spcPts val="500"/>
+              </a:spcBef>
+              <a:buClr>
+                <a:schemeClr val="tx1">
+                  <a:lumMod val="85000"/>
+                  <a:lumOff val="15000"/>
+                </a:schemeClr>
+              </a:buClr>
+              <a:buFont typeface="Garamond" pitchFamily="18" charset="0"/>
+              <a:buChar char="◦"/>
+              <a:defRPr sz="1100" kern="1200">
+                <a:solidFill>
+                  <a:schemeClr val="tx1"/>
+                </a:solidFill>
+                <a:latin typeface="+mn-lt"/>
+                <a:ea typeface="+mn-ea"/>
+                <a:cs typeface="+mn-cs"/>
+              </a:defRPr>
+            </a:lvl3pPr>
+            <a:lvl4pPr marL="1005840" indent="-182880" algn="l" defTabSz="914400" rtl="0" eaLnBrk="1" latinLnBrk="0" hangingPunct="1">
+              <a:lnSpc>
+                <a:spcPct val="100000"/>
+              </a:lnSpc>
+              <a:spcBef>
+                <a:spcPts val="500"/>
+              </a:spcBef>
+              <a:buClr>
+                <a:schemeClr val="tx1">
+                  <a:lumMod val="85000"/>
+                  <a:lumOff val="15000"/>
+                </a:schemeClr>
+              </a:buClr>
+              <a:buFont typeface="Garamond" pitchFamily="18" charset="0"/>
+              <a:buChar char="◦"/>
+              <a:defRPr sz="1100" kern="1200">
+                <a:solidFill>
+                  <a:schemeClr val="tx1"/>
+                </a:solidFill>
+                <a:latin typeface="+mn-lt"/>
+                <a:ea typeface="+mn-ea"/>
+                <a:cs typeface="+mn-cs"/>
+              </a:defRPr>
+            </a:lvl4pPr>
+            <a:lvl5pPr marL="1280160" indent="-182880" algn="l" defTabSz="914400" rtl="0" eaLnBrk="1" latinLnBrk="0" hangingPunct="1">
+              <a:lnSpc>
+                <a:spcPct val="100000"/>
+              </a:lnSpc>
+              <a:spcBef>
+                <a:spcPts val="500"/>
+              </a:spcBef>
+              <a:buClr>
+                <a:schemeClr val="tx1">
+                  <a:lumMod val="85000"/>
+                  <a:lumOff val="15000"/>
+                </a:schemeClr>
+              </a:buClr>
+              <a:buFont typeface="Garamond" pitchFamily="18" charset="0"/>
+              <a:buChar char="◦"/>
+              <a:defRPr sz="1100" kern="1200">
+                <a:solidFill>
+                  <a:schemeClr val="tx1"/>
+                </a:solidFill>
+                <a:latin typeface="+mn-lt"/>
+                <a:ea typeface="+mn-ea"/>
+                <a:cs typeface="+mn-cs"/>
+              </a:defRPr>
+            </a:lvl5pPr>
+            <a:lvl6pPr marL="1600000" indent="-228600" algn="l" defTabSz="914400" rtl="0" eaLnBrk="1" latinLnBrk="0" hangingPunct="1">
+              <a:lnSpc>
+                <a:spcPct val="100000"/>
+              </a:lnSpc>
+              <a:spcBef>
+                <a:spcPts val="500"/>
+              </a:spcBef>
+              <a:buClr>
+                <a:schemeClr val="tx1">
+                  <a:lumMod val="85000"/>
+                  <a:lumOff val="15000"/>
+                </a:schemeClr>
+              </a:buClr>
+              <a:buFont typeface="Garamond" pitchFamily="18" charset="0"/>
+              <a:buChar char="◦"/>
+              <a:defRPr sz="1400" kern="1200">
+                <a:solidFill>
+                  <a:schemeClr val="tx1"/>
+                </a:solidFill>
+                <a:latin typeface="+mn-lt"/>
+                <a:ea typeface="+mn-ea"/>
+                <a:cs typeface="+mn-cs"/>
+              </a:defRPr>
+            </a:lvl6pPr>
+            <a:lvl7pPr marL="1900000" indent="-228600" algn="l" defTabSz="914400" rtl="0" eaLnBrk="1" latinLnBrk="0" hangingPunct="1">
+              <a:lnSpc>
+                <a:spcPct val="100000"/>
+              </a:lnSpc>
+              <a:spcBef>
+                <a:spcPts val="500"/>
+              </a:spcBef>
+              <a:buClr>
+                <a:schemeClr val="tx1">
+                  <a:lumMod val="85000"/>
+                  <a:lumOff val="15000"/>
+                </a:schemeClr>
+              </a:buClr>
+              <a:buFont typeface="Garamond" pitchFamily="18" charset="0"/>
+              <a:buChar char="◦"/>
+              <a:defRPr sz="1400" kern="1200">
+                <a:solidFill>
+                  <a:schemeClr val="tx1"/>
+                </a:solidFill>
+                <a:latin typeface="+mn-lt"/>
+                <a:ea typeface="+mn-ea"/>
+                <a:cs typeface="+mn-cs"/>
+              </a:defRPr>
+            </a:lvl7pPr>
+            <a:lvl8pPr marL="2200000" indent="-228600" algn="l" defTabSz="914400" rtl="0" eaLnBrk="1" latinLnBrk="0" hangingPunct="1">
+              <a:lnSpc>
+                <a:spcPct val="100000"/>
+              </a:lnSpc>
+              <a:spcBef>
+                <a:spcPts val="500"/>
+              </a:spcBef>
+              <a:buClr>
+                <a:schemeClr val="tx1">
+                  <a:lumMod val="85000"/>
+                  <a:lumOff val="15000"/>
+                </a:schemeClr>
+              </a:buClr>
+              <a:buFont typeface="Garamond" pitchFamily="18" charset="0"/>
+              <a:buChar char="◦"/>
+              <a:defRPr sz="1400" kern="1200">
+                <a:solidFill>
+                  <a:schemeClr val="tx1"/>
+                </a:solidFill>
+                <a:latin typeface="+mn-lt"/>
+                <a:ea typeface="+mn-ea"/>
+                <a:cs typeface="+mn-cs"/>
+              </a:defRPr>
+            </a:lvl8pPr>
+            <a:lvl9pPr marL="2500000" indent="-228600" algn="l" defTabSz="914400" rtl="0" eaLnBrk="1" latinLnBrk="0" hangingPunct="1">
+              <a:lnSpc>
+                <a:spcPct val="100000"/>
+              </a:lnSpc>
+              <a:spcBef>
+                <a:spcPts val="500"/>
+              </a:spcBef>
+              <a:buClr>
+                <a:schemeClr val="tx1">
+                  <a:lumMod val="85000"/>
+                  <a:lumOff val="15000"/>
+                </a:schemeClr>
+              </a:buClr>
+              <a:buFont typeface="Garamond" pitchFamily="18" charset="0"/>
+              <a:buChar char="◦"/>
+              <a:defRPr sz="1400" kern="1200">
+                <a:solidFill>
+                  <a:schemeClr val="tx1"/>
+                </a:solidFill>
+                <a:latin typeface="+mn-lt"/>
+                <a:ea typeface="+mn-ea"/>
+                <a:cs typeface="+mn-cs"/>
+              </a:defRPr>
+            </a:lvl9pPr>
+          </a:lstStyle>
+          <a:p>
+            <a:r>
+              <a:rPr lang="en-US" dirty="0"/>
+              <a:t>Logistic Regression</a:t>
+            </a:r>
+          </a:p>
+          <a:p>
+            <a:pPr lvl="1"/>
+            <a:r>
+              <a:rPr lang="en-US" dirty="0"/>
+              <a:t>Relatively simple</a:t>
+            </a:r>
+          </a:p>
+          <a:p>
+            <a:pPr lvl="1"/>
+            <a:r>
+              <a:rPr lang="en-US" dirty="0"/>
+              <a:t>Powerful</a:t>
+            </a:r>
+          </a:p>
+          <a:p>
+            <a:pPr lvl="1"/>
+            <a:r>
+              <a:rPr lang="en-US" dirty="0"/>
+              <a:t>Widely used</a:t>
+            </a:r>
+          </a:p>
+          <a:p>
+            <a:r>
+              <a:rPr lang="en-US" dirty="0"/>
+              <a:t>Iterative Progress</a:t>
+            </a:r>
+          </a:p>
+          <a:p>
+            <a:pPr lvl="1"/>
+            <a:r>
+              <a:rPr lang="en-US" dirty="0"/>
+              <a:t>Split the data into a 75% training set and 25% test set</a:t>
+            </a:r>
+          </a:p>
+          <a:p>
+            <a:pPr lvl="1"/>
+            <a:r>
+              <a:rPr lang="en-US" dirty="0"/>
+              <a:t>Start with a dummy model and a baseline logistic regression</a:t>
+            </a:r>
+          </a:p>
+          <a:p>
+            <a:pPr lvl="1"/>
+            <a:r>
+              <a:rPr lang="en-US" dirty="0"/>
+              <a:t>Make improvements with each successive version of the model</a:t>
+            </a:r>
+          </a:p>
+          <a:p>
+            <a:r>
+              <a:rPr lang="en-US" dirty="0"/>
+              <a:t>Preprocessing</a:t>
+            </a:r>
+          </a:p>
+          <a:p>
+            <a:pPr lvl="1"/>
+            <a:r>
+              <a:rPr lang="en-US" dirty="0"/>
+              <a:t>Set missing categorical values to False</a:t>
+            </a:r>
+          </a:p>
+          <a:p>
+            <a:pPr lvl="1"/>
+            <a:r>
+              <a:rPr lang="en-US" dirty="0"/>
+              <a:t>Filter out highly correlated sets of features</a:t>
+            </a:r>
+          </a:p>
+          <a:p>
+            <a:pPr lvl="1"/>
+            <a:r>
+              <a:rPr lang="en-US" dirty="0"/>
+              <a:t>Reduce the influence of outliers</a:t>
+            </a:r>
+          </a:p>
+          <a:p>
+            <a:pPr lvl="1"/>
+            <a:r>
+              <a:rPr lang="en-US" dirty="0"/>
+              <a:t>Scale the data</a:t>
+            </a:r>
+          </a:p>
+        </p:txBody>
+      </p:sp>
+    </p:spTree>
+    <p:extLst>
+      <p:ext uri="{BB962C8B-B14F-4D97-AF65-F5344CB8AC3E}">
+        <p14:creationId xmlns:p14="http://schemas.microsoft.com/office/powerpoint/2010/main" val="1211616145"/>
+      </p:ext>
+    </p:extLst>
+  </p:cSld>
+  <p:clrMapOvr>
+    <a:masterClrMapping/>
+  </p:clrMapOvr>
+</p:sld>
+</file>
+
+<file path=ppt/slides/slide6.xml><?xml version="1.0" encoding="utf-8"?>
+<p:sld xmlns:a="http://schemas.openxmlformats.org/drawingml/2006/main" xmlns:r="http://schemas.openxmlformats.org/officeDocument/2006/relationships" xmlns:p="http://schemas.openxmlformats.org/presentationml/2006/main">
+  <p:cSld>
+    <p:spTree>
+      <p:nvGrpSpPr>
+        <p:cNvPr id="1" name=""/>
+        <p:cNvGrpSpPr/>
+        <p:nvPr/>
+      </p:nvGrpSpPr>
+      <p:grpSpPr>
+        <a:xfrm>
+          <a:off x="0" y="0"/>
+          <a:ext cx="0" cy="0"/>
+          <a:chOff x="0" y="0"/>
+          <a:chExt cx="0" cy="0"/>
+        </a:xfrm>
+      </p:grpSpPr>
+      <p:sp>
+        <p:nvSpPr>
+          <p:cNvPr id="2" name="Title 1">
+            <a:extLst>
+              <a:ext uri="{FF2B5EF4-FFF2-40B4-BE49-F238E27FC236}">
+                <a16:creationId xmlns:a16="http://schemas.microsoft.com/office/drawing/2014/main" id="{CBD2185A-FE58-46EF-B95D-19CAFB59CE22}"/>
+              </a:ext>
+            </a:extLst>
+          </p:cNvPr>
+          <p:cNvSpPr>
+            <a:spLocks noGrp="1"/>
+          </p:cNvSpPr>
+          <p:nvPr>
+            <p:ph type="title"/>
+          </p:nvPr>
+        </p:nvSpPr>
+        <p:spPr/>
+        <p:txBody>
+          <a:bodyPr/>
+          <a:lstStyle/>
+          <a:p>
+            <a:r>
+              <a:rPr lang="en-US"/>
+              <a:t>Top 4 Features for Prediction</a:t>
+            </a:r>
+            <a:endParaRPr lang="en-US" dirty="0"/>
+          </a:p>
+        </p:txBody>
+      </p:sp>
+      <p:sp>
+        <p:nvSpPr>
+          <p:cNvPr id="6" name="TextBox 5">
+            <a:extLst>
+              <a:ext uri="{FF2B5EF4-FFF2-40B4-BE49-F238E27FC236}">
+                <a16:creationId xmlns:a16="http://schemas.microsoft.com/office/drawing/2014/main" id="{7418E91B-1404-4198-9193-073ECB02FCC4}"/>
+              </a:ext>
+            </a:extLst>
+          </p:cNvPr>
+          <p:cNvSpPr txBox="1"/>
+          <p:nvPr/>
+        </p:nvSpPr>
+        <p:spPr>
+          <a:xfrm>
+            <a:off x="1189111" y="2014194"/>
+            <a:ext cx="4489587" cy="3291286"/>
+          </a:xfrm>
+          <a:prstGeom prst="rect">
+            <a:avLst/>
+          </a:prstGeom>
+          <a:noFill/>
+        </p:spPr>
+        <p:txBody>
+          <a:bodyPr wrap="square" rtlCol="0">
+            <a:spAutoFit/>
+          </a:bodyPr>
+          <a:lstStyle/>
+          <a:p>
+            <a:pPr>
+              <a:lnSpc>
+                <a:spcPct val="150000"/>
+              </a:lnSpc>
+            </a:pPr>
+            <a:r>
+              <a:rPr lang="en-US" sz="1600"/>
+              <a:t>Ordered by magnitude:</a:t>
+            </a:r>
+          </a:p>
+          <a:p>
+            <a:pPr marL="342900" indent="-342900">
+              <a:lnSpc>
+                <a:spcPct val="150000"/>
+              </a:lnSpc>
+              <a:buFont typeface="+mj-lt"/>
+              <a:buAutoNum type="arabicPeriod"/>
+            </a:pPr>
+            <a:r>
+              <a:rPr lang="en-US" sz="1600"/>
+              <a:t>n_employed</a:t>
+            </a:r>
+          </a:p>
+          <a:p>
+            <a:pPr lvl="1">
+              <a:lnSpc>
+                <a:spcPct val="150000"/>
+              </a:lnSpc>
+            </a:pPr>
+            <a:r>
+              <a:rPr lang="en-US" sz="1200"/>
+              <a:t>Portuguese employment count</a:t>
+            </a:r>
+          </a:p>
+          <a:p>
+            <a:pPr marL="342900" indent="-342900">
+              <a:lnSpc>
+                <a:spcPct val="150000"/>
+              </a:lnSpc>
+              <a:buFont typeface="+mj-lt"/>
+              <a:buAutoNum type="arabicPeriod"/>
+            </a:pPr>
+            <a:r>
+              <a:rPr lang="en-US" sz="1600"/>
+              <a:t>prev_success</a:t>
+            </a:r>
+          </a:p>
+          <a:p>
+            <a:pPr lvl="1">
+              <a:lnSpc>
+                <a:spcPct val="150000"/>
+              </a:lnSpc>
+            </a:pPr>
+            <a:r>
+              <a:rPr lang="en-US" sz="1200"/>
+              <a:t>Customer previously opened an investment account as a result of marketing</a:t>
+            </a:r>
+          </a:p>
+          <a:p>
+            <a:pPr marL="342900" indent="-342900">
+              <a:lnSpc>
+                <a:spcPct val="150000"/>
+              </a:lnSpc>
+              <a:buFont typeface="+mj-lt"/>
+              <a:buAutoNum type="arabicPeriod"/>
+            </a:pPr>
+            <a:r>
+              <a:rPr lang="en-US" sz="1600"/>
+              <a:t>contact_month_may</a:t>
+            </a:r>
+          </a:p>
+          <a:p>
+            <a:pPr lvl="1">
+              <a:lnSpc>
+                <a:spcPct val="150000"/>
+              </a:lnSpc>
+            </a:pPr>
+            <a:r>
+              <a:rPr lang="en-US" sz="1200"/>
+              <a:t>Contacted in May</a:t>
+            </a:r>
+          </a:p>
+          <a:p>
+            <a:pPr marL="342900" indent="-342900">
+              <a:lnSpc>
+                <a:spcPct val="150000"/>
+              </a:lnSpc>
+              <a:buFont typeface="+mj-lt"/>
+              <a:buAutoNum type="arabicPeriod"/>
+            </a:pPr>
+            <a:r>
+              <a:rPr lang="en-US" sz="1600"/>
+              <a:t>contact_cellular</a:t>
+            </a:r>
+          </a:p>
+          <a:p>
+            <a:pPr lvl="1">
+              <a:lnSpc>
+                <a:spcPct val="150000"/>
+              </a:lnSpc>
+            </a:pPr>
+            <a:r>
+              <a:rPr lang="en-US" sz="1200"/>
+              <a:t>Contacted on a cell phone as opposed to a landline</a:t>
+            </a:r>
+            <a:endParaRPr lang="en-US" sz="1200" dirty="0"/>
+          </a:p>
+        </p:txBody>
+      </p:sp>
+      <p:pic>
+        <p:nvPicPr>
+          <p:cNvPr id="10" name="Content Placeholder 9">
+            <a:extLst>
+              <a:ext uri="{FF2B5EF4-FFF2-40B4-BE49-F238E27FC236}">
+                <a16:creationId xmlns:a16="http://schemas.microsoft.com/office/drawing/2014/main" id="{8B1F0428-1632-4F57-A02E-43DB0107ACD3}"/>
+              </a:ext>
+            </a:extLst>
+          </p:cNvPr>
+          <p:cNvPicPr>
+            <a:picLocks noGrp="1" noChangeAspect="1"/>
+          </p:cNvPicPr>
+          <p:nvPr>
+            <p:ph idx="1"/>
+          </p:nvPr>
+        </p:nvPicPr>
+        <p:blipFill>
+          <a:blip r:embed="rId2">
+            <a:extLst>
+              <a:ext uri="{96DAC541-7B7A-43D3-8B79-37D633B846F1}">
+                <asvg:svgBlip xmlns:asvg="http://schemas.microsoft.com/office/drawing/2016/SVG/main" r:embed="rId3"/>
+              </a:ext>
+            </a:extLst>
+          </a:blip>
+          <a:stretch>
+            <a:fillRect/>
+          </a:stretch>
+        </p:blipFill>
+        <p:spPr>
+          <a:xfrm>
+            <a:off x="6096000" y="1856064"/>
+            <a:ext cx="4545004" cy="3849687"/>
+          </a:xfrm>
+        </p:spPr>
+      </p:pic>
+    </p:spTree>
+    <p:extLst>
+      <p:ext uri="{BB962C8B-B14F-4D97-AF65-F5344CB8AC3E}">
+        <p14:creationId xmlns:p14="http://schemas.microsoft.com/office/powerpoint/2010/main" val="928779396"/>
+      </p:ext>
+    </p:extLst>
+  </p:cSld>
+  <p:clrMapOvr>
+    <a:masterClrMapping/>
+  </p:clrMapOvr>
+</p:sld>
+</file>
+
+<file path=ppt/slides/slide7.xml><?xml version="1.0" encoding="utf-8"?>
+<p:sld xmlns:a="http://schemas.openxmlformats.org/drawingml/2006/main" xmlns:r="http://schemas.openxmlformats.org/officeDocument/2006/relationships" xmlns:p="http://schemas.openxmlformats.org/presentationml/2006/main">
+  <p:cSld>
+    <p:bg>
+      <p:bgPr>
+        <a:solidFill>
+          <a:schemeClr val="bg1"/>
+        </a:solidFill>
+        <a:effectLst/>
+      </p:bgPr>
+    </p:bg>
+    <p:spTree>
+      <p:nvGrpSpPr>
+        <p:cNvPr id="1" name=""/>
+        <p:cNvGrpSpPr/>
+        <p:nvPr/>
+      </p:nvGrpSpPr>
+      <p:grpSpPr>
+        <a:xfrm>
+          <a:off x="0" y="0"/>
+          <a:ext cx="0" cy="0"/>
+          <a:chOff x="0" y="0"/>
+          <a:chExt cx="0" cy="0"/>
+        </a:xfrm>
+      </p:grpSpPr>
+      <p:sp useBgFill="1">
+        <p:nvSpPr>
+          <p:cNvPr id="12" name="Rectangle 11">
+            <a:extLst>
+              <a:ext uri="{FF2B5EF4-FFF2-40B4-BE49-F238E27FC236}">
+                <a16:creationId xmlns:a16="http://schemas.microsoft.com/office/drawing/2014/main" id="{1E94681D-2A4C-4A8D-B9B5-31D440D0328D}"/>
+              </a:ext>
+              <a:ext uri="{C183D7F6-B498-43B3-948B-1728B52AA6E4}">
+                <adec:decorative xmlns:adec="http://schemas.microsoft.com/office/drawing/2017/decorative" val="1"/>
+              </a:ext>
+            </a:extLst>
+          </p:cNvPr>
+          <p:cNvSpPr>
+            <a:spLocks noGrp="1" noRot="1" noChangeAspect="1" noMove="1" noResize="1" noEditPoints="1" noAdjustHandles="1" noChangeArrowheads="1" noChangeShapeType="1" noTextEdit="1"/>
+          </p:cNvSpPr>
+          <p:nvPr>
+            <p:extLst>
+              <p:ext uri="{386F3935-93C4-4BCD-93E2-E3B085C9AB24}">
+                <p16:designElem xmlns:p16="http://schemas.microsoft.com/office/powerpoint/2015/main" val="1"/>
+              </p:ext>
+            </p:extLst>
+          </p:nvPr>
+        </p:nvSpPr>
+        <p:spPr>
+          <a:xfrm>
+            <a:off x="0" y="0"/>
+            <a:ext cx="12192000" cy="6858000"/>
+          </a:xfrm>
+          <a:prstGeom prst="rect">
+            <a:avLst/>
+          </a:prstGeom>
+          <a:ln>
+            <a:noFill/>
+          </a:ln>
+        </p:spPr>
+        <p:style>
+          <a:lnRef idx="2">
+            <a:schemeClr val="accent1">
+              <a:shade val="50000"/>
+            </a:schemeClr>
+          </a:lnRef>
+          <a:fillRef idx="1">
+            <a:schemeClr val="accent1"/>
+          </a:fillRef>
+          <a:effectRef idx="0">
+            <a:schemeClr val="accent1"/>
+          </a:effectRef>
+          <a:fontRef idx="minor">
+            <a:schemeClr val="lt1"/>
+          </a:fontRef>
+        </p:style>
+        <p:txBody>
+          <a:bodyPr rtlCol="0" anchor="ctr"/>
+          <a:lstStyle/>
+          <a:p>
+            <a:pPr algn="ctr"/>
+            <a:endParaRPr lang="en-US"/>
+          </a:p>
+        </p:txBody>
+      </p:sp>
+      <p:sp>
+        <p:nvSpPr>
+          <p:cNvPr id="14" name="Rectangle 13">
+            <a:extLst>
+              <a:ext uri="{FF2B5EF4-FFF2-40B4-BE49-F238E27FC236}">
+                <a16:creationId xmlns:a16="http://schemas.microsoft.com/office/drawing/2014/main" id="{04B7AC44-1B7B-4F09-9AA4-3DFDEC5751A8}"/>
+              </a:ext>
+              <a:ext uri="{C183D7F6-B498-43B3-948B-1728B52AA6E4}">
+                <adec:decorative xmlns:adec="http://schemas.microsoft.com/office/drawing/2017/decorative" val="1"/>
+              </a:ext>
+            </a:extLst>
+          </p:cNvPr>
+          <p:cNvSpPr>
+            <a:spLocks noGrp="1" noRot="1" noChangeAspect="1" noMove="1" noResize="1" noEditPoints="1" noAdjustHandles="1" noChangeArrowheads="1" noChangeShapeType="1" noTextEdit="1"/>
+          </p:cNvSpPr>
+          <p:nvPr>
+            <p:extLst>
+              <p:ext uri="{386F3935-93C4-4BCD-93E2-E3B085C9AB24}">
+                <p16:designElem xmlns:p16="http://schemas.microsoft.com/office/powerpoint/2015/main" val="1"/>
+              </p:ext>
+            </p:extLst>
+          </p:nvPr>
+        </p:nvSpPr>
+        <p:spPr>
+          <a:xfrm>
+            <a:off x="234696" y="237744"/>
+            <a:ext cx="11722608" cy="6382512"/>
+          </a:xfrm>
+          <a:prstGeom prst="rect">
+            <a:avLst/>
+          </a:prstGeom>
+          <a:solidFill>
+            <a:schemeClr val="bg1">
+              <a:lumMod val="75000"/>
+              <a:alpha val="60000"/>
+            </a:schemeClr>
+          </a:solidFill>
+          <a:ln w="6350" cap="flat" cmpd="sng" algn="ctr">
+            <a:noFill/>
+            <a:prstDash val="solid"/>
+          </a:ln>
+          <a:effectLst>
+            <a:softEdge rad="0"/>
+          </a:effectLst>
+        </p:spPr>
+      </p:sp>
+      <p:sp>
+        <p:nvSpPr>
+          <p:cNvPr id="16" name="Rectangle 15">
+            <a:extLst>
+              <a:ext uri="{FF2B5EF4-FFF2-40B4-BE49-F238E27FC236}">
+                <a16:creationId xmlns:a16="http://schemas.microsoft.com/office/drawing/2014/main" id="{6683E473-94FF-4ACE-9433-1F14799E8907}"/>
+              </a:ext>
+              <a:ext uri="{C183D7F6-B498-43B3-948B-1728B52AA6E4}">
+                <adec:decorative xmlns:adec="http://schemas.microsoft.com/office/drawing/2017/decorative" val="1"/>
+              </a:ext>
+            </a:extLst>
+          </p:cNvPr>
+          <p:cNvSpPr>
+            <a:spLocks noGrp="1" noRot="1" noChangeAspect="1" noMove="1" noResize="1" noEditPoints="1" noAdjustHandles="1" noChangeArrowheads="1" noChangeShapeType="1" noTextEdit="1"/>
+          </p:cNvSpPr>
+          <p:nvPr>
+            <p:extLst>
+              <p:ext uri="{386F3935-93C4-4BCD-93E2-E3B085C9AB24}">
+                <p16:designElem xmlns:p16="http://schemas.microsoft.com/office/powerpoint/2015/main" val="1"/>
+              </p:ext>
+            </p:extLst>
+          </p:nvPr>
+        </p:nvSpPr>
+        <p:spPr>
+          <a:xfrm>
+            <a:off x="371856" y="374904"/>
+            <a:ext cx="11448288" cy="6108192"/>
+          </a:xfrm>
+          <a:prstGeom prst="rect">
+            <a:avLst/>
+          </a:prstGeom>
+          <a:noFill/>
+          <a:ln w="6350" cap="sq" cmpd="sng" algn="ctr">
+            <a:solidFill>
+              <a:schemeClr val="tx1">
+                <a:lumMod val="85000"/>
+                <a:lumOff val="15000"/>
+              </a:schemeClr>
+            </a:solidFill>
+            <a:prstDash val="solid"/>
+            <a:miter lim="800000"/>
+          </a:ln>
+          <a:effectLst/>
+        </p:spPr>
+      </p:sp>
+      <p:sp>
+        <p:nvSpPr>
+          <p:cNvPr id="18" name="Rectangle 17">
+            <a:extLst>
+              <a:ext uri="{FF2B5EF4-FFF2-40B4-BE49-F238E27FC236}">
+                <a16:creationId xmlns:a16="http://schemas.microsoft.com/office/drawing/2014/main" id="{282E2A95-1A08-4118-83C6-B1CA5648E075}"/>
+              </a:ext>
+              <a:ext uri="{C183D7F6-B498-43B3-948B-1728B52AA6E4}">
+                <adec:decorative xmlns:adec="http://schemas.microsoft.com/office/drawing/2017/decorative" val="1"/>
+              </a:ext>
+            </a:extLst>
+          </p:cNvPr>
+          <p:cNvSpPr>
+            <a:spLocks noGrp="1" noRot="1" noChangeAspect="1" noMove="1" noResize="1" noEditPoints="1" noAdjustHandles="1" noChangeArrowheads="1" noChangeShapeType="1" noTextEdit="1"/>
+          </p:cNvSpPr>
+          <p:nvPr>
+            <p:extLst>
+              <p:ext uri="{386F3935-93C4-4BCD-93E2-E3B085C9AB24}">
+                <p16:designElem xmlns:p16="http://schemas.microsoft.com/office/powerpoint/2015/main" val="1"/>
+              </p:ext>
+            </p:extLst>
+          </p:nvPr>
+        </p:nvSpPr>
+        <p:spPr>
+          <a:xfrm>
+            <a:off x="0" y="0"/>
+            <a:ext cx="12192000" cy="6858000"/>
+          </a:xfrm>
+          <a:prstGeom prst="rect">
+            <a:avLst/>
+          </a:prstGeom>
+          <a:ln>
+            <a:noFill/>
+          </a:ln>
+        </p:spPr>
+        <p:style>
+          <a:lnRef idx="2">
+            <a:schemeClr val="accent1">
+              <a:shade val="50000"/>
+            </a:schemeClr>
+          </a:lnRef>
+          <a:fillRef idx="1001">
+            <a:schemeClr val="lt1"/>
+          </a:fillRef>
+          <a:effectRef idx="0">
+            <a:schemeClr val="accent1"/>
+          </a:effectRef>
+          <a:fontRef idx="minor">
+            <a:schemeClr val="lt1"/>
+          </a:fontRef>
+        </p:style>
+        <p:txBody>
+          <a:bodyPr rtlCol="0" anchor="ctr"/>
+          <a:lstStyle/>
+          <a:p>
+            <a:pPr algn="ctr"/>
+            <a:endParaRPr lang="en-US"/>
+          </a:p>
+        </p:txBody>
+      </p:sp>
+      <p:sp>
+        <p:nvSpPr>
+          <p:cNvPr id="20" name="Rectangle 19">
+            <a:extLst>
+              <a:ext uri="{FF2B5EF4-FFF2-40B4-BE49-F238E27FC236}">
+                <a16:creationId xmlns:a16="http://schemas.microsoft.com/office/drawing/2014/main" id="{2FFEFC7E-85EE-4AC9-A351-FBEB13A1D622}"/>
+              </a:ext>
+              <a:ext uri="{C183D7F6-B498-43B3-948B-1728B52AA6E4}">
+                <adec:decorative xmlns:adec="http://schemas.microsoft.com/office/drawing/2017/decorative" val="1"/>
+              </a:ext>
+            </a:extLst>
+          </p:cNvPr>
+          <p:cNvSpPr>
+            <a:spLocks noGrp="1" noRot="1" noChangeAspect="1" noMove="1" noResize="1" noEditPoints="1" noAdjustHandles="1" noChangeArrowheads="1" noChangeShapeType="1" noTextEdit="1"/>
+          </p:cNvSpPr>
+          <p:nvPr>
+            <p:extLst>
+              <p:ext uri="{386F3935-93C4-4BCD-93E2-E3B085C9AB24}">
+                <p16:designElem xmlns:p16="http://schemas.microsoft.com/office/powerpoint/2015/main" val="1"/>
+              </p:ext>
+            </p:extLst>
+          </p:nvPr>
+        </p:nvSpPr>
+        <p:spPr>
+          <a:xfrm>
+            <a:off x="245534" y="237744"/>
+            <a:ext cx="2926080" cy="6382512"/>
+          </a:xfrm>
+          <a:prstGeom prst="rect">
+            <a:avLst/>
+          </a:prstGeom>
+          <a:solidFill>
+            <a:schemeClr val="bg1">
+              <a:lumMod val="75000"/>
+              <a:lumOff val="25000"/>
+            </a:schemeClr>
+          </a:solidFill>
+          <a:ln>
+            <a:noFill/>
+          </a:ln>
+        </p:spPr>
+        <p:style>
+          <a:lnRef idx="2">
+            <a:schemeClr val="accent1">
+              <a:shade val="50000"/>
+            </a:schemeClr>
+          </a:lnRef>
+          <a:fillRef idx="1">
+            <a:schemeClr val="accent1"/>
+          </a:fillRef>
+          <a:effectRef idx="0">
+            <a:schemeClr val="accent1"/>
+          </a:effectRef>
+          <a:fontRef idx="minor">
+            <a:schemeClr val="lt1"/>
+          </a:fontRef>
+        </p:style>
+      </p:sp>
+      <p:sp>
+        <p:nvSpPr>
+          <p:cNvPr id="22" name="Rectangle 21">
+            <a:extLst>
+              <a:ext uri="{FF2B5EF4-FFF2-40B4-BE49-F238E27FC236}">
+                <a16:creationId xmlns:a16="http://schemas.microsoft.com/office/drawing/2014/main" id="{CB2511BB-FC4C-45F3-94EB-661D6806C942}"/>
+              </a:ext>
+              <a:ext uri="{C183D7F6-B498-43B3-948B-1728B52AA6E4}">
+                <adec:decorative xmlns:adec="http://schemas.microsoft.com/office/drawing/2017/decorative" val="1"/>
+              </a:ext>
+            </a:extLst>
+          </p:cNvPr>
+          <p:cNvSpPr>
+            <a:spLocks noGrp="1" noRot="1" noChangeAspect="1" noMove="1" noResize="1" noEditPoints="1" noAdjustHandles="1" noChangeArrowheads="1" noChangeShapeType="1" noTextEdit="1"/>
+          </p:cNvSpPr>
+          <p:nvPr>
+            <p:extLst>
+              <p:ext uri="{386F3935-93C4-4BCD-93E2-E3B085C9AB24}">
+                <p16:designElem xmlns:p16="http://schemas.microsoft.com/office/powerpoint/2015/main" val="1"/>
+              </p:ext>
+            </p:extLst>
+          </p:nvPr>
+        </p:nvSpPr>
+        <p:spPr>
+          <a:xfrm>
+            <a:off x="419100" y="413053"/>
+            <a:ext cx="2616201" cy="6064596"/>
+          </a:xfrm>
+          <a:prstGeom prst="rect">
+            <a:avLst/>
+          </a:prstGeom>
+          <a:noFill/>
+          <a:ln w="6350">
+            <a:solidFill>
+              <a:schemeClr val="tx1">
+                <a:lumMod val="75000"/>
+                <a:lumOff val="25000"/>
+              </a:schemeClr>
+            </a:solidFill>
+          </a:ln>
+        </p:spPr>
+        <p:style>
+          <a:lnRef idx="2">
+            <a:schemeClr val="accent1">
+              <a:shade val="50000"/>
+            </a:schemeClr>
+          </a:lnRef>
+          <a:fillRef idx="1">
+            <a:schemeClr val="accent1"/>
+          </a:fillRef>
+          <a:effectRef idx="0">
+            <a:schemeClr val="accent1"/>
+          </a:effectRef>
+          <a:fontRef idx="minor">
+            <a:schemeClr val="lt1"/>
+          </a:fontRef>
+        </p:style>
+        <p:txBody>
+          <a:bodyPr rtlCol="0" anchor="ctr"/>
+          <a:lstStyle/>
+          <a:p>
+            <a:pPr algn="ctr"/>
+            <a:endParaRPr lang="en-US"/>
+          </a:p>
+        </p:txBody>
+      </p:sp>
+      <p:sp>
+        <p:nvSpPr>
+          <p:cNvPr id="2" name="Title 1">
+            <a:extLst>
+              <a:ext uri="{FF2B5EF4-FFF2-40B4-BE49-F238E27FC236}">
+                <a16:creationId xmlns:a16="http://schemas.microsoft.com/office/drawing/2014/main" id="{A78DA82A-1948-48FF-AF61-3CA713BC4CC9}"/>
+              </a:ext>
+            </a:extLst>
+          </p:cNvPr>
+          <p:cNvSpPr>
+            <a:spLocks noGrp="1"/>
+          </p:cNvSpPr>
+          <p:nvPr>
+            <p:ph type="title"/>
+          </p:nvPr>
+        </p:nvSpPr>
+        <p:spPr>
+          <a:xfrm>
+            <a:off x="570960" y="543340"/>
+            <a:ext cx="2312480" cy="1452516"/>
+          </a:xfrm>
+        </p:spPr>
+        <p:txBody>
+          <a:bodyPr vert="horz" lIns="91440" tIns="45720" rIns="91440" bIns="45720" rtlCol="0" anchor="b">
+            <a:normAutofit fontScale="90000"/>
+          </a:bodyPr>
+          <a:lstStyle/>
+          <a:p>
+            <a:r>
+              <a:rPr lang="en-US" sz="2800" dirty="0"/>
+              <a:t>Push Hard When Employment is Low</a:t>
+            </a:r>
+          </a:p>
+        </p:txBody>
+      </p:sp>
+      <p:sp>
+        <p:nvSpPr>
+          <p:cNvPr id="7" name="Content Placeholder 6">
+            <a:extLst>
+              <a:ext uri="{FF2B5EF4-FFF2-40B4-BE49-F238E27FC236}">
+                <a16:creationId xmlns:a16="http://schemas.microsoft.com/office/drawing/2014/main" id="{07307AA2-FF0A-4554-A7E9-144D63C1967F}"/>
+              </a:ext>
+            </a:extLst>
+          </p:cNvPr>
+          <p:cNvSpPr>
+            <a:spLocks noGrp="1"/>
+          </p:cNvSpPr>
+          <p:nvPr>
+            <p:ph sz="half" idx="2"/>
+          </p:nvPr>
+        </p:nvSpPr>
+        <p:spPr>
+          <a:xfrm>
+            <a:off x="552334" y="2133016"/>
+            <a:ext cx="2312479" cy="3719973"/>
+          </a:xfrm>
+        </p:spPr>
+        <p:txBody>
+          <a:bodyPr vert="horz" lIns="91440" tIns="45720" rIns="91440" bIns="45720" rtlCol="0">
+            <a:normAutofit fontScale="85000" lnSpcReduction="20000"/>
+          </a:bodyPr>
+          <a:lstStyle/>
+          <a:p>
+            <a:pPr>
+              <a:lnSpc>
+                <a:spcPct val="100000"/>
+              </a:lnSpc>
+            </a:pPr>
+            <a:r>
+              <a:rPr lang="en-US" sz="1400" dirty="0">
+                <a:solidFill>
+                  <a:schemeClr val="tx1">
+                    <a:lumMod val="85000"/>
+                    <a:lumOff val="15000"/>
+                  </a:schemeClr>
+                </a:solidFill>
+              </a:rPr>
+              <a:t>Undoubtedly, a very strong relationship</a:t>
+            </a:r>
+          </a:p>
+          <a:p>
+            <a:pPr>
+              <a:lnSpc>
+                <a:spcPct val="100000"/>
+              </a:lnSpc>
+            </a:pPr>
+            <a:r>
+              <a:rPr lang="en-US" sz="1400" dirty="0">
+                <a:solidFill>
+                  <a:schemeClr val="tx1">
+                    <a:lumMod val="85000"/>
+                    <a:lumOff val="15000"/>
+                  </a:schemeClr>
+                </a:solidFill>
+              </a:rPr>
+              <a:t>The underlying mechanism behind this relationship is unknown to me</a:t>
+            </a:r>
+          </a:p>
+          <a:p>
+            <a:pPr>
+              <a:lnSpc>
+                <a:spcPct val="100000"/>
+              </a:lnSpc>
+            </a:pPr>
+            <a:r>
+              <a:rPr lang="en-US" sz="1400" dirty="0">
+                <a:solidFill>
+                  <a:schemeClr val="tx1">
+                    <a:lumMod val="85000"/>
+                    <a:lumOff val="15000"/>
+                  </a:schemeClr>
+                </a:solidFill>
+              </a:rPr>
+              <a:t>A surprising discovery resulting from my model</a:t>
+            </a:r>
+          </a:p>
+          <a:p>
+            <a:pPr>
+              <a:lnSpc>
+                <a:spcPct val="100000"/>
+              </a:lnSpc>
+            </a:pPr>
+            <a:r>
+              <a:rPr lang="en-US" sz="1400" dirty="0">
+                <a:solidFill>
+                  <a:schemeClr val="tx1">
+                    <a:lumMod val="85000"/>
+                    <a:lumOff val="15000"/>
+                  </a:schemeClr>
+                </a:solidFill>
+              </a:rPr>
+              <a:t>What is the conversion rate for unemployed people?</a:t>
+            </a:r>
+          </a:p>
+          <a:p>
+            <a:pPr>
+              <a:lnSpc>
+                <a:spcPct val="100000"/>
+              </a:lnSpc>
+            </a:pPr>
+            <a:endParaRPr lang="en-US" sz="1400" dirty="0">
+              <a:solidFill>
+                <a:schemeClr val="tx1">
+                  <a:lumMod val="85000"/>
+                  <a:lumOff val="15000"/>
+                </a:schemeClr>
+              </a:solidFill>
+            </a:endParaRPr>
+          </a:p>
+          <a:p>
+            <a:pPr marL="0" indent="0">
+              <a:lnSpc>
+                <a:spcPct val="100000"/>
+              </a:lnSpc>
+              <a:buNone/>
+            </a:pPr>
+            <a:r>
+              <a:rPr lang="en-US" sz="1400" b="1" dirty="0">
+                <a:solidFill>
+                  <a:schemeClr val="tx1">
+                    <a:lumMod val="85000"/>
+                    <a:lumOff val="15000"/>
+                  </a:schemeClr>
+                </a:solidFill>
+              </a:rPr>
+              <a:t>Recommendation</a:t>
+            </a:r>
+            <a:r>
+              <a:rPr lang="en-US" sz="1400" dirty="0">
+                <a:solidFill>
+                  <a:schemeClr val="tx1">
+                    <a:lumMod val="85000"/>
+                    <a:lumOff val="15000"/>
+                  </a:schemeClr>
+                </a:solidFill>
+              </a:rPr>
+              <a:t>:</a:t>
+            </a:r>
+          </a:p>
+          <a:p>
+            <a:pPr marL="0" indent="0">
+              <a:lnSpc>
+                <a:spcPct val="100000"/>
+              </a:lnSpc>
+              <a:buNone/>
+            </a:pPr>
+            <a:r>
+              <a:rPr lang="en-US" sz="1400" dirty="0">
+                <a:solidFill>
+                  <a:schemeClr val="tx1">
+                    <a:lumMod val="85000"/>
+                    <a:lumOff val="15000"/>
+                  </a:schemeClr>
+                </a:solidFill>
+              </a:rPr>
+              <a:t>Pump resources into marketing when employment is </a:t>
+            </a:r>
+            <a:r>
+              <a:rPr lang="en-US" sz="1400" b="1" dirty="0">
+                <a:solidFill>
+                  <a:schemeClr val="tx1">
+                    <a:lumMod val="85000"/>
+                    <a:lumOff val="15000"/>
+                  </a:schemeClr>
+                </a:solidFill>
+              </a:rPr>
+              <a:t>low.</a:t>
+            </a:r>
+          </a:p>
+          <a:p>
+            <a:pPr marL="0" indent="0">
+              <a:lnSpc>
+                <a:spcPct val="100000"/>
+              </a:lnSpc>
+              <a:buNone/>
+            </a:pPr>
+            <a:r>
+              <a:rPr lang="en-US" sz="1400" dirty="0">
+                <a:solidFill>
+                  <a:schemeClr val="tx1">
+                    <a:lumMod val="85000"/>
+                    <a:lumOff val="15000"/>
+                  </a:schemeClr>
+                </a:solidFill>
+              </a:rPr>
+              <a:t>Relax your efforts when employment is </a:t>
+            </a:r>
+            <a:r>
+              <a:rPr lang="en-US" sz="1400" b="1" dirty="0">
+                <a:solidFill>
+                  <a:schemeClr val="tx1">
+                    <a:lumMod val="85000"/>
+                    <a:lumOff val="15000"/>
+                  </a:schemeClr>
+                </a:solidFill>
+              </a:rPr>
+              <a:t>high</a:t>
+            </a:r>
+            <a:r>
+              <a:rPr lang="en-US" sz="1400" dirty="0">
+                <a:solidFill>
+                  <a:schemeClr val="tx1">
+                    <a:lumMod val="85000"/>
+                    <a:lumOff val="15000"/>
+                  </a:schemeClr>
+                </a:solidFill>
+              </a:rPr>
+              <a:t>.</a:t>
+            </a:r>
+          </a:p>
+        </p:txBody>
+      </p:sp>
+      <p:sp>
+        <p:nvSpPr>
+          <p:cNvPr id="24" name="Rectangle 23">
+            <a:extLst>
+              <a:ext uri="{FF2B5EF4-FFF2-40B4-BE49-F238E27FC236}">
+                <a16:creationId xmlns:a16="http://schemas.microsoft.com/office/drawing/2014/main" id="{68DC0EC7-60EA-4BD3-BC04-D547DE1B2891}"/>
+              </a:ext>
+              <a:ext uri="{C183D7F6-B498-43B3-948B-1728B52AA6E4}">
+                <adec:decorative xmlns:adec="http://schemas.microsoft.com/office/drawing/2017/decorative" val="1"/>
+              </a:ext>
+            </a:extLst>
+          </p:cNvPr>
+          <p:cNvSpPr>
+            <a:spLocks noGrp="1" noRot="1" noChangeAspect="1" noMove="1" noResize="1" noEditPoints="1" noAdjustHandles="1" noChangeArrowheads="1" noChangeShapeType="1" noTextEdit="1"/>
+          </p:cNvSpPr>
+          <p:nvPr>
+            <p:extLst>
+              <p:ext uri="{386F3935-93C4-4BCD-93E2-E3B085C9AB24}">
+                <p16:designElem xmlns:p16="http://schemas.microsoft.com/office/powerpoint/2015/main" val="1"/>
+              </p:ext>
+            </p:extLst>
+          </p:nvPr>
+        </p:nvSpPr>
+        <p:spPr>
+          <a:xfrm>
+            <a:off x="3569764" y="413053"/>
+            <a:ext cx="8212114" cy="6064596"/>
+          </a:xfrm>
+          <a:prstGeom prst="rect">
+            <a:avLst/>
+          </a:prstGeom>
+          <a:noFill/>
+          <a:ln w="6350" cap="sq" cmpd="sng" algn="ctr">
+            <a:solidFill>
+              <a:srgbClr val="404040"/>
+            </a:solidFill>
+            <a:prstDash val="solid"/>
+            <a:miter lim="800000"/>
+          </a:ln>
+          <a:effectLst/>
+        </p:spPr>
+      </p:sp>
+      <p:pic>
+        <p:nvPicPr>
+          <p:cNvPr id="5" name="Content Placeholder 4">
+            <a:extLst>
+              <a:ext uri="{FF2B5EF4-FFF2-40B4-BE49-F238E27FC236}">
+                <a16:creationId xmlns:a16="http://schemas.microsoft.com/office/drawing/2014/main" id="{3E625C6F-15DC-4263-9F1F-1DC3FD1E0738}"/>
+              </a:ext>
+            </a:extLst>
+          </p:cNvPr>
+          <p:cNvPicPr>
+            <a:picLocks noGrp="1" noChangeAspect="1"/>
+          </p:cNvPicPr>
+          <p:nvPr>
+            <p:ph sz="half" idx="1"/>
+          </p:nvPr>
+        </p:nvPicPr>
+        <p:blipFill>
+          <a:blip r:embed="rId2">
+            <a:extLst>
+              <a:ext uri="{96DAC541-7B7A-43D3-8B79-37D633B846F1}">
+                <asvg:svgBlip xmlns:asvg="http://schemas.microsoft.com/office/drawing/2016/SVG/main" r:embed="rId3"/>
+              </a:ext>
+            </a:extLst>
+          </a:blip>
+          <a:stretch>
+            <a:fillRect/>
+          </a:stretch>
+        </p:blipFill>
+        <p:spPr>
+          <a:xfrm>
+            <a:off x="4344658" y="882398"/>
+            <a:ext cx="6647405" cy="5121612"/>
+          </a:xfrm>
+          <a:prstGeom prst="rect">
+            <a:avLst/>
+          </a:prstGeom>
+        </p:spPr>
+      </p:pic>
+    </p:spTree>
+    <p:extLst>
+      <p:ext uri="{BB962C8B-B14F-4D97-AF65-F5344CB8AC3E}">
+        <p14:creationId xmlns:p14="http://schemas.microsoft.com/office/powerpoint/2010/main" val="827849368"/>
+      </p:ext>
+    </p:extLst>
+  </p:cSld>
+  <p:clrMapOvr>
+    <a:overrideClrMapping bg1="dk1" tx1="lt1" bg2="dk2" tx2="lt2" accent1="accent1" accent2="accent2" accent3="accent3" accent4="accent4" accent5="accent5" accent6="accent6" hlink="hlink" folHlink="folHlink"/>
+  </p:clrMapOvr>
+</p:sld>
+</file>
+
+<file path=ppt/slides/slide8.xml><?xml version="1.0" encoding="utf-8"?>
+<p:sld xmlns:a="http://schemas.openxmlformats.org/drawingml/2006/main" xmlns:r="http://schemas.openxmlformats.org/officeDocument/2006/relationships" xmlns:p="http://schemas.openxmlformats.org/presentationml/2006/main">
+  <p:cSld>
+    <p:bg>
+      <p:bgPr>
+        <a:solidFill>
+          <a:schemeClr val="bg1"/>
+        </a:solidFill>
+        <a:effectLst/>
+      </p:bgPr>
+    </p:bg>
+    <p:spTree>
+      <p:nvGrpSpPr>
+        <p:cNvPr id="1" name=""/>
+        <p:cNvGrpSpPr/>
+        <p:nvPr/>
+      </p:nvGrpSpPr>
+      <p:grpSpPr>
+        <a:xfrm>
+          <a:off x="0" y="0"/>
+          <a:ext cx="0" cy="0"/>
+          <a:chOff x="0" y="0"/>
+          <a:chExt cx="0" cy="0"/>
+        </a:xfrm>
+      </p:grpSpPr>
+      <p:sp useBgFill="1">
+        <p:nvSpPr>
+          <p:cNvPr id="11" name="Rectangle 10">
+            <a:extLst>
+              <a:ext uri="{FF2B5EF4-FFF2-40B4-BE49-F238E27FC236}">
+                <a16:creationId xmlns:a16="http://schemas.microsoft.com/office/drawing/2014/main" id="{1E94681D-2A4C-4A8D-B9B5-31D440D0328D}"/>
+              </a:ext>
+              <a:ext uri="{C183D7F6-B498-43B3-948B-1728B52AA6E4}">
+                <adec:decorative xmlns:adec="http://schemas.microsoft.com/office/drawing/2017/decorative" val="1"/>
+              </a:ext>
+            </a:extLst>
+          </p:cNvPr>
+          <p:cNvSpPr>
+            <a:spLocks noGrp="1" noRot="1" noChangeAspect="1" noMove="1" noResize="1" noEditPoints="1" noAdjustHandles="1" noChangeArrowheads="1" noChangeShapeType="1" noTextEdit="1"/>
+          </p:cNvSpPr>
+          <p:nvPr>
+            <p:extLst>
+              <p:ext uri="{386F3935-93C4-4BCD-93E2-E3B085C9AB24}">
+                <p16:designElem xmlns:p16="http://schemas.microsoft.com/office/powerpoint/2015/main" val="1"/>
+              </p:ext>
+            </p:extLst>
+          </p:nvPr>
+        </p:nvSpPr>
+        <p:spPr>
+          <a:xfrm>
+            <a:off x="0" y="0"/>
+            <a:ext cx="12192000" cy="6858000"/>
+          </a:xfrm>
+          <a:prstGeom prst="rect">
+            <a:avLst/>
+          </a:prstGeom>
+          <a:ln>
+            <a:noFill/>
+          </a:ln>
+        </p:spPr>
+        <p:style>
+          <a:lnRef idx="2">
+            <a:schemeClr val="accent1">
+              <a:shade val="50000"/>
+            </a:schemeClr>
+          </a:lnRef>
+          <a:fillRef idx="1">
+            <a:schemeClr val="accent1"/>
+          </a:fillRef>
+          <a:effectRef idx="0">
+            <a:schemeClr val="accent1"/>
+          </a:effectRef>
+          <a:fontRef idx="minor">
+            <a:schemeClr val="lt1"/>
+          </a:fontRef>
+        </p:style>
+        <p:txBody>
+          <a:bodyPr rtlCol="0" anchor="ctr"/>
+          <a:lstStyle/>
+          <a:p>
+            <a:pPr algn="ctr"/>
+            <a:endParaRPr lang="en-US"/>
+          </a:p>
+        </p:txBody>
+      </p:sp>
+      <p:sp>
+        <p:nvSpPr>
+          <p:cNvPr id="13" name="Rectangle 12">
+            <a:extLst>
+              <a:ext uri="{FF2B5EF4-FFF2-40B4-BE49-F238E27FC236}">
+                <a16:creationId xmlns:a16="http://schemas.microsoft.com/office/drawing/2014/main" id="{04B7AC44-1B7B-4F09-9AA4-3DFDEC5751A8}"/>
+              </a:ext>
+              <a:ext uri="{C183D7F6-B498-43B3-948B-1728B52AA6E4}">
+                <adec:decorative xmlns:adec="http://schemas.microsoft.com/office/drawing/2017/decorative" val="1"/>
+              </a:ext>
+            </a:extLst>
+          </p:cNvPr>
+          <p:cNvSpPr>
+            <a:spLocks noGrp="1" noRot="1" noChangeAspect="1" noMove="1" noResize="1" noEditPoints="1" noAdjustHandles="1" noChangeArrowheads="1" noChangeShapeType="1" noTextEdit="1"/>
+          </p:cNvSpPr>
+          <p:nvPr>
+            <p:extLst>
+              <p:ext uri="{386F3935-93C4-4BCD-93E2-E3B085C9AB24}">
+                <p16:designElem xmlns:p16="http://schemas.microsoft.com/office/powerpoint/2015/main" val="1"/>
+              </p:ext>
+            </p:extLst>
+          </p:nvPr>
+        </p:nvSpPr>
+        <p:spPr>
+          <a:xfrm>
+            <a:off x="234696" y="237744"/>
+            <a:ext cx="11722608" cy="6382512"/>
+          </a:xfrm>
+          <a:prstGeom prst="rect">
+            <a:avLst/>
+          </a:prstGeom>
+          <a:solidFill>
+            <a:schemeClr val="bg1">
+              <a:lumMod val="75000"/>
+              <a:alpha val="60000"/>
+            </a:schemeClr>
+          </a:solidFill>
+          <a:ln w="6350" cap="flat" cmpd="sng" algn="ctr">
+            <a:noFill/>
+            <a:prstDash val="solid"/>
+          </a:ln>
+          <a:effectLst>
+            <a:softEdge rad="0"/>
+          </a:effectLst>
+        </p:spPr>
+      </p:sp>
+      <p:sp>
+        <p:nvSpPr>
+          <p:cNvPr id="15" name="Rectangle 14">
+            <a:extLst>
+              <a:ext uri="{FF2B5EF4-FFF2-40B4-BE49-F238E27FC236}">
+                <a16:creationId xmlns:a16="http://schemas.microsoft.com/office/drawing/2014/main" id="{6683E473-94FF-4ACE-9433-1F14799E8907}"/>
+              </a:ext>
+              <a:ext uri="{C183D7F6-B498-43B3-948B-1728B52AA6E4}">
+                <adec:decorative xmlns:adec="http://schemas.microsoft.com/office/drawing/2017/decorative" val="1"/>
+              </a:ext>
+            </a:extLst>
+          </p:cNvPr>
+          <p:cNvSpPr>
+            <a:spLocks noGrp="1" noRot="1" noChangeAspect="1" noMove="1" noResize="1" noEditPoints="1" noAdjustHandles="1" noChangeArrowheads="1" noChangeShapeType="1" noTextEdit="1"/>
+          </p:cNvSpPr>
+          <p:nvPr>
+            <p:extLst>
+              <p:ext uri="{386F3935-93C4-4BCD-93E2-E3B085C9AB24}">
+                <p16:designElem xmlns:p16="http://schemas.microsoft.com/office/powerpoint/2015/main" val="1"/>
+              </p:ext>
+            </p:extLst>
+          </p:nvPr>
+        </p:nvSpPr>
+        <p:spPr>
+          <a:xfrm>
+            <a:off x="371856" y="374904"/>
+            <a:ext cx="11448288" cy="6108192"/>
+          </a:xfrm>
+          <a:prstGeom prst="rect">
+            <a:avLst/>
+          </a:prstGeom>
+          <a:noFill/>
+          <a:ln w="6350" cap="sq" cmpd="sng" algn="ctr">
+            <a:solidFill>
+              <a:schemeClr val="tx1">
+                <a:lumMod val="85000"/>
+                <a:lumOff val="15000"/>
+              </a:schemeClr>
+            </a:solidFill>
+            <a:prstDash val="solid"/>
+            <a:miter lim="800000"/>
+          </a:ln>
+          <a:effectLst/>
+        </p:spPr>
+      </p:sp>
+      <p:sp>
+        <p:nvSpPr>
+          <p:cNvPr id="17" name="Rectangle 16">
+            <a:extLst>
+              <a:ext uri="{FF2B5EF4-FFF2-40B4-BE49-F238E27FC236}">
+                <a16:creationId xmlns:a16="http://schemas.microsoft.com/office/drawing/2014/main" id="{AEE537B6-098D-494F-9A54-F22CD09775CD}"/>
+              </a:ext>
+              <a:ext uri="{C183D7F6-B498-43B3-948B-1728B52AA6E4}">
+                <adec:decorative xmlns:adec="http://schemas.microsoft.com/office/drawing/2017/decorative" val="1"/>
+              </a:ext>
+            </a:extLst>
+          </p:cNvPr>
+          <p:cNvSpPr>
+            <a:spLocks noGrp="1" noRot="1" noChangeAspect="1" noMove="1" noResize="1" noEditPoints="1" noAdjustHandles="1" noChangeArrowheads="1" noChangeShapeType="1" noTextEdit="1"/>
+          </p:cNvSpPr>
+          <p:nvPr>
+            <p:extLst>
+              <p:ext uri="{386F3935-93C4-4BCD-93E2-E3B085C9AB24}">
+                <p16:designElem xmlns:p16="http://schemas.microsoft.com/office/powerpoint/2015/main" val="1"/>
+              </p:ext>
+            </p:extLst>
+          </p:nvPr>
+        </p:nvSpPr>
+        <p:spPr>
+          <a:xfrm>
+            <a:off x="-1866" y="0"/>
+            <a:ext cx="12193866" cy="6858000"/>
+          </a:xfrm>
+          <a:prstGeom prst="rect">
+            <a:avLst/>
+          </a:prstGeom>
+          <a:solidFill>
+            <a:srgbClr val="FFFFFF"/>
+          </a:solidFill>
+          <a:ln>
+            <a:noFill/>
+          </a:ln>
+        </p:spPr>
+        <p:style>
+          <a:lnRef idx="2">
+            <a:schemeClr val="accent1">
+              <a:shade val="50000"/>
+            </a:schemeClr>
+          </a:lnRef>
+          <a:fillRef idx="1">
+            <a:schemeClr val="accent1"/>
+          </a:fillRef>
+          <a:effectRef idx="0">
+            <a:schemeClr val="accent1"/>
+          </a:effectRef>
+          <a:fontRef idx="minor">
+            <a:schemeClr val="lt1"/>
+          </a:fontRef>
+        </p:style>
+        <p:txBody>
+          <a:bodyPr rtlCol="0" anchor="ctr"/>
+          <a:lstStyle/>
+          <a:p>
+            <a:pPr algn="ctr"/>
+            <a:endParaRPr lang="en-US"/>
+          </a:p>
+        </p:txBody>
+      </p:sp>
+      <p:sp>
+        <p:nvSpPr>
+          <p:cNvPr id="19" name="Rectangle 18">
+            <a:extLst>
+              <a:ext uri="{FF2B5EF4-FFF2-40B4-BE49-F238E27FC236}">
+                <a16:creationId xmlns:a16="http://schemas.microsoft.com/office/drawing/2014/main" id="{07328FD4-8F4F-45D0-B179-C09F34FF8E4F}"/>
+              </a:ext>
+              <a:ext uri="{C183D7F6-B498-43B3-948B-1728B52AA6E4}">
+                <adec:decorative xmlns:adec="http://schemas.microsoft.com/office/drawing/2017/decorative" val="1"/>
+              </a:ext>
+            </a:extLst>
+          </p:cNvPr>
+          <p:cNvSpPr>
+            <a:spLocks noGrp="1" noRot="1" noChangeAspect="1" noMove="1" noResize="1" noEditPoints="1" noAdjustHandles="1" noChangeArrowheads="1" noChangeShapeType="1" noTextEdit="1"/>
+          </p:cNvSpPr>
+          <p:nvPr>
+            <p:extLst>
+              <p:ext uri="{386F3935-93C4-4BCD-93E2-E3B085C9AB24}">
+                <p16:designElem xmlns:p16="http://schemas.microsoft.com/office/powerpoint/2015/main" val="1"/>
+              </p:ext>
+            </p:extLst>
+          </p:nvPr>
+        </p:nvSpPr>
+        <p:spPr>
+          <a:xfrm>
+            <a:off x="398082" y="407588"/>
+            <a:ext cx="5532146" cy="6066184"/>
+          </a:xfrm>
+          <a:prstGeom prst="rect">
+            <a:avLst/>
+          </a:prstGeom>
+          <a:noFill/>
+          <a:ln w="6350" cap="sq" cmpd="sng" algn="ctr">
+            <a:solidFill>
+              <a:srgbClr val="404040"/>
+            </a:solidFill>
+            <a:prstDash val="solid"/>
+            <a:miter lim="800000"/>
+          </a:ln>
+          <a:effectLst/>
+        </p:spPr>
+      </p:sp>
+      <p:pic>
+        <p:nvPicPr>
+          <p:cNvPr id="6" name="Content Placeholder 5">
+            <a:extLst>
+              <a:ext uri="{FF2B5EF4-FFF2-40B4-BE49-F238E27FC236}">
+                <a16:creationId xmlns:a16="http://schemas.microsoft.com/office/drawing/2014/main" id="{6BB53BDE-526E-48E3-89EE-27E1C6395E80}"/>
+              </a:ext>
+            </a:extLst>
+          </p:cNvPr>
+          <p:cNvPicPr>
+            <a:picLocks noGrp="1" noChangeAspect="1"/>
+          </p:cNvPicPr>
+          <p:nvPr>
+            <p:ph sz="half" idx="1"/>
+          </p:nvPr>
+        </p:nvPicPr>
+        <p:blipFill>
+          <a:blip r:embed="rId2">
+            <a:extLst>
+              <a:ext uri="{96DAC541-7B7A-43D3-8B79-37D633B846F1}">
+                <asvg:svgBlip xmlns:asvg="http://schemas.microsoft.com/office/drawing/2016/SVG/main" r:embed="rId3"/>
+              </a:ext>
+            </a:extLst>
+          </a:blip>
+          <a:stretch>
+            <a:fillRect/>
+          </a:stretch>
+        </p:blipFill>
+        <p:spPr>
+          <a:xfrm>
+            <a:off x="882713" y="1188292"/>
+            <a:ext cx="4572418" cy="4525879"/>
+          </a:xfrm>
+          <a:prstGeom prst="rect">
+            <a:avLst/>
+          </a:prstGeom>
+        </p:spPr>
+      </p:pic>
+      <p:sp>
+        <p:nvSpPr>
+          <p:cNvPr id="21" name="Rectangle 20">
+            <a:extLst>
+              <a:ext uri="{FF2B5EF4-FFF2-40B4-BE49-F238E27FC236}">
+                <a16:creationId xmlns:a16="http://schemas.microsoft.com/office/drawing/2014/main" id="{4D22A8B8-E29F-4EB2-95D4-3C24EF234786}"/>
+              </a:ext>
+              <a:ext uri="{C183D7F6-B498-43B3-948B-1728B52AA6E4}">
+                <adec:decorative xmlns:adec="http://schemas.microsoft.com/office/drawing/2017/decorative" val="1"/>
+              </a:ext>
+            </a:extLst>
+          </p:cNvPr>
+          <p:cNvSpPr>
+            <a:spLocks noGrp="1" noRot="1" noChangeAspect="1" noMove="1" noResize="1" noEditPoints="1" noAdjustHandles="1" noChangeArrowheads="1" noChangeShapeType="1" noTextEdit="1"/>
+          </p:cNvSpPr>
+          <p:nvPr>
+            <p:extLst>
+              <p:ext uri="{386F3935-93C4-4BCD-93E2-E3B085C9AB24}">
+                <p16:designElem xmlns:p16="http://schemas.microsoft.com/office/powerpoint/2015/main" val="1"/>
+              </p:ext>
+            </p:extLst>
+          </p:nvPr>
+        </p:nvSpPr>
+        <p:spPr>
+          <a:xfrm>
+            <a:off x="6339709" y="253548"/>
+            <a:ext cx="5612193" cy="6361598"/>
+          </a:xfrm>
+          <a:prstGeom prst="rect">
+            <a:avLst/>
+          </a:prstGeom>
+          <a:solidFill>
+            <a:schemeClr val="bg1">
+              <a:lumMod val="85000"/>
+              <a:alpha val="60000"/>
+            </a:schemeClr>
+          </a:solidFill>
+          <a:ln>
+            <a:noFill/>
+          </a:ln>
+        </p:spPr>
+        <p:style>
+          <a:lnRef idx="2">
+            <a:schemeClr val="accent1">
+              <a:shade val="50000"/>
+            </a:schemeClr>
+          </a:lnRef>
+          <a:fillRef idx="1">
+            <a:schemeClr val="accent1"/>
+          </a:fillRef>
+          <a:effectRef idx="0">
+            <a:schemeClr val="accent1"/>
+          </a:effectRef>
+          <a:fontRef idx="minor">
+            <a:schemeClr val="lt1"/>
+          </a:fontRef>
+        </p:style>
+        <p:txBody>
+          <a:bodyPr rtlCol="0" anchor="ctr"/>
+          <a:lstStyle/>
+          <a:p>
+            <a:pPr algn="ctr"/>
+            <a:endParaRPr lang="en-US"/>
+          </a:p>
+        </p:txBody>
+      </p:sp>
+      <p:sp>
+        <p:nvSpPr>
+          <p:cNvPr id="23" name="Rectangle 22">
+            <a:extLst>
+              <a:ext uri="{FF2B5EF4-FFF2-40B4-BE49-F238E27FC236}">
+                <a16:creationId xmlns:a16="http://schemas.microsoft.com/office/drawing/2014/main" id="{451EF9F5-BAA7-45A5-BD84-F3184FCED115}"/>
+              </a:ext>
+              <a:ext uri="{C183D7F6-B498-43B3-948B-1728B52AA6E4}">
+                <adec:decorative xmlns:adec="http://schemas.microsoft.com/office/drawing/2017/decorative" val="1"/>
+              </a:ext>
+            </a:extLst>
+          </p:cNvPr>
+          <p:cNvSpPr>
+            <a:spLocks noGrp="1" noRot="1" noChangeAspect="1" noMove="1" noResize="1" noEditPoints="1" noAdjustHandles="1" noChangeArrowheads="1" noChangeShapeType="1" noTextEdit="1"/>
+          </p:cNvSpPr>
+          <p:nvPr>
+            <p:extLst>
+              <p:ext uri="{386F3935-93C4-4BCD-93E2-E3B085C9AB24}">
+                <p16:designElem xmlns:p16="http://schemas.microsoft.com/office/powerpoint/2015/main" val="1"/>
+              </p:ext>
+            </p:extLst>
+          </p:nvPr>
+        </p:nvSpPr>
+        <p:spPr>
+          <a:xfrm>
+            <a:off x="6487542" y="407588"/>
+            <a:ext cx="5299768" cy="6022878"/>
+          </a:xfrm>
+          <a:prstGeom prst="rect">
+            <a:avLst/>
+          </a:prstGeom>
+          <a:noFill/>
+          <a:ln w="6350">
+            <a:solidFill>
+              <a:schemeClr val="tx1">
+                <a:lumMod val="75000"/>
+                <a:lumOff val="25000"/>
+              </a:schemeClr>
+            </a:solidFill>
+          </a:ln>
+        </p:spPr>
+        <p:style>
+          <a:lnRef idx="2">
+            <a:schemeClr val="accent1">
+              <a:shade val="50000"/>
+            </a:schemeClr>
+          </a:lnRef>
+          <a:fillRef idx="1">
+            <a:schemeClr val="accent1"/>
+          </a:fillRef>
+          <a:effectRef idx="0">
+            <a:schemeClr val="accent1"/>
+          </a:effectRef>
+          <a:fontRef idx="minor">
+            <a:schemeClr val="lt1"/>
+          </a:fontRef>
+        </p:style>
+        <p:txBody>
+          <a:bodyPr rtlCol="0" anchor="ctr"/>
+          <a:lstStyle/>
+          <a:p>
+            <a:pPr algn="ctr"/>
+            <a:endParaRPr lang="en-US"/>
+          </a:p>
+        </p:txBody>
+      </p:sp>
+      <p:sp>
+        <p:nvSpPr>
+          <p:cNvPr id="2" name="Title 1">
+            <a:extLst>
+              <a:ext uri="{FF2B5EF4-FFF2-40B4-BE49-F238E27FC236}">
+                <a16:creationId xmlns:a16="http://schemas.microsoft.com/office/drawing/2014/main" id="{8F3BB156-0657-4F0C-897D-DE67A2407AA1}"/>
+              </a:ext>
+            </a:extLst>
+          </p:cNvPr>
+          <p:cNvSpPr>
+            <a:spLocks noGrp="1"/>
+          </p:cNvSpPr>
+          <p:nvPr>
+            <p:ph type="title"/>
+          </p:nvPr>
+        </p:nvSpPr>
+        <p:spPr>
+          <a:xfrm>
+            <a:off x="6846137" y="727626"/>
+            <a:ext cx="4602152" cy="1718225"/>
+          </a:xfrm>
+        </p:spPr>
+        <p:txBody>
+          <a:bodyPr vert="horz" lIns="91440" tIns="45720" rIns="91440" bIns="45720" rtlCol="0" anchor="ctr">
+            <a:noAutofit/>
+          </a:bodyPr>
+          <a:lstStyle/>
+          <a:p>
+            <a:r>
+              <a:rPr lang="en-US" dirty="0"/>
+              <a:t>Unemployed People Don’t Invest</a:t>
+            </a:r>
+          </a:p>
+        </p:txBody>
+      </p:sp>
+      <p:sp>
+        <p:nvSpPr>
+          <p:cNvPr id="4" name="Content Placeholder 3">
+            <a:extLst>
+              <a:ext uri="{FF2B5EF4-FFF2-40B4-BE49-F238E27FC236}">
+                <a16:creationId xmlns:a16="http://schemas.microsoft.com/office/drawing/2014/main" id="{B821D5EA-3197-4185-A5DF-295564612957}"/>
+              </a:ext>
+            </a:extLst>
+          </p:cNvPr>
+          <p:cNvSpPr>
+            <a:spLocks noGrp="1"/>
+          </p:cNvSpPr>
+          <p:nvPr>
+            <p:ph sz="half" idx="2"/>
+          </p:nvPr>
+        </p:nvSpPr>
+        <p:spPr>
+          <a:xfrm>
+            <a:off x="6846137" y="2538919"/>
+            <a:ext cx="4602152" cy="3557805"/>
+          </a:xfrm>
+        </p:spPr>
+        <p:txBody>
+          <a:bodyPr vert="horz" lIns="91440" tIns="45720" rIns="91440" bIns="45720" rtlCol="0">
+            <a:normAutofit/>
+          </a:bodyPr>
+          <a:lstStyle/>
+          <a:p>
+            <a:pPr>
+              <a:lnSpc>
+                <a:spcPct val="100000"/>
+              </a:lnSpc>
+            </a:pPr>
+            <a:r>
+              <a:rPr lang="en-US" sz="1600" dirty="0"/>
+              <a:t>The conversion rate for the unemployed is surprisingly high, but not that high</a:t>
+            </a:r>
+          </a:p>
+          <a:p>
+            <a:pPr>
+              <a:lnSpc>
+                <a:spcPct val="100000"/>
+              </a:lnSpc>
+            </a:pPr>
+            <a:r>
+              <a:rPr lang="en-US" sz="1600" dirty="0"/>
+              <a:t>The total sales to unemployed people is predictably low</a:t>
+            </a:r>
+          </a:p>
+          <a:p>
+            <a:pPr>
+              <a:lnSpc>
+                <a:spcPct val="100000"/>
+              </a:lnSpc>
+            </a:pPr>
+            <a:r>
+              <a:rPr lang="en-US" sz="1600" dirty="0"/>
+              <a:t>Students and retirees have the highest average conversion rate</a:t>
+            </a:r>
+          </a:p>
+          <a:p>
+            <a:pPr>
+              <a:lnSpc>
+                <a:spcPct val="100000"/>
+              </a:lnSpc>
+            </a:pPr>
+            <a:r>
+              <a:rPr lang="en-US" sz="1600" dirty="0"/>
+              <a:t>Administrators and technicians have the highest total sales</a:t>
+            </a:r>
+          </a:p>
+        </p:txBody>
+      </p:sp>
+    </p:spTree>
+    <p:extLst>
+      <p:ext uri="{BB962C8B-B14F-4D97-AF65-F5344CB8AC3E}">
+        <p14:creationId xmlns:p14="http://schemas.microsoft.com/office/powerpoint/2010/main" val="3814493540"/>
+      </p:ext>
+    </p:extLst>
+  </p:cSld>
+  <p:clrMapOvr>
+    <a:masterClrMapping/>
+  </p:clrMapOvr>
+</p:sld>
+</file>
+
+<file path=ppt/slides/slide9.xml><?xml version="1.0" encoding="utf-8"?>
+<p:sld xmlns:a="http://schemas.openxmlformats.org/drawingml/2006/main" xmlns:r="http://schemas.openxmlformats.org/officeDocument/2006/relationships" xmlns:p="http://schemas.openxmlformats.org/presentationml/2006/main">
+  <p:cSld>
+    <p:bg>
+      <p:bgPr>
+        <a:solidFill>
+          <a:schemeClr val="bg1"/>
+        </a:solidFill>
+        <a:effectLst/>
+      </p:bgPr>
+    </p:bg>
+    <p:spTree>
+      <p:nvGrpSpPr>
+        <p:cNvPr id="1" name=""/>
+        <p:cNvGrpSpPr/>
+        <p:nvPr/>
+      </p:nvGrpSpPr>
+      <p:grpSpPr>
+        <a:xfrm>
+          <a:off x="0" y="0"/>
+          <a:ext cx="0" cy="0"/>
+          <a:chOff x="0" y="0"/>
+          <a:chExt cx="0" cy="0"/>
+        </a:xfrm>
+      </p:grpSpPr>
+      <p:sp useBgFill="1">
+        <p:nvSpPr>
+          <p:cNvPr id="41" name="Rectangle 40">
+            <a:extLst>
+              <a:ext uri="{FF2B5EF4-FFF2-40B4-BE49-F238E27FC236}">
+                <a16:creationId xmlns:a16="http://schemas.microsoft.com/office/drawing/2014/main" id="{1E94681D-2A4C-4A8D-B9B5-31D440D0328D}"/>
+              </a:ext>
+              <a:ext uri="{C183D7F6-B498-43B3-948B-1728B52AA6E4}">
+                <adec:decorative xmlns:adec="http://schemas.microsoft.com/office/drawing/2017/decorative" val="1"/>
+              </a:ext>
+            </a:extLst>
+          </p:cNvPr>
+          <p:cNvSpPr>
+            <a:spLocks noGrp="1" noRot="1" noChangeAspect="1" noMove="1" noResize="1" noEditPoints="1" noAdjustHandles="1" noChangeArrowheads="1" noChangeShapeType="1" noTextEdit="1"/>
+          </p:cNvSpPr>
+          <p:nvPr>
+            <p:extLst>
+              <p:ext uri="{386F3935-93C4-4BCD-93E2-E3B085C9AB24}">
+                <p16:designElem xmlns:p16="http://schemas.microsoft.com/office/powerpoint/2015/main" val="1"/>
+              </p:ext>
+            </p:extLst>
+          </p:nvPr>
+        </p:nvSpPr>
+        <p:spPr>
+          <a:xfrm>
+            <a:off x="0" y="0"/>
+            <a:ext cx="12192000" cy="6858000"/>
+          </a:xfrm>
+          <a:prstGeom prst="rect">
+            <a:avLst/>
+          </a:prstGeom>
+          <a:ln>
+            <a:noFill/>
+          </a:ln>
+        </p:spPr>
+        <p:style>
+          <a:lnRef idx="2">
+            <a:schemeClr val="accent1">
+              <a:shade val="50000"/>
+            </a:schemeClr>
+          </a:lnRef>
+          <a:fillRef idx="1">
+            <a:schemeClr val="accent1"/>
+          </a:fillRef>
+          <a:effectRef idx="0">
+            <a:schemeClr val="accent1"/>
+          </a:effectRef>
+          <a:fontRef idx="minor">
+            <a:schemeClr val="lt1"/>
+          </a:fontRef>
+        </p:style>
+        <p:txBody>
+          <a:bodyPr rtlCol="0" anchor="ctr"/>
+          <a:lstStyle/>
+          <a:p>
+            <a:pPr algn="ctr"/>
+            <a:endParaRPr lang="en-US"/>
+          </a:p>
+        </p:txBody>
+      </p:sp>
+      <p:sp>
+        <p:nvSpPr>
+          <p:cNvPr id="43" name="Rectangle 42">
+            <a:extLst>
+              <a:ext uri="{FF2B5EF4-FFF2-40B4-BE49-F238E27FC236}">
+                <a16:creationId xmlns:a16="http://schemas.microsoft.com/office/drawing/2014/main" id="{7CBCD26A-BD2E-4E94-A8F8-A4B67923FDFA}"/>
+              </a:ext>
+              <a:ext uri="{C183D7F6-B498-43B3-948B-1728B52AA6E4}">
+                <adec:decorative xmlns:adec="http://schemas.microsoft.com/office/drawing/2017/decorative" val="1"/>
+              </a:ext>
+            </a:extLst>
+          </p:cNvPr>
+          <p:cNvSpPr>
+            <a:spLocks noGrp="1" noRot="1" noChangeAspect="1" noMove="1" noResize="1" noEditPoints="1" noAdjustHandles="1" noChangeArrowheads="1" noChangeShapeType="1" noTextEdit="1"/>
+          </p:cNvSpPr>
+          <p:nvPr>
+            <p:extLst>
+              <p:ext uri="{386F3935-93C4-4BCD-93E2-E3B085C9AB24}">
+                <p16:designElem xmlns:p16="http://schemas.microsoft.com/office/powerpoint/2015/main" val="1"/>
+              </p:ext>
+            </p:extLst>
+          </p:nvPr>
+        </p:nvSpPr>
+        <p:spPr>
+          <a:xfrm>
+            <a:off x="234696" y="237744"/>
+            <a:ext cx="11722608" cy="6382512"/>
+          </a:xfrm>
+          <a:prstGeom prst="rect">
+            <a:avLst/>
+          </a:prstGeom>
+          <a:solidFill>
+            <a:schemeClr val="bg1">
+              <a:lumMod val="75000"/>
+              <a:alpha val="60000"/>
+            </a:schemeClr>
+          </a:solidFill>
+          <a:ln w="6350" cap="flat" cmpd="sng" algn="ctr">
+            <a:noFill/>
+            <a:prstDash val="solid"/>
+          </a:ln>
+          <a:effectLst>
+            <a:softEdge rad="0"/>
+          </a:effectLst>
+        </p:spPr>
+      </p:sp>
+      <p:sp>
+        <p:nvSpPr>
+          <p:cNvPr id="45" name="Rectangle 44">
+            <a:extLst>
+              <a:ext uri="{FF2B5EF4-FFF2-40B4-BE49-F238E27FC236}">
+                <a16:creationId xmlns:a16="http://schemas.microsoft.com/office/drawing/2014/main" id="{ED0D337F-FB00-4E19-BBDA-8485C8ABB506}"/>
+              </a:ext>
+              <a:ext uri="{C183D7F6-B498-43B3-948B-1728B52AA6E4}">
+                <adec:decorative xmlns:adec="http://schemas.microsoft.com/office/drawing/2017/decorative" val="1"/>
+              </a:ext>
+            </a:extLst>
+          </p:cNvPr>
+          <p:cNvSpPr>
+            <a:spLocks noGrp="1" noRot="1" noChangeAspect="1" noMove="1" noResize="1" noEditPoints="1" noAdjustHandles="1" noChangeArrowheads="1" noChangeShapeType="1" noTextEdit="1"/>
+          </p:cNvSpPr>
+          <p:nvPr>
+            <p:extLst>
+              <p:ext uri="{386F3935-93C4-4BCD-93E2-E3B085C9AB24}">
+                <p16:designElem xmlns:p16="http://schemas.microsoft.com/office/powerpoint/2015/main" val="1"/>
+              </p:ext>
+            </p:extLst>
+          </p:nvPr>
+        </p:nvSpPr>
+        <p:spPr>
+          <a:xfrm>
+            <a:off x="371856" y="374904"/>
+            <a:ext cx="11448288" cy="6108192"/>
+          </a:xfrm>
+          <a:prstGeom prst="rect">
+            <a:avLst/>
+          </a:prstGeom>
+          <a:noFill/>
+          <a:ln w="6350" cap="sq" cmpd="sng" algn="ctr">
+            <a:solidFill>
+              <a:schemeClr val="tx1">
+                <a:lumMod val="85000"/>
+                <a:lumOff val="15000"/>
+              </a:schemeClr>
+            </a:solidFill>
+            <a:prstDash val="solid"/>
+            <a:miter lim="800000"/>
+          </a:ln>
+          <a:effectLst/>
+        </p:spPr>
+      </p:sp>
+      <p:sp useBgFill="1">
+        <p:nvSpPr>
+          <p:cNvPr id="47" name="Rectangle 46">
+            <a:extLst>
+              <a:ext uri="{FF2B5EF4-FFF2-40B4-BE49-F238E27FC236}">
+                <a16:creationId xmlns:a16="http://schemas.microsoft.com/office/drawing/2014/main" id="{78632963-757B-40C2-BB84-FC6107A54DAD}"/>
+              </a:ext>
+              <a:ext uri="{C183D7F6-B498-43B3-948B-1728B52AA6E4}">
+                <adec:decorative xmlns:adec="http://schemas.microsoft.com/office/drawing/2017/decorative" val="1"/>
+              </a:ext>
+            </a:extLst>
+          </p:cNvPr>
+          <p:cNvSpPr>
+            <a:spLocks noGrp="1" noRot="1" noChangeAspect="1" noMove="1" noResize="1" noEditPoints="1" noAdjustHandles="1" noChangeArrowheads="1" noChangeShapeType="1" noTextEdit="1"/>
+          </p:cNvSpPr>
+          <p:nvPr>
+            <p:extLst>
+              <p:ext uri="{386F3935-93C4-4BCD-93E2-E3B085C9AB24}">
+                <p16:designElem xmlns:p16="http://schemas.microsoft.com/office/powerpoint/2015/main" val="1"/>
+              </p:ext>
+            </p:extLst>
+          </p:nvPr>
+        </p:nvSpPr>
+        <p:spPr>
+          <a:xfrm>
+            <a:off x="-1866" y="0"/>
+            <a:ext cx="12193866" cy="6858000"/>
+          </a:xfrm>
+          <a:prstGeom prst="rect">
+            <a:avLst/>
+          </a:prstGeom>
+          <a:ln>
+            <a:noFill/>
+          </a:ln>
+        </p:spPr>
+        <p:style>
+          <a:lnRef idx="2">
+            <a:schemeClr val="accent1">
+              <a:shade val="50000"/>
+            </a:schemeClr>
+          </a:lnRef>
+          <a:fillRef idx="1">
+            <a:schemeClr val="accent1"/>
+          </a:fillRef>
+          <a:effectRef idx="0">
+            <a:schemeClr val="accent1"/>
+          </a:effectRef>
+          <a:fontRef idx="minor">
+            <a:schemeClr val="lt1"/>
+          </a:fontRef>
+        </p:style>
+        <p:txBody>
+          <a:bodyPr rtlCol="0" anchor="ctr"/>
+          <a:lstStyle/>
+          <a:p>
+            <a:pPr algn="ctr"/>
+            <a:endParaRPr lang="en-US" dirty="0"/>
+          </a:p>
+        </p:txBody>
+      </p:sp>
+      <p:sp>
+        <p:nvSpPr>
+          <p:cNvPr id="49" name="Rectangle 48">
+            <a:extLst>
+              <a:ext uri="{FF2B5EF4-FFF2-40B4-BE49-F238E27FC236}">
+                <a16:creationId xmlns:a16="http://schemas.microsoft.com/office/drawing/2014/main" id="{2853AE55-7E35-44B0-89F1-3F52B262AF33}"/>
+              </a:ext>
+              <a:ext uri="{C183D7F6-B498-43B3-948B-1728B52AA6E4}">
+                <adec:decorative xmlns:adec="http://schemas.microsoft.com/office/drawing/2017/decorative" val="1"/>
+              </a:ext>
+            </a:extLst>
+          </p:cNvPr>
+          <p:cNvSpPr>
+            <a:spLocks noGrp="1" noRot="1" noChangeAspect="1" noMove="1" noResize="1" noEditPoints="1" noAdjustHandles="1" noChangeArrowheads="1" noChangeShapeType="1" noTextEdit="1"/>
+          </p:cNvSpPr>
+          <p:nvPr>
+            <p:extLst>
+              <p:ext uri="{386F3935-93C4-4BCD-93E2-E3B085C9AB24}">
+                <p16:designElem xmlns:p16="http://schemas.microsoft.com/office/powerpoint/2015/main" val="1"/>
+              </p:ext>
+            </p:extLst>
+          </p:nvPr>
+        </p:nvSpPr>
+        <p:spPr>
+          <a:xfrm>
+            <a:off x="6339709" y="253548"/>
+            <a:ext cx="5612193" cy="6361598"/>
+          </a:xfrm>
+          <a:prstGeom prst="rect">
+            <a:avLst/>
+          </a:prstGeom>
+          <a:solidFill>
+            <a:schemeClr val="bg1">
+              <a:lumMod val="75000"/>
+              <a:alpha val="60000"/>
+            </a:schemeClr>
+          </a:solidFill>
+          <a:ln>
+            <a:noFill/>
+          </a:ln>
+        </p:spPr>
+        <p:style>
+          <a:lnRef idx="2">
+            <a:schemeClr val="accent1">
+              <a:shade val="50000"/>
+            </a:schemeClr>
+          </a:lnRef>
+          <a:fillRef idx="1">
+            <a:schemeClr val="accent1"/>
+          </a:fillRef>
+          <a:effectRef idx="0">
+            <a:schemeClr val="accent1"/>
+          </a:effectRef>
+          <a:fontRef idx="minor">
+            <a:schemeClr val="lt1"/>
+          </a:fontRef>
+        </p:style>
+        <p:txBody>
+          <a:bodyPr rtlCol="0" anchor="ctr"/>
+          <a:lstStyle/>
+          <a:p>
+            <a:pPr algn="ctr"/>
+            <a:endParaRPr lang="en-US"/>
+          </a:p>
+        </p:txBody>
+      </p:sp>
+      <p:sp>
+        <p:nvSpPr>
+          <p:cNvPr id="51" name="Rectangle 50">
+            <a:extLst>
+              <a:ext uri="{FF2B5EF4-FFF2-40B4-BE49-F238E27FC236}">
+                <a16:creationId xmlns:a16="http://schemas.microsoft.com/office/drawing/2014/main" id="{DBC4BE4D-4B50-4F51-9F85-4B5D60B02D81}"/>
+              </a:ext>
+              <a:ext uri="{C183D7F6-B498-43B3-948B-1728B52AA6E4}">
+                <adec:decorative xmlns:adec="http://schemas.microsoft.com/office/drawing/2017/decorative" val="1"/>
+              </a:ext>
+            </a:extLst>
+          </p:cNvPr>
+          <p:cNvSpPr>
+            <a:spLocks noGrp="1" noRot="1" noChangeAspect="1" noMove="1" noResize="1" noEditPoints="1" noAdjustHandles="1" noChangeArrowheads="1" noChangeShapeType="1" noTextEdit="1"/>
+          </p:cNvSpPr>
+          <p:nvPr>
+            <p:extLst>
+              <p:ext uri="{386F3935-93C4-4BCD-93E2-E3B085C9AB24}">
+                <p16:designElem xmlns:p16="http://schemas.microsoft.com/office/powerpoint/2015/main" val="1"/>
+              </p:ext>
+            </p:extLst>
+          </p:nvPr>
+        </p:nvSpPr>
+        <p:spPr>
+          <a:xfrm>
+            <a:off x="6487542" y="407588"/>
+            <a:ext cx="5299768" cy="6022878"/>
+          </a:xfrm>
+          <a:prstGeom prst="rect">
+            <a:avLst/>
+          </a:prstGeom>
+          <a:noFill/>
+          <a:ln w="6350">
+            <a:solidFill>
+              <a:schemeClr val="tx1">
+                <a:lumMod val="75000"/>
+                <a:lumOff val="25000"/>
+              </a:schemeClr>
+            </a:solidFill>
+          </a:ln>
+        </p:spPr>
+        <p:style>
+          <a:lnRef idx="2">
+            <a:schemeClr val="accent1">
+              <a:shade val="50000"/>
+            </a:schemeClr>
+          </a:lnRef>
+          <a:fillRef idx="1">
+            <a:schemeClr val="accent1"/>
+          </a:fillRef>
+          <a:effectRef idx="0">
+            <a:schemeClr val="accent1"/>
+          </a:effectRef>
+          <a:fontRef idx="minor">
+            <a:schemeClr val="lt1"/>
+          </a:fontRef>
+        </p:style>
+        <p:txBody>
+          <a:bodyPr rtlCol="0" anchor="ctr"/>
+          <a:lstStyle/>
+          <a:p>
+            <a:pPr algn="ctr"/>
+            <a:endParaRPr lang="en-US"/>
+          </a:p>
+        </p:txBody>
+      </p:sp>
+      <p:sp>
+        <p:nvSpPr>
+          <p:cNvPr id="2" name="Title 1">
+            <a:extLst>
+              <a:ext uri="{FF2B5EF4-FFF2-40B4-BE49-F238E27FC236}">
+                <a16:creationId xmlns:a16="http://schemas.microsoft.com/office/drawing/2014/main" id="{D1377214-098C-43FD-85FB-541E1A269C81}"/>
+              </a:ext>
+            </a:extLst>
+          </p:cNvPr>
+          <p:cNvSpPr>
+            <a:spLocks noGrp="1"/>
+          </p:cNvSpPr>
+          <p:nvPr>
+            <p:ph type="title"/>
+          </p:nvPr>
+        </p:nvSpPr>
+        <p:spPr>
+          <a:xfrm>
+            <a:off x="6846137" y="804073"/>
+            <a:ext cx="4602152" cy="1345449"/>
+          </a:xfrm>
+        </p:spPr>
+        <p:txBody>
+          <a:bodyPr vert="horz" lIns="91440" tIns="45720" rIns="91440" bIns="45720" rtlCol="0" anchor="ctr">
+            <a:normAutofit/>
+          </a:bodyPr>
+          <a:lstStyle/>
+          <a:p>
+            <a:r>
+              <a:rPr lang="en-US" sz="3700"/>
+              <a:t>Previous Success is a Major Predictor</a:t>
+            </a:r>
+          </a:p>
+        </p:txBody>
+      </p:sp>
+      <p:pic>
+        <p:nvPicPr>
+          <p:cNvPr id="21" name="Graphic 20">
+            <a:extLst>
+              <a:ext uri="{FF2B5EF4-FFF2-40B4-BE49-F238E27FC236}">
+                <a16:creationId xmlns:a16="http://schemas.microsoft.com/office/drawing/2014/main" id="{59AF7B45-6BF6-40D7-9D2B-2C2550B33D06}"/>
+              </a:ext>
+            </a:extLst>
+          </p:cNvPr>
+          <p:cNvPicPr>
+            <a:picLocks noChangeAspect="1"/>
+          </p:cNvPicPr>
+          <p:nvPr/>
+        </p:nvPicPr>
+        <p:blipFill>
+          <a:blip r:embed="rId2">
+            <a:extLst>
+              <a:ext uri="{96DAC541-7B7A-43D3-8B79-37D633B846F1}">
+                <asvg:svgBlip xmlns:asvg="http://schemas.microsoft.com/office/drawing/2016/SVG/main" r:embed="rId3"/>
+              </a:ext>
+            </a:extLst>
+          </a:blip>
+          <a:stretch>
+            <a:fillRect/>
+          </a:stretch>
+        </p:blipFill>
+        <p:spPr>
+          <a:xfrm>
+            <a:off x="552522" y="3466819"/>
+            <a:ext cx="5299770" cy="2592338"/>
+          </a:xfrm>
+          <a:prstGeom prst="rect">
+            <a:avLst/>
+          </a:prstGeom>
+        </p:spPr>
+      </p:pic>
+      <p:sp>
+        <p:nvSpPr>
+          <p:cNvPr id="19" name="Content Placeholder 18">
+            <a:extLst>
+              <a:ext uri="{FF2B5EF4-FFF2-40B4-BE49-F238E27FC236}">
+                <a16:creationId xmlns:a16="http://schemas.microsoft.com/office/drawing/2014/main" id="{886245DD-83CB-40AC-84DF-2B5A618F1435}"/>
+              </a:ext>
+            </a:extLst>
+          </p:cNvPr>
+          <p:cNvSpPr>
+            <a:spLocks noGrp="1"/>
+          </p:cNvSpPr>
+          <p:nvPr>
+            <p:ph sz="half" idx="1"/>
+          </p:nvPr>
+        </p:nvSpPr>
+        <p:spPr>
+          <a:xfrm>
+            <a:off x="6846137" y="2303563"/>
+            <a:ext cx="4602152" cy="3715424"/>
+          </a:xfrm>
+        </p:spPr>
+        <p:txBody>
+          <a:bodyPr vert="horz" lIns="91440" tIns="45720" rIns="91440" bIns="45720" rtlCol="0">
+            <a:normAutofit/>
+          </a:bodyPr>
+          <a:lstStyle/>
+          <a:p>
+            <a:pPr>
+              <a:lnSpc>
+                <a:spcPct val="100000"/>
+              </a:lnSpc>
+            </a:pPr>
+            <a:r>
+              <a:rPr lang="en-US" sz="1400" dirty="0"/>
+              <a:t>Previous success is one of the biggest predictors of future success</a:t>
+            </a:r>
+          </a:p>
+          <a:p>
+            <a:pPr>
+              <a:lnSpc>
+                <a:spcPct val="100000"/>
+              </a:lnSpc>
+            </a:pPr>
+            <a:r>
+              <a:rPr lang="en-US" sz="1400" dirty="0"/>
+              <a:t>Unfortunately, only about ~14% of the customers were previously contacted, and of those only ~3% made a deal</a:t>
+            </a:r>
+          </a:p>
+          <a:p>
+            <a:pPr>
+              <a:lnSpc>
+                <a:spcPct val="100000"/>
+              </a:lnSpc>
+            </a:pPr>
+            <a:r>
+              <a:rPr lang="en-US" sz="1400" dirty="0"/>
+              <a:t>Cell phones are more popular than landlines, but other than that it’s unclear why they have a relationship with conversion</a:t>
+            </a:r>
+          </a:p>
+          <a:p>
+            <a:pPr>
+              <a:lnSpc>
+                <a:spcPct val="100000"/>
+              </a:lnSpc>
+            </a:pPr>
+            <a:endParaRPr lang="en-US" sz="1400" dirty="0"/>
+          </a:p>
+          <a:p>
+            <a:pPr marL="0" indent="0">
+              <a:lnSpc>
+                <a:spcPct val="100000"/>
+              </a:lnSpc>
+              <a:buNone/>
+            </a:pPr>
+            <a:r>
+              <a:rPr lang="en-US" sz="1400" b="1" dirty="0"/>
+              <a:t>Recommendation:</a:t>
+            </a:r>
+          </a:p>
+          <a:p>
+            <a:pPr marL="0" indent="0">
+              <a:lnSpc>
+                <a:spcPct val="100000"/>
+              </a:lnSpc>
+              <a:buNone/>
+            </a:pPr>
+            <a:r>
+              <a:rPr lang="en-US" sz="1400" dirty="0"/>
+              <a:t>Spend your energy and resources returning to previous customers who were receptive to marketing.</a:t>
+            </a:r>
+          </a:p>
+          <a:p>
+            <a:pPr>
+              <a:lnSpc>
+                <a:spcPct val="100000"/>
+              </a:lnSpc>
+            </a:pPr>
+            <a:endParaRPr lang="en-US" sz="1400" dirty="0"/>
+          </a:p>
+        </p:txBody>
+      </p:sp>
+      <p:pic>
+        <p:nvPicPr>
+          <p:cNvPr id="4" name="Graphic 3">
+            <a:extLst>
+              <a:ext uri="{FF2B5EF4-FFF2-40B4-BE49-F238E27FC236}">
+                <a16:creationId xmlns:a16="http://schemas.microsoft.com/office/drawing/2014/main" id="{883E0475-4A8F-421A-BA9A-9888FBFCAB0E}"/>
+              </a:ext>
+            </a:extLst>
+          </p:cNvPr>
+          <p:cNvPicPr>
+            <a:picLocks noChangeAspect="1"/>
+          </p:cNvPicPr>
+          <p:nvPr/>
+        </p:nvPicPr>
+        <p:blipFill>
+          <a:blip r:embed="rId4">
+            <a:extLst>
+              <a:ext uri="{96DAC541-7B7A-43D3-8B79-37D633B846F1}">
+                <asvg:svgBlip xmlns:asvg="http://schemas.microsoft.com/office/drawing/2016/SVG/main" r:embed="rId5"/>
+              </a:ext>
+            </a:extLst>
+          </a:blip>
+          <a:stretch>
+            <a:fillRect/>
+          </a:stretch>
+        </p:blipFill>
+        <p:spPr>
+          <a:xfrm>
+            <a:off x="708372" y="555880"/>
+            <a:ext cx="5055939" cy="2633168"/>
+          </a:xfrm>
+          <a:prstGeom prst="rect">
+            <a:avLst/>
+          </a:prstGeom>
+        </p:spPr>
+      </p:pic>
+    </p:spTree>
+    <p:extLst>
+      <p:ext uri="{BB962C8B-B14F-4D97-AF65-F5344CB8AC3E}">
+        <p14:creationId xmlns:p14="http://schemas.microsoft.com/office/powerpoint/2010/main" val="1973002747"/>
       </p:ext>
     </p:extLst>
   </p:cSld>
@@ -11160,21 +12365,21 @@
 </file>
 
 <file path=customXml/item2.xml><?xml version="1.0" encoding="utf-8"?>
+<p:properties xmlns:p="http://schemas.microsoft.com/office/2006/metadata/properties" xmlns:xsi="http://www.w3.org/2001/XMLSchema-instance" xmlns:pc="http://schemas.microsoft.com/office/infopath/2007/PartnerControls">
+  <documentManagement>
+    <Status xmlns="71af3243-3dd4-4a8d-8c0d-dd76da1f02a5">Not started</Status>
+    <MediaServiceKeyPoints xmlns="71af3243-3dd4-4a8d-8c0d-dd76da1f02a5" xsi:nil="true"/>
+  </documentManagement>
+</p:properties>
+</file>
+
+<file path=customXml/item3.xml><?xml version="1.0" encoding="utf-8"?>
 <?mso-contentType ?>
 <FormTemplates xmlns="http://schemas.microsoft.com/sharepoint/v3/contenttype/forms">
   <Display>DocumentLibraryForm</Display>
   <Edit>DocumentLibraryForm</Edit>
   <New>DocumentLibraryForm</New>
 </FormTemplates>
-</file>
-
-<file path=customXml/item3.xml><?xml version="1.0" encoding="utf-8"?>
-<p:properties xmlns:p="http://schemas.microsoft.com/office/2006/metadata/properties" xmlns:xsi="http://www.w3.org/2001/XMLSchema-instance" xmlns:pc="http://schemas.microsoft.com/office/infopath/2007/PartnerControls">
-  <documentManagement>
-    <Status xmlns="71af3243-3dd4-4a8d-8c0d-dd76da1f02a5">Not started</Status>
-    <MediaServiceKeyPoints xmlns="71af3243-3dd4-4a8d-8c0d-dd76da1f02a5" xsi:nil="true"/>
-  </documentManagement>
-</p:properties>
 </file>
 
 <file path=customXml/itemProps1.xml><?xml version="1.0" encoding="utf-8"?>
@@ -11197,14 +12402,6 @@
 </file>
 
 <file path=customXml/itemProps2.xml><?xml version="1.0" encoding="utf-8"?>
-<ds:datastoreItem xmlns:ds="http://schemas.openxmlformats.org/officeDocument/2006/customXml" ds:itemID="{AE2713E1-6312-427E-BFCB-C5A5DA301373}">
-  <ds:schemaRefs>
-    <ds:schemaRef ds:uri="http://schemas.microsoft.com/sharepoint/v3/contenttype/forms"/>
-  </ds:schemaRefs>
-</ds:datastoreItem>
-</file>
-
-<file path=customXml/itemProps3.xml><?xml version="1.0" encoding="utf-8"?>
 <ds:datastoreItem xmlns:ds="http://schemas.openxmlformats.org/officeDocument/2006/customXml" ds:itemID="{52F3B215-496E-4790-A364-7C1C46DEC771}">
   <ds:schemaRefs>
     <ds:schemaRef ds:uri="71af3243-3dd4-4a8d-8c0d-dd76da1f02a5"/>
@@ -11219,4 +12416,12 @@
     <ds:schemaRef ds:uri="16c05727-aa75-4e4a-9b5f-8a80a1165891"/>
   </ds:schemaRefs>
 </ds:datastoreItem>
+</file>
+
+<file path=customXml/itemProps3.xml><?xml version="1.0" encoding="utf-8"?>
+<ds:datastoreItem xmlns:ds="http://schemas.openxmlformats.org/officeDocument/2006/customXml" ds:itemID="{AE2713E1-6312-427E-BFCB-C5A5DA301373}">
+  <ds:schemaRefs>
+    <ds:schemaRef ds:uri="http://schemas.microsoft.com/sharepoint/v3/contenttype/forms"/>
+  </ds:schemaRefs>
+</ds:datastoreItem>
 </file>